--- a/doc/2021-12_TriXX_ITTage.pptx
+++ b/doc/2021-12_TriXX_ITTage.pptx
@@ -5,39 +5,38 @@
     <p:sldMasterId id="2147483648" r:id="rId1"/>
   </p:sldMasterIdLst>
   <p:notesMasterIdLst>
-    <p:notesMasterId r:id="rId29"/>
+    <p:notesMasterId r:id="rId28"/>
   </p:notesMasterIdLst>
   <p:handoutMasterIdLst>
-    <p:handoutMasterId r:id="rId30"/>
+    <p:handoutMasterId r:id="rId29"/>
   </p:handoutMasterIdLst>
   <p:sldIdLst>
-    <p:sldId id="347" r:id="rId2"/>
-    <p:sldId id="346" r:id="rId3"/>
-    <p:sldId id="256" r:id="rId4"/>
-    <p:sldId id="304" r:id="rId5"/>
-    <p:sldId id="322" r:id="rId6"/>
-    <p:sldId id="306" r:id="rId7"/>
-    <p:sldId id="324" r:id="rId8"/>
-    <p:sldId id="328" r:id="rId9"/>
-    <p:sldId id="335" r:id="rId10"/>
-    <p:sldId id="342" r:id="rId11"/>
-    <p:sldId id="325" r:id="rId12"/>
-    <p:sldId id="326" r:id="rId13"/>
-    <p:sldId id="330" r:id="rId14"/>
-    <p:sldId id="337" r:id="rId15"/>
-    <p:sldId id="336" r:id="rId16"/>
-    <p:sldId id="340" r:id="rId17"/>
-    <p:sldId id="339" r:id="rId18"/>
-    <p:sldId id="341" r:id="rId19"/>
-    <p:sldId id="343" r:id="rId20"/>
-    <p:sldId id="345" r:id="rId21"/>
-    <p:sldId id="333" r:id="rId22"/>
-    <p:sldId id="344" r:id="rId23"/>
-    <p:sldId id="338" r:id="rId24"/>
-    <p:sldId id="327" r:id="rId25"/>
-    <p:sldId id="329" r:id="rId26"/>
-    <p:sldId id="334" r:id="rId27"/>
-    <p:sldId id="323" r:id="rId28"/>
+    <p:sldId id="346" r:id="rId2"/>
+    <p:sldId id="256" r:id="rId3"/>
+    <p:sldId id="304" r:id="rId4"/>
+    <p:sldId id="322" r:id="rId5"/>
+    <p:sldId id="306" r:id="rId6"/>
+    <p:sldId id="324" r:id="rId7"/>
+    <p:sldId id="328" r:id="rId8"/>
+    <p:sldId id="335" r:id="rId9"/>
+    <p:sldId id="342" r:id="rId10"/>
+    <p:sldId id="325" r:id="rId11"/>
+    <p:sldId id="326" r:id="rId12"/>
+    <p:sldId id="330" r:id="rId13"/>
+    <p:sldId id="337" r:id="rId14"/>
+    <p:sldId id="336" r:id="rId15"/>
+    <p:sldId id="340" r:id="rId16"/>
+    <p:sldId id="339" r:id="rId17"/>
+    <p:sldId id="341" r:id="rId18"/>
+    <p:sldId id="343" r:id="rId19"/>
+    <p:sldId id="345" r:id="rId20"/>
+    <p:sldId id="333" r:id="rId21"/>
+    <p:sldId id="344" r:id="rId22"/>
+    <p:sldId id="338" r:id="rId23"/>
+    <p:sldId id="327" r:id="rId24"/>
+    <p:sldId id="329" r:id="rId25"/>
+    <p:sldId id="334" r:id="rId26"/>
+    <p:sldId id="323" r:id="rId27"/>
   </p:sldIdLst>
   <p:sldSz cx="9144000" cy="5143500" type="screen16x9"/>
   <p:notesSz cx="6858000" cy="9144000"/>
@@ -1021,7 +1020,7 @@
           <a:p>
             <a:fld id="{636B5682-7B65-4740-A04A-D1EDC2EC6356}" type="slidenum">
               <a:rPr lang="de-DE" smtClean="0"/>
-              <a:t>3</a:t>
+              <a:t>2</a:t>
             </a:fld>
             <a:endParaRPr lang="de-DE"/>
           </a:p>
@@ -1105,7 +1104,7 @@
           <a:p>
             <a:fld id="{636B5682-7B65-4740-A04A-D1EDC2EC6356}" type="slidenum">
               <a:rPr lang="de-DE" smtClean="0"/>
-              <a:t>10</a:t>
+              <a:t>9</a:t>
             </a:fld>
             <a:endParaRPr lang="de-DE"/>
           </a:p>
@@ -1189,7 +1188,7 @@
           <a:p>
             <a:fld id="{636B5682-7B65-4740-A04A-D1EDC2EC6356}" type="slidenum">
               <a:rPr lang="de-DE" smtClean="0"/>
-              <a:t>14</a:t>
+              <a:t>13</a:t>
             </a:fld>
             <a:endParaRPr lang="de-DE"/>
           </a:p>
@@ -1273,7 +1272,7 @@
           <a:p>
             <a:fld id="{636B5682-7B65-4740-A04A-D1EDC2EC6356}" type="slidenum">
               <a:rPr lang="de-DE" smtClean="0"/>
-              <a:t>27</a:t>
+              <a:t>26</a:t>
             </a:fld>
             <a:endParaRPr lang="de-DE"/>
           </a:p>
@@ -6386,7 +6385,7 @@
           </a:prstGeom>
           <a:extLst>
             <a:ext uri="{C572A759-6A51-4108-AA02-DFA0A04FC94B}">
-              <ma14:wrappingTextBoxFlag xmlns:ma14="http://schemas.microsoft.com/office/mac/drawingml/2011/main" xmlns="" val="1"/>
+              <ma14:wrappingTextBoxFlag xmlns="" xmlns:ma14="http://schemas.microsoft.com/office/mac/drawingml/2011/main" val="1"/>
             </a:ext>
           </a:extLst>
         </p:spPr>
@@ -10643,6 +10642,36 @@
           <a:chExt cx="0" cy="0"/>
         </a:xfrm>
       </p:grpSpPr>
+      <p:pic>
+        <p:nvPicPr>
+          <p:cNvPr id="2" name="Grafik 1">
+            <a:extLst>
+              <a:ext uri="{FF2B5EF4-FFF2-40B4-BE49-F238E27FC236}">
+                <a16:creationId xmlns:a16="http://schemas.microsoft.com/office/drawing/2014/main" id="{9EB75C3A-905B-4845-A869-1A26AF403A7A}"/>
+              </a:ext>
+            </a:extLst>
+          </p:cNvPr>
+          <p:cNvPicPr>
+            <a:picLocks noChangeAspect="1"/>
+          </p:cNvPicPr>
+          <p:nvPr/>
+        </p:nvPicPr>
+        <p:blipFill>
+          <a:blip r:embed="rId2"/>
+          <a:stretch>
+            <a:fillRect/>
+          </a:stretch>
+        </p:blipFill>
+        <p:spPr>
+          <a:xfrm>
+            <a:off x="0" y="0"/>
+            <a:ext cx="9144000" cy="5143500"/>
+          </a:xfrm>
+          <a:prstGeom prst="rect">
+            <a:avLst/>
+          </a:prstGeom>
+        </p:spPr>
+      </p:pic>
       <p:sp>
         <p:nvSpPr>
           <p:cNvPr id="12" name="Shape 119">
@@ -10659,7 +10688,7 @@
         </p:nvSpPr>
         <p:spPr>
           <a:xfrm>
-            <a:off x="482667" y="3316085"/>
+            <a:off x="544452" y="2540927"/>
             <a:ext cx="5395485" cy="1016076"/>
           </a:xfrm>
           <a:prstGeom prst="rect">
@@ -10670,7 +10699,7 @@
           </a:ln>
           <a:extLst>
             <a:ext uri="{C572A759-6A51-4108-AA02-DFA0A04FC94B}">
-              <ma14:wrappingTextBoxFlag xmlns:ma14="http://schemas.microsoft.com/office/mac/drawingml/2011/main" xmlns="" val="1"/>
+              <ma14:wrappingTextBoxFlag xmlns="" xmlns:ma14="http://schemas.microsoft.com/office/mac/drawingml/2011/main" val="1"/>
             </a:ext>
           </a:extLst>
         </p:spPr>
@@ -10963,32 +10992,7 @@
                 <a:cs typeface="Arial"/>
                 <a:sym typeface="Arial"/>
               </a:rPr>
-              <a:t>Titel</a:t>
-            </a:r>
-          </a:p>
-          <a:p>
-            <a:pPr algn="l" defTabSz="227978" hangingPunct="1">
-              <a:defRPr sz="8800">
-                <a:solidFill>
-                  <a:srgbClr val="FFFFFF"/>
-                </a:solidFill>
-                <a:latin typeface="Arial"/>
-                <a:ea typeface="Arial"/>
-                <a:cs typeface="Arial"/>
-                <a:sym typeface="Arial"/>
-              </a:defRPr>
-            </a:pPr>
-            <a:r>
-              <a:rPr lang="de-DE" sz="3600" dirty="0">
-                <a:solidFill>
-                  <a:schemeClr val="bg1"/>
-                </a:solidFill>
-                <a:latin typeface="Arial"/>
-                <a:ea typeface="Arial"/>
-                <a:cs typeface="Arial"/>
-                <a:sym typeface="Arial"/>
-              </a:rPr>
-              <a:t>der Session</a:t>
+              <a:t>TriXX</a:t>
             </a:r>
           </a:p>
         </p:txBody>
@@ -11007,8 +11011,8 @@
         </p:nvSpPr>
         <p:spPr>
           <a:xfrm>
-            <a:off x="544452" y="2592276"/>
-            <a:ext cx="2405706" cy="361878"/>
+            <a:off x="544452" y="2359988"/>
+            <a:ext cx="1491995" cy="361878"/>
           </a:xfrm>
           <a:prstGeom prst="rect">
             <a:avLst/>
@@ -11018,7 +11022,7 @@
           </a:ln>
           <a:extLst>
             <a:ext uri="{C572A759-6A51-4108-AA02-DFA0A04FC94B}">
-              <ma14:wrappingTextBoxFlag xmlns="" xmlns:ma14="http://schemas.microsoft.com/office/mac/drawingml/2011/main" val="1"/>
+              <ma14:wrappingTextBoxFlag xmlns:ma14="http://schemas.microsoft.com/office/mac/drawingml/2011/main" xmlns="" val="1"/>
             </a:ext>
           </a:extLst>
         </p:spPr>
@@ -11042,28 +11046,12 @@
           <a:p>
             <a:pPr algn="l"/>
             <a:r>
-              <a:rPr sz="2000" dirty="0" err="1">
+              <a:rPr lang="de-DE" sz="2000" dirty="0">
                 <a:solidFill>
                   <a:schemeClr val="bg1"/>
                 </a:solidFill>
               </a:rPr>
-              <a:t>Vorname</a:t>
-            </a:r>
-            <a:r>
-              <a:rPr sz="2000" dirty="0">
-                <a:solidFill>
-                  <a:schemeClr val="bg1"/>
-                </a:solidFill>
-              </a:rPr>
-              <a:t> </a:t>
-            </a:r>
-            <a:r>
-              <a:rPr sz="2000" dirty="0" err="1">
-                <a:solidFill>
-                  <a:schemeClr val="bg1"/>
-                </a:solidFill>
-              </a:rPr>
-              <a:t>Nachname</a:t>
+              <a:t>Peter Ramm</a:t>
             </a:r>
             <a:endParaRPr sz="2000" dirty="0">
               <a:solidFill>
@@ -11087,8 +11075,8 @@
         </p:nvSpPr>
         <p:spPr>
           <a:xfrm>
-            <a:off x="544452" y="4353149"/>
-            <a:ext cx="1506422" cy="361878"/>
+            <a:off x="544452" y="3787146"/>
+            <a:ext cx="4515921" cy="977431"/>
           </a:xfrm>
           <a:prstGeom prst="rect">
             <a:avLst/>
@@ -11098,12 +11086,12 @@
           </a:ln>
           <a:extLst>
             <a:ext uri="{C572A759-6A51-4108-AA02-DFA0A04FC94B}">
-              <ma14:wrappingTextBoxFlag xmlns="" xmlns:ma14="http://schemas.microsoft.com/office/mac/drawingml/2011/main" val="1"/>
+              <ma14:wrappingTextBoxFlag xmlns:ma14="http://schemas.microsoft.com/office/mac/drawingml/2011/main" xmlns="" val="1"/>
             </a:ext>
           </a:extLst>
         </p:spPr>
         <p:txBody>
-          <a:bodyPr wrap="none" lIns="26789" tIns="26789" rIns="26789" bIns="26789" anchor="ctr">
+          <a:bodyPr wrap="square" lIns="26789" tIns="26789" rIns="26789" bIns="26789" anchor="ctr">
             <a:spAutoFit/>
           </a:bodyPr>
           <a:lstStyle>
@@ -11122,28 +11110,34 @@
           <a:p>
             <a:pPr algn="l"/>
             <a:r>
-              <a:rPr sz="2000" dirty="0" err="1">
+              <a:rPr lang="de-DE" sz="2000" dirty="0">
                 <a:solidFill>
                   <a:schemeClr val="bg1"/>
                 </a:solidFill>
               </a:rPr>
-              <a:t>ggf</a:t>
-            </a:r>
-            <a:r>
-              <a:rPr sz="2000" dirty="0">
+              <a:t>Leichtgewichtiges Tool für </a:t>
+            </a:r>
+          </a:p>
+          <a:p>
+            <a:pPr algn="l"/>
+            <a:r>
+              <a:rPr lang="de-DE" sz="2000" dirty="0">
                 <a:solidFill>
                   <a:schemeClr val="bg1"/>
                 </a:solidFill>
               </a:rPr>
-              <a:t> </a:t>
-            </a:r>
-            <a:r>
-              <a:rPr sz="2000" dirty="0" err="1">
+              <a:t>Change Data Capture aus </a:t>
+            </a:r>
+          </a:p>
+          <a:p>
+            <a:pPr algn="l"/>
+            <a:r>
+              <a:rPr lang="de-DE" sz="2000" dirty="0">
                 <a:solidFill>
                   <a:schemeClr val="bg1"/>
                 </a:solidFill>
               </a:rPr>
-              <a:t>Untertitel</a:t>
+              <a:t>Oracle Datenbanken nach Kafka</a:t>
             </a:r>
             <a:endParaRPr sz="2000" dirty="0">
               <a:solidFill>
@@ -11191,18 +11185,17 @@
         </p:nvSpPr>
         <p:spPr>
           <a:xfrm>
-            <a:off x="4687796" y="400927"/>
-            <a:ext cx="3277602" cy="404417"/>
+            <a:off x="222767" y="334116"/>
+            <a:ext cx="8363416" cy="508925"/>
           </a:xfrm>
         </p:spPr>
         <p:txBody>
           <a:bodyPr/>
           <a:lstStyle/>
           <a:p>
-            <a:pPr algn="ctr"/>
             <a:r>
               <a:rPr lang="de-DE" sz="2800" b="1" dirty="0"/>
-              <a:t>ER-Modell</a:t>
+              <a:t>Unterstützte Datenbank-Systeme</a:t>
             </a:r>
           </a:p>
         </p:txBody>
@@ -11258,1596 +11251,6 @@
               <a:rPr lang="de-DE" smtClean="0"/>
               <a:pPr/>
               <a:t>10</a:t>
-            </a:fld>
-            <a:endParaRPr lang="de-DE" dirty="0"/>
-          </a:p>
-        </p:txBody>
-      </p:sp>
-      <p:sp>
-        <p:nvSpPr>
-          <p:cNvPr id="7" name="Textplatzhalter 12">
-            <a:extLst>
-              <a:ext uri="{FF2B5EF4-FFF2-40B4-BE49-F238E27FC236}">
-                <a16:creationId xmlns:a16="http://schemas.microsoft.com/office/drawing/2014/main" id="{7518E9B8-B7E1-1B40-9399-409C0632D954}"/>
-              </a:ext>
-            </a:extLst>
-          </p:cNvPr>
-          <p:cNvSpPr txBox="1">
-            <a:spLocks/>
-          </p:cNvSpPr>
-          <p:nvPr/>
-        </p:nvSpPr>
-        <p:spPr>
-          <a:xfrm>
-            <a:off x="3671482" y="1022068"/>
-            <a:ext cx="5229874" cy="602901"/>
-          </a:xfrm>
-          <a:prstGeom prst="rect">
-            <a:avLst/>
-          </a:prstGeom>
-          <a:solidFill>
-            <a:schemeClr val="bg1">
-              <a:lumMod val="95000"/>
-            </a:schemeClr>
-          </a:solidFill>
-        </p:spPr>
-        <p:txBody>
-          <a:bodyPr vert="horz" lIns="0" tIns="0" rIns="0" bIns="0" rtlCol="0">
-            <a:noAutofit/>
-          </a:bodyPr>
-          <a:lstStyle>
-            <a:lvl1pPr marL="222250" indent="-220663" algn="l" defTabSz="457200" rtl="0" eaLnBrk="1" latinLnBrk="0" hangingPunct="1">
-              <a:lnSpc>
-                <a:spcPct val="90000"/>
-              </a:lnSpc>
-              <a:spcBef>
-                <a:spcPts val="0"/>
-              </a:spcBef>
-              <a:spcAft>
-                <a:spcPts val="900"/>
-              </a:spcAft>
-              <a:buClr>
-                <a:srgbClr val="DC2314"/>
-              </a:buClr>
-              <a:buSzPct val="100000"/>
-              <a:buFont typeface="LucidaGrande" charset="0"/>
-              <a:buChar char="•"/>
-              <a:tabLst/>
-              <a:defRPr sz="1600" b="0" i="0" kern="1200" baseline="0">
-                <a:solidFill>
-                  <a:srgbClr val="5F696E"/>
-                </a:solidFill>
-                <a:latin typeface="Calibri Light" charset="0"/>
-                <a:ea typeface="Calibri Light" charset="0"/>
-                <a:cs typeface="Calibri Light" charset="0"/>
-              </a:defRPr>
-            </a:lvl1pPr>
-            <a:lvl2pPr marL="492125" indent="-225425" algn="l" defTabSz="457200" rtl="0" eaLnBrk="1" latinLnBrk="0" hangingPunct="1">
-              <a:lnSpc>
-                <a:spcPct val="90000"/>
-              </a:lnSpc>
-              <a:spcBef>
-                <a:spcPts val="0"/>
-              </a:spcBef>
-              <a:spcAft>
-                <a:spcPts val="900"/>
-              </a:spcAft>
-              <a:buClr>
-                <a:srgbClr val="DC2314"/>
-              </a:buClr>
-              <a:buSzPct val="80000"/>
-              <a:buFont typeface="Symbol" charset="2"/>
-              <a:buChar char="-"/>
-              <a:tabLst/>
-              <a:defRPr sz="1600" b="0" i="0" kern="1200" baseline="0">
-                <a:solidFill>
-                  <a:srgbClr val="5F696E"/>
-                </a:solidFill>
-                <a:latin typeface="Calibri Light" charset="0"/>
-                <a:ea typeface="Calibri Light" charset="0"/>
-                <a:cs typeface="Calibri Light" charset="0"/>
-              </a:defRPr>
-            </a:lvl2pPr>
-            <a:lvl3pPr marL="1157288" indent="-242888" algn="l" defTabSz="457200" rtl="0" eaLnBrk="1" latinLnBrk="0" hangingPunct="1">
-              <a:lnSpc>
-                <a:spcPct val="105000"/>
-              </a:lnSpc>
-              <a:spcBef>
-                <a:spcPts val="0"/>
-              </a:spcBef>
-              <a:buClr>
-                <a:srgbClr val="DC2314"/>
-              </a:buClr>
-              <a:buSzPct val="80000"/>
-              <a:buFont typeface="Symbol" charset="2"/>
-              <a:buChar char="-"/>
-              <a:tabLst/>
-              <a:defRPr sz="1600" kern="1200" baseline="0">
-                <a:solidFill>
-                  <a:schemeClr val="tx1"/>
-                </a:solidFill>
-                <a:latin typeface="Calibri Light"/>
-                <a:ea typeface="+mn-ea"/>
-                <a:cs typeface="+mn-cs"/>
-              </a:defRPr>
-            </a:lvl3pPr>
-            <a:lvl4pPr marL="1657350" indent="-285750" algn="l" defTabSz="457200" rtl="0" eaLnBrk="1" latinLnBrk="0" hangingPunct="1">
-              <a:lnSpc>
-                <a:spcPct val="105000"/>
-              </a:lnSpc>
-              <a:spcBef>
-                <a:spcPts val="0"/>
-              </a:spcBef>
-              <a:buClr>
-                <a:schemeClr val="tx1"/>
-              </a:buClr>
-              <a:buSzPct val="100000"/>
-              <a:buFont typeface="Arial"/>
-              <a:buChar char="•"/>
-              <a:defRPr sz="1600" kern="1200" baseline="0">
-                <a:solidFill>
-                  <a:schemeClr val="tx1"/>
-                </a:solidFill>
-                <a:latin typeface="Calibri Light"/>
-                <a:ea typeface="+mn-ea"/>
-                <a:cs typeface="+mn-cs"/>
-              </a:defRPr>
-            </a:lvl4pPr>
-            <a:lvl5pPr marL="2114550" indent="-285750" algn="l" defTabSz="457200" rtl="0" eaLnBrk="1" latinLnBrk="0" hangingPunct="1">
-              <a:lnSpc>
-                <a:spcPct val="105000"/>
-              </a:lnSpc>
-              <a:spcBef>
-                <a:spcPts val="0"/>
-              </a:spcBef>
-              <a:buClr>
-                <a:schemeClr val="tx1"/>
-              </a:buClr>
-              <a:buSzPct val="100000"/>
-              <a:buFont typeface="Arial"/>
-              <a:buChar char="•"/>
-              <a:defRPr sz="1600" kern="1200" baseline="0">
-                <a:solidFill>
-                  <a:schemeClr val="tx1"/>
-                </a:solidFill>
-                <a:latin typeface="Calibri Light"/>
-                <a:ea typeface="+mn-ea"/>
-                <a:cs typeface="+mn-cs"/>
-              </a:defRPr>
-            </a:lvl5pPr>
-            <a:lvl6pPr marL="2514600" indent="-228600" algn="l" defTabSz="457200" rtl="0" eaLnBrk="1" latinLnBrk="0" hangingPunct="1">
-              <a:spcBef>
-                <a:spcPct val="20000"/>
-              </a:spcBef>
-              <a:buFont typeface="Arial"/>
-              <a:buChar char="•"/>
-              <a:defRPr sz="2000" kern="1200">
-                <a:solidFill>
-                  <a:schemeClr val="tx1"/>
-                </a:solidFill>
-                <a:latin typeface="+mn-lt"/>
-                <a:ea typeface="+mn-ea"/>
-                <a:cs typeface="+mn-cs"/>
-              </a:defRPr>
-            </a:lvl6pPr>
-            <a:lvl7pPr marL="2971800" indent="-228600" algn="l" defTabSz="457200" rtl="0" eaLnBrk="1" latinLnBrk="0" hangingPunct="1">
-              <a:spcBef>
-                <a:spcPct val="20000"/>
-              </a:spcBef>
-              <a:buFont typeface="Arial"/>
-              <a:buChar char="•"/>
-              <a:defRPr sz="2000" kern="1200">
-                <a:solidFill>
-                  <a:schemeClr val="tx1"/>
-                </a:solidFill>
-                <a:latin typeface="+mn-lt"/>
-                <a:ea typeface="+mn-ea"/>
-                <a:cs typeface="+mn-cs"/>
-              </a:defRPr>
-            </a:lvl7pPr>
-            <a:lvl8pPr marL="3429000" indent="-228600" algn="l" defTabSz="457200" rtl="0" eaLnBrk="1" latinLnBrk="0" hangingPunct="1">
-              <a:spcBef>
-                <a:spcPct val="20000"/>
-              </a:spcBef>
-              <a:buFont typeface="Arial"/>
-              <a:buChar char="•"/>
-              <a:defRPr sz="2000" kern="1200">
-                <a:solidFill>
-                  <a:schemeClr val="tx1"/>
-                </a:solidFill>
-                <a:latin typeface="+mn-lt"/>
-                <a:ea typeface="+mn-ea"/>
-                <a:cs typeface="+mn-cs"/>
-              </a:defRPr>
-            </a:lvl8pPr>
-            <a:lvl9pPr marL="3886200" indent="-228600" algn="l" defTabSz="457200" rtl="0" eaLnBrk="1" latinLnBrk="0" hangingPunct="1">
-              <a:spcBef>
-                <a:spcPct val="20000"/>
-              </a:spcBef>
-              <a:buFont typeface="Arial"/>
-              <a:buChar char="•"/>
-              <a:defRPr sz="2000" kern="1200">
-                <a:solidFill>
-                  <a:schemeClr val="tx1"/>
-                </a:solidFill>
-                <a:latin typeface="+mn-lt"/>
-                <a:ea typeface="+mn-ea"/>
-                <a:cs typeface="+mn-cs"/>
-              </a:defRPr>
-            </a:lvl9pPr>
-          </a:lstStyle>
-          <a:p>
-            <a:pPr marL="266700" indent="-177800">
-              <a:buFont typeface="LucidaGrande" charset="0"/>
-              <a:buNone/>
-            </a:pPr>
-            <a:endParaRPr lang="de-DE" sz="100" dirty="0">
-              <a:latin typeface="Calibri" charset="0"/>
-              <a:ea typeface="Calibri" charset="0"/>
-              <a:cs typeface="Calibri" charset="0"/>
-            </a:endParaRPr>
-          </a:p>
-          <a:p>
-            <a:pPr marL="374650" indent="-285750"/>
-            <a:r>
-              <a:rPr lang="de-DE" dirty="0">
-                <a:latin typeface="Calibri" charset="0"/>
-                <a:ea typeface="Calibri" charset="0"/>
-                <a:cs typeface="Calibri" charset="0"/>
-              </a:rPr>
-              <a:t>Eigenes Schema kapselt alle TriXX-relevanten Objekte in DB</a:t>
-            </a:r>
-          </a:p>
-        </p:txBody>
-      </p:sp>
-      <p:sp>
-        <p:nvSpPr>
-          <p:cNvPr id="8" name="Textplatzhalter 12">
-            <a:extLst>
-              <a:ext uri="{FF2B5EF4-FFF2-40B4-BE49-F238E27FC236}">
-                <a16:creationId xmlns:a16="http://schemas.microsoft.com/office/drawing/2014/main" id="{A9DAF96B-444F-1D41-8C7F-9ACFBF6A44A7}"/>
-              </a:ext>
-            </a:extLst>
-          </p:cNvPr>
-          <p:cNvSpPr txBox="1">
-            <a:spLocks/>
-          </p:cNvSpPr>
-          <p:nvPr/>
-        </p:nvSpPr>
-        <p:spPr>
-          <a:xfrm>
-            <a:off x="3671482" y="1800903"/>
-            <a:ext cx="5229874" cy="602901"/>
-          </a:xfrm>
-          <a:prstGeom prst="rect">
-            <a:avLst/>
-          </a:prstGeom>
-          <a:solidFill>
-            <a:schemeClr val="bg1">
-              <a:lumMod val="95000"/>
-            </a:schemeClr>
-          </a:solidFill>
-        </p:spPr>
-        <p:txBody>
-          <a:bodyPr vert="horz" lIns="0" tIns="0" rIns="0" bIns="0" rtlCol="0">
-            <a:noAutofit/>
-          </a:bodyPr>
-          <a:lstStyle>
-            <a:lvl1pPr marL="222250" indent="-220663" algn="l" defTabSz="457200" rtl="0" eaLnBrk="1" latinLnBrk="0" hangingPunct="1">
-              <a:lnSpc>
-                <a:spcPct val="90000"/>
-              </a:lnSpc>
-              <a:spcBef>
-                <a:spcPts val="0"/>
-              </a:spcBef>
-              <a:spcAft>
-                <a:spcPts val="900"/>
-              </a:spcAft>
-              <a:buClr>
-                <a:srgbClr val="DC2314"/>
-              </a:buClr>
-              <a:buSzPct val="100000"/>
-              <a:buFont typeface="LucidaGrande" charset="0"/>
-              <a:buChar char="•"/>
-              <a:tabLst/>
-              <a:defRPr sz="1600" b="0" i="0" kern="1200" baseline="0">
-                <a:solidFill>
-                  <a:srgbClr val="5F696E"/>
-                </a:solidFill>
-                <a:latin typeface="Calibri Light" charset="0"/>
-                <a:ea typeface="Calibri Light" charset="0"/>
-                <a:cs typeface="Calibri Light" charset="0"/>
-              </a:defRPr>
-            </a:lvl1pPr>
-            <a:lvl2pPr marL="492125" indent="-225425" algn="l" defTabSz="457200" rtl="0" eaLnBrk="1" latinLnBrk="0" hangingPunct="1">
-              <a:lnSpc>
-                <a:spcPct val="90000"/>
-              </a:lnSpc>
-              <a:spcBef>
-                <a:spcPts val="0"/>
-              </a:spcBef>
-              <a:spcAft>
-                <a:spcPts val="900"/>
-              </a:spcAft>
-              <a:buClr>
-                <a:srgbClr val="DC2314"/>
-              </a:buClr>
-              <a:buSzPct val="80000"/>
-              <a:buFont typeface="Symbol" charset="2"/>
-              <a:buChar char="-"/>
-              <a:tabLst/>
-              <a:defRPr sz="1600" b="0" i="0" kern="1200" baseline="0">
-                <a:solidFill>
-                  <a:srgbClr val="5F696E"/>
-                </a:solidFill>
-                <a:latin typeface="Calibri Light" charset="0"/>
-                <a:ea typeface="Calibri Light" charset="0"/>
-                <a:cs typeface="Calibri Light" charset="0"/>
-              </a:defRPr>
-            </a:lvl2pPr>
-            <a:lvl3pPr marL="1157288" indent="-242888" algn="l" defTabSz="457200" rtl="0" eaLnBrk="1" latinLnBrk="0" hangingPunct="1">
-              <a:lnSpc>
-                <a:spcPct val="105000"/>
-              </a:lnSpc>
-              <a:spcBef>
-                <a:spcPts val="0"/>
-              </a:spcBef>
-              <a:buClr>
-                <a:srgbClr val="DC2314"/>
-              </a:buClr>
-              <a:buSzPct val="80000"/>
-              <a:buFont typeface="Symbol" charset="2"/>
-              <a:buChar char="-"/>
-              <a:tabLst/>
-              <a:defRPr sz="1600" kern="1200" baseline="0">
-                <a:solidFill>
-                  <a:schemeClr val="tx1"/>
-                </a:solidFill>
-                <a:latin typeface="Calibri Light"/>
-                <a:ea typeface="+mn-ea"/>
-                <a:cs typeface="+mn-cs"/>
-              </a:defRPr>
-            </a:lvl3pPr>
-            <a:lvl4pPr marL="1657350" indent="-285750" algn="l" defTabSz="457200" rtl="0" eaLnBrk="1" latinLnBrk="0" hangingPunct="1">
-              <a:lnSpc>
-                <a:spcPct val="105000"/>
-              </a:lnSpc>
-              <a:spcBef>
-                <a:spcPts val="0"/>
-              </a:spcBef>
-              <a:buClr>
-                <a:schemeClr val="tx1"/>
-              </a:buClr>
-              <a:buSzPct val="100000"/>
-              <a:buFont typeface="Arial"/>
-              <a:buChar char="•"/>
-              <a:defRPr sz="1600" kern="1200" baseline="0">
-                <a:solidFill>
-                  <a:schemeClr val="tx1"/>
-                </a:solidFill>
-                <a:latin typeface="Calibri Light"/>
-                <a:ea typeface="+mn-ea"/>
-                <a:cs typeface="+mn-cs"/>
-              </a:defRPr>
-            </a:lvl4pPr>
-            <a:lvl5pPr marL="2114550" indent="-285750" algn="l" defTabSz="457200" rtl="0" eaLnBrk="1" latinLnBrk="0" hangingPunct="1">
-              <a:lnSpc>
-                <a:spcPct val="105000"/>
-              </a:lnSpc>
-              <a:spcBef>
-                <a:spcPts val="0"/>
-              </a:spcBef>
-              <a:buClr>
-                <a:schemeClr val="tx1"/>
-              </a:buClr>
-              <a:buSzPct val="100000"/>
-              <a:buFont typeface="Arial"/>
-              <a:buChar char="•"/>
-              <a:defRPr sz="1600" kern="1200" baseline="0">
-                <a:solidFill>
-                  <a:schemeClr val="tx1"/>
-                </a:solidFill>
-                <a:latin typeface="Calibri Light"/>
-                <a:ea typeface="+mn-ea"/>
-                <a:cs typeface="+mn-cs"/>
-              </a:defRPr>
-            </a:lvl5pPr>
-            <a:lvl6pPr marL="2514600" indent="-228600" algn="l" defTabSz="457200" rtl="0" eaLnBrk="1" latinLnBrk="0" hangingPunct="1">
-              <a:spcBef>
-                <a:spcPct val="20000"/>
-              </a:spcBef>
-              <a:buFont typeface="Arial"/>
-              <a:buChar char="•"/>
-              <a:defRPr sz="2000" kern="1200">
-                <a:solidFill>
-                  <a:schemeClr val="tx1"/>
-                </a:solidFill>
-                <a:latin typeface="+mn-lt"/>
-                <a:ea typeface="+mn-ea"/>
-                <a:cs typeface="+mn-cs"/>
-              </a:defRPr>
-            </a:lvl6pPr>
-            <a:lvl7pPr marL="2971800" indent="-228600" algn="l" defTabSz="457200" rtl="0" eaLnBrk="1" latinLnBrk="0" hangingPunct="1">
-              <a:spcBef>
-                <a:spcPct val="20000"/>
-              </a:spcBef>
-              <a:buFont typeface="Arial"/>
-              <a:buChar char="•"/>
-              <a:defRPr sz="2000" kern="1200">
-                <a:solidFill>
-                  <a:schemeClr val="tx1"/>
-                </a:solidFill>
-                <a:latin typeface="+mn-lt"/>
-                <a:ea typeface="+mn-ea"/>
-                <a:cs typeface="+mn-cs"/>
-              </a:defRPr>
-            </a:lvl7pPr>
-            <a:lvl8pPr marL="3429000" indent="-228600" algn="l" defTabSz="457200" rtl="0" eaLnBrk="1" latinLnBrk="0" hangingPunct="1">
-              <a:spcBef>
-                <a:spcPct val="20000"/>
-              </a:spcBef>
-              <a:buFont typeface="Arial"/>
-              <a:buChar char="•"/>
-              <a:defRPr sz="2000" kern="1200">
-                <a:solidFill>
-                  <a:schemeClr val="tx1"/>
-                </a:solidFill>
-                <a:latin typeface="+mn-lt"/>
-                <a:ea typeface="+mn-ea"/>
-                <a:cs typeface="+mn-cs"/>
-              </a:defRPr>
-            </a:lvl8pPr>
-            <a:lvl9pPr marL="3886200" indent="-228600" algn="l" defTabSz="457200" rtl="0" eaLnBrk="1" latinLnBrk="0" hangingPunct="1">
-              <a:spcBef>
-                <a:spcPct val="20000"/>
-              </a:spcBef>
-              <a:buFont typeface="Arial"/>
-              <a:buChar char="•"/>
-              <a:defRPr sz="2000" kern="1200">
-                <a:solidFill>
-                  <a:schemeClr val="tx1"/>
-                </a:solidFill>
-                <a:latin typeface="+mn-lt"/>
-                <a:ea typeface="+mn-ea"/>
-                <a:cs typeface="+mn-cs"/>
-              </a:defRPr>
-            </a:lvl9pPr>
-          </a:lstStyle>
-          <a:p>
-            <a:pPr marL="266700" indent="-177800">
-              <a:buFont typeface="LucidaGrande" charset="0"/>
-              <a:buNone/>
-            </a:pPr>
-            <a:endParaRPr lang="de-DE" sz="100" dirty="0">
-              <a:latin typeface="Calibri" charset="0"/>
-              <a:ea typeface="Calibri" charset="0"/>
-              <a:cs typeface="Calibri" charset="0"/>
-            </a:endParaRPr>
-          </a:p>
-          <a:p>
-            <a:pPr marL="374650" indent="-285750"/>
-            <a:r>
-              <a:rPr lang="de-DE" dirty="0">
-                <a:latin typeface="Calibri" charset="0"/>
-                <a:ea typeface="Calibri" charset="0"/>
-                <a:cs typeface="Calibri" charset="0"/>
-              </a:rPr>
-              <a:t>Export der Konfigurationsdaten in JSON-File erlaubt Backup außerhalb der DB</a:t>
-            </a:r>
-          </a:p>
-        </p:txBody>
-      </p:sp>
-      <p:sp>
-        <p:nvSpPr>
-          <p:cNvPr id="9" name="Textplatzhalter 12">
-            <a:extLst>
-              <a:ext uri="{FF2B5EF4-FFF2-40B4-BE49-F238E27FC236}">
-                <a16:creationId xmlns:a16="http://schemas.microsoft.com/office/drawing/2014/main" id="{FD137FE7-81BF-8442-9D59-F7CAAB3FE7D1}"/>
-              </a:ext>
-            </a:extLst>
-          </p:cNvPr>
-          <p:cNvSpPr txBox="1">
-            <a:spLocks/>
-          </p:cNvSpPr>
-          <p:nvPr/>
-        </p:nvSpPr>
-        <p:spPr>
-          <a:xfrm>
-            <a:off x="3671482" y="2580452"/>
-            <a:ext cx="5229874" cy="602902"/>
-          </a:xfrm>
-          <a:prstGeom prst="rect">
-            <a:avLst/>
-          </a:prstGeom>
-          <a:solidFill>
-            <a:schemeClr val="bg1">
-              <a:lumMod val="95000"/>
-            </a:schemeClr>
-          </a:solidFill>
-        </p:spPr>
-        <p:txBody>
-          <a:bodyPr vert="horz" lIns="0" tIns="0" rIns="0" bIns="0" rtlCol="0">
-            <a:noAutofit/>
-          </a:bodyPr>
-          <a:lstStyle>
-            <a:lvl1pPr marL="222250" indent="-220663" algn="l" defTabSz="457200" rtl="0" eaLnBrk="1" latinLnBrk="0" hangingPunct="1">
-              <a:lnSpc>
-                <a:spcPct val="90000"/>
-              </a:lnSpc>
-              <a:spcBef>
-                <a:spcPts val="0"/>
-              </a:spcBef>
-              <a:spcAft>
-                <a:spcPts val="900"/>
-              </a:spcAft>
-              <a:buClr>
-                <a:srgbClr val="DC2314"/>
-              </a:buClr>
-              <a:buSzPct val="100000"/>
-              <a:buFont typeface="LucidaGrande" charset="0"/>
-              <a:buChar char="•"/>
-              <a:tabLst/>
-              <a:defRPr sz="1600" b="0" i="0" kern="1200" baseline="0">
-                <a:solidFill>
-                  <a:srgbClr val="5F696E"/>
-                </a:solidFill>
-                <a:latin typeface="Calibri Light" charset="0"/>
-                <a:ea typeface="Calibri Light" charset="0"/>
-                <a:cs typeface="Calibri Light" charset="0"/>
-              </a:defRPr>
-            </a:lvl1pPr>
-            <a:lvl2pPr marL="492125" indent="-225425" algn="l" defTabSz="457200" rtl="0" eaLnBrk="1" latinLnBrk="0" hangingPunct="1">
-              <a:lnSpc>
-                <a:spcPct val="90000"/>
-              </a:lnSpc>
-              <a:spcBef>
-                <a:spcPts val="0"/>
-              </a:spcBef>
-              <a:spcAft>
-                <a:spcPts val="900"/>
-              </a:spcAft>
-              <a:buClr>
-                <a:srgbClr val="DC2314"/>
-              </a:buClr>
-              <a:buSzPct val="80000"/>
-              <a:buFont typeface="Symbol" charset="2"/>
-              <a:buChar char="-"/>
-              <a:tabLst/>
-              <a:defRPr sz="1600" b="0" i="0" kern="1200" baseline="0">
-                <a:solidFill>
-                  <a:srgbClr val="5F696E"/>
-                </a:solidFill>
-                <a:latin typeface="Calibri Light" charset="0"/>
-                <a:ea typeface="Calibri Light" charset="0"/>
-                <a:cs typeface="Calibri Light" charset="0"/>
-              </a:defRPr>
-            </a:lvl2pPr>
-            <a:lvl3pPr marL="1157288" indent="-242888" algn="l" defTabSz="457200" rtl="0" eaLnBrk="1" latinLnBrk="0" hangingPunct="1">
-              <a:lnSpc>
-                <a:spcPct val="105000"/>
-              </a:lnSpc>
-              <a:spcBef>
-                <a:spcPts val="0"/>
-              </a:spcBef>
-              <a:buClr>
-                <a:srgbClr val="DC2314"/>
-              </a:buClr>
-              <a:buSzPct val="80000"/>
-              <a:buFont typeface="Symbol" charset="2"/>
-              <a:buChar char="-"/>
-              <a:tabLst/>
-              <a:defRPr sz="1600" kern="1200" baseline="0">
-                <a:solidFill>
-                  <a:schemeClr val="tx1"/>
-                </a:solidFill>
-                <a:latin typeface="Calibri Light"/>
-                <a:ea typeface="+mn-ea"/>
-                <a:cs typeface="+mn-cs"/>
-              </a:defRPr>
-            </a:lvl3pPr>
-            <a:lvl4pPr marL="1657350" indent="-285750" algn="l" defTabSz="457200" rtl="0" eaLnBrk="1" latinLnBrk="0" hangingPunct="1">
-              <a:lnSpc>
-                <a:spcPct val="105000"/>
-              </a:lnSpc>
-              <a:spcBef>
-                <a:spcPts val="0"/>
-              </a:spcBef>
-              <a:buClr>
-                <a:schemeClr val="tx1"/>
-              </a:buClr>
-              <a:buSzPct val="100000"/>
-              <a:buFont typeface="Arial"/>
-              <a:buChar char="•"/>
-              <a:defRPr sz="1600" kern="1200" baseline="0">
-                <a:solidFill>
-                  <a:schemeClr val="tx1"/>
-                </a:solidFill>
-                <a:latin typeface="Calibri Light"/>
-                <a:ea typeface="+mn-ea"/>
-                <a:cs typeface="+mn-cs"/>
-              </a:defRPr>
-            </a:lvl4pPr>
-            <a:lvl5pPr marL="2114550" indent="-285750" algn="l" defTabSz="457200" rtl="0" eaLnBrk="1" latinLnBrk="0" hangingPunct="1">
-              <a:lnSpc>
-                <a:spcPct val="105000"/>
-              </a:lnSpc>
-              <a:spcBef>
-                <a:spcPts val="0"/>
-              </a:spcBef>
-              <a:buClr>
-                <a:schemeClr val="tx1"/>
-              </a:buClr>
-              <a:buSzPct val="100000"/>
-              <a:buFont typeface="Arial"/>
-              <a:buChar char="•"/>
-              <a:defRPr sz="1600" kern="1200" baseline="0">
-                <a:solidFill>
-                  <a:schemeClr val="tx1"/>
-                </a:solidFill>
-                <a:latin typeface="Calibri Light"/>
-                <a:ea typeface="+mn-ea"/>
-                <a:cs typeface="+mn-cs"/>
-              </a:defRPr>
-            </a:lvl5pPr>
-            <a:lvl6pPr marL="2514600" indent="-228600" algn="l" defTabSz="457200" rtl="0" eaLnBrk="1" latinLnBrk="0" hangingPunct="1">
-              <a:spcBef>
-                <a:spcPct val="20000"/>
-              </a:spcBef>
-              <a:buFont typeface="Arial"/>
-              <a:buChar char="•"/>
-              <a:defRPr sz="2000" kern="1200">
-                <a:solidFill>
-                  <a:schemeClr val="tx1"/>
-                </a:solidFill>
-                <a:latin typeface="+mn-lt"/>
-                <a:ea typeface="+mn-ea"/>
-                <a:cs typeface="+mn-cs"/>
-              </a:defRPr>
-            </a:lvl6pPr>
-            <a:lvl7pPr marL="2971800" indent="-228600" algn="l" defTabSz="457200" rtl="0" eaLnBrk="1" latinLnBrk="0" hangingPunct="1">
-              <a:spcBef>
-                <a:spcPct val="20000"/>
-              </a:spcBef>
-              <a:buFont typeface="Arial"/>
-              <a:buChar char="•"/>
-              <a:defRPr sz="2000" kern="1200">
-                <a:solidFill>
-                  <a:schemeClr val="tx1"/>
-                </a:solidFill>
-                <a:latin typeface="+mn-lt"/>
-                <a:ea typeface="+mn-ea"/>
-                <a:cs typeface="+mn-cs"/>
-              </a:defRPr>
-            </a:lvl7pPr>
-            <a:lvl8pPr marL="3429000" indent="-228600" algn="l" defTabSz="457200" rtl="0" eaLnBrk="1" latinLnBrk="0" hangingPunct="1">
-              <a:spcBef>
-                <a:spcPct val="20000"/>
-              </a:spcBef>
-              <a:buFont typeface="Arial"/>
-              <a:buChar char="•"/>
-              <a:defRPr sz="2000" kern="1200">
-                <a:solidFill>
-                  <a:schemeClr val="tx1"/>
-                </a:solidFill>
-                <a:latin typeface="+mn-lt"/>
-                <a:ea typeface="+mn-ea"/>
-                <a:cs typeface="+mn-cs"/>
-              </a:defRPr>
-            </a:lvl8pPr>
-            <a:lvl9pPr marL="3886200" indent="-228600" algn="l" defTabSz="457200" rtl="0" eaLnBrk="1" latinLnBrk="0" hangingPunct="1">
-              <a:spcBef>
-                <a:spcPct val="20000"/>
-              </a:spcBef>
-              <a:buFont typeface="Arial"/>
-              <a:buChar char="•"/>
-              <a:defRPr sz="2000" kern="1200">
-                <a:solidFill>
-                  <a:schemeClr val="tx1"/>
-                </a:solidFill>
-                <a:latin typeface="+mn-lt"/>
-                <a:ea typeface="+mn-ea"/>
-                <a:cs typeface="+mn-cs"/>
-              </a:defRPr>
-            </a:lvl9pPr>
-          </a:lstStyle>
-          <a:p>
-            <a:pPr marL="266700" indent="-177800">
-              <a:buFont typeface="LucidaGrande" charset="0"/>
-              <a:buNone/>
-            </a:pPr>
-            <a:endParaRPr lang="de-DE" sz="100" dirty="0">
-              <a:latin typeface="Calibri" charset="0"/>
-              <a:ea typeface="Calibri" charset="0"/>
-              <a:cs typeface="Calibri" charset="0"/>
-            </a:endParaRPr>
-          </a:p>
-          <a:p>
-            <a:pPr marL="374650" indent="-285750"/>
-            <a:r>
-              <a:rPr lang="de-DE" dirty="0">
-                <a:latin typeface="Calibri" charset="0"/>
-                <a:ea typeface="Calibri" charset="0"/>
-                <a:cs typeface="Calibri" charset="0"/>
-              </a:rPr>
-              <a:t>Import der Konfigurationsdaten per JSON-File z.B. für Aufbau Test-Systeme</a:t>
-            </a:r>
-          </a:p>
-        </p:txBody>
-      </p:sp>
-      <p:sp>
-        <p:nvSpPr>
-          <p:cNvPr id="10" name="Textplatzhalter 12">
-            <a:extLst>
-              <a:ext uri="{FF2B5EF4-FFF2-40B4-BE49-F238E27FC236}">
-                <a16:creationId xmlns:a16="http://schemas.microsoft.com/office/drawing/2014/main" id="{7230C796-9480-9C4D-88D4-701E47361F22}"/>
-              </a:ext>
-            </a:extLst>
-          </p:cNvPr>
-          <p:cNvSpPr txBox="1">
-            <a:spLocks/>
-          </p:cNvSpPr>
-          <p:nvPr/>
-        </p:nvSpPr>
-        <p:spPr>
-          <a:xfrm>
-            <a:off x="3683726" y="3358518"/>
-            <a:ext cx="5229874" cy="602903"/>
-          </a:xfrm>
-          <a:prstGeom prst="rect">
-            <a:avLst/>
-          </a:prstGeom>
-          <a:solidFill>
-            <a:schemeClr val="bg1">
-              <a:lumMod val="95000"/>
-            </a:schemeClr>
-          </a:solidFill>
-        </p:spPr>
-        <p:txBody>
-          <a:bodyPr vert="horz" lIns="0" tIns="0" rIns="0" bIns="0" rtlCol="0">
-            <a:noAutofit/>
-          </a:bodyPr>
-          <a:lstStyle>
-            <a:lvl1pPr marL="222250" indent="-220663" algn="l" defTabSz="457200" rtl="0" eaLnBrk="1" latinLnBrk="0" hangingPunct="1">
-              <a:lnSpc>
-                <a:spcPct val="90000"/>
-              </a:lnSpc>
-              <a:spcBef>
-                <a:spcPts val="0"/>
-              </a:spcBef>
-              <a:spcAft>
-                <a:spcPts val="900"/>
-              </a:spcAft>
-              <a:buClr>
-                <a:srgbClr val="DC2314"/>
-              </a:buClr>
-              <a:buSzPct val="100000"/>
-              <a:buFont typeface="LucidaGrande" charset="0"/>
-              <a:buChar char="•"/>
-              <a:tabLst/>
-              <a:defRPr sz="1600" b="0" i="0" kern="1200" baseline="0">
-                <a:solidFill>
-                  <a:srgbClr val="5F696E"/>
-                </a:solidFill>
-                <a:latin typeface="Calibri Light" charset="0"/>
-                <a:ea typeface="Calibri Light" charset="0"/>
-                <a:cs typeface="Calibri Light" charset="0"/>
-              </a:defRPr>
-            </a:lvl1pPr>
-            <a:lvl2pPr marL="492125" indent="-225425" algn="l" defTabSz="457200" rtl="0" eaLnBrk="1" latinLnBrk="0" hangingPunct="1">
-              <a:lnSpc>
-                <a:spcPct val="90000"/>
-              </a:lnSpc>
-              <a:spcBef>
-                <a:spcPts val="0"/>
-              </a:spcBef>
-              <a:spcAft>
-                <a:spcPts val="900"/>
-              </a:spcAft>
-              <a:buClr>
-                <a:srgbClr val="DC2314"/>
-              </a:buClr>
-              <a:buSzPct val="80000"/>
-              <a:buFont typeface="Symbol" charset="2"/>
-              <a:buChar char="-"/>
-              <a:tabLst/>
-              <a:defRPr sz="1600" b="0" i="0" kern="1200" baseline="0">
-                <a:solidFill>
-                  <a:srgbClr val="5F696E"/>
-                </a:solidFill>
-                <a:latin typeface="Calibri Light" charset="0"/>
-                <a:ea typeface="Calibri Light" charset="0"/>
-                <a:cs typeface="Calibri Light" charset="0"/>
-              </a:defRPr>
-            </a:lvl2pPr>
-            <a:lvl3pPr marL="1157288" indent="-242888" algn="l" defTabSz="457200" rtl="0" eaLnBrk="1" latinLnBrk="0" hangingPunct="1">
-              <a:lnSpc>
-                <a:spcPct val="105000"/>
-              </a:lnSpc>
-              <a:spcBef>
-                <a:spcPts val="0"/>
-              </a:spcBef>
-              <a:buClr>
-                <a:srgbClr val="DC2314"/>
-              </a:buClr>
-              <a:buSzPct val="80000"/>
-              <a:buFont typeface="Symbol" charset="2"/>
-              <a:buChar char="-"/>
-              <a:tabLst/>
-              <a:defRPr sz="1600" kern="1200" baseline="0">
-                <a:solidFill>
-                  <a:schemeClr val="tx1"/>
-                </a:solidFill>
-                <a:latin typeface="Calibri Light"/>
-                <a:ea typeface="+mn-ea"/>
-                <a:cs typeface="+mn-cs"/>
-              </a:defRPr>
-            </a:lvl3pPr>
-            <a:lvl4pPr marL="1657350" indent="-285750" algn="l" defTabSz="457200" rtl="0" eaLnBrk="1" latinLnBrk="0" hangingPunct="1">
-              <a:lnSpc>
-                <a:spcPct val="105000"/>
-              </a:lnSpc>
-              <a:spcBef>
-                <a:spcPts val="0"/>
-              </a:spcBef>
-              <a:buClr>
-                <a:schemeClr val="tx1"/>
-              </a:buClr>
-              <a:buSzPct val="100000"/>
-              <a:buFont typeface="Arial"/>
-              <a:buChar char="•"/>
-              <a:defRPr sz="1600" kern="1200" baseline="0">
-                <a:solidFill>
-                  <a:schemeClr val="tx1"/>
-                </a:solidFill>
-                <a:latin typeface="Calibri Light"/>
-                <a:ea typeface="+mn-ea"/>
-                <a:cs typeface="+mn-cs"/>
-              </a:defRPr>
-            </a:lvl4pPr>
-            <a:lvl5pPr marL="2114550" indent="-285750" algn="l" defTabSz="457200" rtl="0" eaLnBrk="1" latinLnBrk="0" hangingPunct="1">
-              <a:lnSpc>
-                <a:spcPct val="105000"/>
-              </a:lnSpc>
-              <a:spcBef>
-                <a:spcPts val="0"/>
-              </a:spcBef>
-              <a:buClr>
-                <a:schemeClr val="tx1"/>
-              </a:buClr>
-              <a:buSzPct val="100000"/>
-              <a:buFont typeface="Arial"/>
-              <a:buChar char="•"/>
-              <a:defRPr sz="1600" kern="1200" baseline="0">
-                <a:solidFill>
-                  <a:schemeClr val="tx1"/>
-                </a:solidFill>
-                <a:latin typeface="Calibri Light"/>
-                <a:ea typeface="+mn-ea"/>
-                <a:cs typeface="+mn-cs"/>
-              </a:defRPr>
-            </a:lvl5pPr>
-            <a:lvl6pPr marL="2514600" indent="-228600" algn="l" defTabSz="457200" rtl="0" eaLnBrk="1" latinLnBrk="0" hangingPunct="1">
-              <a:spcBef>
-                <a:spcPct val="20000"/>
-              </a:spcBef>
-              <a:buFont typeface="Arial"/>
-              <a:buChar char="•"/>
-              <a:defRPr sz="2000" kern="1200">
-                <a:solidFill>
-                  <a:schemeClr val="tx1"/>
-                </a:solidFill>
-                <a:latin typeface="+mn-lt"/>
-                <a:ea typeface="+mn-ea"/>
-                <a:cs typeface="+mn-cs"/>
-              </a:defRPr>
-            </a:lvl6pPr>
-            <a:lvl7pPr marL="2971800" indent="-228600" algn="l" defTabSz="457200" rtl="0" eaLnBrk="1" latinLnBrk="0" hangingPunct="1">
-              <a:spcBef>
-                <a:spcPct val="20000"/>
-              </a:spcBef>
-              <a:buFont typeface="Arial"/>
-              <a:buChar char="•"/>
-              <a:defRPr sz="2000" kern="1200">
-                <a:solidFill>
-                  <a:schemeClr val="tx1"/>
-                </a:solidFill>
-                <a:latin typeface="+mn-lt"/>
-                <a:ea typeface="+mn-ea"/>
-                <a:cs typeface="+mn-cs"/>
-              </a:defRPr>
-            </a:lvl7pPr>
-            <a:lvl8pPr marL="3429000" indent="-228600" algn="l" defTabSz="457200" rtl="0" eaLnBrk="1" latinLnBrk="0" hangingPunct="1">
-              <a:spcBef>
-                <a:spcPct val="20000"/>
-              </a:spcBef>
-              <a:buFont typeface="Arial"/>
-              <a:buChar char="•"/>
-              <a:defRPr sz="2000" kern="1200">
-                <a:solidFill>
-                  <a:schemeClr val="tx1"/>
-                </a:solidFill>
-                <a:latin typeface="+mn-lt"/>
-                <a:ea typeface="+mn-ea"/>
-                <a:cs typeface="+mn-cs"/>
-              </a:defRPr>
-            </a:lvl8pPr>
-            <a:lvl9pPr marL="3886200" indent="-228600" algn="l" defTabSz="457200" rtl="0" eaLnBrk="1" latinLnBrk="0" hangingPunct="1">
-              <a:spcBef>
-                <a:spcPct val="20000"/>
-              </a:spcBef>
-              <a:buFont typeface="Arial"/>
-              <a:buChar char="•"/>
-              <a:defRPr sz="2000" kern="1200">
-                <a:solidFill>
-                  <a:schemeClr val="tx1"/>
-                </a:solidFill>
-                <a:latin typeface="+mn-lt"/>
-                <a:ea typeface="+mn-ea"/>
-                <a:cs typeface="+mn-cs"/>
-              </a:defRPr>
-            </a:lvl9pPr>
-          </a:lstStyle>
-          <a:p>
-            <a:pPr marL="266700" indent="-177800">
-              <a:buFont typeface="LucidaGrande" charset="0"/>
-              <a:buNone/>
-            </a:pPr>
-            <a:endParaRPr lang="de-DE" sz="100" dirty="0">
-              <a:latin typeface="Calibri" charset="0"/>
-              <a:ea typeface="Calibri" charset="0"/>
-              <a:cs typeface="Calibri" charset="0"/>
-            </a:endParaRPr>
-          </a:p>
-          <a:p>
-            <a:pPr marL="374650" indent="-285750"/>
-            <a:r>
-              <a:rPr lang="de-DE" dirty="0">
-                <a:latin typeface="Calibri" charset="0"/>
-                <a:ea typeface="Calibri" charset="0"/>
-                <a:cs typeface="Calibri" charset="0"/>
-              </a:rPr>
-              <a:t>Über JSON-Import Generierung der TriXX-Konfiguration aus externen Quellen möglich</a:t>
-            </a:r>
-          </a:p>
-        </p:txBody>
-      </p:sp>
-      <p:sp>
-        <p:nvSpPr>
-          <p:cNvPr id="11" name="Textplatzhalter 12">
-            <a:extLst>
-              <a:ext uri="{FF2B5EF4-FFF2-40B4-BE49-F238E27FC236}">
-                <a16:creationId xmlns:a16="http://schemas.microsoft.com/office/drawing/2014/main" id="{F7BD72E2-D082-D941-A40D-6DB53D835035}"/>
-              </a:ext>
-            </a:extLst>
-          </p:cNvPr>
-          <p:cNvSpPr txBox="1">
-            <a:spLocks/>
-          </p:cNvSpPr>
-          <p:nvPr/>
-        </p:nvSpPr>
-        <p:spPr>
-          <a:xfrm>
-            <a:off x="3671482" y="4139552"/>
-            <a:ext cx="5229874" cy="602903"/>
-          </a:xfrm>
-          <a:prstGeom prst="rect">
-            <a:avLst/>
-          </a:prstGeom>
-          <a:solidFill>
-            <a:schemeClr val="bg1">
-              <a:lumMod val="95000"/>
-            </a:schemeClr>
-          </a:solidFill>
-        </p:spPr>
-        <p:txBody>
-          <a:bodyPr vert="horz" lIns="0" tIns="0" rIns="0" bIns="0" rtlCol="0">
-            <a:noAutofit/>
-          </a:bodyPr>
-          <a:lstStyle>
-            <a:lvl1pPr marL="222250" indent="-220663" algn="l" defTabSz="457200" rtl="0" eaLnBrk="1" latinLnBrk="0" hangingPunct="1">
-              <a:lnSpc>
-                <a:spcPct val="90000"/>
-              </a:lnSpc>
-              <a:spcBef>
-                <a:spcPts val="0"/>
-              </a:spcBef>
-              <a:spcAft>
-                <a:spcPts val="900"/>
-              </a:spcAft>
-              <a:buClr>
-                <a:srgbClr val="DC2314"/>
-              </a:buClr>
-              <a:buSzPct val="100000"/>
-              <a:buFont typeface="LucidaGrande" charset="0"/>
-              <a:buChar char="•"/>
-              <a:tabLst/>
-              <a:defRPr sz="1600" b="0" i="0" kern="1200" baseline="0">
-                <a:solidFill>
-                  <a:srgbClr val="5F696E"/>
-                </a:solidFill>
-                <a:latin typeface="Calibri Light" charset="0"/>
-                <a:ea typeface="Calibri Light" charset="0"/>
-                <a:cs typeface="Calibri Light" charset="0"/>
-              </a:defRPr>
-            </a:lvl1pPr>
-            <a:lvl2pPr marL="492125" indent="-225425" algn="l" defTabSz="457200" rtl="0" eaLnBrk="1" latinLnBrk="0" hangingPunct="1">
-              <a:lnSpc>
-                <a:spcPct val="90000"/>
-              </a:lnSpc>
-              <a:spcBef>
-                <a:spcPts val="0"/>
-              </a:spcBef>
-              <a:spcAft>
-                <a:spcPts val="900"/>
-              </a:spcAft>
-              <a:buClr>
-                <a:srgbClr val="DC2314"/>
-              </a:buClr>
-              <a:buSzPct val="80000"/>
-              <a:buFont typeface="Symbol" charset="2"/>
-              <a:buChar char="-"/>
-              <a:tabLst/>
-              <a:defRPr sz="1600" b="0" i="0" kern="1200" baseline="0">
-                <a:solidFill>
-                  <a:srgbClr val="5F696E"/>
-                </a:solidFill>
-                <a:latin typeface="Calibri Light" charset="0"/>
-                <a:ea typeface="Calibri Light" charset="0"/>
-                <a:cs typeface="Calibri Light" charset="0"/>
-              </a:defRPr>
-            </a:lvl2pPr>
-            <a:lvl3pPr marL="1157288" indent="-242888" algn="l" defTabSz="457200" rtl="0" eaLnBrk="1" latinLnBrk="0" hangingPunct="1">
-              <a:lnSpc>
-                <a:spcPct val="105000"/>
-              </a:lnSpc>
-              <a:spcBef>
-                <a:spcPts val="0"/>
-              </a:spcBef>
-              <a:buClr>
-                <a:srgbClr val="DC2314"/>
-              </a:buClr>
-              <a:buSzPct val="80000"/>
-              <a:buFont typeface="Symbol" charset="2"/>
-              <a:buChar char="-"/>
-              <a:tabLst/>
-              <a:defRPr sz="1600" kern="1200" baseline="0">
-                <a:solidFill>
-                  <a:schemeClr val="tx1"/>
-                </a:solidFill>
-                <a:latin typeface="Calibri Light"/>
-                <a:ea typeface="+mn-ea"/>
-                <a:cs typeface="+mn-cs"/>
-              </a:defRPr>
-            </a:lvl3pPr>
-            <a:lvl4pPr marL="1657350" indent="-285750" algn="l" defTabSz="457200" rtl="0" eaLnBrk="1" latinLnBrk="0" hangingPunct="1">
-              <a:lnSpc>
-                <a:spcPct val="105000"/>
-              </a:lnSpc>
-              <a:spcBef>
-                <a:spcPts val="0"/>
-              </a:spcBef>
-              <a:buClr>
-                <a:schemeClr val="tx1"/>
-              </a:buClr>
-              <a:buSzPct val="100000"/>
-              <a:buFont typeface="Arial"/>
-              <a:buChar char="•"/>
-              <a:defRPr sz="1600" kern="1200" baseline="0">
-                <a:solidFill>
-                  <a:schemeClr val="tx1"/>
-                </a:solidFill>
-                <a:latin typeface="Calibri Light"/>
-                <a:ea typeface="+mn-ea"/>
-                <a:cs typeface="+mn-cs"/>
-              </a:defRPr>
-            </a:lvl4pPr>
-            <a:lvl5pPr marL="2114550" indent="-285750" algn="l" defTabSz="457200" rtl="0" eaLnBrk="1" latinLnBrk="0" hangingPunct="1">
-              <a:lnSpc>
-                <a:spcPct val="105000"/>
-              </a:lnSpc>
-              <a:spcBef>
-                <a:spcPts val="0"/>
-              </a:spcBef>
-              <a:buClr>
-                <a:schemeClr val="tx1"/>
-              </a:buClr>
-              <a:buSzPct val="100000"/>
-              <a:buFont typeface="Arial"/>
-              <a:buChar char="•"/>
-              <a:defRPr sz="1600" kern="1200" baseline="0">
-                <a:solidFill>
-                  <a:schemeClr val="tx1"/>
-                </a:solidFill>
-                <a:latin typeface="Calibri Light"/>
-                <a:ea typeface="+mn-ea"/>
-                <a:cs typeface="+mn-cs"/>
-              </a:defRPr>
-            </a:lvl5pPr>
-            <a:lvl6pPr marL="2514600" indent="-228600" algn="l" defTabSz="457200" rtl="0" eaLnBrk="1" latinLnBrk="0" hangingPunct="1">
-              <a:spcBef>
-                <a:spcPct val="20000"/>
-              </a:spcBef>
-              <a:buFont typeface="Arial"/>
-              <a:buChar char="•"/>
-              <a:defRPr sz="2000" kern="1200">
-                <a:solidFill>
-                  <a:schemeClr val="tx1"/>
-                </a:solidFill>
-                <a:latin typeface="+mn-lt"/>
-                <a:ea typeface="+mn-ea"/>
-                <a:cs typeface="+mn-cs"/>
-              </a:defRPr>
-            </a:lvl6pPr>
-            <a:lvl7pPr marL="2971800" indent="-228600" algn="l" defTabSz="457200" rtl="0" eaLnBrk="1" latinLnBrk="0" hangingPunct="1">
-              <a:spcBef>
-                <a:spcPct val="20000"/>
-              </a:spcBef>
-              <a:buFont typeface="Arial"/>
-              <a:buChar char="•"/>
-              <a:defRPr sz="2000" kern="1200">
-                <a:solidFill>
-                  <a:schemeClr val="tx1"/>
-                </a:solidFill>
-                <a:latin typeface="+mn-lt"/>
-                <a:ea typeface="+mn-ea"/>
-                <a:cs typeface="+mn-cs"/>
-              </a:defRPr>
-            </a:lvl7pPr>
-            <a:lvl8pPr marL="3429000" indent="-228600" algn="l" defTabSz="457200" rtl="0" eaLnBrk="1" latinLnBrk="0" hangingPunct="1">
-              <a:spcBef>
-                <a:spcPct val="20000"/>
-              </a:spcBef>
-              <a:buFont typeface="Arial"/>
-              <a:buChar char="•"/>
-              <a:defRPr sz="2000" kern="1200">
-                <a:solidFill>
-                  <a:schemeClr val="tx1"/>
-                </a:solidFill>
-                <a:latin typeface="+mn-lt"/>
-                <a:ea typeface="+mn-ea"/>
-                <a:cs typeface="+mn-cs"/>
-              </a:defRPr>
-            </a:lvl8pPr>
-            <a:lvl9pPr marL="3886200" indent="-228600" algn="l" defTabSz="457200" rtl="0" eaLnBrk="1" latinLnBrk="0" hangingPunct="1">
-              <a:spcBef>
-                <a:spcPct val="20000"/>
-              </a:spcBef>
-              <a:buFont typeface="Arial"/>
-              <a:buChar char="•"/>
-              <a:defRPr sz="2000" kern="1200">
-                <a:solidFill>
-                  <a:schemeClr val="tx1"/>
-                </a:solidFill>
-                <a:latin typeface="+mn-lt"/>
-                <a:ea typeface="+mn-ea"/>
-                <a:cs typeface="+mn-cs"/>
-              </a:defRPr>
-            </a:lvl9pPr>
-          </a:lstStyle>
-          <a:p>
-            <a:pPr marL="266700" indent="-177800">
-              <a:buFont typeface="LucidaGrande" charset="0"/>
-              <a:buNone/>
-            </a:pPr>
-            <a:endParaRPr lang="de-DE" sz="100" dirty="0">
-              <a:latin typeface="Calibri" charset="0"/>
-              <a:ea typeface="Calibri" charset="0"/>
-              <a:cs typeface="Calibri" charset="0"/>
-            </a:endParaRPr>
-          </a:p>
-          <a:p>
-            <a:pPr marL="374650" indent="-285750"/>
-            <a:r>
-              <a:rPr lang="de-DE" dirty="0">
-                <a:latin typeface="Calibri" charset="0"/>
-                <a:ea typeface="Calibri" charset="0"/>
-                <a:cs typeface="Calibri" charset="0"/>
-              </a:rPr>
-              <a:t>Separater Export/Import je Ziel-Schema der DB möglich</a:t>
-            </a:r>
-          </a:p>
-        </p:txBody>
-      </p:sp>
-      <p:pic>
-        <p:nvPicPr>
-          <p:cNvPr id="6" name="Grafik 5">
-            <a:extLst>
-              <a:ext uri="{FF2B5EF4-FFF2-40B4-BE49-F238E27FC236}">
-                <a16:creationId xmlns:a16="http://schemas.microsoft.com/office/drawing/2014/main" id="{77F5F003-1E2C-4341-9D34-688E300C318E}"/>
-              </a:ext>
-            </a:extLst>
-          </p:cNvPr>
-          <p:cNvPicPr>
-            <a:picLocks noChangeAspect="1"/>
-          </p:cNvPicPr>
-          <p:nvPr/>
-        </p:nvPicPr>
-        <p:blipFill>
-          <a:blip r:embed="rId3"/>
-          <a:stretch>
-            <a:fillRect/>
-          </a:stretch>
-        </p:blipFill>
-        <p:spPr>
-          <a:xfrm>
-            <a:off x="242644" y="8702"/>
-            <a:ext cx="3311482" cy="5143500"/>
-          </a:xfrm>
-          <a:prstGeom prst="rect">
-            <a:avLst/>
-          </a:prstGeom>
-        </p:spPr>
-      </p:pic>
-    </p:spTree>
-    <p:extLst>
-      <p:ext uri="{BB962C8B-B14F-4D97-AF65-F5344CB8AC3E}">
-        <p14:creationId xmlns:p14="http://schemas.microsoft.com/office/powerpoint/2010/main" val="427426876"/>
-      </p:ext>
-    </p:extLst>
-  </p:cSld>
-  <p:clrMapOvr>
-    <a:masterClrMapping/>
-  </p:clrMapOvr>
-  <p:timing>
-    <p:tnLst>
-      <p:par>
-        <p:cTn id="1" dur="indefinite" restart="never" nodeType="tmRoot">
-          <p:childTnLst>
-            <p:seq concurrent="1" nextAc="seek">
-              <p:cTn id="2" dur="indefinite" nodeType="mainSeq">
-                <p:childTnLst>
-                  <p:par>
-                    <p:cTn id="3" fill="hold">
-                      <p:stCondLst>
-                        <p:cond delay="indefinite"/>
-                      </p:stCondLst>
-                      <p:childTnLst>
-                        <p:par>
-                          <p:cTn id="4" fill="hold">
-                            <p:stCondLst>
-                              <p:cond delay="0"/>
-                            </p:stCondLst>
-                            <p:childTnLst>
-                              <p:par>
-                                <p:cTn id="5" presetID="1" presetClass="entr" presetSubtype="0" fill="hold" grpId="0" nodeType="clickEffect">
-                                  <p:stCondLst>
-                                    <p:cond delay="0"/>
-                                  </p:stCondLst>
-                                  <p:childTnLst>
-                                    <p:set>
-                                      <p:cBhvr>
-                                        <p:cTn id="6" dur="1" fill="hold">
-                                          <p:stCondLst>
-                                            <p:cond delay="0"/>
-                                          </p:stCondLst>
-                                        </p:cTn>
-                                        <p:tgtEl>
-                                          <p:spTgt spid="7"/>
-                                        </p:tgtEl>
-                                        <p:attrNameLst>
-                                          <p:attrName>style.visibility</p:attrName>
-                                        </p:attrNameLst>
-                                      </p:cBhvr>
-                                      <p:to>
-                                        <p:strVal val="visible"/>
-                                      </p:to>
-                                    </p:set>
-                                  </p:childTnLst>
-                                </p:cTn>
-                              </p:par>
-                            </p:childTnLst>
-                          </p:cTn>
-                        </p:par>
-                      </p:childTnLst>
-                    </p:cTn>
-                  </p:par>
-                  <p:par>
-                    <p:cTn id="7" fill="hold">
-                      <p:stCondLst>
-                        <p:cond delay="indefinite"/>
-                      </p:stCondLst>
-                      <p:childTnLst>
-                        <p:par>
-                          <p:cTn id="8" fill="hold">
-                            <p:stCondLst>
-                              <p:cond delay="0"/>
-                            </p:stCondLst>
-                            <p:childTnLst>
-                              <p:par>
-                                <p:cTn id="9" presetID="1" presetClass="entr" presetSubtype="0" fill="hold" grpId="0" nodeType="clickEffect">
-                                  <p:stCondLst>
-                                    <p:cond delay="0"/>
-                                  </p:stCondLst>
-                                  <p:childTnLst>
-                                    <p:set>
-                                      <p:cBhvr>
-                                        <p:cTn id="10" dur="1" fill="hold">
-                                          <p:stCondLst>
-                                            <p:cond delay="0"/>
-                                          </p:stCondLst>
-                                        </p:cTn>
-                                        <p:tgtEl>
-                                          <p:spTgt spid="8"/>
-                                        </p:tgtEl>
-                                        <p:attrNameLst>
-                                          <p:attrName>style.visibility</p:attrName>
-                                        </p:attrNameLst>
-                                      </p:cBhvr>
-                                      <p:to>
-                                        <p:strVal val="visible"/>
-                                      </p:to>
-                                    </p:set>
-                                  </p:childTnLst>
-                                </p:cTn>
-                              </p:par>
-                            </p:childTnLst>
-                          </p:cTn>
-                        </p:par>
-                      </p:childTnLst>
-                    </p:cTn>
-                  </p:par>
-                  <p:par>
-                    <p:cTn id="11" fill="hold">
-                      <p:stCondLst>
-                        <p:cond delay="indefinite"/>
-                      </p:stCondLst>
-                      <p:childTnLst>
-                        <p:par>
-                          <p:cTn id="12" fill="hold">
-                            <p:stCondLst>
-                              <p:cond delay="0"/>
-                            </p:stCondLst>
-                            <p:childTnLst>
-                              <p:par>
-                                <p:cTn id="13" presetID="1" presetClass="entr" presetSubtype="0" fill="hold" grpId="0" nodeType="clickEffect">
-                                  <p:stCondLst>
-                                    <p:cond delay="0"/>
-                                  </p:stCondLst>
-                                  <p:childTnLst>
-                                    <p:set>
-                                      <p:cBhvr>
-                                        <p:cTn id="14" dur="1" fill="hold">
-                                          <p:stCondLst>
-                                            <p:cond delay="0"/>
-                                          </p:stCondLst>
-                                        </p:cTn>
-                                        <p:tgtEl>
-                                          <p:spTgt spid="9"/>
-                                        </p:tgtEl>
-                                        <p:attrNameLst>
-                                          <p:attrName>style.visibility</p:attrName>
-                                        </p:attrNameLst>
-                                      </p:cBhvr>
-                                      <p:to>
-                                        <p:strVal val="visible"/>
-                                      </p:to>
-                                    </p:set>
-                                  </p:childTnLst>
-                                </p:cTn>
-                              </p:par>
-                            </p:childTnLst>
-                          </p:cTn>
-                        </p:par>
-                      </p:childTnLst>
-                    </p:cTn>
-                  </p:par>
-                  <p:par>
-                    <p:cTn id="15" fill="hold">
-                      <p:stCondLst>
-                        <p:cond delay="indefinite"/>
-                      </p:stCondLst>
-                      <p:childTnLst>
-                        <p:par>
-                          <p:cTn id="16" fill="hold">
-                            <p:stCondLst>
-                              <p:cond delay="0"/>
-                            </p:stCondLst>
-                            <p:childTnLst>
-                              <p:par>
-                                <p:cTn id="17" presetID="1" presetClass="entr" presetSubtype="0" fill="hold" grpId="0" nodeType="clickEffect">
-                                  <p:stCondLst>
-                                    <p:cond delay="0"/>
-                                  </p:stCondLst>
-                                  <p:childTnLst>
-                                    <p:set>
-                                      <p:cBhvr>
-                                        <p:cTn id="18" dur="1" fill="hold">
-                                          <p:stCondLst>
-                                            <p:cond delay="0"/>
-                                          </p:stCondLst>
-                                        </p:cTn>
-                                        <p:tgtEl>
-                                          <p:spTgt spid="10"/>
-                                        </p:tgtEl>
-                                        <p:attrNameLst>
-                                          <p:attrName>style.visibility</p:attrName>
-                                        </p:attrNameLst>
-                                      </p:cBhvr>
-                                      <p:to>
-                                        <p:strVal val="visible"/>
-                                      </p:to>
-                                    </p:set>
-                                  </p:childTnLst>
-                                </p:cTn>
-                              </p:par>
-                            </p:childTnLst>
-                          </p:cTn>
-                        </p:par>
-                      </p:childTnLst>
-                    </p:cTn>
-                  </p:par>
-                  <p:par>
-                    <p:cTn id="19" fill="hold">
-                      <p:stCondLst>
-                        <p:cond delay="indefinite"/>
-                      </p:stCondLst>
-                      <p:childTnLst>
-                        <p:par>
-                          <p:cTn id="20" fill="hold">
-                            <p:stCondLst>
-                              <p:cond delay="0"/>
-                            </p:stCondLst>
-                            <p:childTnLst>
-                              <p:par>
-                                <p:cTn id="21" presetID="1" presetClass="entr" presetSubtype="0" fill="hold" grpId="0" nodeType="clickEffect">
-                                  <p:stCondLst>
-                                    <p:cond delay="0"/>
-                                  </p:stCondLst>
-                                  <p:childTnLst>
-                                    <p:set>
-                                      <p:cBhvr>
-                                        <p:cTn id="22" dur="1" fill="hold">
-                                          <p:stCondLst>
-                                            <p:cond delay="0"/>
-                                          </p:stCondLst>
-                                        </p:cTn>
-                                        <p:tgtEl>
-                                          <p:spTgt spid="11"/>
-                                        </p:tgtEl>
-                                        <p:attrNameLst>
-                                          <p:attrName>style.visibility</p:attrName>
-                                        </p:attrNameLst>
-                                      </p:cBhvr>
-                                      <p:to>
-                                        <p:strVal val="visible"/>
-                                      </p:to>
-                                    </p:set>
-                                  </p:childTnLst>
-                                </p:cTn>
-                              </p:par>
-                            </p:childTnLst>
-                          </p:cTn>
-                        </p:par>
-                      </p:childTnLst>
-                    </p:cTn>
-                  </p:par>
-                </p:childTnLst>
-              </p:cTn>
-              <p:prevCondLst>
-                <p:cond evt="onPrev" delay="0">
-                  <p:tgtEl>
-                    <p:sldTgt/>
-                  </p:tgtEl>
-                </p:cond>
-              </p:prevCondLst>
-              <p:nextCondLst>
-                <p:cond evt="onNext" delay="0">
-                  <p:tgtEl>
-                    <p:sldTgt/>
-                  </p:tgtEl>
-                </p:cond>
-              </p:nextCondLst>
-            </p:seq>
-          </p:childTnLst>
-        </p:cTn>
-      </p:par>
-    </p:tnLst>
-    <p:bldLst>
-      <p:bldP spid="7" grpId="0" animBg="1"/>
-      <p:bldP spid="8" grpId="0" animBg="1"/>
-      <p:bldP spid="9" grpId="0" animBg="1"/>
-      <p:bldP spid="10" grpId="0" animBg="1"/>
-      <p:bldP spid="11" grpId="0" animBg="1"/>
-    </p:bldLst>
-  </p:timing>
-</p:sld>
-</file>
-
-<file path=ppt/slides/slide11.xml><?xml version="1.0" encoding="utf-8"?>
-<p:sld xmlns:a="http://schemas.openxmlformats.org/drawingml/2006/main" xmlns:r="http://schemas.openxmlformats.org/officeDocument/2006/relationships" xmlns:p="http://schemas.openxmlformats.org/presentationml/2006/main">
-  <p:cSld>
-    <p:spTree>
-      <p:nvGrpSpPr>
-        <p:cNvPr id="1" name=""/>
-        <p:cNvGrpSpPr/>
-        <p:nvPr/>
-      </p:nvGrpSpPr>
-      <p:grpSpPr>
-        <a:xfrm>
-          <a:off x="0" y="0"/>
-          <a:ext cx="0" cy="0"/>
-          <a:chOff x="0" y="0"/>
-          <a:chExt cx="0" cy="0"/>
-        </a:xfrm>
-      </p:grpSpPr>
-      <p:sp>
-        <p:nvSpPr>
-          <p:cNvPr id="2" name="Titel 1"/>
-          <p:cNvSpPr>
-            <a:spLocks noGrp="1"/>
-          </p:cNvSpPr>
-          <p:nvPr>
-            <p:ph type="title"/>
-          </p:nvPr>
-        </p:nvSpPr>
-        <p:spPr>
-          <a:xfrm>
-            <a:off x="222767" y="334116"/>
-            <a:ext cx="8363416" cy="508925"/>
-          </a:xfrm>
-        </p:spPr>
-        <p:txBody>
-          <a:bodyPr/>
-          <a:lstStyle/>
-          <a:p>
-            <a:r>
-              <a:rPr lang="de-DE" sz="2800" b="1" dirty="0"/>
-              <a:t>Unterstützte Datenbank-Systeme</a:t>
-            </a:r>
-          </a:p>
-        </p:txBody>
-      </p:sp>
-      <p:sp>
-        <p:nvSpPr>
-          <p:cNvPr id="4" name="Fußzeilenplatzhalter 3"/>
-          <p:cNvSpPr>
-            <a:spLocks noGrp="1"/>
-          </p:cNvSpPr>
-          <p:nvPr>
-            <p:ph type="ftr" sz="quarter" idx="3"/>
-          </p:nvPr>
-        </p:nvSpPr>
-        <p:spPr>
-          <a:xfrm>
-            <a:off x="6412999" y="4918182"/>
-            <a:ext cx="2173184" cy="273844"/>
-          </a:xfrm>
-        </p:spPr>
-        <p:txBody>
-          <a:bodyPr/>
-          <a:lstStyle/>
-          <a:p>
-            <a:r>
-              <a:rPr lang="de-DE" dirty="0"/>
-              <a:t>Seite</a:t>
-            </a:r>
-          </a:p>
-        </p:txBody>
-      </p:sp>
-      <p:sp>
-        <p:nvSpPr>
-          <p:cNvPr id="5" name="Foliennummernplatzhalter 4"/>
-          <p:cNvSpPr>
-            <a:spLocks noGrp="1"/>
-          </p:cNvSpPr>
-          <p:nvPr>
-            <p:ph type="sldNum" sz="quarter" idx="4"/>
-          </p:nvPr>
-        </p:nvSpPr>
-        <p:spPr>
-          <a:xfrm>
-            <a:off x="8418658" y="4920586"/>
-            <a:ext cx="335050" cy="273844"/>
-          </a:xfrm>
-        </p:spPr>
-        <p:txBody>
-          <a:bodyPr/>
-          <a:lstStyle/>
-          <a:p>
-            <a:fld id="{2DD045F0-8B2A-FA4B-969F-A1574B4A39C0}" type="slidenum">
-              <a:rPr lang="de-DE" smtClean="0"/>
-              <a:pPr/>
-              <a:t>11</a:t>
             </a:fld>
             <a:endParaRPr lang="de-DE" dirty="0"/>
           </a:p>
@@ -13873,7 +12276,7 @@
 </p:sld>
 </file>
 
-<file path=ppt/slides/slide12.xml><?xml version="1.0" encoding="utf-8"?>
+<file path=ppt/slides/slide11.xml><?xml version="1.0" encoding="utf-8"?>
 <p:sld xmlns:a="http://schemas.openxmlformats.org/drawingml/2006/main" xmlns:r="http://schemas.openxmlformats.org/officeDocument/2006/relationships" xmlns:p="http://schemas.openxmlformats.org/presentationml/2006/main">
   <p:cSld>
     <p:spTree>
@@ -13967,7 +12370,7 @@
             <a:fld id="{2DD045F0-8B2A-FA4B-969F-A1574B4A39C0}" type="slidenum">
               <a:rPr lang="de-DE" smtClean="0"/>
               <a:pPr/>
-              <a:t>12</a:t>
+              <a:t>11</a:t>
             </a:fld>
             <a:endParaRPr lang="de-DE" dirty="0"/>
           </a:p>
@@ -14674,7 +13077,7 @@
 </p:sld>
 </file>
 
-<file path=ppt/slides/slide13.xml><?xml version="1.0" encoding="utf-8"?>
+<file path=ppt/slides/slide12.xml><?xml version="1.0" encoding="utf-8"?>
 <p:sld xmlns:a="http://schemas.openxmlformats.org/drawingml/2006/main" xmlns:r="http://schemas.openxmlformats.org/officeDocument/2006/relationships" xmlns:p="http://schemas.openxmlformats.org/presentationml/2006/main">
   <p:cSld>
     <p:spTree>
@@ -15950,7 +14353,7 @@
 </p:sld>
 </file>
 
-<file path=ppt/slides/slide14.xml><?xml version="1.0" encoding="utf-8"?>
+<file path=ppt/slides/slide13.xml><?xml version="1.0" encoding="utf-8"?>
 <p:sld xmlns:a="http://schemas.openxmlformats.org/drawingml/2006/main" xmlns:r="http://schemas.openxmlformats.org/officeDocument/2006/relationships" xmlns:p="http://schemas.openxmlformats.org/presentationml/2006/main">
   <p:cSld>
     <p:spTree>
@@ -16044,7 +14447,7 @@
             <a:fld id="{2DD045F0-8B2A-FA4B-969F-A1574B4A39C0}" type="slidenum">
               <a:rPr lang="de-DE" smtClean="0"/>
               <a:pPr/>
-              <a:t>14</a:t>
+              <a:t>13</a:t>
             </a:fld>
             <a:endParaRPr lang="de-DE" dirty="0"/>
           </a:p>
@@ -16799,7 +15202,7 @@
 </p:sld>
 </file>
 
-<file path=ppt/slides/slide15.xml><?xml version="1.0" encoding="utf-8"?>
+<file path=ppt/slides/slide14.xml><?xml version="1.0" encoding="utf-8"?>
 <p:sld xmlns:a="http://schemas.openxmlformats.org/drawingml/2006/main" xmlns:r="http://schemas.openxmlformats.org/officeDocument/2006/relationships" xmlns:p="http://schemas.openxmlformats.org/presentationml/2006/main">
   <p:cSld>
     <p:spTree>
@@ -16893,7 +15296,7 @@
             <a:fld id="{2DD045F0-8B2A-FA4B-969F-A1574B4A39C0}" type="slidenum">
               <a:rPr lang="de-DE" smtClean="0"/>
               <a:pPr/>
-              <a:t>15</a:t>
+              <a:t>14</a:t>
             </a:fld>
             <a:endParaRPr lang="de-DE" dirty="0"/>
           </a:p>
@@ -18092,7 +16495,7 @@
 </p:sld>
 </file>
 
-<file path=ppt/slides/slide16.xml><?xml version="1.0" encoding="utf-8"?>
+<file path=ppt/slides/slide15.xml><?xml version="1.0" encoding="utf-8"?>
 <p:sld xmlns:a="http://schemas.openxmlformats.org/drawingml/2006/main" xmlns:r="http://schemas.openxmlformats.org/officeDocument/2006/relationships" xmlns:p="http://schemas.openxmlformats.org/presentationml/2006/main">
   <p:cSld>
     <p:spTree>
@@ -18186,7 +16589,7 @@
             <a:fld id="{2DD045F0-8B2A-FA4B-969F-A1574B4A39C0}" type="slidenum">
               <a:rPr lang="de-DE" smtClean="0"/>
               <a:pPr/>
-              <a:t>16</a:t>
+              <a:t>15</a:t>
             </a:fld>
             <a:endParaRPr lang="de-DE" dirty="0"/>
           </a:p>
@@ -21075,7 +19478,7 @@
 </p:sld>
 </file>
 
-<file path=ppt/slides/slide17.xml><?xml version="1.0" encoding="utf-8"?>
+<file path=ppt/slides/slide16.xml><?xml version="1.0" encoding="utf-8"?>
 <p:sld xmlns:a="http://schemas.openxmlformats.org/drawingml/2006/main" xmlns:r="http://schemas.openxmlformats.org/officeDocument/2006/relationships" xmlns:p="http://schemas.openxmlformats.org/presentationml/2006/main">
   <p:cSld>
     <p:spTree>
@@ -21169,7 +19572,7 @@
             <a:fld id="{2DD045F0-8B2A-FA4B-969F-A1574B4A39C0}" type="slidenum">
               <a:rPr lang="de-DE" smtClean="0"/>
               <a:pPr/>
-              <a:t>17</a:t>
+              <a:t>16</a:t>
             </a:fld>
             <a:endParaRPr lang="de-DE" dirty="0"/>
           </a:p>
@@ -22395,7 +20798,7 @@
 </p:sld>
 </file>
 
-<file path=ppt/slides/slide18.xml><?xml version="1.0" encoding="utf-8"?>
+<file path=ppt/slides/slide17.xml><?xml version="1.0" encoding="utf-8"?>
 <p:sld xmlns:a="http://schemas.openxmlformats.org/drawingml/2006/main" xmlns:r="http://schemas.openxmlformats.org/officeDocument/2006/relationships" xmlns:p="http://schemas.openxmlformats.org/presentationml/2006/main">
   <p:cSld>
     <p:spTree>
@@ -22489,7 +20892,7 @@
             <a:fld id="{2DD045F0-8B2A-FA4B-969F-A1574B4A39C0}" type="slidenum">
               <a:rPr lang="de-DE" smtClean="0"/>
               <a:pPr/>
-              <a:t>18</a:t>
+              <a:t>17</a:t>
             </a:fld>
             <a:endParaRPr lang="de-DE" dirty="0"/>
           </a:p>
@@ -23440,7 +21843,7 @@
 </p:sld>
 </file>
 
-<file path=ppt/slides/slide19.xml><?xml version="1.0" encoding="utf-8"?>
+<file path=ppt/slides/slide18.xml><?xml version="1.0" encoding="utf-8"?>
 <p:sld xmlns:a="http://schemas.openxmlformats.org/drawingml/2006/main" xmlns:r="http://schemas.openxmlformats.org/officeDocument/2006/relationships" xmlns:p="http://schemas.openxmlformats.org/presentationml/2006/main">
   <p:cSld>
     <p:spTree>
@@ -24184,1053 +22587,7 @@
 </p:sld>
 </file>
 
-<file path=ppt/slides/slide2.xml><?xml version="1.0" encoding="utf-8"?>
-<p:sld xmlns:a="http://schemas.openxmlformats.org/drawingml/2006/main" xmlns:r="http://schemas.openxmlformats.org/officeDocument/2006/relationships" xmlns:p="http://schemas.openxmlformats.org/presentationml/2006/main">
-  <p:cSld>
-    <p:spTree>
-      <p:nvGrpSpPr>
-        <p:cNvPr id="1" name=""/>
-        <p:cNvGrpSpPr/>
-        <p:nvPr/>
-      </p:nvGrpSpPr>
-      <p:grpSpPr>
-        <a:xfrm>
-          <a:off x="0" y="0"/>
-          <a:ext cx="0" cy="0"/>
-          <a:chOff x="0" y="0"/>
-          <a:chExt cx="0" cy="0"/>
-        </a:xfrm>
-      </p:grpSpPr>
-      <p:sp>
-        <p:nvSpPr>
-          <p:cNvPr id="12" name="Shape 119">
-            <a:extLst>
-              <a:ext uri="{FF2B5EF4-FFF2-40B4-BE49-F238E27FC236}">
-                <a16:creationId xmlns:a16="http://schemas.microsoft.com/office/drawing/2014/main" id="{CCAF4C5B-DAF4-9648-9623-34546EDCD1C8}"/>
-              </a:ext>
-            </a:extLst>
-          </p:cNvPr>
-          <p:cNvSpPr txBox="1">
-            <a:spLocks/>
-          </p:cNvSpPr>
-          <p:nvPr/>
-        </p:nvSpPr>
-        <p:spPr>
-          <a:xfrm>
-            <a:off x="482667" y="3316085"/>
-            <a:ext cx="5395485" cy="1016076"/>
-          </a:xfrm>
-          <a:prstGeom prst="rect">
-            <a:avLst/>
-          </a:prstGeom>
-          <a:ln w="12700">
-            <a:miter lim="400000"/>
-          </a:ln>
-          <a:extLst>
-            <a:ext uri="{C572A759-6A51-4108-AA02-DFA0A04FC94B}">
-              <ma14:wrappingTextBoxFlag xmlns:ma14="http://schemas.microsoft.com/office/mac/drawingml/2011/main" xmlns="" val="1"/>
-            </a:ext>
-          </a:extLst>
-        </p:spPr>
-        <p:txBody>
-          <a:bodyPr lIns="71437" tIns="71437" rIns="71437" bIns="71437" anchor="b">
-            <a:noAutofit/>
-          </a:bodyPr>
-          <a:lstStyle>
-            <a:lvl1pPr marL="0" marR="0" indent="0" algn="ctr" defTabSz="410760" rtl="0" latinLnBrk="0">
-              <a:lnSpc>
-                <a:spcPct val="100000"/>
-              </a:lnSpc>
-              <a:spcBef>
-                <a:spcPts val="0"/>
-              </a:spcBef>
-              <a:spcAft>
-                <a:spcPts val="0"/>
-              </a:spcAft>
-              <a:buClrTx/>
-              <a:buSzTx/>
-              <a:buFontTx/>
-              <a:buNone/>
-              <a:tabLst/>
-              <a:defRPr sz="5600" b="0" i="0" u="none" strike="noStrike" cap="none" spc="0" baseline="0">
-                <a:ln>
-                  <a:noFill/>
-                </a:ln>
-                <a:solidFill>
-                  <a:srgbClr val="000000"/>
-                </a:solidFill>
-                <a:uFillTx/>
-                <a:latin typeface="Helvetica Light"/>
-                <a:ea typeface="Helvetica Light"/>
-                <a:cs typeface="Helvetica Light"/>
-                <a:sym typeface="Helvetica Light"/>
-              </a:defRPr>
-            </a:lvl1pPr>
-            <a:lvl2pPr marL="0" marR="0" indent="0" algn="ctr" defTabSz="410760" rtl="0" latinLnBrk="0">
-              <a:lnSpc>
-                <a:spcPct val="100000"/>
-              </a:lnSpc>
-              <a:spcBef>
-                <a:spcPts val="0"/>
-              </a:spcBef>
-              <a:spcAft>
-                <a:spcPts val="0"/>
-              </a:spcAft>
-              <a:buClrTx/>
-              <a:buSzTx/>
-              <a:buFontTx/>
-              <a:buNone/>
-              <a:tabLst/>
-              <a:defRPr sz="5600" b="0" i="0" u="none" strike="noStrike" cap="none" spc="0" baseline="0">
-                <a:ln>
-                  <a:noFill/>
-                </a:ln>
-                <a:solidFill>
-                  <a:srgbClr val="000000"/>
-                </a:solidFill>
-                <a:uFillTx/>
-                <a:latin typeface="Helvetica Light"/>
-                <a:ea typeface="Helvetica Light"/>
-                <a:cs typeface="Helvetica Light"/>
-                <a:sym typeface="Helvetica Light"/>
-              </a:defRPr>
-            </a:lvl2pPr>
-            <a:lvl3pPr marL="0" marR="0" indent="0" algn="ctr" defTabSz="410760" rtl="0" latinLnBrk="0">
-              <a:lnSpc>
-                <a:spcPct val="100000"/>
-              </a:lnSpc>
-              <a:spcBef>
-                <a:spcPts val="0"/>
-              </a:spcBef>
-              <a:spcAft>
-                <a:spcPts val="0"/>
-              </a:spcAft>
-              <a:buClrTx/>
-              <a:buSzTx/>
-              <a:buFontTx/>
-              <a:buNone/>
-              <a:tabLst/>
-              <a:defRPr sz="5600" b="0" i="0" u="none" strike="noStrike" cap="none" spc="0" baseline="0">
-                <a:ln>
-                  <a:noFill/>
-                </a:ln>
-                <a:solidFill>
-                  <a:srgbClr val="000000"/>
-                </a:solidFill>
-                <a:uFillTx/>
-                <a:latin typeface="Helvetica Light"/>
-                <a:ea typeface="Helvetica Light"/>
-                <a:cs typeface="Helvetica Light"/>
-                <a:sym typeface="Helvetica Light"/>
-              </a:defRPr>
-            </a:lvl3pPr>
-            <a:lvl4pPr marL="0" marR="0" indent="0" algn="ctr" defTabSz="410760" rtl="0" latinLnBrk="0">
-              <a:lnSpc>
-                <a:spcPct val="100000"/>
-              </a:lnSpc>
-              <a:spcBef>
-                <a:spcPts val="0"/>
-              </a:spcBef>
-              <a:spcAft>
-                <a:spcPts val="0"/>
-              </a:spcAft>
-              <a:buClrTx/>
-              <a:buSzTx/>
-              <a:buFontTx/>
-              <a:buNone/>
-              <a:tabLst/>
-              <a:defRPr sz="5600" b="0" i="0" u="none" strike="noStrike" cap="none" spc="0" baseline="0">
-                <a:ln>
-                  <a:noFill/>
-                </a:ln>
-                <a:solidFill>
-                  <a:srgbClr val="000000"/>
-                </a:solidFill>
-                <a:uFillTx/>
-                <a:latin typeface="Helvetica Light"/>
-                <a:ea typeface="Helvetica Light"/>
-                <a:cs typeface="Helvetica Light"/>
-                <a:sym typeface="Helvetica Light"/>
-              </a:defRPr>
-            </a:lvl4pPr>
-            <a:lvl5pPr marL="0" marR="0" indent="0" algn="ctr" defTabSz="410760" rtl="0" latinLnBrk="0">
-              <a:lnSpc>
-                <a:spcPct val="100000"/>
-              </a:lnSpc>
-              <a:spcBef>
-                <a:spcPts val="0"/>
-              </a:spcBef>
-              <a:spcAft>
-                <a:spcPts val="0"/>
-              </a:spcAft>
-              <a:buClrTx/>
-              <a:buSzTx/>
-              <a:buFontTx/>
-              <a:buNone/>
-              <a:tabLst/>
-              <a:defRPr sz="5600" b="0" i="0" u="none" strike="noStrike" cap="none" spc="0" baseline="0">
-                <a:ln>
-                  <a:noFill/>
-                </a:ln>
-                <a:solidFill>
-                  <a:srgbClr val="000000"/>
-                </a:solidFill>
-                <a:uFillTx/>
-                <a:latin typeface="Helvetica Light"/>
-                <a:ea typeface="Helvetica Light"/>
-                <a:cs typeface="Helvetica Light"/>
-                <a:sym typeface="Helvetica Light"/>
-              </a:defRPr>
-            </a:lvl5pPr>
-            <a:lvl6pPr marL="0" marR="0" indent="0" algn="ctr" defTabSz="410760" rtl="0" latinLnBrk="0">
-              <a:lnSpc>
-                <a:spcPct val="100000"/>
-              </a:lnSpc>
-              <a:spcBef>
-                <a:spcPts val="0"/>
-              </a:spcBef>
-              <a:spcAft>
-                <a:spcPts val="0"/>
-              </a:spcAft>
-              <a:buClrTx/>
-              <a:buSzTx/>
-              <a:buFontTx/>
-              <a:buNone/>
-              <a:tabLst/>
-              <a:defRPr sz="5600" b="0" i="0" u="none" strike="noStrike" cap="none" spc="0" baseline="0">
-                <a:ln>
-                  <a:noFill/>
-                </a:ln>
-                <a:solidFill>
-                  <a:srgbClr val="000000"/>
-                </a:solidFill>
-                <a:uFillTx/>
-                <a:latin typeface="Helvetica Light"/>
-                <a:ea typeface="Helvetica Light"/>
-                <a:cs typeface="Helvetica Light"/>
-                <a:sym typeface="Helvetica Light"/>
-              </a:defRPr>
-            </a:lvl6pPr>
-            <a:lvl7pPr marL="0" marR="0" indent="0" algn="ctr" defTabSz="410760" rtl="0" latinLnBrk="0">
-              <a:lnSpc>
-                <a:spcPct val="100000"/>
-              </a:lnSpc>
-              <a:spcBef>
-                <a:spcPts val="0"/>
-              </a:spcBef>
-              <a:spcAft>
-                <a:spcPts val="0"/>
-              </a:spcAft>
-              <a:buClrTx/>
-              <a:buSzTx/>
-              <a:buFontTx/>
-              <a:buNone/>
-              <a:tabLst/>
-              <a:defRPr sz="5600" b="0" i="0" u="none" strike="noStrike" cap="none" spc="0" baseline="0">
-                <a:ln>
-                  <a:noFill/>
-                </a:ln>
-                <a:solidFill>
-                  <a:srgbClr val="000000"/>
-                </a:solidFill>
-                <a:uFillTx/>
-                <a:latin typeface="Helvetica Light"/>
-                <a:ea typeface="Helvetica Light"/>
-                <a:cs typeface="Helvetica Light"/>
-                <a:sym typeface="Helvetica Light"/>
-              </a:defRPr>
-            </a:lvl7pPr>
-            <a:lvl8pPr marL="0" marR="0" indent="0" algn="ctr" defTabSz="410760" rtl="0" latinLnBrk="0">
-              <a:lnSpc>
-                <a:spcPct val="100000"/>
-              </a:lnSpc>
-              <a:spcBef>
-                <a:spcPts val="0"/>
-              </a:spcBef>
-              <a:spcAft>
-                <a:spcPts val="0"/>
-              </a:spcAft>
-              <a:buClrTx/>
-              <a:buSzTx/>
-              <a:buFontTx/>
-              <a:buNone/>
-              <a:tabLst/>
-              <a:defRPr sz="5600" b="0" i="0" u="none" strike="noStrike" cap="none" spc="0" baseline="0">
-                <a:ln>
-                  <a:noFill/>
-                </a:ln>
-                <a:solidFill>
-                  <a:srgbClr val="000000"/>
-                </a:solidFill>
-                <a:uFillTx/>
-                <a:latin typeface="Helvetica Light"/>
-                <a:ea typeface="Helvetica Light"/>
-                <a:cs typeface="Helvetica Light"/>
-                <a:sym typeface="Helvetica Light"/>
-              </a:defRPr>
-            </a:lvl8pPr>
-            <a:lvl9pPr marL="0" marR="0" indent="0" algn="ctr" defTabSz="410760" rtl="0" latinLnBrk="0">
-              <a:lnSpc>
-                <a:spcPct val="100000"/>
-              </a:lnSpc>
-              <a:spcBef>
-                <a:spcPts val="0"/>
-              </a:spcBef>
-              <a:spcAft>
-                <a:spcPts val="0"/>
-              </a:spcAft>
-              <a:buClrTx/>
-              <a:buSzTx/>
-              <a:buFontTx/>
-              <a:buNone/>
-              <a:tabLst/>
-              <a:defRPr sz="5600" b="0" i="0" u="none" strike="noStrike" cap="none" spc="0" baseline="0">
-                <a:ln>
-                  <a:noFill/>
-                </a:ln>
-                <a:solidFill>
-                  <a:srgbClr val="000000"/>
-                </a:solidFill>
-                <a:uFillTx/>
-                <a:latin typeface="Helvetica Light"/>
-                <a:ea typeface="Helvetica Light"/>
-                <a:cs typeface="Helvetica Light"/>
-                <a:sym typeface="Helvetica Light"/>
-              </a:defRPr>
-            </a:lvl9pPr>
-          </a:lstStyle>
-          <a:p>
-            <a:pPr algn="l" defTabSz="227978" hangingPunct="1">
-              <a:defRPr sz="8800">
-                <a:solidFill>
-                  <a:srgbClr val="FFFFFF"/>
-                </a:solidFill>
-                <a:latin typeface="Arial"/>
-                <a:ea typeface="Arial"/>
-                <a:cs typeface="Arial"/>
-                <a:sym typeface="Arial"/>
-              </a:defRPr>
-            </a:pPr>
-            <a:r>
-              <a:rPr lang="de-DE" sz="3600" dirty="0">
-                <a:solidFill>
-                  <a:schemeClr val="bg1"/>
-                </a:solidFill>
-                <a:latin typeface="Arial"/>
-                <a:ea typeface="Arial"/>
-                <a:cs typeface="Arial"/>
-                <a:sym typeface="Arial"/>
-              </a:rPr>
-              <a:t>Titel</a:t>
-            </a:r>
-          </a:p>
-          <a:p>
-            <a:pPr algn="l" defTabSz="227978" hangingPunct="1">
-              <a:defRPr sz="8800">
-                <a:solidFill>
-                  <a:srgbClr val="FFFFFF"/>
-                </a:solidFill>
-                <a:latin typeface="Arial"/>
-                <a:ea typeface="Arial"/>
-                <a:cs typeface="Arial"/>
-                <a:sym typeface="Arial"/>
-              </a:defRPr>
-            </a:pPr>
-            <a:r>
-              <a:rPr lang="de-DE" sz="3600" dirty="0">
-                <a:solidFill>
-                  <a:schemeClr val="bg1"/>
-                </a:solidFill>
-                <a:latin typeface="Arial"/>
-                <a:ea typeface="Arial"/>
-                <a:cs typeface="Arial"/>
-                <a:sym typeface="Arial"/>
-              </a:rPr>
-              <a:t>der Session</a:t>
-            </a:r>
-          </a:p>
-        </p:txBody>
-      </p:sp>
-      <p:sp>
-        <p:nvSpPr>
-          <p:cNvPr id="13" name="Shape 120">
-            <a:extLst>
-              <a:ext uri="{FF2B5EF4-FFF2-40B4-BE49-F238E27FC236}">
-                <a16:creationId xmlns:a16="http://schemas.microsoft.com/office/drawing/2014/main" id="{7C4B1164-C570-7242-9C6E-37EC3ED1E6A8}"/>
-              </a:ext>
-            </a:extLst>
-          </p:cNvPr>
-          <p:cNvSpPr/>
-          <p:nvPr/>
-        </p:nvSpPr>
-        <p:spPr>
-          <a:xfrm>
-            <a:off x="544452" y="2592276"/>
-            <a:ext cx="2405706" cy="361878"/>
-          </a:xfrm>
-          <a:prstGeom prst="rect">
-            <a:avLst/>
-          </a:prstGeom>
-          <a:ln w="12700">
-            <a:miter lim="400000"/>
-          </a:ln>
-          <a:extLst>
-            <a:ext uri="{C572A759-6A51-4108-AA02-DFA0A04FC94B}">
-              <ma14:wrappingTextBoxFlag xmlns="" xmlns:ma14="http://schemas.microsoft.com/office/mac/drawingml/2011/main" val="1"/>
-            </a:ext>
-          </a:extLst>
-        </p:spPr>
-        <p:txBody>
-          <a:bodyPr wrap="none" lIns="26789" tIns="26789" rIns="26789" bIns="26789" anchor="ctr">
-            <a:spAutoFit/>
-          </a:bodyPr>
-          <a:lstStyle>
-            <a:lvl1pPr>
-              <a:defRPr>
-                <a:solidFill>
-                  <a:srgbClr val="FFFFFF"/>
-                </a:solidFill>
-                <a:latin typeface="Arial"/>
-                <a:ea typeface="Arial"/>
-                <a:cs typeface="Arial"/>
-                <a:sym typeface="Arial"/>
-              </a:defRPr>
-            </a:lvl1pPr>
-          </a:lstStyle>
-          <a:p>
-            <a:pPr algn="l"/>
-            <a:r>
-              <a:rPr sz="2000" dirty="0" err="1">
-                <a:solidFill>
-                  <a:schemeClr val="bg1"/>
-                </a:solidFill>
-              </a:rPr>
-              <a:t>Vorname</a:t>
-            </a:r>
-            <a:r>
-              <a:rPr sz="2000" dirty="0">
-                <a:solidFill>
-                  <a:schemeClr val="bg1"/>
-                </a:solidFill>
-              </a:rPr>
-              <a:t> </a:t>
-            </a:r>
-            <a:r>
-              <a:rPr sz="2000" dirty="0" err="1">
-                <a:solidFill>
-                  <a:schemeClr val="bg1"/>
-                </a:solidFill>
-              </a:rPr>
-              <a:t>Nachname</a:t>
-            </a:r>
-            <a:endParaRPr sz="2000" dirty="0">
-              <a:solidFill>
-                <a:schemeClr val="bg1"/>
-              </a:solidFill>
-            </a:endParaRPr>
-          </a:p>
-        </p:txBody>
-      </p:sp>
-      <p:sp>
-        <p:nvSpPr>
-          <p:cNvPr id="14" name="Shape 121">
-            <a:extLst>
-              <a:ext uri="{FF2B5EF4-FFF2-40B4-BE49-F238E27FC236}">
-                <a16:creationId xmlns:a16="http://schemas.microsoft.com/office/drawing/2014/main" id="{E2C790FD-7575-8948-BB0C-D519C412339B}"/>
-              </a:ext>
-            </a:extLst>
-          </p:cNvPr>
-          <p:cNvSpPr/>
-          <p:nvPr/>
-        </p:nvSpPr>
-        <p:spPr>
-          <a:xfrm>
-            <a:off x="544452" y="4353149"/>
-            <a:ext cx="1506422" cy="361878"/>
-          </a:xfrm>
-          <a:prstGeom prst="rect">
-            <a:avLst/>
-          </a:prstGeom>
-          <a:ln w="12700">
-            <a:miter lim="400000"/>
-          </a:ln>
-          <a:extLst>
-            <a:ext uri="{C572A759-6A51-4108-AA02-DFA0A04FC94B}">
-              <ma14:wrappingTextBoxFlag xmlns="" xmlns:ma14="http://schemas.microsoft.com/office/mac/drawingml/2011/main" val="1"/>
-            </a:ext>
-          </a:extLst>
-        </p:spPr>
-        <p:txBody>
-          <a:bodyPr wrap="none" lIns="26789" tIns="26789" rIns="26789" bIns="26789" anchor="ctr">
-            <a:spAutoFit/>
-          </a:bodyPr>
-          <a:lstStyle>
-            <a:lvl1pPr>
-              <a:defRPr>
-                <a:solidFill>
-                  <a:srgbClr val="FFFFFF"/>
-                </a:solidFill>
-                <a:latin typeface="Arial"/>
-                <a:ea typeface="Arial"/>
-                <a:cs typeface="Arial"/>
-                <a:sym typeface="Arial"/>
-              </a:defRPr>
-            </a:lvl1pPr>
-          </a:lstStyle>
-          <a:p>
-            <a:pPr algn="l"/>
-            <a:r>
-              <a:rPr sz="2000" dirty="0" err="1">
-                <a:solidFill>
-                  <a:schemeClr val="bg1"/>
-                </a:solidFill>
-              </a:rPr>
-              <a:t>ggf</a:t>
-            </a:r>
-            <a:r>
-              <a:rPr sz="2000" dirty="0">
-                <a:solidFill>
-                  <a:schemeClr val="bg1"/>
-                </a:solidFill>
-              </a:rPr>
-              <a:t> </a:t>
-            </a:r>
-            <a:r>
-              <a:rPr sz="2000" dirty="0" err="1">
-                <a:solidFill>
-                  <a:schemeClr val="bg1"/>
-                </a:solidFill>
-              </a:rPr>
-              <a:t>Untertitel</a:t>
-            </a:r>
-            <a:endParaRPr sz="2000" dirty="0">
-              <a:solidFill>
-                <a:schemeClr val="bg1"/>
-              </a:solidFill>
-            </a:endParaRPr>
-          </a:p>
-        </p:txBody>
-      </p:sp>
-      <p:sp>
-        <p:nvSpPr>
-          <p:cNvPr id="5" name="Shape 119">
-            <a:extLst>
-              <a:ext uri="{FF2B5EF4-FFF2-40B4-BE49-F238E27FC236}">
-                <a16:creationId xmlns:a16="http://schemas.microsoft.com/office/drawing/2014/main" id="{B5249B3B-237C-AC4C-8729-4C6E953057D5}"/>
-              </a:ext>
-            </a:extLst>
-          </p:cNvPr>
-          <p:cNvSpPr txBox="1">
-            <a:spLocks/>
-          </p:cNvSpPr>
-          <p:nvPr/>
-        </p:nvSpPr>
-        <p:spPr>
-          <a:xfrm>
-            <a:off x="635067" y="3468485"/>
-            <a:ext cx="5395485" cy="1016076"/>
-          </a:xfrm>
-          <a:prstGeom prst="rect">
-            <a:avLst/>
-          </a:prstGeom>
-          <a:ln w="12700">
-            <a:miter lim="400000"/>
-          </a:ln>
-          <a:extLst>
-            <a:ext uri="{C572A759-6A51-4108-AA02-DFA0A04FC94B}">
-              <ma14:wrappingTextBoxFlag xmlns:ma14="http://schemas.microsoft.com/office/mac/drawingml/2011/main" xmlns="" val="1"/>
-            </a:ext>
-          </a:extLst>
-        </p:spPr>
-        <p:txBody>
-          <a:bodyPr lIns="71437" tIns="71437" rIns="71437" bIns="71437" anchor="b">
-            <a:noAutofit/>
-          </a:bodyPr>
-          <a:lstStyle>
-            <a:lvl1pPr marL="0" marR="0" indent="0" algn="ctr" defTabSz="410760" rtl="0" latinLnBrk="0">
-              <a:lnSpc>
-                <a:spcPct val="100000"/>
-              </a:lnSpc>
-              <a:spcBef>
-                <a:spcPts val="0"/>
-              </a:spcBef>
-              <a:spcAft>
-                <a:spcPts val="0"/>
-              </a:spcAft>
-              <a:buClrTx/>
-              <a:buSzTx/>
-              <a:buFontTx/>
-              <a:buNone/>
-              <a:tabLst/>
-              <a:defRPr sz="5600" b="0" i="0" u="none" strike="noStrike" cap="none" spc="0" baseline="0">
-                <a:ln>
-                  <a:noFill/>
-                </a:ln>
-                <a:solidFill>
-                  <a:srgbClr val="000000"/>
-                </a:solidFill>
-                <a:uFillTx/>
-                <a:latin typeface="Helvetica Light"/>
-                <a:ea typeface="Helvetica Light"/>
-                <a:cs typeface="Helvetica Light"/>
-                <a:sym typeface="Helvetica Light"/>
-              </a:defRPr>
-            </a:lvl1pPr>
-            <a:lvl2pPr marL="0" marR="0" indent="0" algn="ctr" defTabSz="410760" rtl="0" latinLnBrk="0">
-              <a:lnSpc>
-                <a:spcPct val="100000"/>
-              </a:lnSpc>
-              <a:spcBef>
-                <a:spcPts val="0"/>
-              </a:spcBef>
-              <a:spcAft>
-                <a:spcPts val="0"/>
-              </a:spcAft>
-              <a:buClrTx/>
-              <a:buSzTx/>
-              <a:buFontTx/>
-              <a:buNone/>
-              <a:tabLst/>
-              <a:defRPr sz="5600" b="0" i="0" u="none" strike="noStrike" cap="none" spc="0" baseline="0">
-                <a:ln>
-                  <a:noFill/>
-                </a:ln>
-                <a:solidFill>
-                  <a:srgbClr val="000000"/>
-                </a:solidFill>
-                <a:uFillTx/>
-                <a:latin typeface="Helvetica Light"/>
-                <a:ea typeface="Helvetica Light"/>
-                <a:cs typeface="Helvetica Light"/>
-                <a:sym typeface="Helvetica Light"/>
-              </a:defRPr>
-            </a:lvl2pPr>
-            <a:lvl3pPr marL="0" marR="0" indent="0" algn="ctr" defTabSz="410760" rtl="0" latinLnBrk="0">
-              <a:lnSpc>
-                <a:spcPct val="100000"/>
-              </a:lnSpc>
-              <a:spcBef>
-                <a:spcPts val="0"/>
-              </a:spcBef>
-              <a:spcAft>
-                <a:spcPts val="0"/>
-              </a:spcAft>
-              <a:buClrTx/>
-              <a:buSzTx/>
-              <a:buFontTx/>
-              <a:buNone/>
-              <a:tabLst/>
-              <a:defRPr sz="5600" b="0" i="0" u="none" strike="noStrike" cap="none" spc="0" baseline="0">
-                <a:ln>
-                  <a:noFill/>
-                </a:ln>
-                <a:solidFill>
-                  <a:srgbClr val="000000"/>
-                </a:solidFill>
-                <a:uFillTx/>
-                <a:latin typeface="Helvetica Light"/>
-                <a:ea typeface="Helvetica Light"/>
-                <a:cs typeface="Helvetica Light"/>
-                <a:sym typeface="Helvetica Light"/>
-              </a:defRPr>
-            </a:lvl3pPr>
-            <a:lvl4pPr marL="0" marR="0" indent="0" algn="ctr" defTabSz="410760" rtl="0" latinLnBrk="0">
-              <a:lnSpc>
-                <a:spcPct val="100000"/>
-              </a:lnSpc>
-              <a:spcBef>
-                <a:spcPts val="0"/>
-              </a:spcBef>
-              <a:spcAft>
-                <a:spcPts val="0"/>
-              </a:spcAft>
-              <a:buClrTx/>
-              <a:buSzTx/>
-              <a:buFontTx/>
-              <a:buNone/>
-              <a:tabLst/>
-              <a:defRPr sz="5600" b="0" i="0" u="none" strike="noStrike" cap="none" spc="0" baseline="0">
-                <a:ln>
-                  <a:noFill/>
-                </a:ln>
-                <a:solidFill>
-                  <a:srgbClr val="000000"/>
-                </a:solidFill>
-                <a:uFillTx/>
-                <a:latin typeface="Helvetica Light"/>
-                <a:ea typeface="Helvetica Light"/>
-                <a:cs typeface="Helvetica Light"/>
-                <a:sym typeface="Helvetica Light"/>
-              </a:defRPr>
-            </a:lvl4pPr>
-            <a:lvl5pPr marL="0" marR="0" indent="0" algn="ctr" defTabSz="410760" rtl="0" latinLnBrk="0">
-              <a:lnSpc>
-                <a:spcPct val="100000"/>
-              </a:lnSpc>
-              <a:spcBef>
-                <a:spcPts val="0"/>
-              </a:spcBef>
-              <a:spcAft>
-                <a:spcPts val="0"/>
-              </a:spcAft>
-              <a:buClrTx/>
-              <a:buSzTx/>
-              <a:buFontTx/>
-              <a:buNone/>
-              <a:tabLst/>
-              <a:defRPr sz="5600" b="0" i="0" u="none" strike="noStrike" cap="none" spc="0" baseline="0">
-                <a:ln>
-                  <a:noFill/>
-                </a:ln>
-                <a:solidFill>
-                  <a:srgbClr val="000000"/>
-                </a:solidFill>
-                <a:uFillTx/>
-                <a:latin typeface="Helvetica Light"/>
-                <a:ea typeface="Helvetica Light"/>
-                <a:cs typeface="Helvetica Light"/>
-                <a:sym typeface="Helvetica Light"/>
-              </a:defRPr>
-            </a:lvl5pPr>
-            <a:lvl6pPr marL="0" marR="0" indent="0" algn="ctr" defTabSz="410760" rtl="0" latinLnBrk="0">
-              <a:lnSpc>
-                <a:spcPct val="100000"/>
-              </a:lnSpc>
-              <a:spcBef>
-                <a:spcPts val="0"/>
-              </a:spcBef>
-              <a:spcAft>
-                <a:spcPts val="0"/>
-              </a:spcAft>
-              <a:buClrTx/>
-              <a:buSzTx/>
-              <a:buFontTx/>
-              <a:buNone/>
-              <a:tabLst/>
-              <a:defRPr sz="5600" b="0" i="0" u="none" strike="noStrike" cap="none" spc="0" baseline="0">
-                <a:ln>
-                  <a:noFill/>
-                </a:ln>
-                <a:solidFill>
-                  <a:srgbClr val="000000"/>
-                </a:solidFill>
-                <a:uFillTx/>
-                <a:latin typeface="Helvetica Light"/>
-                <a:ea typeface="Helvetica Light"/>
-                <a:cs typeface="Helvetica Light"/>
-                <a:sym typeface="Helvetica Light"/>
-              </a:defRPr>
-            </a:lvl6pPr>
-            <a:lvl7pPr marL="0" marR="0" indent="0" algn="ctr" defTabSz="410760" rtl="0" latinLnBrk="0">
-              <a:lnSpc>
-                <a:spcPct val="100000"/>
-              </a:lnSpc>
-              <a:spcBef>
-                <a:spcPts val="0"/>
-              </a:spcBef>
-              <a:spcAft>
-                <a:spcPts val="0"/>
-              </a:spcAft>
-              <a:buClrTx/>
-              <a:buSzTx/>
-              <a:buFontTx/>
-              <a:buNone/>
-              <a:tabLst/>
-              <a:defRPr sz="5600" b="0" i="0" u="none" strike="noStrike" cap="none" spc="0" baseline="0">
-                <a:ln>
-                  <a:noFill/>
-                </a:ln>
-                <a:solidFill>
-                  <a:srgbClr val="000000"/>
-                </a:solidFill>
-                <a:uFillTx/>
-                <a:latin typeface="Helvetica Light"/>
-                <a:ea typeface="Helvetica Light"/>
-                <a:cs typeface="Helvetica Light"/>
-                <a:sym typeface="Helvetica Light"/>
-              </a:defRPr>
-            </a:lvl7pPr>
-            <a:lvl8pPr marL="0" marR="0" indent="0" algn="ctr" defTabSz="410760" rtl="0" latinLnBrk="0">
-              <a:lnSpc>
-                <a:spcPct val="100000"/>
-              </a:lnSpc>
-              <a:spcBef>
-                <a:spcPts val="0"/>
-              </a:spcBef>
-              <a:spcAft>
-                <a:spcPts val="0"/>
-              </a:spcAft>
-              <a:buClrTx/>
-              <a:buSzTx/>
-              <a:buFontTx/>
-              <a:buNone/>
-              <a:tabLst/>
-              <a:defRPr sz="5600" b="0" i="0" u="none" strike="noStrike" cap="none" spc="0" baseline="0">
-                <a:ln>
-                  <a:noFill/>
-                </a:ln>
-                <a:solidFill>
-                  <a:srgbClr val="000000"/>
-                </a:solidFill>
-                <a:uFillTx/>
-                <a:latin typeface="Helvetica Light"/>
-                <a:ea typeface="Helvetica Light"/>
-                <a:cs typeface="Helvetica Light"/>
-                <a:sym typeface="Helvetica Light"/>
-              </a:defRPr>
-            </a:lvl8pPr>
-            <a:lvl9pPr marL="0" marR="0" indent="0" algn="ctr" defTabSz="410760" rtl="0" latinLnBrk="0">
-              <a:lnSpc>
-                <a:spcPct val="100000"/>
-              </a:lnSpc>
-              <a:spcBef>
-                <a:spcPts val="0"/>
-              </a:spcBef>
-              <a:spcAft>
-                <a:spcPts val="0"/>
-              </a:spcAft>
-              <a:buClrTx/>
-              <a:buSzTx/>
-              <a:buFontTx/>
-              <a:buNone/>
-              <a:tabLst/>
-              <a:defRPr sz="5600" b="0" i="0" u="none" strike="noStrike" cap="none" spc="0" baseline="0">
-                <a:ln>
-                  <a:noFill/>
-                </a:ln>
-                <a:solidFill>
-                  <a:srgbClr val="000000"/>
-                </a:solidFill>
-                <a:uFillTx/>
-                <a:latin typeface="Helvetica Light"/>
-                <a:ea typeface="Helvetica Light"/>
-                <a:cs typeface="Helvetica Light"/>
-                <a:sym typeface="Helvetica Light"/>
-              </a:defRPr>
-            </a:lvl9pPr>
-          </a:lstStyle>
-          <a:p>
-            <a:pPr algn="l" defTabSz="227978" hangingPunct="1">
-              <a:defRPr sz="8800">
-                <a:solidFill>
-                  <a:srgbClr val="FFFFFF"/>
-                </a:solidFill>
-                <a:latin typeface="Arial"/>
-                <a:ea typeface="Arial"/>
-                <a:cs typeface="Arial"/>
-                <a:sym typeface="Arial"/>
-              </a:defRPr>
-            </a:pPr>
-            <a:r>
-              <a:rPr lang="de-DE" sz="3600" dirty="0">
-                <a:solidFill>
-                  <a:schemeClr val="bg1"/>
-                </a:solidFill>
-                <a:latin typeface="Arial"/>
-                <a:ea typeface="Arial"/>
-                <a:cs typeface="Arial"/>
-                <a:sym typeface="Arial"/>
-              </a:rPr>
-              <a:t>Titel</a:t>
-            </a:r>
-          </a:p>
-          <a:p>
-            <a:pPr algn="l" defTabSz="227978" hangingPunct="1">
-              <a:defRPr sz="8800">
-                <a:solidFill>
-                  <a:srgbClr val="FFFFFF"/>
-                </a:solidFill>
-                <a:latin typeface="Arial"/>
-                <a:ea typeface="Arial"/>
-                <a:cs typeface="Arial"/>
-                <a:sym typeface="Arial"/>
-              </a:defRPr>
-            </a:pPr>
-            <a:r>
-              <a:rPr lang="de-DE" sz="3600" dirty="0">
-                <a:solidFill>
-                  <a:schemeClr val="bg1"/>
-                </a:solidFill>
-                <a:latin typeface="Arial"/>
-                <a:ea typeface="Arial"/>
-                <a:cs typeface="Arial"/>
-                <a:sym typeface="Arial"/>
-              </a:rPr>
-              <a:t>der Session</a:t>
-            </a:r>
-          </a:p>
-        </p:txBody>
-      </p:sp>
-      <p:sp>
-        <p:nvSpPr>
-          <p:cNvPr id="6" name="Shape 120">
-            <a:extLst>
-              <a:ext uri="{FF2B5EF4-FFF2-40B4-BE49-F238E27FC236}">
-                <a16:creationId xmlns:a16="http://schemas.microsoft.com/office/drawing/2014/main" id="{E091BCB8-F133-EE42-8EA9-75D011AC247A}"/>
-              </a:ext>
-            </a:extLst>
-          </p:cNvPr>
-          <p:cNvSpPr/>
-          <p:nvPr/>
-        </p:nvSpPr>
-        <p:spPr>
-          <a:xfrm>
-            <a:off x="696852" y="2744676"/>
-            <a:ext cx="2405706" cy="361878"/>
-          </a:xfrm>
-          <a:prstGeom prst="rect">
-            <a:avLst/>
-          </a:prstGeom>
-          <a:ln w="12700">
-            <a:miter lim="400000"/>
-          </a:ln>
-          <a:extLst>
-            <a:ext uri="{C572A759-6A51-4108-AA02-DFA0A04FC94B}">
-              <ma14:wrappingTextBoxFlag xmlns="" xmlns:ma14="http://schemas.microsoft.com/office/mac/drawingml/2011/main" val="1"/>
-            </a:ext>
-          </a:extLst>
-        </p:spPr>
-        <p:txBody>
-          <a:bodyPr wrap="none" lIns="26789" tIns="26789" rIns="26789" bIns="26789" anchor="ctr">
-            <a:spAutoFit/>
-          </a:bodyPr>
-          <a:lstStyle>
-            <a:lvl1pPr>
-              <a:defRPr>
-                <a:solidFill>
-                  <a:srgbClr val="FFFFFF"/>
-                </a:solidFill>
-                <a:latin typeface="Arial"/>
-                <a:ea typeface="Arial"/>
-                <a:cs typeface="Arial"/>
-                <a:sym typeface="Arial"/>
-              </a:defRPr>
-            </a:lvl1pPr>
-          </a:lstStyle>
-          <a:p>
-            <a:pPr algn="l"/>
-            <a:r>
-              <a:rPr sz="2000" dirty="0" err="1">
-                <a:solidFill>
-                  <a:schemeClr val="bg1"/>
-                </a:solidFill>
-              </a:rPr>
-              <a:t>Vorname</a:t>
-            </a:r>
-            <a:r>
-              <a:rPr sz="2000" dirty="0">
-                <a:solidFill>
-                  <a:schemeClr val="bg1"/>
-                </a:solidFill>
-              </a:rPr>
-              <a:t> </a:t>
-            </a:r>
-            <a:r>
-              <a:rPr sz="2000" dirty="0" err="1">
-                <a:solidFill>
-                  <a:schemeClr val="bg1"/>
-                </a:solidFill>
-              </a:rPr>
-              <a:t>Nachname</a:t>
-            </a:r>
-            <a:endParaRPr sz="2000" dirty="0">
-              <a:solidFill>
-                <a:schemeClr val="bg1"/>
-              </a:solidFill>
-            </a:endParaRPr>
-          </a:p>
-        </p:txBody>
-      </p:sp>
-      <p:sp>
-        <p:nvSpPr>
-          <p:cNvPr id="7" name="Shape 121">
-            <a:extLst>
-              <a:ext uri="{FF2B5EF4-FFF2-40B4-BE49-F238E27FC236}">
-                <a16:creationId xmlns:a16="http://schemas.microsoft.com/office/drawing/2014/main" id="{9AA36CC9-13F0-7B48-AD8A-61EB8B58C27B}"/>
-              </a:ext>
-            </a:extLst>
-          </p:cNvPr>
-          <p:cNvSpPr/>
-          <p:nvPr/>
-        </p:nvSpPr>
-        <p:spPr>
-          <a:xfrm>
-            <a:off x="696852" y="4505549"/>
-            <a:ext cx="1506422" cy="361878"/>
-          </a:xfrm>
-          <a:prstGeom prst="rect">
-            <a:avLst/>
-          </a:prstGeom>
-          <a:ln w="12700">
-            <a:miter lim="400000"/>
-          </a:ln>
-          <a:extLst>
-            <a:ext uri="{C572A759-6A51-4108-AA02-DFA0A04FC94B}">
-              <ma14:wrappingTextBoxFlag xmlns="" xmlns:ma14="http://schemas.microsoft.com/office/mac/drawingml/2011/main" val="1"/>
-            </a:ext>
-          </a:extLst>
-        </p:spPr>
-        <p:txBody>
-          <a:bodyPr wrap="none" lIns="26789" tIns="26789" rIns="26789" bIns="26789" anchor="ctr">
-            <a:spAutoFit/>
-          </a:bodyPr>
-          <a:lstStyle>
-            <a:lvl1pPr>
-              <a:defRPr>
-                <a:solidFill>
-                  <a:srgbClr val="FFFFFF"/>
-                </a:solidFill>
-                <a:latin typeface="Arial"/>
-                <a:ea typeface="Arial"/>
-                <a:cs typeface="Arial"/>
-                <a:sym typeface="Arial"/>
-              </a:defRPr>
-            </a:lvl1pPr>
-          </a:lstStyle>
-          <a:p>
-            <a:pPr algn="l"/>
-            <a:r>
-              <a:rPr sz="2000" dirty="0" err="1">
-                <a:solidFill>
-                  <a:schemeClr val="bg1"/>
-                </a:solidFill>
-              </a:rPr>
-              <a:t>ggf</a:t>
-            </a:r>
-            <a:r>
-              <a:rPr sz="2000" dirty="0">
-                <a:solidFill>
-                  <a:schemeClr val="bg1"/>
-                </a:solidFill>
-              </a:rPr>
-              <a:t> </a:t>
-            </a:r>
-            <a:r>
-              <a:rPr sz="2000" dirty="0" err="1">
-                <a:solidFill>
-                  <a:schemeClr val="bg1"/>
-                </a:solidFill>
-              </a:rPr>
-              <a:t>Untertitel</a:t>
-            </a:r>
-            <a:endParaRPr sz="2000" dirty="0">
-              <a:solidFill>
-                <a:schemeClr val="bg1"/>
-              </a:solidFill>
-            </a:endParaRPr>
-          </a:p>
-        </p:txBody>
-      </p:sp>
-    </p:spTree>
-  </p:cSld>
-  <p:clrMapOvr>
-    <a:masterClrMapping/>
-  </p:clrMapOvr>
-  <p:transition spd="med"/>
-</p:sld>
-</file>
-
-<file path=ppt/slides/slide20.xml><?xml version="1.0" encoding="utf-8"?>
+<file path=ppt/slides/slide19.xml><?xml version="1.0" encoding="utf-8"?>
 <p:sld xmlns:a="http://schemas.openxmlformats.org/drawingml/2006/main" xmlns:r="http://schemas.openxmlformats.org/officeDocument/2006/relationships" xmlns:p="http://schemas.openxmlformats.org/presentationml/2006/main">
   <p:cSld>
     <p:spTree>
@@ -25693,7 +23050,259 @@
 </p:sld>
 </file>
 
-<file path=ppt/slides/slide21.xml><?xml version="1.0" encoding="utf-8"?>
+<file path=ppt/slides/slide2.xml><?xml version="1.0" encoding="utf-8"?>
+<p:sld xmlns:a="http://schemas.openxmlformats.org/drawingml/2006/main" xmlns:r="http://schemas.openxmlformats.org/officeDocument/2006/relationships" xmlns:p="http://schemas.openxmlformats.org/presentationml/2006/main">
+  <p:cSld>
+    <p:spTree>
+      <p:nvGrpSpPr>
+        <p:cNvPr id="1" name=""/>
+        <p:cNvGrpSpPr/>
+        <p:nvPr/>
+      </p:nvGrpSpPr>
+      <p:grpSpPr>
+        <a:xfrm>
+          <a:off x="0" y="0"/>
+          <a:ext cx="0" cy="0"/>
+          <a:chOff x="0" y="0"/>
+          <a:chExt cx="0" cy="0"/>
+        </a:xfrm>
+      </p:grpSpPr>
+      <p:sp>
+        <p:nvSpPr>
+          <p:cNvPr id="9" name="Pfeil nach rechts 8">
+            <a:extLst>
+              <a:ext uri="{FF2B5EF4-FFF2-40B4-BE49-F238E27FC236}">
+                <a16:creationId xmlns:a16="http://schemas.microsoft.com/office/drawing/2014/main" id="{8DF75A37-C050-FE4C-BD46-6BDF7D93000E}"/>
+              </a:ext>
+            </a:extLst>
+          </p:cNvPr>
+          <p:cNvSpPr/>
+          <p:nvPr/>
+        </p:nvSpPr>
+        <p:spPr>
+          <a:xfrm>
+            <a:off x="3896631" y="3213535"/>
+            <a:ext cx="1534580" cy="452402"/>
+          </a:xfrm>
+          <a:prstGeom prst="rightArrow">
+            <a:avLst/>
+          </a:prstGeom>
+          <a:solidFill>
+            <a:schemeClr val="bg1">
+              <a:lumMod val="50000"/>
+            </a:schemeClr>
+          </a:solidFill>
+          <a:ln>
+            <a:noFill/>
+          </a:ln>
+          <a:effectLst>
+            <a:outerShdw blurRad="50800" dist="38100" dir="2700000" algn="tl" rotWithShape="0">
+              <a:prstClr val="black">
+                <a:alpha val="40000"/>
+              </a:prstClr>
+            </a:outerShdw>
+          </a:effectLst>
+        </p:spPr>
+        <p:style>
+          <a:lnRef idx="2">
+            <a:schemeClr val="dk1">
+              <a:shade val="50000"/>
+            </a:schemeClr>
+          </a:lnRef>
+          <a:fillRef idx="1">
+            <a:schemeClr val="dk1"/>
+          </a:fillRef>
+          <a:effectRef idx="0">
+            <a:schemeClr val="dk1"/>
+          </a:effectRef>
+          <a:fontRef idx="minor">
+            <a:schemeClr val="lt1"/>
+          </a:fontRef>
+        </p:style>
+        <p:txBody>
+          <a:bodyPr rtlCol="0" anchor="ctr"/>
+          <a:lstStyle/>
+          <a:p>
+            <a:pPr algn="ctr"/>
+            <a:endParaRPr lang="de-DE"/>
+          </a:p>
+        </p:txBody>
+      </p:sp>
+      <p:sp>
+        <p:nvSpPr>
+          <p:cNvPr id="4" name="Titel 3"/>
+          <p:cNvSpPr>
+            <a:spLocks noGrp="1"/>
+          </p:cNvSpPr>
+          <p:nvPr>
+            <p:ph type="title"/>
+          </p:nvPr>
+        </p:nvSpPr>
+        <p:spPr>
+          <a:xfrm>
+            <a:off x="243936" y="477789"/>
+            <a:ext cx="8363416" cy="1760625"/>
+          </a:xfrm>
+        </p:spPr>
+        <p:txBody>
+          <a:bodyPr/>
+          <a:lstStyle/>
+          <a:p>
+            <a:pPr algn="ctr"/>
+            <a:r>
+              <a:rPr lang="de-DE" b="1" dirty="0"/>
+              <a:t>TriXX</a:t>
+            </a:r>
+            <a:br>
+              <a:rPr lang="de-DE" b="1" dirty="0"/>
+            </a:br>
+            <a:br>
+              <a:rPr lang="de-DE" b="1" dirty="0"/>
+            </a:br>
+            <a:r>
+              <a:rPr lang="de-DE" sz="2400" b="1" dirty="0"/>
+              <a:t>Leichtgewichtiges Tool für Change Data Capture </a:t>
+            </a:r>
+            <a:br>
+              <a:rPr lang="de-DE" sz="2400" b="1" dirty="0"/>
+            </a:br>
+            <a:r>
+              <a:rPr lang="de-DE" sz="2400" b="1" dirty="0"/>
+              <a:t>in relationalen Datenbanken</a:t>
+            </a:r>
+            <a:endParaRPr lang="de-DE" sz="2400" dirty="0"/>
+          </a:p>
+        </p:txBody>
+      </p:sp>
+      <p:sp>
+        <p:nvSpPr>
+          <p:cNvPr id="2" name="Textplatzhalter 1"/>
+          <p:cNvSpPr>
+            <a:spLocks noGrp="1"/>
+          </p:cNvSpPr>
+          <p:nvPr>
+            <p:ph type="body" idx="13"/>
+          </p:nvPr>
+        </p:nvSpPr>
+        <p:spPr>
+          <a:xfrm>
+            <a:off x="5747618" y="4641060"/>
+            <a:ext cx="3006090" cy="316271"/>
+          </a:xfrm>
+        </p:spPr>
+        <p:txBody>
+          <a:bodyPr/>
+          <a:lstStyle/>
+          <a:p>
+            <a:r>
+              <a:rPr lang="de-DE" dirty="0"/>
+              <a:t>Juni 2021</a:t>
+            </a:r>
+          </a:p>
+        </p:txBody>
+      </p:sp>
+      <p:sp>
+        <p:nvSpPr>
+          <p:cNvPr id="5" name="Textplatzhalter 1"/>
+          <p:cNvSpPr>
+            <a:spLocks noGrp="1"/>
+          </p:cNvSpPr>
+          <p:nvPr>
+            <p:ph type="body" idx="13"/>
+          </p:nvPr>
+        </p:nvSpPr>
+        <p:spPr>
+          <a:xfrm>
+            <a:off x="243936" y="4641059"/>
+            <a:ext cx="3006090" cy="316271"/>
+          </a:xfrm>
+        </p:spPr>
+        <p:txBody>
+          <a:bodyPr/>
+          <a:lstStyle/>
+          <a:p>
+            <a:pPr algn="l"/>
+            <a:r>
+              <a:rPr lang="de-DE" dirty="0"/>
+              <a:t>Peter Ramm, OSP Dresden</a:t>
+            </a:r>
+          </a:p>
+        </p:txBody>
+      </p:sp>
+      <p:pic>
+        <p:nvPicPr>
+          <p:cNvPr id="7" name="Bild 6"/>
+          <p:cNvPicPr>
+            <a:picLocks noChangeAspect="1"/>
+          </p:cNvPicPr>
+          <p:nvPr/>
+        </p:nvPicPr>
+        <p:blipFill>
+          <a:blip r:embed="rId3" cstate="print">
+            <a:extLst>
+              <a:ext uri="{28A0092B-C50C-407E-A947-70E740481C1C}">
+                <a14:useLocalDpi xmlns:a14="http://schemas.microsoft.com/office/drawing/2010/main"/>
+              </a:ext>
+            </a:extLst>
+          </a:blip>
+          <a:stretch>
+            <a:fillRect/>
+          </a:stretch>
+        </p:blipFill>
+        <p:spPr>
+          <a:xfrm>
+            <a:off x="2598841" y="2650240"/>
+            <a:ext cx="1429728" cy="1578992"/>
+          </a:xfrm>
+          <a:prstGeom prst="rect">
+            <a:avLst/>
+          </a:prstGeom>
+        </p:spPr>
+      </p:pic>
+      <p:pic>
+        <p:nvPicPr>
+          <p:cNvPr id="6" name="Grafik 5">
+            <a:extLst>
+              <a:ext uri="{FF2B5EF4-FFF2-40B4-BE49-F238E27FC236}">
+                <a16:creationId xmlns:a16="http://schemas.microsoft.com/office/drawing/2014/main" id="{B653C02D-9FD6-E141-BC3D-BC428C51829D}"/>
+              </a:ext>
+            </a:extLst>
+          </p:cNvPr>
+          <p:cNvPicPr>
+            <a:picLocks noChangeAspect="1"/>
+          </p:cNvPicPr>
+          <p:nvPr/>
+        </p:nvPicPr>
+        <p:blipFill>
+          <a:blip r:embed="rId4"/>
+          <a:stretch>
+            <a:fillRect/>
+          </a:stretch>
+        </p:blipFill>
+        <p:spPr>
+          <a:xfrm>
+            <a:off x="5431211" y="2621533"/>
+            <a:ext cx="1011153" cy="1641101"/>
+          </a:xfrm>
+          <a:prstGeom prst="rect">
+            <a:avLst/>
+          </a:prstGeom>
+        </p:spPr>
+      </p:pic>
+    </p:spTree>
+    <p:extLst>
+      <p:ext uri="{BB962C8B-B14F-4D97-AF65-F5344CB8AC3E}">
+        <p14:creationId xmlns:p14="http://schemas.microsoft.com/office/powerpoint/2010/main" val="117861432"/>
+      </p:ext>
+    </p:extLst>
+  </p:cSld>
+  <p:clrMapOvr>
+    <a:masterClrMapping/>
+  </p:clrMapOvr>
+</p:sld>
+</file>
+
+<file path=ppt/slides/slide20.xml><?xml version="1.0" encoding="utf-8"?>
 <p:sld xmlns:a="http://schemas.openxmlformats.org/drawingml/2006/main" xmlns:r="http://schemas.openxmlformats.org/officeDocument/2006/relationships" xmlns:p="http://schemas.openxmlformats.org/presentationml/2006/main">
   <p:cSld>
     <p:spTree>
@@ -25787,7 +23396,7 @@
             <a:fld id="{2DD045F0-8B2A-FA4B-969F-A1574B4A39C0}" type="slidenum">
               <a:rPr lang="de-DE" smtClean="0"/>
               <a:pPr/>
-              <a:t>21</a:t>
+              <a:t>20</a:t>
             </a:fld>
             <a:endParaRPr lang="de-DE" dirty="0"/>
           </a:p>
@@ -26483,7 +24092,7 @@
 </p:sld>
 </file>
 
-<file path=ppt/slides/slide22.xml><?xml version="1.0" encoding="utf-8"?>
+<file path=ppt/slides/slide21.xml><?xml version="1.0" encoding="utf-8"?>
 <p:sld xmlns:a="http://schemas.openxmlformats.org/drawingml/2006/main" xmlns:r="http://schemas.openxmlformats.org/officeDocument/2006/relationships" xmlns:p="http://schemas.openxmlformats.org/presentationml/2006/main">
   <p:cSld>
     <p:spTree>
@@ -26577,7 +24186,7 @@
             <a:fld id="{2DD045F0-8B2A-FA4B-969F-A1574B4A39C0}" type="slidenum">
               <a:rPr lang="de-DE" smtClean="0"/>
               <a:pPr/>
-              <a:t>22</a:t>
+              <a:t>21</a:t>
             </a:fld>
             <a:endParaRPr lang="de-DE" dirty="0"/>
           </a:p>
@@ -27040,7 +24649,7 @@
 </p:sld>
 </file>
 
-<file path=ppt/slides/slide23.xml><?xml version="1.0" encoding="utf-8"?>
+<file path=ppt/slides/slide22.xml><?xml version="1.0" encoding="utf-8"?>
 <p:sld xmlns:a="http://schemas.openxmlformats.org/drawingml/2006/main" xmlns:r="http://schemas.openxmlformats.org/officeDocument/2006/relationships" xmlns:p="http://schemas.openxmlformats.org/presentationml/2006/main">
   <p:cSld>
     <p:spTree>
@@ -27134,7 +24743,7 @@
             <a:fld id="{2DD045F0-8B2A-FA4B-969F-A1574B4A39C0}" type="slidenum">
               <a:rPr lang="de-DE" smtClean="0"/>
               <a:pPr/>
-              <a:t>23</a:t>
+              <a:t>22</a:t>
             </a:fld>
             <a:endParaRPr lang="de-DE" dirty="0"/>
           </a:p>
@@ -28875,7 +26484,7 @@
 </p:sld>
 </file>
 
-<file path=ppt/slides/slide24.xml><?xml version="1.0" encoding="utf-8"?>
+<file path=ppt/slides/slide23.xml><?xml version="1.0" encoding="utf-8"?>
 <p:sld xmlns:a="http://schemas.openxmlformats.org/drawingml/2006/main" xmlns:r="http://schemas.openxmlformats.org/officeDocument/2006/relationships" xmlns:p="http://schemas.openxmlformats.org/presentationml/2006/main">
   <p:cSld>
     <p:spTree>
@@ -31003,7 +28612,7 @@
 </p:sld>
 </file>
 
-<file path=ppt/slides/slide25.xml><?xml version="1.0" encoding="utf-8"?>
+<file path=ppt/slides/slide24.xml><?xml version="1.0" encoding="utf-8"?>
 <p:sld xmlns:a="http://schemas.openxmlformats.org/drawingml/2006/main" xmlns:r="http://schemas.openxmlformats.org/officeDocument/2006/relationships" xmlns:p="http://schemas.openxmlformats.org/presentationml/2006/main">
   <p:cSld>
     <p:spTree>
@@ -31097,7 +28706,7 @@
             <a:fld id="{2DD045F0-8B2A-FA4B-969F-A1574B4A39C0}" type="slidenum">
               <a:rPr lang="de-DE" smtClean="0"/>
               <a:pPr/>
-              <a:t>25</a:t>
+              <a:t>24</a:t>
             </a:fld>
             <a:endParaRPr lang="de-DE" dirty="0"/>
           </a:p>
@@ -31820,7 +29429,7 @@
 </p:sld>
 </file>
 
-<file path=ppt/slides/slide26.xml><?xml version="1.0" encoding="utf-8"?>
+<file path=ppt/slides/slide25.xml><?xml version="1.0" encoding="utf-8"?>
 <p:sld xmlns:a="http://schemas.openxmlformats.org/drawingml/2006/main" xmlns:r="http://schemas.openxmlformats.org/officeDocument/2006/relationships" xmlns:p="http://schemas.openxmlformats.org/presentationml/2006/main">
   <p:cSld>
     <p:spTree>
@@ -31914,7 +29523,7 @@
             <a:fld id="{2DD045F0-8B2A-FA4B-969F-A1574B4A39C0}" type="slidenum">
               <a:rPr lang="de-DE" smtClean="0"/>
               <a:pPr/>
-              <a:t>26</a:t>
+              <a:t>25</a:t>
             </a:fld>
             <a:endParaRPr lang="de-DE" dirty="0"/>
           </a:p>
@@ -31985,7 +29594,7 @@
 </p:sld>
 </file>
 
-<file path=ppt/slides/slide27.xml><?xml version="1.0" encoding="utf-8"?>
+<file path=ppt/slides/slide26.xml><?xml version="1.0" encoding="utf-8"?>
 <p:sld xmlns:a="http://schemas.openxmlformats.org/drawingml/2006/main" xmlns:r="http://schemas.openxmlformats.org/officeDocument/2006/relationships" xmlns:p="http://schemas.openxmlformats.org/presentationml/2006/main">
   <p:cSld>
     <p:spTree>
@@ -32175,258 +29784,6 @@
       </p:grpSpPr>
       <p:sp>
         <p:nvSpPr>
-          <p:cNvPr id="9" name="Pfeil nach rechts 8">
-            <a:extLst>
-              <a:ext uri="{FF2B5EF4-FFF2-40B4-BE49-F238E27FC236}">
-                <a16:creationId xmlns:a16="http://schemas.microsoft.com/office/drawing/2014/main" id="{8DF75A37-C050-FE4C-BD46-6BDF7D93000E}"/>
-              </a:ext>
-            </a:extLst>
-          </p:cNvPr>
-          <p:cNvSpPr/>
-          <p:nvPr/>
-        </p:nvSpPr>
-        <p:spPr>
-          <a:xfrm>
-            <a:off x="3896631" y="3213535"/>
-            <a:ext cx="1534580" cy="452402"/>
-          </a:xfrm>
-          <a:prstGeom prst="rightArrow">
-            <a:avLst/>
-          </a:prstGeom>
-          <a:solidFill>
-            <a:schemeClr val="bg1">
-              <a:lumMod val="50000"/>
-            </a:schemeClr>
-          </a:solidFill>
-          <a:ln>
-            <a:noFill/>
-          </a:ln>
-          <a:effectLst>
-            <a:outerShdw blurRad="50800" dist="38100" dir="2700000" algn="tl" rotWithShape="0">
-              <a:prstClr val="black">
-                <a:alpha val="40000"/>
-              </a:prstClr>
-            </a:outerShdw>
-          </a:effectLst>
-        </p:spPr>
-        <p:style>
-          <a:lnRef idx="2">
-            <a:schemeClr val="dk1">
-              <a:shade val="50000"/>
-            </a:schemeClr>
-          </a:lnRef>
-          <a:fillRef idx="1">
-            <a:schemeClr val="dk1"/>
-          </a:fillRef>
-          <a:effectRef idx="0">
-            <a:schemeClr val="dk1"/>
-          </a:effectRef>
-          <a:fontRef idx="minor">
-            <a:schemeClr val="lt1"/>
-          </a:fontRef>
-        </p:style>
-        <p:txBody>
-          <a:bodyPr rtlCol="0" anchor="ctr"/>
-          <a:lstStyle/>
-          <a:p>
-            <a:pPr algn="ctr"/>
-            <a:endParaRPr lang="de-DE"/>
-          </a:p>
-        </p:txBody>
-      </p:sp>
-      <p:sp>
-        <p:nvSpPr>
-          <p:cNvPr id="4" name="Titel 3"/>
-          <p:cNvSpPr>
-            <a:spLocks noGrp="1"/>
-          </p:cNvSpPr>
-          <p:nvPr>
-            <p:ph type="title"/>
-          </p:nvPr>
-        </p:nvSpPr>
-        <p:spPr>
-          <a:xfrm>
-            <a:off x="243936" y="477789"/>
-            <a:ext cx="8363416" cy="1760625"/>
-          </a:xfrm>
-        </p:spPr>
-        <p:txBody>
-          <a:bodyPr/>
-          <a:lstStyle/>
-          <a:p>
-            <a:pPr algn="ctr"/>
-            <a:r>
-              <a:rPr lang="de-DE" b="1" dirty="0"/>
-              <a:t>TriXX</a:t>
-            </a:r>
-            <a:br>
-              <a:rPr lang="de-DE" b="1" dirty="0"/>
-            </a:br>
-            <a:br>
-              <a:rPr lang="de-DE" b="1" dirty="0"/>
-            </a:br>
-            <a:r>
-              <a:rPr lang="de-DE" sz="2400" b="1" dirty="0"/>
-              <a:t>Leichtgewichtiges Tool für Change Data Capture </a:t>
-            </a:r>
-            <a:br>
-              <a:rPr lang="de-DE" sz="2400" b="1" dirty="0"/>
-            </a:br>
-            <a:r>
-              <a:rPr lang="de-DE" sz="2400" b="1" dirty="0"/>
-              <a:t>in relationalen Datenbanken</a:t>
-            </a:r>
-            <a:endParaRPr lang="de-DE" sz="2400" dirty="0"/>
-          </a:p>
-        </p:txBody>
-      </p:sp>
-      <p:sp>
-        <p:nvSpPr>
-          <p:cNvPr id="2" name="Textplatzhalter 1"/>
-          <p:cNvSpPr>
-            <a:spLocks noGrp="1"/>
-          </p:cNvSpPr>
-          <p:nvPr>
-            <p:ph type="body" idx="13"/>
-          </p:nvPr>
-        </p:nvSpPr>
-        <p:spPr>
-          <a:xfrm>
-            <a:off x="5747618" y="4641060"/>
-            <a:ext cx="3006090" cy="316271"/>
-          </a:xfrm>
-        </p:spPr>
-        <p:txBody>
-          <a:bodyPr/>
-          <a:lstStyle/>
-          <a:p>
-            <a:r>
-              <a:rPr lang="de-DE" dirty="0"/>
-              <a:t>Juni 2021</a:t>
-            </a:r>
-          </a:p>
-        </p:txBody>
-      </p:sp>
-      <p:sp>
-        <p:nvSpPr>
-          <p:cNvPr id="5" name="Textplatzhalter 1"/>
-          <p:cNvSpPr>
-            <a:spLocks noGrp="1"/>
-          </p:cNvSpPr>
-          <p:nvPr>
-            <p:ph type="body" idx="13"/>
-          </p:nvPr>
-        </p:nvSpPr>
-        <p:spPr>
-          <a:xfrm>
-            <a:off x="243936" y="4641059"/>
-            <a:ext cx="3006090" cy="316271"/>
-          </a:xfrm>
-        </p:spPr>
-        <p:txBody>
-          <a:bodyPr/>
-          <a:lstStyle/>
-          <a:p>
-            <a:pPr algn="l"/>
-            <a:r>
-              <a:rPr lang="de-DE" dirty="0"/>
-              <a:t>Peter Ramm, OSP Dresden</a:t>
-            </a:r>
-          </a:p>
-        </p:txBody>
-      </p:sp>
-      <p:pic>
-        <p:nvPicPr>
-          <p:cNvPr id="7" name="Bild 6"/>
-          <p:cNvPicPr>
-            <a:picLocks noChangeAspect="1"/>
-          </p:cNvPicPr>
-          <p:nvPr/>
-        </p:nvPicPr>
-        <p:blipFill>
-          <a:blip r:embed="rId3" cstate="print">
-            <a:extLst>
-              <a:ext uri="{28A0092B-C50C-407E-A947-70E740481C1C}">
-                <a14:useLocalDpi xmlns:a14="http://schemas.microsoft.com/office/drawing/2010/main"/>
-              </a:ext>
-            </a:extLst>
-          </a:blip>
-          <a:stretch>
-            <a:fillRect/>
-          </a:stretch>
-        </p:blipFill>
-        <p:spPr>
-          <a:xfrm>
-            <a:off x="2598841" y="2650240"/>
-            <a:ext cx="1429728" cy="1578992"/>
-          </a:xfrm>
-          <a:prstGeom prst="rect">
-            <a:avLst/>
-          </a:prstGeom>
-        </p:spPr>
-      </p:pic>
-      <p:pic>
-        <p:nvPicPr>
-          <p:cNvPr id="6" name="Grafik 5">
-            <a:extLst>
-              <a:ext uri="{FF2B5EF4-FFF2-40B4-BE49-F238E27FC236}">
-                <a16:creationId xmlns:a16="http://schemas.microsoft.com/office/drawing/2014/main" id="{B653C02D-9FD6-E141-BC3D-BC428C51829D}"/>
-              </a:ext>
-            </a:extLst>
-          </p:cNvPr>
-          <p:cNvPicPr>
-            <a:picLocks noChangeAspect="1"/>
-          </p:cNvPicPr>
-          <p:nvPr/>
-        </p:nvPicPr>
-        <p:blipFill>
-          <a:blip r:embed="rId4"/>
-          <a:stretch>
-            <a:fillRect/>
-          </a:stretch>
-        </p:blipFill>
-        <p:spPr>
-          <a:xfrm>
-            <a:off x="5431211" y="2621533"/>
-            <a:ext cx="1011153" cy="1641101"/>
-          </a:xfrm>
-          <a:prstGeom prst="rect">
-            <a:avLst/>
-          </a:prstGeom>
-        </p:spPr>
-      </p:pic>
-    </p:spTree>
-    <p:extLst>
-      <p:ext uri="{BB962C8B-B14F-4D97-AF65-F5344CB8AC3E}">
-        <p14:creationId xmlns:p14="http://schemas.microsoft.com/office/powerpoint/2010/main" val="117861432"/>
-      </p:ext>
-    </p:extLst>
-  </p:cSld>
-  <p:clrMapOvr>
-    <a:masterClrMapping/>
-  </p:clrMapOvr>
-</p:sld>
-</file>
-
-<file path=ppt/slides/slide4.xml><?xml version="1.0" encoding="utf-8"?>
-<p:sld xmlns:a="http://schemas.openxmlformats.org/drawingml/2006/main" xmlns:r="http://schemas.openxmlformats.org/officeDocument/2006/relationships" xmlns:p="http://schemas.openxmlformats.org/presentationml/2006/main">
-  <p:cSld>
-    <p:spTree>
-      <p:nvGrpSpPr>
-        <p:cNvPr id="1" name=""/>
-        <p:cNvGrpSpPr/>
-        <p:nvPr/>
-      </p:nvGrpSpPr>
-      <p:grpSpPr>
-        <a:xfrm>
-          <a:off x="0" y="0"/>
-          <a:ext cx="0" cy="0"/>
-          <a:chOff x="0" y="0"/>
-          <a:chExt cx="0" cy="0"/>
-        </a:xfrm>
-      </p:grpSpPr>
-      <p:sp>
-        <p:nvSpPr>
           <p:cNvPr id="4" name="Fußzeilenplatzhalter 3"/>
           <p:cNvSpPr>
             <a:spLocks noGrp="1"/>
@@ -32475,7 +29832,7 @@
             <a:fld id="{2DD045F0-8B2A-FA4B-969F-A1574B4A39C0}" type="slidenum">
               <a:rPr lang="de-DE" smtClean="0"/>
               <a:pPr/>
-              <a:t>4</a:t>
+              <a:t>3</a:t>
             </a:fld>
             <a:endParaRPr lang="de-DE" dirty="0"/>
           </a:p>
@@ -32881,7 +30238,7 @@
 </p:sld>
 </file>
 
-<file path=ppt/slides/slide5.xml><?xml version="1.0" encoding="utf-8"?>
+<file path=ppt/slides/slide4.xml><?xml version="1.0" encoding="utf-8"?>
 <p:sld xmlns:a="http://schemas.openxmlformats.org/drawingml/2006/main" xmlns:r="http://schemas.openxmlformats.org/officeDocument/2006/relationships" xmlns:p="http://schemas.openxmlformats.org/presentationml/2006/main">
   <p:cSld>
     <p:spTree>
@@ -32948,7 +30305,7 @@
             <a:fld id="{2DD045F0-8B2A-FA4B-969F-A1574B4A39C0}" type="slidenum">
               <a:rPr lang="de-DE" smtClean="0"/>
               <a:pPr/>
-              <a:t>5</a:t>
+              <a:t>4</a:t>
             </a:fld>
             <a:endParaRPr lang="de-DE" dirty="0"/>
           </a:p>
@@ -33182,7 +30539,7 @@
 </p:sld>
 </file>
 
-<file path=ppt/slides/slide6.xml><?xml version="1.0" encoding="utf-8"?>
+<file path=ppt/slides/slide5.xml><?xml version="1.0" encoding="utf-8"?>
 <p:sld xmlns:a="http://schemas.openxmlformats.org/drawingml/2006/main" xmlns:r="http://schemas.openxmlformats.org/officeDocument/2006/relationships" xmlns:p="http://schemas.openxmlformats.org/presentationml/2006/main">
   <p:cSld>
     <p:spTree>
@@ -33276,7 +30633,7 @@
             <a:fld id="{2DD045F0-8B2A-FA4B-969F-A1574B4A39C0}" type="slidenum">
               <a:rPr lang="de-DE" smtClean="0"/>
               <a:pPr/>
-              <a:t>6</a:t>
+              <a:t>5</a:t>
             </a:fld>
             <a:endParaRPr lang="de-DE" dirty="0"/>
           </a:p>
@@ -33962,7 +31319,7 @@
 </p:sld>
 </file>
 
-<file path=ppt/slides/slide7.xml><?xml version="1.0" encoding="utf-8"?>
+<file path=ppt/slides/slide6.xml><?xml version="1.0" encoding="utf-8"?>
 <p:sld xmlns:a="http://schemas.openxmlformats.org/drawingml/2006/main" xmlns:r="http://schemas.openxmlformats.org/officeDocument/2006/relationships" xmlns:p="http://schemas.openxmlformats.org/presentationml/2006/main">
   <p:cSld>
     <p:spTree>
@@ -34110,7 +31467,7 @@
             <a:fld id="{2DD045F0-8B2A-FA4B-969F-A1574B4A39C0}" type="slidenum">
               <a:rPr lang="de-DE" smtClean="0"/>
               <a:pPr/>
-              <a:t>7</a:t>
+              <a:t>6</a:t>
             </a:fld>
             <a:endParaRPr lang="de-DE" dirty="0"/>
           </a:p>
@@ -39626,7 +36983,7 @@
 </p:sld>
 </file>
 
-<file path=ppt/slides/slide8.xml><?xml version="1.0" encoding="utf-8"?>
+<file path=ppt/slides/slide7.xml><?xml version="1.0" encoding="utf-8"?>
 <p:sld xmlns:a="http://schemas.openxmlformats.org/drawingml/2006/main" xmlns:r="http://schemas.openxmlformats.org/officeDocument/2006/relationships" xmlns:p="http://schemas.openxmlformats.org/presentationml/2006/main">
   <p:cSld>
     <p:spTree>
@@ -41425,7 +38782,7 @@
 </p:sld>
 </file>
 
-<file path=ppt/slides/slide9.xml><?xml version="1.0" encoding="utf-8"?>
+<file path=ppt/slides/slide8.xml><?xml version="1.0" encoding="utf-8"?>
 <p:sld xmlns:a="http://schemas.openxmlformats.org/drawingml/2006/main" xmlns:r="http://schemas.openxmlformats.org/officeDocument/2006/relationships" xmlns:p="http://schemas.openxmlformats.org/presentationml/2006/main">
   <p:cSld>
     <p:spTree>
@@ -41534,7 +38891,7 @@
             <a:fld id="{2DD045F0-8B2A-FA4B-969F-A1574B4A39C0}" type="slidenum">
               <a:rPr lang="de-DE" smtClean="0"/>
               <a:pPr/>
-              <a:t>9</a:t>
+              <a:t>8</a:t>
             </a:fld>
             <a:endParaRPr lang="de-DE" dirty="0"/>
           </a:p>
@@ -41580,6 +38937,1597 @@
   <p:clrMapOvr>
     <a:masterClrMapping/>
   </p:clrMapOvr>
+</p:sld>
+</file>
+
+<file path=ppt/slides/slide9.xml><?xml version="1.0" encoding="utf-8"?>
+<p:sld xmlns:a="http://schemas.openxmlformats.org/drawingml/2006/main" xmlns:r="http://schemas.openxmlformats.org/officeDocument/2006/relationships" xmlns:p="http://schemas.openxmlformats.org/presentationml/2006/main">
+  <p:cSld>
+    <p:spTree>
+      <p:nvGrpSpPr>
+        <p:cNvPr id="1" name=""/>
+        <p:cNvGrpSpPr/>
+        <p:nvPr/>
+      </p:nvGrpSpPr>
+      <p:grpSpPr>
+        <a:xfrm>
+          <a:off x="0" y="0"/>
+          <a:ext cx="0" cy="0"/>
+          <a:chOff x="0" y="0"/>
+          <a:chExt cx="0" cy="0"/>
+        </a:xfrm>
+      </p:grpSpPr>
+      <p:sp>
+        <p:nvSpPr>
+          <p:cNvPr id="2" name="Titel 1"/>
+          <p:cNvSpPr>
+            <a:spLocks noGrp="1"/>
+          </p:cNvSpPr>
+          <p:nvPr>
+            <p:ph type="title"/>
+          </p:nvPr>
+        </p:nvSpPr>
+        <p:spPr>
+          <a:xfrm>
+            <a:off x="4687796" y="400927"/>
+            <a:ext cx="3277602" cy="404417"/>
+          </a:xfrm>
+        </p:spPr>
+        <p:txBody>
+          <a:bodyPr/>
+          <a:lstStyle/>
+          <a:p>
+            <a:pPr algn="ctr"/>
+            <a:r>
+              <a:rPr lang="de-DE" sz="2800" b="1" dirty="0"/>
+              <a:t>ER-Modell</a:t>
+            </a:r>
+          </a:p>
+        </p:txBody>
+      </p:sp>
+      <p:sp>
+        <p:nvSpPr>
+          <p:cNvPr id="4" name="Fußzeilenplatzhalter 3"/>
+          <p:cNvSpPr>
+            <a:spLocks noGrp="1"/>
+          </p:cNvSpPr>
+          <p:nvPr>
+            <p:ph type="ftr" sz="quarter" idx="3"/>
+          </p:nvPr>
+        </p:nvSpPr>
+        <p:spPr>
+          <a:xfrm>
+            <a:off x="6412999" y="4918182"/>
+            <a:ext cx="2173184" cy="273844"/>
+          </a:xfrm>
+        </p:spPr>
+        <p:txBody>
+          <a:bodyPr/>
+          <a:lstStyle/>
+          <a:p>
+            <a:r>
+              <a:rPr lang="de-DE" dirty="0"/>
+              <a:t>Seite</a:t>
+            </a:r>
+          </a:p>
+        </p:txBody>
+      </p:sp>
+      <p:sp>
+        <p:nvSpPr>
+          <p:cNvPr id="5" name="Foliennummernplatzhalter 4"/>
+          <p:cNvSpPr>
+            <a:spLocks noGrp="1"/>
+          </p:cNvSpPr>
+          <p:nvPr>
+            <p:ph type="sldNum" sz="quarter" idx="4"/>
+          </p:nvPr>
+        </p:nvSpPr>
+        <p:spPr>
+          <a:xfrm>
+            <a:off x="8418658" y="4920586"/>
+            <a:ext cx="335050" cy="273844"/>
+          </a:xfrm>
+        </p:spPr>
+        <p:txBody>
+          <a:bodyPr/>
+          <a:lstStyle/>
+          <a:p>
+            <a:fld id="{2DD045F0-8B2A-FA4B-969F-A1574B4A39C0}" type="slidenum">
+              <a:rPr lang="de-DE" smtClean="0"/>
+              <a:pPr/>
+              <a:t>9</a:t>
+            </a:fld>
+            <a:endParaRPr lang="de-DE" dirty="0"/>
+          </a:p>
+        </p:txBody>
+      </p:sp>
+      <p:sp>
+        <p:nvSpPr>
+          <p:cNvPr id="7" name="Textplatzhalter 12">
+            <a:extLst>
+              <a:ext uri="{FF2B5EF4-FFF2-40B4-BE49-F238E27FC236}">
+                <a16:creationId xmlns:a16="http://schemas.microsoft.com/office/drawing/2014/main" id="{7518E9B8-B7E1-1B40-9399-409C0632D954}"/>
+              </a:ext>
+            </a:extLst>
+          </p:cNvPr>
+          <p:cNvSpPr txBox="1">
+            <a:spLocks/>
+          </p:cNvSpPr>
+          <p:nvPr/>
+        </p:nvSpPr>
+        <p:spPr>
+          <a:xfrm>
+            <a:off x="3671482" y="1022068"/>
+            <a:ext cx="5229874" cy="602901"/>
+          </a:xfrm>
+          <a:prstGeom prst="rect">
+            <a:avLst/>
+          </a:prstGeom>
+          <a:solidFill>
+            <a:schemeClr val="bg1">
+              <a:lumMod val="95000"/>
+            </a:schemeClr>
+          </a:solidFill>
+        </p:spPr>
+        <p:txBody>
+          <a:bodyPr vert="horz" lIns="0" tIns="0" rIns="0" bIns="0" rtlCol="0">
+            <a:noAutofit/>
+          </a:bodyPr>
+          <a:lstStyle>
+            <a:lvl1pPr marL="222250" indent="-220663" algn="l" defTabSz="457200" rtl="0" eaLnBrk="1" latinLnBrk="0" hangingPunct="1">
+              <a:lnSpc>
+                <a:spcPct val="90000"/>
+              </a:lnSpc>
+              <a:spcBef>
+                <a:spcPts val="0"/>
+              </a:spcBef>
+              <a:spcAft>
+                <a:spcPts val="900"/>
+              </a:spcAft>
+              <a:buClr>
+                <a:srgbClr val="DC2314"/>
+              </a:buClr>
+              <a:buSzPct val="100000"/>
+              <a:buFont typeface="LucidaGrande" charset="0"/>
+              <a:buChar char="•"/>
+              <a:tabLst/>
+              <a:defRPr sz="1600" b="0" i="0" kern="1200" baseline="0">
+                <a:solidFill>
+                  <a:srgbClr val="5F696E"/>
+                </a:solidFill>
+                <a:latin typeface="Calibri Light" charset="0"/>
+                <a:ea typeface="Calibri Light" charset="0"/>
+                <a:cs typeface="Calibri Light" charset="0"/>
+              </a:defRPr>
+            </a:lvl1pPr>
+            <a:lvl2pPr marL="492125" indent="-225425" algn="l" defTabSz="457200" rtl="0" eaLnBrk="1" latinLnBrk="0" hangingPunct="1">
+              <a:lnSpc>
+                <a:spcPct val="90000"/>
+              </a:lnSpc>
+              <a:spcBef>
+                <a:spcPts val="0"/>
+              </a:spcBef>
+              <a:spcAft>
+                <a:spcPts val="900"/>
+              </a:spcAft>
+              <a:buClr>
+                <a:srgbClr val="DC2314"/>
+              </a:buClr>
+              <a:buSzPct val="80000"/>
+              <a:buFont typeface="Symbol" charset="2"/>
+              <a:buChar char="-"/>
+              <a:tabLst/>
+              <a:defRPr sz="1600" b="0" i="0" kern="1200" baseline="0">
+                <a:solidFill>
+                  <a:srgbClr val="5F696E"/>
+                </a:solidFill>
+                <a:latin typeface="Calibri Light" charset="0"/>
+                <a:ea typeface="Calibri Light" charset="0"/>
+                <a:cs typeface="Calibri Light" charset="0"/>
+              </a:defRPr>
+            </a:lvl2pPr>
+            <a:lvl3pPr marL="1157288" indent="-242888" algn="l" defTabSz="457200" rtl="0" eaLnBrk="1" latinLnBrk="0" hangingPunct="1">
+              <a:lnSpc>
+                <a:spcPct val="105000"/>
+              </a:lnSpc>
+              <a:spcBef>
+                <a:spcPts val="0"/>
+              </a:spcBef>
+              <a:buClr>
+                <a:srgbClr val="DC2314"/>
+              </a:buClr>
+              <a:buSzPct val="80000"/>
+              <a:buFont typeface="Symbol" charset="2"/>
+              <a:buChar char="-"/>
+              <a:tabLst/>
+              <a:defRPr sz="1600" kern="1200" baseline="0">
+                <a:solidFill>
+                  <a:schemeClr val="tx1"/>
+                </a:solidFill>
+                <a:latin typeface="Calibri Light"/>
+                <a:ea typeface="+mn-ea"/>
+                <a:cs typeface="+mn-cs"/>
+              </a:defRPr>
+            </a:lvl3pPr>
+            <a:lvl4pPr marL="1657350" indent="-285750" algn="l" defTabSz="457200" rtl="0" eaLnBrk="1" latinLnBrk="0" hangingPunct="1">
+              <a:lnSpc>
+                <a:spcPct val="105000"/>
+              </a:lnSpc>
+              <a:spcBef>
+                <a:spcPts val="0"/>
+              </a:spcBef>
+              <a:buClr>
+                <a:schemeClr val="tx1"/>
+              </a:buClr>
+              <a:buSzPct val="100000"/>
+              <a:buFont typeface="Arial"/>
+              <a:buChar char="•"/>
+              <a:defRPr sz="1600" kern="1200" baseline="0">
+                <a:solidFill>
+                  <a:schemeClr val="tx1"/>
+                </a:solidFill>
+                <a:latin typeface="Calibri Light"/>
+                <a:ea typeface="+mn-ea"/>
+                <a:cs typeface="+mn-cs"/>
+              </a:defRPr>
+            </a:lvl4pPr>
+            <a:lvl5pPr marL="2114550" indent="-285750" algn="l" defTabSz="457200" rtl="0" eaLnBrk="1" latinLnBrk="0" hangingPunct="1">
+              <a:lnSpc>
+                <a:spcPct val="105000"/>
+              </a:lnSpc>
+              <a:spcBef>
+                <a:spcPts val="0"/>
+              </a:spcBef>
+              <a:buClr>
+                <a:schemeClr val="tx1"/>
+              </a:buClr>
+              <a:buSzPct val="100000"/>
+              <a:buFont typeface="Arial"/>
+              <a:buChar char="•"/>
+              <a:defRPr sz="1600" kern="1200" baseline="0">
+                <a:solidFill>
+                  <a:schemeClr val="tx1"/>
+                </a:solidFill>
+                <a:latin typeface="Calibri Light"/>
+                <a:ea typeface="+mn-ea"/>
+                <a:cs typeface="+mn-cs"/>
+              </a:defRPr>
+            </a:lvl5pPr>
+            <a:lvl6pPr marL="2514600" indent="-228600" algn="l" defTabSz="457200" rtl="0" eaLnBrk="1" latinLnBrk="0" hangingPunct="1">
+              <a:spcBef>
+                <a:spcPct val="20000"/>
+              </a:spcBef>
+              <a:buFont typeface="Arial"/>
+              <a:buChar char="•"/>
+              <a:defRPr sz="2000" kern="1200">
+                <a:solidFill>
+                  <a:schemeClr val="tx1"/>
+                </a:solidFill>
+                <a:latin typeface="+mn-lt"/>
+                <a:ea typeface="+mn-ea"/>
+                <a:cs typeface="+mn-cs"/>
+              </a:defRPr>
+            </a:lvl6pPr>
+            <a:lvl7pPr marL="2971800" indent="-228600" algn="l" defTabSz="457200" rtl="0" eaLnBrk="1" latinLnBrk="0" hangingPunct="1">
+              <a:spcBef>
+                <a:spcPct val="20000"/>
+              </a:spcBef>
+              <a:buFont typeface="Arial"/>
+              <a:buChar char="•"/>
+              <a:defRPr sz="2000" kern="1200">
+                <a:solidFill>
+                  <a:schemeClr val="tx1"/>
+                </a:solidFill>
+                <a:latin typeface="+mn-lt"/>
+                <a:ea typeface="+mn-ea"/>
+                <a:cs typeface="+mn-cs"/>
+              </a:defRPr>
+            </a:lvl7pPr>
+            <a:lvl8pPr marL="3429000" indent="-228600" algn="l" defTabSz="457200" rtl="0" eaLnBrk="1" latinLnBrk="0" hangingPunct="1">
+              <a:spcBef>
+                <a:spcPct val="20000"/>
+              </a:spcBef>
+              <a:buFont typeface="Arial"/>
+              <a:buChar char="•"/>
+              <a:defRPr sz="2000" kern="1200">
+                <a:solidFill>
+                  <a:schemeClr val="tx1"/>
+                </a:solidFill>
+                <a:latin typeface="+mn-lt"/>
+                <a:ea typeface="+mn-ea"/>
+                <a:cs typeface="+mn-cs"/>
+              </a:defRPr>
+            </a:lvl8pPr>
+            <a:lvl9pPr marL="3886200" indent="-228600" algn="l" defTabSz="457200" rtl="0" eaLnBrk="1" latinLnBrk="0" hangingPunct="1">
+              <a:spcBef>
+                <a:spcPct val="20000"/>
+              </a:spcBef>
+              <a:buFont typeface="Arial"/>
+              <a:buChar char="•"/>
+              <a:defRPr sz="2000" kern="1200">
+                <a:solidFill>
+                  <a:schemeClr val="tx1"/>
+                </a:solidFill>
+                <a:latin typeface="+mn-lt"/>
+                <a:ea typeface="+mn-ea"/>
+                <a:cs typeface="+mn-cs"/>
+              </a:defRPr>
+            </a:lvl9pPr>
+          </a:lstStyle>
+          <a:p>
+            <a:pPr marL="266700" indent="-177800">
+              <a:buFont typeface="LucidaGrande" charset="0"/>
+              <a:buNone/>
+            </a:pPr>
+            <a:endParaRPr lang="de-DE" sz="100" dirty="0">
+              <a:latin typeface="Calibri" charset="0"/>
+              <a:ea typeface="Calibri" charset="0"/>
+              <a:cs typeface="Calibri" charset="0"/>
+            </a:endParaRPr>
+          </a:p>
+          <a:p>
+            <a:pPr marL="374650" indent="-285750"/>
+            <a:r>
+              <a:rPr lang="de-DE" dirty="0">
+                <a:latin typeface="Calibri" charset="0"/>
+                <a:ea typeface="Calibri" charset="0"/>
+                <a:cs typeface="Calibri" charset="0"/>
+              </a:rPr>
+              <a:t>Eigenes Schema kapselt alle TriXX-relevanten Objekte in DB</a:t>
+            </a:r>
+          </a:p>
+        </p:txBody>
+      </p:sp>
+      <p:sp>
+        <p:nvSpPr>
+          <p:cNvPr id="8" name="Textplatzhalter 12">
+            <a:extLst>
+              <a:ext uri="{FF2B5EF4-FFF2-40B4-BE49-F238E27FC236}">
+                <a16:creationId xmlns:a16="http://schemas.microsoft.com/office/drawing/2014/main" id="{A9DAF96B-444F-1D41-8C7F-9ACFBF6A44A7}"/>
+              </a:ext>
+            </a:extLst>
+          </p:cNvPr>
+          <p:cNvSpPr txBox="1">
+            <a:spLocks/>
+          </p:cNvSpPr>
+          <p:nvPr/>
+        </p:nvSpPr>
+        <p:spPr>
+          <a:xfrm>
+            <a:off x="3671482" y="1800903"/>
+            <a:ext cx="5229874" cy="602901"/>
+          </a:xfrm>
+          <a:prstGeom prst="rect">
+            <a:avLst/>
+          </a:prstGeom>
+          <a:solidFill>
+            <a:schemeClr val="bg1">
+              <a:lumMod val="95000"/>
+            </a:schemeClr>
+          </a:solidFill>
+        </p:spPr>
+        <p:txBody>
+          <a:bodyPr vert="horz" lIns="0" tIns="0" rIns="0" bIns="0" rtlCol="0">
+            <a:noAutofit/>
+          </a:bodyPr>
+          <a:lstStyle>
+            <a:lvl1pPr marL="222250" indent="-220663" algn="l" defTabSz="457200" rtl="0" eaLnBrk="1" latinLnBrk="0" hangingPunct="1">
+              <a:lnSpc>
+                <a:spcPct val="90000"/>
+              </a:lnSpc>
+              <a:spcBef>
+                <a:spcPts val="0"/>
+              </a:spcBef>
+              <a:spcAft>
+                <a:spcPts val="900"/>
+              </a:spcAft>
+              <a:buClr>
+                <a:srgbClr val="DC2314"/>
+              </a:buClr>
+              <a:buSzPct val="100000"/>
+              <a:buFont typeface="LucidaGrande" charset="0"/>
+              <a:buChar char="•"/>
+              <a:tabLst/>
+              <a:defRPr sz="1600" b="0" i="0" kern="1200" baseline="0">
+                <a:solidFill>
+                  <a:srgbClr val="5F696E"/>
+                </a:solidFill>
+                <a:latin typeface="Calibri Light" charset="0"/>
+                <a:ea typeface="Calibri Light" charset="0"/>
+                <a:cs typeface="Calibri Light" charset="0"/>
+              </a:defRPr>
+            </a:lvl1pPr>
+            <a:lvl2pPr marL="492125" indent="-225425" algn="l" defTabSz="457200" rtl="0" eaLnBrk="1" latinLnBrk="0" hangingPunct="1">
+              <a:lnSpc>
+                <a:spcPct val="90000"/>
+              </a:lnSpc>
+              <a:spcBef>
+                <a:spcPts val="0"/>
+              </a:spcBef>
+              <a:spcAft>
+                <a:spcPts val="900"/>
+              </a:spcAft>
+              <a:buClr>
+                <a:srgbClr val="DC2314"/>
+              </a:buClr>
+              <a:buSzPct val="80000"/>
+              <a:buFont typeface="Symbol" charset="2"/>
+              <a:buChar char="-"/>
+              <a:tabLst/>
+              <a:defRPr sz="1600" b="0" i="0" kern="1200" baseline="0">
+                <a:solidFill>
+                  <a:srgbClr val="5F696E"/>
+                </a:solidFill>
+                <a:latin typeface="Calibri Light" charset="0"/>
+                <a:ea typeface="Calibri Light" charset="0"/>
+                <a:cs typeface="Calibri Light" charset="0"/>
+              </a:defRPr>
+            </a:lvl2pPr>
+            <a:lvl3pPr marL="1157288" indent="-242888" algn="l" defTabSz="457200" rtl="0" eaLnBrk="1" latinLnBrk="0" hangingPunct="1">
+              <a:lnSpc>
+                <a:spcPct val="105000"/>
+              </a:lnSpc>
+              <a:spcBef>
+                <a:spcPts val="0"/>
+              </a:spcBef>
+              <a:buClr>
+                <a:srgbClr val="DC2314"/>
+              </a:buClr>
+              <a:buSzPct val="80000"/>
+              <a:buFont typeface="Symbol" charset="2"/>
+              <a:buChar char="-"/>
+              <a:tabLst/>
+              <a:defRPr sz="1600" kern="1200" baseline="0">
+                <a:solidFill>
+                  <a:schemeClr val="tx1"/>
+                </a:solidFill>
+                <a:latin typeface="Calibri Light"/>
+                <a:ea typeface="+mn-ea"/>
+                <a:cs typeface="+mn-cs"/>
+              </a:defRPr>
+            </a:lvl3pPr>
+            <a:lvl4pPr marL="1657350" indent="-285750" algn="l" defTabSz="457200" rtl="0" eaLnBrk="1" latinLnBrk="0" hangingPunct="1">
+              <a:lnSpc>
+                <a:spcPct val="105000"/>
+              </a:lnSpc>
+              <a:spcBef>
+                <a:spcPts val="0"/>
+              </a:spcBef>
+              <a:buClr>
+                <a:schemeClr val="tx1"/>
+              </a:buClr>
+              <a:buSzPct val="100000"/>
+              <a:buFont typeface="Arial"/>
+              <a:buChar char="•"/>
+              <a:defRPr sz="1600" kern="1200" baseline="0">
+                <a:solidFill>
+                  <a:schemeClr val="tx1"/>
+                </a:solidFill>
+                <a:latin typeface="Calibri Light"/>
+                <a:ea typeface="+mn-ea"/>
+                <a:cs typeface="+mn-cs"/>
+              </a:defRPr>
+            </a:lvl4pPr>
+            <a:lvl5pPr marL="2114550" indent="-285750" algn="l" defTabSz="457200" rtl="0" eaLnBrk="1" latinLnBrk="0" hangingPunct="1">
+              <a:lnSpc>
+                <a:spcPct val="105000"/>
+              </a:lnSpc>
+              <a:spcBef>
+                <a:spcPts val="0"/>
+              </a:spcBef>
+              <a:buClr>
+                <a:schemeClr val="tx1"/>
+              </a:buClr>
+              <a:buSzPct val="100000"/>
+              <a:buFont typeface="Arial"/>
+              <a:buChar char="•"/>
+              <a:defRPr sz="1600" kern="1200" baseline="0">
+                <a:solidFill>
+                  <a:schemeClr val="tx1"/>
+                </a:solidFill>
+                <a:latin typeface="Calibri Light"/>
+                <a:ea typeface="+mn-ea"/>
+                <a:cs typeface="+mn-cs"/>
+              </a:defRPr>
+            </a:lvl5pPr>
+            <a:lvl6pPr marL="2514600" indent="-228600" algn="l" defTabSz="457200" rtl="0" eaLnBrk="1" latinLnBrk="0" hangingPunct="1">
+              <a:spcBef>
+                <a:spcPct val="20000"/>
+              </a:spcBef>
+              <a:buFont typeface="Arial"/>
+              <a:buChar char="•"/>
+              <a:defRPr sz="2000" kern="1200">
+                <a:solidFill>
+                  <a:schemeClr val="tx1"/>
+                </a:solidFill>
+                <a:latin typeface="+mn-lt"/>
+                <a:ea typeface="+mn-ea"/>
+                <a:cs typeface="+mn-cs"/>
+              </a:defRPr>
+            </a:lvl6pPr>
+            <a:lvl7pPr marL="2971800" indent="-228600" algn="l" defTabSz="457200" rtl="0" eaLnBrk="1" latinLnBrk="0" hangingPunct="1">
+              <a:spcBef>
+                <a:spcPct val="20000"/>
+              </a:spcBef>
+              <a:buFont typeface="Arial"/>
+              <a:buChar char="•"/>
+              <a:defRPr sz="2000" kern="1200">
+                <a:solidFill>
+                  <a:schemeClr val="tx1"/>
+                </a:solidFill>
+                <a:latin typeface="+mn-lt"/>
+                <a:ea typeface="+mn-ea"/>
+                <a:cs typeface="+mn-cs"/>
+              </a:defRPr>
+            </a:lvl7pPr>
+            <a:lvl8pPr marL="3429000" indent="-228600" algn="l" defTabSz="457200" rtl="0" eaLnBrk="1" latinLnBrk="0" hangingPunct="1">
+              <a:spcBef>
+                <a:spcPct val="20000"/>
+              </a:spcBef>
+              <a:buFont typeface="Arial"/>
+              <a:buChar char="•"/>
+              <a:defRPr sz="2000" kern="1200">
+                <a:solidFill>
+                  <a:schemeClr val="tx1"/>
+                </a:solidFill>
+                <a:latin typeface="+mn-lt"/>
+                <a:ea typeface="+mn-ea"/>
+                <a:cs typeface="+mn-cs"/>
+              </a:defRPr>
+            </a:lvl8pPr>
+            <a:lvl9pPr marL="3886200" indent="-228600" algn="l" defTabSz="457200" rtl="0" eaLnBrk="1" latinLnBrk="0" hangingPunct="1">
+              <a:spcBef>
+                <a:spcPct val="20000"/>
+              </a:spcBef>
+              <a:buFont typeface="Arial"/>
+              <a:buChar char="•"/>
+              <a:defRPr sz="2000" kern="1200">
+                <a:solidFill>
+                  <a:schemeClr val="tx1"/>
+                </a:solidFill>
+                <a:latin typeface="+mn-lt"/>
+                <a:ea typeface="+mn-ea"/>
+                <a:cs typeface="+mn-cs"/>
+              </a:defRPr>
+            </a:lvl9pPr>
+          </a:lstStyle>
+          <a:p>
+            <a:pPr marL="266700" indent="-177800">
+              <a:buFont typeface="LucidaGrande" charset="0"/>
+              <a:buNone/>
+            </a:pPr>
+            <a:endParaRPr lang="de-DE" sz="100" dirty="0">
+              <a:latin typeface="Calibri" charset="0"/>
+              <a:ea typeface="Calibri" charset="0"/>
+              <a:cs typeface="Calibri" charset="0"/>
+            </a:endParaRPr>
+          </a:p>
+          <a:p>
+            <a:pPr marL="374650" indent="-285750"/>
+            <a:r>
+              <a:rPr lang="de-DE" dirty="0">
+                <a:latin typeface="Calibri" charset="0"/>
+                <a:ea typeface="Calibri" charset="0"/>
+                <a:cs typeface="Calibri" charset="0"/>
+              </a:rPr>
+              <a:t>Export der Konfigurationsdaten in JSON-File erlaubt Backup außerhalb der DB</a:t>
+            </a:r>
+          </a:p>
+        </p:txBody>
+      </p:sp>
+      <p:sp>
+        <p:nvSpPr>
+          <p:cNvPr id="9" name="Textplatzhalter 12">
+            <a:extLst>
+              <a:ext uri="{FF2B5EF4-FFF2-40B4-BE49-F238E27FC236}">
+                <a16:creationId xmlns:a16="http://schemas.microsoft.com/office/drawing/2014/main" id="{FD137FE7-81BF-8442-9D59-F7CAAB3FE7D1}"/>
+              </a:ext>
+            </a:extLst>
+          </p:cNvPr>
+          <p:cNvSpPr txBox="1">
+            <a:spLocks/>
+          </p:cNvSpPr>
+          <p:nvPr/>
+        </p:nvSpPr>
+        <p:spPr>
+          <a:xfrm>
+            <a:off x="3671482" y="2580452"/>
+            <a:ext cx="5229874" cy="602902"/>
+          </a:xfrm>
+          <a:prstGeom prst="rect">
+            <a:avLst/>
+          </a:prstGeom>
+          <a:solidFill>
+            <a:schemeClr val="bg1">
+              <a:lumMod val="95000"/>
+            </a:schemeClr>
+          </a:solidFill>
+        </p:spPr>
+        <p:txBody>
+          <a:bodyPr vert="horz" lIns="0" tIns="0" rIns="0" bIns="0" rtlCol="0">
+            <a:noAutofit/>
+          </a:bodyPr>
+          <a:lstStyle>
+            <a:lvl1pPr marL="222250" indent="-220663" algn="l" defTabSz="457200" rtl="0" eaLnBrk="1" latinLnBrk="0" hangingPunct="1">
+              <a:lnSpc>
+                <a:spcPct val="90000"/>
+              </a:lnSpc>
+              <a:spcBef>
+                <a:spcPts val="0"/>
+              </a:spcBef>
+              <a:spcAft>
+                <a:spcPts val="900"/>
+              </a:spcAft>
+              <a:buClr>
+                <a:srgbClr val="DC2314"/>
+              </a:buClr>
+              <a:buSzPct val="100000"/>
+              <a:buFont typeface="LucidaGrande" charset="0"/>
+              <a:buChar char="•"/>
+              <a:tabLst/>
+              <a:defRPr sz="1600" b="0" i="0" kern="1200" baseline="0">
+                <a:solidFill>
+                  <a:srgbClr val="5F696E"/>
+                </a:solidFill>
+                <a:latin typeface="Calibri Light" charset="0"/>
+                <a:ea typeface="Calibri Light" charset="0"/>
+                <a:cs typeface="Calibri Light" charset="0"/>
+              </a:defRPr>
+            </a:lvl1pPr>
+            <a:lvl2pPr marL="492125" indent="-225425" algn="l" defTabSz="457200" rtl="0" eaLnBrk="1" latinLnBrk="0" hangingPunct="1">
+              <a:lnSpc>
+                <a:spcPct val="90000"/>
+              </a:lnSpc>
+              <a:spcBef>
+                <a:spcPts val="0"/>
+              </a:spcBef>
+              <a:spcAft>
+                <a:spcPts val="900"/>
+              </a:spcAft>
+              <a:buClr>
+                <a:srgbClr val="DC2314"/>
+              </a:buClr>
+              <a:buSzPct val="80000"/>
+              <a:buFont typeface="Symbol" charset="2"/>
+              <a:buChar char="-"/>
+              <a:tabLst/>
+              <a:defRPr sz="1600" b="0" i="0" kern="1200" baseline="0">
+                <a:solidFill>
+                  <a:srgbClr val="5F696E"/>
+                </a:solidFill>
+                <a:latin typeface="Calibri Light" charset="0"/>
+                <a:ea typeface="Calibri Light" charset="0"/>
+                <a:cs typeface="Calibri Light" charset="0"/>
+              </a:defRPr>
+            </a:lvl2pPr>
+            <a:lvl3pPr marL="1157288" indent="-242888" algn="l" defTabSz="457200" rtl="0" eaLnBrk="1" latinLnBrk="0" hangingPunct="1">
+              <a:lnSpc>
+                <a:spcPct val="105000"/>
+              </a:lnSpc>
+              <a:spcBef>
+                <a:spcPts val="0"/>
+              </a:spcBef>
+              <a:buClr>
+                <a:srgbClr val="DC2314"/>
+              </a:buClr>
+              <a:buSzPct val="80000"/>
+              <a:buFont typeface="Symbol" charset="2"/>
+              <a:buChar char="-"/>
+              <a:tabLst/>
+              <a:defRPr sz="1600" kern="1200" baseline="0">
+                <a:solidFill>
+                  <a:schemeClr val="tx1"/>
+                </a:solidFill>
+                <a:latin typeface="Calibri Light"/>
+                <a:ea typeface="+mn-ea"/>
+                <a:cs typeface="+mn-cs"/>
+              </a:defRPr>
+            </a:lvl3pPr>
+            <a:lvl4pPr marL="1657350" indent="-285750" algn="l" defTabSz="457200" rtl="0" eaLnBrk="1" latinLnBrk="0" hangingPunct="1">
+              <a:lnSpc>
+                <a:spcPct val="105000"/>
+              </a:lnSpc>
+              <a:spcBef>
+                <a:spcPts val="0"/>
+              </a:spcBef>
+              <a:buClr>
+                <a:schemeClr val="tx1"/>
+              </a:buClr>
+              <a:buSzPct val="100000"/>
+              <a:buFont typeface="Arial"/>
+              <a:buChar char="•"/>
+              <a:defRPr sz="1600" kern="1200" baseline="0">
+                <a:solidFill>
+                  <a:schemeClr val="tx1"/>
+                </a:solidFill>
+                <a:latin typeface="Calibri Light"/>
+                <a:ea typeface="+mn-ea"/>
+                <a:cs typeface="+mn-cs"/>
+              </a:defRPr>
+            </a:lvl4pPr>
+            <a:lvl5pPr marL="2114550" indent="-285750" algn="l" defTabSz="457200" rtl="0" eaLnBrk="1" latinLnBrk="0" hangingPunct="1">
+              <a:lnSpc>
+                <a:spcPct val="105000"/>
+              </a:lnSpc>
+              <a:spcBef>
+                <a:spcPts val="0"/>
+              </a:spcBef>
+              <a:buClr>
+                <a:schemeClr val="tx1"/>
+              </a:buClr>
+              <a:buSzPct val="100000"/>
+              <a:buFont typeface="Arial"/>
+              <a:buChar char="•"/>
+              <a:defRPr sz="1600" kern="1200" baseline="0">
+                <a:solidFill>
+                  <a:schemeClr val="tx1"/>
+                </a:solidFill>
+                <a:latin typeface="Calibri Light"/>
+                <a:ea typeface="+mn-ea"/>
+                <a:cs typeface="+mn-cs"/>
+              </a:defRPr>
+            </a:lvl5pPr>
+            <a:lvl6pPr marL="2514600" indent="-228600" algn="l" defTabSz="457200" rtl="0" eaLnBrk="1" latinLnBrk="0" hangingPunct="1">
+              <a:spcBef>
+                <a:spcPct val="20000"/>
+              </a:spcBef>
+              <a:buFont typeface="Arial"/>
+              <a:buChar char="•"/>
+              <a:defRPr sz="2000" kern="1200">
+                <a:solidFill>
+                  <a:schemeClr val="tx1"/>
+                </a:solidFill>
+                <a:latin typeface="+mn-lt"/>
+                <a:ea typeface="+mn-ea"/>
+                <a:cs typeface="+mn-cs"/>
+              </a:defRPr>
+            </a:lvl6pPr>
+            <a:lvl7pPr marL="2971800" indent="-228600" algn="l" defTabSz="457200" rtl="0" eaLnBrk="1" latinLnBrk="0" hangingPunct="1">
+              <a:spcBef>
+                <a:spcPct val="20000"/>
+              </a:spcBef>
+              <a:buFont typeface="Arial"/>
+              <a:buChar char="•"/>
+              <a:defRPr sz="2000" kern="1200">
+                <a:solidFill>
+                  <a:schemeClr val="tx1"/>
+                </a:solidFill>
+                <a:latin typeface="+mn-lt"/>
+                <a:ea typeface="+mn-ea"/>
+                <a:cs typeface="+mn-cs"/>
+              </a:defRPr>
+            </a:lvl7pPr>
+            <a:lvl8pPr marL="3429000" indent="-228600" algn="l" defTabSz="457200" rtl="0" eaLnBrk="1" latinLnBrk="0" hangingPunct="1">
+              <a:spcBef>
+                <a:spcPct val="20000"/>
+              </a:spcBef>
+              <a:buFont typeface="Arial"/>
+              <a:buChar char="•"/>
+              <a:defRPr sz="2000" kern="1200">
+                <a:solidFill>
+                  <a:schemeClr val="tx1"/>
+                </a:solidFill>
+                <a:latin typeface="+mn-lt"/>
+                <a:ea typeface="+mn-ea"/>
+                <a:cs typeface="+mn-cs"/>
+              </a:defRPr>
+            </a:lvl8pPr>
+            <a:lvl9pPr marL="3886200" indent="-228600" algn="l" defTabSz="457200" rtl="0" eaLnBrk="1" latinLnBrk="0" hangingPunct="1">
+              <a:spcBef>
+                <a:spcPct val="20000"/>
+              </a:spcBef>
+              <a:buFont typeface="Arial"/>
+              <a:buChar char="•"/>
+              <a:defRPr sz="2000" kern="1200">
+                <a:solidFill>
+                  <a:schemeClr val="tx1"/>
+                </a:solidFill>
+                <a:latin typeface="+mn-lt"/>
+                <a:ea typeface="+mn-ea"/>
+                <a:cs typeface="+mn-cs"/>
+              </a:defRPr>
+            </a:lvl9pPr>
+          </a:lstStyle>
+          <a:p>
+            <a:pPr marL="266700" indent="-177800">
+              <a:buFont typeface="LucidaGrande" charset="0"/>
+              <a:buNone/>
+            </a:pPr>
+            <a:endParaRPr lang="de-DE" sz="100" dirty="0">
+              <a:latin typeface="Calibri" charset="0"/>
+              <a:ea typeface="Calibri" charset="0"/>
+              <a:cs typeface="Calibri" charset="0"/>
+            </a:endParaRPr>
+          </a:p>
+          <a:p>
+            <a:pPr marL="374650" indent="-285750"/>
+            <a:r>
+              <a:rPr lang="de-DE" dirty="0">
+                <a:latin typeface="Calibri" charset="0"/>
+                <a:ea typeface="Calibri" charset="0"/>
+                <a:cs typeface="Calibri" charset="0"/>
+              </a:rPr>
+              <a:t>Import der Konfigurationsdaten per JSON-File z.B. für Aufbau Test-Systeme</a:t>
+            </a:r>
+          </a:p>
+        </p:txBody>
+      </p:sp>
+      <p:sp>
+        <p:nvSpPr>
+          <p:cNvPr id="10" name="Textplatzhalter 12">
+            <a:extLst>
+              <a:ext uri="{FF2B5EF4-FFF2-40B4-BE49-F238E27FC236}">
+                <a16:creationId xmlns:a16="http://schemas.microsoft.com/office/drawing/2014/main" id="{7230C796-9480-9C4D-88D4-701E47361F22}"/>
+              </a:ext>
+            </a:extLst>
+          </p:cNvPr>
+          <p:cNvSpPr txBox="1">
+            <a:spLocks/>
+          </p:cNvSpPr>
+          <p:nvPr/>
+        </p:nvSpPr>
+        <p:spPr>
+          <a:xfrm>
+            <a:off x="3683726" y="3358518"/>
+            <a:ext cx="5229874" cy="602903"/>
+          </a:xfrm>
+          <a:prstGeom prst="rect">
+            <a:avLst/>
+          </a:prstGeom>
+          <a:solidFill>
+            <a:schemeClr val="bg1">
+              <a:lumMod val="95000"/>
+            </a:schemeClr>
+          </a:solidFill>
+        </p:spPr>
+        <p:txBody>
+          <a:bodyPr vert="horz" lIns="0" tIns="0" rIns="0" bIns="0" rtlCol="0">
+            <a:noAutofit/>
+          </a:bodyPr>
+          <a:lstStyle>
+            <a:lvl1pPr marL="222250" indent="-220663" algn="l" defTabSz="457200" rtl="0" eaLnBrk="1" latinLnBrk="0" hangingPunct="1">
+              <a:lnSpc>
+                <a:spcPct val="90000"/>
+              </a:lnSpc>
+              <a:spcBef>
+                <a:spcPts val="0"/>
+              </a:spcBef>
+              <a:spcAft>
+                <a:spcPts val="900"/>
+              </a:spcAft>
+              <a:buClr>
+                <a:srgbClr val="DC2314"/>
+              </a:buClr>
+              <a:buSzPct val="100000"/>
+              <a:buFont typeface="LucidaGrande" charset="0"/>
+              <a:buChar char="•"/>
+              <a:tabLst/>
+              <a:defRPr sz="1600" b="0" i="0" kern="1200" baseline="0">
+                <a:solidFill>
+                  <a:srgbClr val="5F696E"/>
+                </a:solidFill>
+                <a:latin typeface="Calibri Light" charset="0"/>
+                <a:ea typeface="Calibri Light" charset="0"/>
+                <a:cs typeface="Calibri Light" charset="0"/>
+              </a:defRPr>
+            </a:lvl1pPr>
+            <a:lvl2pPr marL="492125" indent="-225425" algn="l" defTabSz="457200" rtl="0" eaLnBrk="1" latinLnBrk="0" hangingPunct="1">
+              <a:lnSpc>
+                <a:spcPct val="90000"/>
+              </a:lnSpc>
+              <a:spcBef>
+                <a:spcPts val="0"/>
+              </a:spcBef>
+              <a:spcAft>
+                <a:spcPts val="900"/>
+              </a:spcAft>
+              <a:buClr>
+                <a:srgbClr val="DC2314"/>
+              </a:buClr>
+              <a:buSzPct val="80000"/>
+              <a:buFont typeface="Symbol" charset="2"/>
+              <a:buChar char="-"/>
+              <a:tabLst/>
+              <a:defRPr sz="1600" b="0" i="0" kern="1200" baseline="0">
+                <a:solidFill>
+                  <a:srgbClr val="5F696E"/>
+                </a:solidFill>
+                <a:latin typeface="Calibri Light" charset="0"/>
+                <a:ea typeface="Calibri Light" charset="0"/>
+                <a:cs typeface="Calibri Light" charset="0"/>
+              </a:defRPr>
+            </a:lvl2pPr>
+            <a:lvl3pPr marL="1157288" indent="-242888" algn="l" defTabSz="457200" rtl="0" eaLnBrk="1" latinLnBrk="0" hangingPunct="1">
+              <a:lnSpc>
+                <a:spcPct val="105000"/>
+              </a:lnSpc>
+              <a:spcBef>
+                <a:spcPts val="0"/>
+              </a:spcBef>
+              <a:buClr>
+                <a:srgbClr val="DC2314"/>
+              </a:buClr>
+              <a:buSzPct val="80000"/>
+              <a:buFont typeface="Symbol" charset="2"/>
+              <a:buChar char="-"/>
+              <a:tabLst/>
+              <a:defRPr sz="1600" kern="1200" baseline="0">
+                <a:solidFill>
+                  <a:schemeClr val="tx1"/>
+                </a:solidFill>
+                <a:latin typeface="Calibri Light"/>
+                <a:ea typeface="+mn-ea"/>
+                <a:cs typeface="+mn-cs"/>
+              </a:defRPr>
+            </a:lvl3pPr>
+            <a:lvl4pPr marL="1657350" indent="-285750" algn="l" defTabSz="457200" rtl="0" eaLnBrk="1" latinLnBrk="0" hangingPunct="1">
+              <a:lnSpc>
+                <a:spcPct val="105000"/>
+              </a:lnSpc>
+              <a:spcBef>
+                <a:spcPts val="0"/>
+              </a:spcBef>
+              <a:buClr>
+                <a:schemeClr val="tx1"/>
+              </a:buClr>
+              <a:buSzPct val="100000"/>
+              <a:buFont typeface="Arial"/>
+              <a:buChar char="•"/>
+              <a:defRPr sz="1600" kern="1200" baseline="0">
+                <a:solidFill>
+                  <a:schemeClr val="tx1"/>
+                </a:solidFill>
+                <a:latin typeface="Calibri Light"/>
+                <a:ea typeface="+mn-ea"/>
+                <a:cs typeface="+mn-cs"/>
+              </a:defRPr>
+            </a:lvl4pPr>
+            <a:lvl5pPr marL="2114550" indent="-285750" algn="l" defTabSz="457200" rtl="0" eaLnBrk="1" latinLnBrk="0" hangingPunct="1">
+              <a:lnSpc>
+                <a:spcPct val="105000"/>
+              </a:lnSpc>
+              <a:spcBef>
+                <a:spcPts val="0"/>
+              </a:spcBef>
+              <a:buClr>
+                <a:schemeClr val="tx1"/>
+              </a:buClr>
+              <a:buSzPct val="100000"/>
+              <a:buFont typeface="Arial"/>
+              <a:buChar char="•"/>
+              <a:defRPr sz="1600" kern="1200" baseline="0">
+                <a:solidFill>
+                  <a:schemeClr val="tx1"/>
+                </a:solidFill>
+                <a:latin typeface="Calibri Light"/>
+                <a:ea typeface="+mn-ea"/>
+                <a:cs typeface="+mn-cs"/>
+              </a:defRPr>
+            </a:lvl5pPr>
+            <a:lvl6pPr marL="2514600" indent="-228600" algn="l" defTabSz="457200" rtl="0" eaLnBrk="1" latinLnBrk="0" hangingPunct="1">
+              <a:spcBef>
+                <a:spcPct val="20000"/>
+              </a:spcBef>
+              <a:buFont typeface="Arial"/>
+              <a:buChar char="•"/>
+              <a:defRPr sz="2000" kern="1200">
+                <a:solidFill>
+                  <a:schemeClr val="tx1"/>
+                </a:solidFill>
+                <a:latin typeface="+mn-lt"/>
+                <a:ea typeface="+mn-ea"/>
+                <a:cs typeface="+mn-cs"/>
+              </a:defRPr>
+            </a:lvl6pPr>
+            <a:lvl7pPr marL="2971800" indent="-228600" algn="l" defTabSz="457200" rtl="0" eaLnBrk="1" latinLnBrk="0" hangingPunct="1">
+              <a:spcBef>
+                <a:spcPct val="20000"/>
+              </a:spcBef>
+              <a:buFont typeface="Arial"/>
+              <a:buChar char="•"/>
+              <a:defRPr sz="2000" kern="1200">
+                <a:solidFill>
+                  <a:schemeClr val="tx1"/>
+                </a:solidFill>
+                <a:latin typeface="+mn-lt"/>
+                <a:ea typeface="+mn-ea"/>
+                <a:cs typeface="+mn-cs"/>
+              </a:defRPr>
+            </a:lvl7pPr>
+            <a:lvl8pPr marL="3429000" indent="-228600" algn="l" defTabSz="457200" rtl="0" eaLnBrk="1" latinLnBrk="0" hangingPunct="1">
+              <a:spcBef>
+                <a:spcPct val="20000"/>
+              </a:spcBef>
+              <a:buFont typeface="Arial"/>
+              <a:buChar char="•"/>
+              <a:defRPr sz="2000" kern="1200">
+                <a:solidFill>
+                  <a:schemeClr val="tx1"/>
+                </a:solidFill>
+                <a:latin typeface="+mn-lt"/>
+                <a:ea typeface="+mn-ea"/>
+                <a:cs typeface="+mn-cs"/>
+              </a:defRPr>
+            </a:lvl8pPr>
+            <a:lvl9pPr marL="3886200" indent="-228600" algn="l" defTabSz="457200" rtl="0" eaLnBrk="1" latinLnBrk="0" hangingPunct="1">
+              <a:spcBef>
+                <a:spcPct val="20000"/>
+              </a:spcBef>
+              <a:buFont typeface="Arial"/>
+              <a:buChar char="•"/>
+              <a:defRPr sz="2000" kern="1200">
+                <a:solidFill>
+                  <a:schemeClr val="tx1"/>
+                </a:solidFill>
+                <a:latin typeface="+mn-lt"/>
+                <a:ea typeface="+mn-ea"/>
+                <a:cs typeface="+mn-cs"/>
+              </a:defRPr>
+            </a:lvl9pPr>
+          </a:lstStyle>
+          <a:p>
+            <a:pPr marL="266700" indent="-177800">
+              <a:buFont typeface="LucidaGrande" charset="0"/>
+              <a:buNone/>
+            </a:pPr>
+            <a:endParaRPr lang="de-DE" sz="100" dirty="0">
+              <a:latin typeface="Calibri" charset="0"/>
+              <a:ea typeface="Calibri" charset="0"/>
+              <a:cs typeface="Calibri" charset="0"/>
+            </a:endParaRPr>
+          </a:p>
+          <a:p>
+            <a:pPr marL="374650" indent="-285750"/>
+            <a:r>
+              <a:rPr lang="de-DE" dirty="0">
+                <a:latin typeface="Calibri" charset="0"/>
+                <a:ea typeface="Calibri" charset="0"/>
+                <a:cs typeface="Calibri" charset="0"/>
+              </a:rPr>
+              <a:t>Über JSON-Import Generierung der TriXX-Konfiguration aus externen Quellen möglich</a:t>
+            </a:r>
+          </a:p>
+        </p:txBody>
+      </p:sp>
+      <p:sp>
+        <p:nvSpPr>
+          <p:cNvPr id="11" name="Textplatzhalter 12">
+            <a:extLst>
+              <a:ext uri="{FF2B5EF4-FFF2-40B4-BE49-F238E27FC236}">
+                <a16:creationId xmlns:a16="http://schemas.microsoft.com/office/drawing/2014/main" id="{F7BD72E2-D082-D941-A40D-6DB53D835035}"/>
+              </a:ext>
+            </a:extLst>
+          </p:cNvPr>
+          <p:cNvSpPr txBox="1">
+            <a:spLocks/>
+          </p:cNvSpPr>
+          <p:nvPr/>
+        </p:nvSpPr>
+        <p:spPr>
+          <a:xfrm>
+            <a:off x="3671482" y="4139552"/>
+            <a:ext cx="5229874" cy="602903"/>
+          </a:xfrm>
+          <a:prstGeom prst="rect">
+            <a:avLst/>
+          </a:prstGeom>
+          <a:solidFill>
+            <a:schemeClr val="bg1">
+              <a:lumMod val="95000"/>
+            </a:schemeClr>
+          </a:solidFill>
+        </p:spPr>
+        <p:txBody>
+          <a:bodyPr vert="horz" lIns="0" tIns="0" rIns="0" bIns="0" rtlCol="0">
+            <a:noAutofit/>
+          </a:bodyPr>
+          <a:lstStyle>
+            <a:lvl1pPr marL="222250" indent="-220663" algn="l" defTabSz="457200" rtl="0" eaLnBrk="1" latinLnBrk="0" hangingPunct="1">
+              <a:lnSpc>
+                <a:spcPct val="90000"/>
+              </a:lnSpc>
+              <a:spcBef>
+                <a:spcPts val="0"/>
+              </a:spcBef>
+              <a:spcAft>
+                <a:spcPts val="900"/>
+              </a:spcAft>
+              <a:buClr>
+                <a:srgbClr val="DC2314"/>
+              </a:buClr>
+              <a:buSzPct val="100000"/>
+              <a:buFont typeface="LucidaGrande" charset="0"/>
+              <a:buChar char="•"/>
+              <a:tabLst/>
+              <a:defRPr sz="1600" b="0" i="0" kern="1200" baseline="0">
+                <a:solidFill>
+                  <a:srgbClr val="5F696E"/>
+                </a:solidFill>
+                <a:latin typeface="Calibri Light" charset="0"/>
+                <a:ea typeface="Calibri Light" charset="0"/>
+                <a:cs typeface="Calibri Light" charset="0"/>
+              </a:defRPr>
+            </a:lvl1pPr>
+            <a:lvl2pPr marL="492125" indent="-225425" algn="l" defTabSz="457200" rtl="0" eaLnBrk="1" latinLnBrk="0" hangingPunct="1">
+              <a:lnSpc>
+                <a:spcPct val="90000"/>
+              </a:lnSpc>
+              <a:spcBef>
+                <a:spcPts val="0"/>
+              </a:spcBef>
+              <a:spcAft>
+                <a:spcPts val="900"/>
+              </a:spcAft>
+              <a:buClr>
+                <a:srgbClr val="DC2314"/>
+              </a:buClr>
+              <a:buSzPct val="80000"/>
+              <a:buFont typeface="Symbol" charset="2"/>
+              <a:buChar char="-"/>
+              <a:tabLst/>
+              <a:defRPr sz="1600" b="0" i="0" kern="1200" baseline="0">
+                <a:solidFill>
+                  <a:srgbClr val="5F696E"/>
+                </a:solidFill>
+                <a:latin typeface="Calibri Light" charset="0"/>
+                <a:ea typeface="Calibri Light" charset="0"/>
+                <a:cs typeface="Calibri Light" charset="0"/>
+              </a:defRPr>
+            </a:lvl2pPr>
+            <a:lvl3pPr marL="1157288" indent="-242888" algn="l" defTabSz="457200" rtl="0" eaLnBrk="1" latinLnBrk="0" hangingPunct="1">
+              <a:lnSpc>
+                <a:spcPct val="105000"/>
+              </a:lnSpc>
+              <a:spcBef>
+                <a:spcPts val="0"/>
+              </a:spcBef>
+              <a:buClr>
+                <a:srgbClr val="DC2314"/>
+              </a:buClr>
+              <a:buSzPct val="80000"/>
+              <a:buFont typeface="Symbol" charset="2"/>
+              <a:buChar char="-"/>
+              <a:tabLst/>
+              <a:defRPr sz="1600" kern="1200" baseline="0">
+                <a:solidFill>
+                  <a:schemeClr val="tx1"/>
+                </a:solidFill>
+                <a:latin typeface="Calibri Light"/>
+                <a:ea typeface="+mn-ea"/>
+                <a:cs typeface="+mn-cs"/>
+              </a:defRPr>
+            </a:lvl3pPr>
+            <a:lvl4pPr marL="1657350" indent="-285750" algn="l" defTabSz="457200" rtl="0" eaLnBrk="1" latinLnBrk="0" hangingPunct="1">
+              <a:lnSpc>
+                <a:spcPct val="105000"/>
+              </a:lnSpc>
+              <a:spcBef>
+                <a:spcPts val="0"/>
+              </a:spcBef>
+              <a:buClr>
+                <a:schemeClr val="tx1"/>
+              </a:buClr>
+              <a:buSzPct val="100000"/>
+              <a:buFont typeface="Arial"/>
+              <a:buChar char="•"/>
+              <a:defRPr sz="1600" kern="1200" baseline="0">
+                <a:solidFill>
+                  <a:schemeClr val="tx1"/>
+                </a:solidFill>
+                <a:latin typeface="Calibri Light"/>
+                <a:ea typeface="+mn-ea"/>
+                <a:cs typeface="+mn-cs"/>
+              </a:defRPr>
+            </a:lvl4pPr>
+            <a:lvl5pPr marL="2114550" indent="-285750" algn="l" defTabSz="457200" rtl="0" eaLnBrk="1" latinLnBrk="0" hangingPunct="1">
+              <a:lnSpc>
+                <a:spcPct val="105000"/>
+              </a:lnSpc>
+              <a:spcBef>
+                <a:spcPts val="0"/>
+              </a:spcBef>
+              <a:buClr>
+                <a:schemeClr val="tx1"/>
+              </a:buClr>
+              <a:buSzPct val="100000"/>
+              <a:buFont typeface="Arial"/>
+              <a:buChar char="•"/>
+              <a:defRPr sz="1600" kern="1200" baseline="0">
+                <a:solidFill>
+                  <a:schemeClr val="tx1"/>
+                </a:solidFill>
+                <a:latin typeface="Calibri Light"/>
+                <a:ea typeface="+mn-ea"/>
+                <a:cs typeface="+mn-cs"/>
+              </a:defRPr>
+            </a:lvl5pPr>
+            <a:lvl6pPr marL="2514600" indent="-228600" algn="l" defTabSz="457200" rtl="0" eaLnBrk="1" latinLnBrk="0" hangingPunct="1">
+              <a:spcBef>
+                <a:spcPct val="20000"/>
+              </a:spcBef>
+              <a:buFont typeface="Arial"/>
+              <a:buChar char="•"/>
+              <a:defRPr sz="2000" kern="1200">
+                <a:solidFill>
+                  <a:schemeClr val="tx1"/>
+                </a:solidFill>
+                <a:latin typeface="+mn-lt"/>
+                <a:ea typeface="+mn-ea"/>
+                <a:cs typeface="+mn-cs"/>
+              </a:defRPr>
+            </a:lvl6pPr>
+            <a:lvl7pPr marL="2971800" indent="-228600" algn="l" defTabSz="457200" rtl="0" eaLnBrk="1" latinLnBrk="0" hangingPunct="1">
+              <a:spcBef>
+                <a:spcPct val="20000"/>
+              </a:spcBef>
+              <a:buFont typeface="Arial"/>
+              <a:buChar char="•"/>
+              <a:defRPr sz="2000" kern="1200">
+                <a:solidFill>
+                  <a:schemeClr val="tx1"/>
+                </a:solidFill>
+                <a:latin typeface="+mn-lt"/>
+                <a:ea typeface="+mn-ea"/>
+                <a:cs typeface="+mn-cs"/>
+              </a:defRPr>
+            </a:lvl7pPr>
+            <a:lvl8pPr marL="3429000" indent="-228600" algn="l" defTabSz="457200" rtl="0" eaLnBrk="1" latinLnBrk="0" hangingPunct="1">
+              <a:spcBef>
+                <a:spcPct val="20000"/>
+              </a:spcBef>
+              <a:buFont typeface="Arial"/>
+              <a:buChar char="•"/>
+              <a:defRPr sz="2000" kern="1200">
+                <a:solidFill>
+                  <a:schemeClr val="tx1"/>
+                </a:solidFill>
+                <a:latin typeface="+mn-lt"/>
+                <a:ea typeface="+mn-ea"/>
+                <a:cs typeface="+mn-cs"/>
+              </a:defRPr>
+            </a:lvl8pPr>
+            <a:lvl9pPr marL="3886200" indent="-228600" algn="l" defTabSz="457200" rtl="0" eaLnBrk="1" latinLnBrk="0" hangingPunct="1">
+              <a:spcBef>
+                <a:spcPct val="20000"/>
+              </a:spcBef>
+              <a:buFont typeface="Arial"/>
+              <a:buChar char="•"/>
+              <a:defRPr sz="2000" kern="1200">
+                <a:solidFill>
+                  <a:schemeClr val="tx1"/>
+                </a:solidFill>
+                <a:latin typeface="+mn-lt"/>
+                <a:ea typeface="+mn-ea"/>
+                <a:cs typeface="+mn-cs"/>
+              </a:defRPr>
+            </a:lvl9pPr>
+          </a:lstStyle>
+          <a:p>
+            <a:pPr marL="266700" indent="-177800">
+              <a:buFont typeface="LucidaGrande" charset="0"/>
+              <a:buNone/>
+            </a:pPr>
+            <a:endParaRPr lang="de-DE" sz="100" dirty="0">
+              <a:latin typeface="Calibri" charset="0"/>
+              <a:ea typeface="Calibri" charset="0"/>
+              <a:cs typeface="Calibri" charset="0"/>
+            </a:endParaRPr>
+          </a:p>
+          <a:p>
+            <a:pPr marL="374650" indent="-285750"/>
+            <a:r>
+              <a:rPr lang="de-DE" dirty="0">
+                <a:latin typeface="Calibri" charset="0"/>
+                <a:ea typeface="Calibri" charset="0"/>
+                <a:cs typeface="Calibri" charset="0"/>
+              </a:rPr>
+              <a:t>Separater Export/Import je Ziel-Schema der DB möglich</a:t>
+            </a:r>
+          </a:p>
+        </p:txBody>
+      </p:sp>
+      <p:pic>
+        <p:nvPicPr>
+          <p:cNvPr id="6" name="Grafik 5">
+            <a:extLst>
+              <a:ext uri="{FF2B5EF4-FFF2-40B4-BE49-F238E27FC236}">
+                <a16:creationId xmlns:a16="http://schemas.microsoft.com/office/drawing/2014/main" id="{77F5F003-1E2C-4341-9D34-688E300C318E}"/>
+              </a:ext>
+            </a:extLst>
+          </p:cNvPr>
+          <p:cNvPicPr>
+            <a:picLocks noChangeAspect="1"/>
+          </p:cNvPicPr>
+          <p:nvPr/>
+        </p:nvPicPr>
+        <p:blipFill>
+          <a:blip r:embed="rId3"/>
+          <a:stretch>
+            <a:fillRect/>
+          </a:stretch>
+        </p:blipFill>
+        <p:spPr>
+          <a:xfrm>
+            <a:off x="242644" y="8702"/>
+            <a:ext cx="3311482" cy="5143500"/>
+          </a:xfrm>
+          <a:prstGeom prst="rect">
+            <a:avLst/>
+          </a:prstGeom>
+        </p:spPr>
+      </p:pic>
+    </p:spTree>
+    <p:extLst>
+      <p:ext uri="{BB962C8B-B14F-4D97-AF65-F5344CB8AC3E}">
+        <p14:creationId xmlns:p14="http://schemas.microsoft.com/office/powerpoint/2010/main" val="427426876"/>
+      </p:ext>
+    </p:extLst>
+  </p:cSld>
+  <p:clrMapOvr>
+    <a:masterClrMapping/>
+  </p:clrMapOvr>
+  <p:timing>
+    <p:tnLst>
+      <p:par>
+        <p:cTn id="1" dur="indefinite" restart="never" nodeType="tmRoot">
+          <p:childTnLst>
+            <p:seq concurrent="1" nextAc="seek">
+              <p:cTn id="2" dur="indefinite" nodeType="mainSeq">
+                <p:childTnLst>
+                  <p:par>
+                    <p:cTn id="3" fill="hold">
+                      <p:stCondLst>
+                        <p:cond delay="indefinite"/>
+                      </p:stCondLst>
+                      <p:childTnLst>
+                        <p:par>
+                          <p:cTn id="4" fill="hold">
+                            <p:stCondLst>
+                              <p:cond delay="0"/>
+                            </p:stCondLst>
+                            <p:childTnLst>
+                              <p:par>
+                                <p:cTn id="5" presetID="1" presetClass="entr" presetSubtype="0" fill="hold" grpId="0" nodeType="clickEffect">
+                                  <p:stCondLst>
+                                    <p:cond delay="0"/>
+                                  </p:stCondLst>
+                                  <p:childTnLst>
+                                    <p:set>
+                                      <p:cBhvr>
+                                        <p:cTn id="6" dur="1" fill="hold">
+                                          <p:stCondLst>
+                                            <p:cond delay="0"/>
+                                          </p:stCondLst>
+                                        </p:cTn>
+                                        <p:tgtEl>
+                                          <p:spTgt spid="7"/>
+                                        </p:tgtEl>
+                                        <p:attrNameLst>
+                                          <p:attrName>style.visibility</p:attrName>
+                                        </p:attrNameLst>
+                                      </p:cBhvr>
+                                      <p:to>
+                                        <p:strVal val="visible"/>
+                                      </p:to>
+                                    </p:set>
+                                  </p:childTnLst>
+                                </p:cTn>
+                              </p:par>
+                            </p:childTnLst>
+                          </p:cTn>
+                        </p:par>
+                      </p:childTnLst>
+                    </p:cTn>
+                  </p:par>
+                  <p:par>
+                    <p:cTn id="7" fill="hold">
+                      <p:stCondLst>
+                        <p:cond delay="indefinite"/>
+                      </p:stCondLst>
+                      <p:childTnLst>
+                        <p:par>
+                          <p:cTn id="8" fill="hold">
+                            <p:stCondLst>
+                              <p:cond delay="0"/>
+                            </p:stCondLst>
+                            <p:childTnLst>
+                              <p:par>
+                                <p:cTn id="9" presetID="1" presetClass="entr" presetSubtype="0" fill="hold" grpId="0" nodeType="clickEffect">
+                                  <p:stCondLst>
+                                    <p:cond delay="0"/>
+                                  </p:stCondLst>
+                                  <p:childTnLst>
+                                    <p:set>
+                                      <p:cBhvr>
+                                        <p:cTn id="10" dur="1" fill="hold">
+                                          <p:stCondLst>
+                                            <p:cond delay="0"/>
+                                          </p:stCondLst>
+                                        </p:cTn>
+                                        <p:tgtEl>
+                                          <p:spTgt spid="8"/>
+                                        </p:tgtEl>
+                                        <p:attrNameLst>
+                                          <p:attrName>style.visibility</p:attrName>
+                                        </p:attrNameLst>
+                                      </p:cBhvr>
+                                      <p:to>
+                                        <p:strVal val="visible"/>
+                                      </p:to>
+                                    </p:set>
+                                  </p:childTnLst>
+                                </p:cTn>
+                              </p:par>
+                            </p:childTnLst>
+                          </p:cTn>
+                        </p:par>
+                      </p:childTnLst>
+                    </p:cTn>
+                  </p:par>
+                  <p:par>
+                    <p:cTn id="11" fill="hold">
+                      <p:stCondLst>
+                        <p:cond delay="indefinite"/>
+                      </p:stCondLst>
+                      <p:childTnLst>
+                        <p:par>
+                          <p:cTn id="12" fill="hold">
+                            <p:stCondLst>
+                              <p:cond delay="0"/>
+                            </p:stCondLst>
+                            <p:childTnLst>
+                              <p:par>
+                                <p:cTn id="13" presetID="1" presetClass="entr" presetSubtype="0" fill="hold" grpId="0" nodeType="clickEffect">
+                                  <p:stCondLst>
+                                    <p:cond delay="0"/>
+                                  </p:stCondLst>
+                                  <p:childTnLst>
+                                    <p:set>
+                                      <p:cBhvr>
+                                        <p:cTn id="14" dur="1" fill="hold">
+                                          <p:stCondLst>
+                                            <p:cond delay="0"/>
+                                          </p:stCondLst>
+                                        </p:cTn>
+                                        <p:tgtEl>
+                                          <p:spTgt spid="9"/>
+                                        </p:tgtEl>
+                                        <p:attrNameLst>
+                                          <p:attrName>style.visibility</p:attrName>
+                                        </p:attrNameLst>
+                                      </p:cBhvr>
+                                      <p:to>
+                                        <p:strVal val="visible"/>
+                                      </p:to>
+                                    </p:set>
+                                  </p:childTnLst>
+                                </p:cTn>
+                              </p:par>
+                            </p:childTnLst>
+                          </p:cTn>
+                        </p:par>
+                      </p:childTnLst>
+                    </p:cTn>
+                  </p:par>
+                  <p:par>
+                    <p:cTn id="15" fill="hold">
+                      <p:stCondLst>
+                        <p:cond delay="indefinite"/>
+                      </p:stCondLst>
+                      <p:childTnLst>
+                        <p:par>
+                          <p:cTn id="16" fill="hold">
+                            <p:stCondLst>
+                              <p:cond delay="0"/>
+                            </p:stCondLst>
+                            <p:childTnLst>
+                              <p:par>
+                                <p:cTn id="17" presetID="1" presetClass="entr" presetSubtype="0" fill="hold" grpId="0" nodeType="clickEffect">
+                                  <p:stCondLst>
+                                    <p:cond delay="0"/>
+                                  </p:stCondLst>
+                                  <p:childTnLst>
+                                    <p:set>
+                                      <p:cBhvr>
+                                        <p:cTn id="18" dur="1" fill="hold">
+                                          <p:stCondLst>
+                                            <p:cond delay="0"/>
+                                          </p:stCondLst>
+                                        </p:cTn>
+                                        <p:tgtEl>
+                                          <p:spTgt spid="10"/>
+                                        </p:tgtEl>
+                                        <p:attrNameLst>
+                                          <p:attrName>style.visibility</p:attrName>
+                                        </p:attrNameLst>
+                                      </p:cBhvr>
+                                      <p:to>
+                                        <p:strVal val="visible"/>
+                                      </p:to>
+                                    </p:set>
+                                  </p:childTnLst>
+                                </p:cTn>
+                              </p:par>
+                            </p:childTnLst>
+                          </p:cTn>
+                        </p:par>
+                      </p:childTnLst>
+                    </p:cTn>
+                  </p:par>
+                  <p:par>
+                    <p:cTn id="19" fill="hold">
+                      <p:stCondLst>
+                        <p:cond delay="indefinite"/>
+                      </p:stCondLst>
+                      <p:childTnLst>
+                        <p:par>
+                          <p:cTn id="20" fill="hold">
+                            <p:stCondLst>
+                              <p:cond delay="0"/>
+                            </p:stCondLst>
+                            <p:childTnLst>
+                              <p:par>
+                                <p:cTn id="21" presetID="1" presetClass="entr" presetSubtype="0" fill="hold" grpId="0" nodeType="clickEffect">
+                                  <p:stCondLst>
+                                    <p:cond delay="0"/>
+                                  </p:stCondLst>
+                                  <p:childTnLst>
+                                    <p:set>
+                                      <p:cBhvr>
+                                        <p:cTn id="22" dur="1" fill="hold">
+                                          <p:stCondLst>
+                                            <p:cond delay="0"/>
+                                          </p:stCondLst>
+                                        </p:cTn>
+                                        <p:tgtEl>
+                                          <p:spTgt spid="11"/>
+                                        </p:tgtEl>
+                                        <p:attrNameLst>
+                                          <p:attrName>style.visibility</p:attrName>
+                                        </p:attrNameLst>
+                                      </p:cBhvr>
+                                      <p:to>
+                                        <p:strVal val="visible"/>
+                                      </p:to>
+                                    </p:set>
+                                  </p:childTnLst>
+                                </p:cTn>
+                              </p:par>
+                            </p:childTnLst>
+                          </p:cTn>
+                        </p:par>
+                      </p:childTnLst>
+                    </p:cTn>
+                  </p:par>
+                </p:childTnLst>
+              </p:cTn>
+              <p:prevCondLst>
+                <p:cond evt="onPrev" delay="0">
+                  <p:tgtEl>
+                    <p:sldTgt/>
+                  </p:tgtEl>
+                </p:cond>
+              </p:prevCondLst>
+              <p:nextCondLst>
+                <p:cond evt="onNext" delay="0">
+                  <p:tgtEl>
+                    <p:sldTgt/>
+                  </p:tgtEl>
+                </p:cond>
+              </p:nextCondLst>
+            </p:seq>
+          </p:childTnLst>
+        </p:cTn>
+      </p:par>
+    </p:tnLst>
+    <p:bldLst>
+      <p:bldP spid="7" grpId="0" animBg="1"/>
+      <p:bldP spid="8" grpId="0" animBg="1"/>
+      <p:bldP spid="9" grpId="0" animBg="1"/>
+      <p:bldP spid="10" grpId="0" animBg="1"/>
+      <p:bldP spid="11" grpId="0" animBg="1"/>
+    </p:bldLst>
+  </p:timing>
 </p:sld>
 </file>
 

--- a/doc/2021-12_TriXX_ITTage.pptx
+++ b/doc/2021-12_TriXX_ITTage.pptx
@@ -5,38 +5,37 @@
     <p:sldMasterId id="2147483648" r:id="rId1"/>
   </p:sldMasterIdLst>
   <p:notesMasterIdLst>
-    <p:notesMasterId r:id="rId28"/>
+    <p:notesMasterId r:id="rId27"/>
   </p:notesMasterIdLst>
   <p:handoutMasterIdLst>
-    <p:handoutMasterId r:id="rId29"/>
+    <p:handoutMasterId r:id="rId28"/>
   </p:handoutMasterIdLst>
   <p:sldIdLst>
     <p:sldId id="346" r:id="rId2"/>
-    <p:sldId id="256" r:id="rId3"/>
-    <p:sldId id="304" r:id="rId4"/>
-    <p:sldId id="322" r:id="rId5"/>
-    <p:sldId id="306" r:id="rId6"/>
-    <p:sldId id="324" r:id="rId7"/>
-    <p:sldId id="328" r:id="rId8"/>
-    <p:sldId id="335" r:id="rId9"/>
-    <p:sldId id="342" r:id="rId10"/>
-    <p:sldId id="325" r:id="rId11"/>
-    <p:sldId id="326" r:id="rId12"/>
-    <p:sldId id="330" r:id="rId13"/>
-    <p:sldId id="337" r:id="rId14"/>
-    <p:sldId id="336" r:id="rId15"/>
-    <p:sldId id="340" r:id="rId16"/>
-    <p:sldId id="339" r:id="rId17"/>
-    <p:sldId id="341" r:id="rId18"/>
-    <p:sldId id="343" r:id="rId19"/>
-    <p:sldId id="345" r:id="rId20"/>
-    <p:sldId id="333" r:id="rId21"/>
-    <p:sldId id="344" r:id="rId22"/>
-    <p:sldId id="338" r:id="rId23"/>
-    <p:sldId id="327" r:id="rId24"/>
-    <p:sldId id="329" r:id="rId25"/>
-    <p:sldId id="334" r:id="rId26"/>
-    <p:sldId id="323" r:id="rId27"/>
+    <p:sldId id="304" r:id="rId3"/>
+    <p:sldId id="322" r:id="rId4"/>
+    <p:sldId id="306" r:id="rId5"/>
+    <p:sldId id="324" r:id="rId6"/>
+    <p:sldId id="328" r:id="rId7"/>
+    <p:sldId id="327" r:id="rId8"/>
+    <p:sldId id="329" r:id="rId9"/>
+    <p:sldId id="335" r:id="rId10"/>
+    <p:sldId id="342" r:id="rId11"/>
+    <p:sldId id="325" r:id="rId12"/>
+    <p:sldId id="326" r:id="rId13"/>
+    <p:sldId id="330" r:id="rId14"/>
+    <p:sldId id="337" r:id="rId15"/>
+    <p:sldId id="336" r:id="rId16"/>
+    <p:sldId id="340" r:id="rId17"/>
+    <p:sldId id="339" r:id="rId18"/>
+    <p:sldId id="341" r:id="rId19"/>
+    <p:sldId id="343" r:id="rId20"/>
+    <p:sldId id="345" r:id="rId21"/>
+    <p:sldId id="333" r:id="rId22"/>
+    <p:sldId id="344" r:id="rId23"/>
+    <p:sldId id="338" r:id="rId24"/>
+    <p:sldId id="334" r:id="rId25"/>
+    <p:sldId id="323" r:id="rId26"/>
   </p:sldIdLst>
   <p:sldSz cx="9144000" cy="5143500" type="screen16x9"/>
   <p:notesSz cx="6858000" cy="9144000"/>
@@ -398,7 +397,7 @@
           <a:p>
             <a:fld id="{65198459-C4F2-C045-9966-EFD31D2DED12}" type="datetime1">
               <a:rPr lang="de-DE" smtClean="0"/>
-              <a:t>11.11.21</a:t>
+              <a:t>26.11.21</a:t>
             </a:fld>
             <a:endParaRPr lang="de-DE"/>
           </a:p>
@@ -564,7 +563,7 @@
           <a:p>
             <a:fld id="{DFE97338-3F22-2E45-8586-98FF6A44F26F}" type="datetime1">
               <a:rPr lang="de-DE" smtClean="0"/>
-              <a:t>11.11.21</a:t>
+              <a:t>26.11.21</a:t>
             </a:fld>
             <a:endParaRPr lang="de-DE"/>
           </a:p>
@@ -876,130 +875,7 @@
           <a:bodyPr/>
           <a:lstStyle/>
           <a:p>
-            <a:r>
-              <a:rPr lang="de-DE" sz="1800" dirty="0"/>
-              <a:t>Abstract:</a:t>
-            </a:r>
-          </a:p>
-          <a:p>
-            <a:r>
-              <a:rPr lang="de-DE" sz="1800" dirty="0"/>
-              <a:t>TriXX fängt Data Change Events (Insert/Update/Delete) in relationalen Datenbanken und transferiert diese zeitnah an einen Kafka Event Hub.</a:t>
-            </a:r>
-          </a:p>
-          <a:p>
-            <a:r>
-              <a:rPr lang="de-DE" sz="1800" dirty="0"/>
-              <a:t>Für das Fangen der Change Events werden Datenbank-Trigger genutzt.</a:t>
-            </a:r>
-          </a:p>
-          <a:p>
-            <a:r>
-              <a:rPr lang="de-DE" sz="1800" dirty="0"/>
-              <a:t>Über ein HTML-GUI werden die zu observierenden Tabellen und Spalten definiert sowie die Generierung der DB-Trigger ausgelöst.</a:t>
-            </a:r>
-          </a:p>
-          <a:p>
-            <a:r>
-              <a:rPr lang="de-DE" sz="1800" dirty="0"/>
-              <a:t>Die Funktionen von TriXX sind alternativ zum GUI auch über API ansprechbar.</a:t>
-            </a:r>
-          </a:p>
-          <a:p>
-            <a:endParaRPr lang="de-DE" sz="1800" dirty="0"/>
-          </a:p>
-          <a:p>
-            <a:r>
-              <a:rPr lang="de-DE" sz="1800" dirty="0"/>
-              <a:t>Die synchrone Erfassung und Speicherung der Change Events erfolgt initial lokal in der DB ohne weitere externe Abhängigkeiten.</a:t>
-            </a:r>
-          </a:p>
-          <a:p>
-            <a:r>
-              <a:rPr lang="de-DE" sz="1800" dirty="0"/>
-              <a:t>Die Übertragung der Events an Kafka erfolgt dann asynchron (isoliert von der Trigger-Verarbeitung).</a:t>
-            </a:r>
-          </a:p>
-          <a:p>
-            <a:endParaRPr lang="de-DE" sz="1800" dirty="0"/>
-          </a:p>
-          <a:p>
-            <a:r>
-              <a:rPr lang="de-DE" sz="1800" dirty="0"/>
-              <a:t>TriXX erlaubt ein systemweit identisches und redundanzfreies Verarbeiten der Change-Events von Datenbank-Tabellen.</a:t>
-            </a:r>
-          </a:p>
-          <a:p>
-            <a:r>
-              <a:rPr lang="de-DE" sz="1800" dirty="0"/>
-              <a:t>Ein per TriXX versorgter Kafka-Cluster ist dann verantwortlich für Speicherung und Zustellung der Events an beliebige Konsumenten (</a:t>
-            </a:r>
-            <a:r>
-              <a:rPr lang="de-DE" sz="1800" dirty="0" err="1"/>
-              <a:t>Publish</a:t>
-            </a:r>
-            <a:r>
-              <a:rPr lang="de-DE" sz="1800" dirty="0"/>
-              <a:t> &amp; </a:t>
-            </a:r>
-            <a:r>
-              <a:rPr lang="de-DE" sz="1800" dirty="0" err="1"/>
-              <a:t>Subscribe</a:t>
-            </a:r>
-            <a:r>
-              <a:rPr lang="de-DE" sz="1800" dirty="0"/>
-              <a:t>).</a:t>
-            </a:r>
-          </a:p>
-          <a:p>
-            <a:endParaRPr lang="de-DE" sz="1800" dirty="0"/>
-          </a:p>
-          <a:p>
-            <a:r>
-              <a:rPr lang="de-DE" sz="1800" dirty="0"/>
-              <a:t>Der Fokus von TriXX liegt auf ressourcenschonender und dabei trotzdem stabiler und performanter Verarbeitung bei niedriger Komplexität im Betrieb und minimalem Operation-Aufwand.</a:t>
-            </a:r>
-          </a:p>
-          <a:p>
-            <a:r>
-              <a:rPr lang="de-DE" sz="1800" dirty="0"/>
-              <a:t>Insbesondere ist Vergleich zu etablierten Produkten für Change Data Capture wie Oracle Golden Gate, Quest </a:t>
-            </a:r>
-            <a:r>
-              <a:rPr lang="de-DE" sz="1800" dirty="0" err="1"/>
-              <a:t>Shareplex</a:t>
-            </a:r>
-            <a:r>
-              <a:rPr lang="de-DE" sz="1800" dirty="0"/>
-              <a:t> </a:t>
-            </a:r>
-            <a:r>
-              <a:rPr lang="de-DE" sz="1800" dirty="0" err="1"/>
-              <a:t>or</a:t>
-            </a:r>
-            <a:r>
-              <a:rPr lang="de-DE" sz="1800" dirty="0"/>
-              <a:t> </a:t>
-            </a:r>
-            <a:r>
-              <a:rPr lang="de-DE" sz="1800" dirty="0" err="1"/>
-              <a:t>Red</a:t>
-            </a:r>
-            <a:r>
-              <a:rPr lang="de-DE" sz="1800" dirty="0"/>
-              <a:t> Hat </a:t>
-            </a:r>
-            <a:r>
-              <a:rPr lang="de-DE" sz="1800" dirty="0" err="1"/>
-              <a:t>Debezium</a:t>
-            </a:r>
-            <a:r>
-              <a:rPr lang="de-DE" sz="1800" dirty="0"/>
-              <a:t> nicht notwendig die Vorhaltedauer der Online-Transaktionslogs der DB drastisch zu vergrößern.</a:t>
-            </a:r>
-          </a:p>
-          <a:p>
-            <a:endParaRPr lang="de-DE" sz="1800" dirty="0"/>
+            <a:endParaRPr lang="de-DE" dirty="0"/>
           </a:p>
         </p:txBody>
       </p:sp>
@@ -1010,7 +886,7 @@
             <a:spLocks noGrp="1"/>
           </p:cNvSpPr>
           <p:nvPr>
-            <p:ph type="sldNum" sz="quarter" idx="10"/>
+            <p:ph type="sldNum" sz="quarter" idx="5"/>
           </p:nvPr>
         </p:nvSpPr>
         <p:spPr/>
@@ -1020,7 +896,7 @@
           <a:p>
             <a:fld id="{636B5682-7B65-4740-A04A-D1EDC2EC6356}" type="slidenum">
               <a:rPr lang="de-DE" smtClean="0"/>
-              <a:t>2</a:t>
+              <a:t>10</a:t>
             </a:fld>
             <a:endParaRPr lang="de-DE"/>
           </a:p>
@@ -1029,7 +905,7 @@
     </p:spTree>
     <p:extLst>
       <p:ext uri="{BB962C8B-B14F-4D97-AF65-F5344CB8AC3E}">
-        <p14:creationId xmlns:p14="http://schemas.microsoft.com/office/powerpoint/2010/main" val="1670758489"/>
+        <p14:creationId xmlns:p14="http://schemas.microsoft.com/office/powerpoint/2010/main" val="2279391721"/>
       </p:ext>
     </p:extLst>
   </p:cSld>
@@ -1104,7 +980,7 @@
           <a:p>
             <a:fld id="{636B5682-7B65-4740-A04A-D1EDC2EC6356}" type="slidenum">
               <a:rPr lang="de-DE" smtClean="0"/>
-              <a:t>9</a:t>
+              <a:t>14</a:t>
             </a:fld>
             <a:endParaRPr lang="de-DE"/>
           </a:p>
@@ -1113,7 +989,7 @@
     </p:spTree>
     <p:extLst>
       <p:ext uri="{BB962C8B-B14F-4D97-AF65-F5344CB8AC3E}">
-        <p14:creationId xmlns:p14="http://schemas.microsoft.com/office/powerpoint/2010/main" val="2279391721"/>
+        <p14:creationId xmlns:p14="http://schemas.microsoft.com/office/powerpoint/2010/main" val="570867473"/>
       </p:ext>
     </p:extLst>
   </p:cSld>
@@ -1178,90 +1054,6 @@
             <a:spLocks noGrp="1"/>
           </p:cNvSpPr>
           <p:nvPr>
-            <p:ph type="sldNum" sz="quarter" idx="5"/>
-          </p:nvPr>
-        </p:nvSpPr>
-        <p:spPr/>
-        <p:txBody>
-          <a:bodyPr/>
-          <a:lstStyle/>
-          <a:p>
-            <a:fld id="{636B5682-7B65-4740-A04A-D1EDC2EC6356}" type="slidenum">
-              <a:rPr lang="de-DE" smtClean="0"/>
-              <a:t>13</a:t>
-            </a:fld>
-            <a:endParaRPr lang="de-DE"/>
-          </a:p>
-        </p:txBody>
-      </p:sp>
-    </p:spTree>
-    <p:extLst>
-      <p:ext uri="{BB962C8B-B14F-4D97-AF65-F5344CB8AC3E}">
-        <p14:creationId xmlns:p14="http://schemas.microsoft.com/office/powerpoint/2010/main" val="570867473"/>
-      </p:ext>
-    </p:extLst>
-  </p:cSld>
-  <p:clrMapOvr>
-    <a:masterClrMapping/>
-  </p:clrMapOvr>
-</p:notes>
-</file>
-
-<file path=ppt/notesSlides/notesSlide4.xml><?xml version="1.0" encoding="utf-8"?>
-<p:notes xmlns:a="http://schemas.openxmlformats.org/drawingml/2006/main" xmlns:r="http://schemas.openxmlformats.org/officeDocument/2006/relationships" xmlns:p="http://schemas.openxmlformats.org/presentationml/2006/main">
-  <p:cSld>
-    <p:spTree>
-      <p:nvGrpSpPr>
-        <p:cNvPr id="1" name=""/>
-        <p:cNvGrpSpPr/>
-        <p:nvPr/>
-      </p:nvGrpSpPr>
-      <p:grpSpPr>
-        <a:xfrm>
-          <a:off x="0" y="0"/>
-          <a:ext cx="0" cy="0"/>
-          <a:chOff x="0" y="0"/>
-          <a:chExt cx="0" cy="0"/>
-        </a:xfrm>
-      </p:grpSpPr>
-      <p:sp>
-        <p:nvSpPr>
-          <p:cNvPr id="2" name="Folienbildplatzhalter 1"/>
-          <p:cNvSpPr>
-            <a:spLocks noGrp="1" noRot="1" noChangeAspect="1"/>
-          </p:cNvSpPr>
-          <p:nvPr>
-            <p:ph type="sldImg"/>
-          </p:nvPr>
-        </p:nvSpPr>
-        <p:spPr/>
-      </p:sp>
-      <p:sp>
-        <p:nvSpPr>
-          <p:cNvPr id="3" name="Notizenplatzhalter 2"/>
-          <p:cNvSpPr>
-            <a:spLocks noGrp="1"/>
-          </p:cNvSpPr>
-          <p:nvPr>
-            <p:ph type="body" idx="1"/>
-          </p:nvPr>
-        </p:nvSpPr>
-        <p:spPr/>
-        <p:txBody>
-          <a:bodyPr/>
-          <a:lstStyle/>
-          <a:p>
-            <a:endParaRPr lang="de-DE" dirty="0"/>
-          </a:p>
-        </p:txBody>
-      </p:sp>
-      <p:sp>
-        <p:nvSpPr>
-          <p:cNvPr id="4" name="Foliennummernplatzhalter 3"/>
-          <p:cNvSpPr>
-            <a:spLocks noGrp="1"/>
-          </p:cNvSpPr>
-          <p:nvPr>
             <p:ph type="sldNum" sz="quarter" idx="10"/>
           </p:nvPr>
         </p:nvSpPr>
@@ -1272,7 +1064,7 @@
           <a:p>
             <a:fld id="{636B5682-7B65-4740-A04A-D1EDC2EC6356}" type="slidenum">
               <a:rPr lang="de-DE" smtClean="0"/>
-              <a:t>26</a:t>
+              <a:t>25</a:t>
             </a:fld>
             <a:endParaRPr lang="de-DE"/>
           </a:p>
@@ -6385,7 +6177,7 @@
           </a:prstGeom>
           <a:extLst>
             <a:ext uri="{C572A759-6A51-4108-AA02-DFA0A04FC94B}">
-              <ma14:wrappingTextBoxFlag xmlns="" xmlns:ma14="http://schemas.microsoft.com/office/mac/drawingml/2011/main" val="1"/>
+              <ma14:wrappingTextBoxFlag xmlns:ma14="http://schemas.microsoft.com/office/mac/drawingml/2011/main" xmlns="" val="1"/>
             </a:ext>
           </a:extLst>
         </p:spPr>
@@ -10699,7 +10491,7 @@
           </a:ln>
           <a:extLst>
             <a:ext uri="{C572A759-6A51-4108-AA02-DFA0A04FC94B}">
-              <ma14:wrappingTextBoxFlag xmlns="" xmlns:ma14="http://schemas.microsoft.com/office/mac/drawingml/2011/main" val="1"/>
+              <ma14:wrappingTextBoxFlag xmlns:ma14="http://schemas.microsoft.com/office/mac/drawingml/2011/main" xmlns="" val="1"/>
             </a:ext>
           </a:extLst>
         </p:spPr>
@@ -11022,7 +10814,7 @@
           </a:ln>
           <a:extLst>
             <a:ext uri="{C572A759-6A51-4108-AA02-DFA0A04FC94B}">
-              <ma14:wrappingTextBoxFlag xmlns:ma14="http://schemas.microsoft.com/office/mac/drawingml/2011/main" xmlns="" val="1"/>
+              <ma14:wrappingTextBoxFlag xmlns="" xmlns:ma14="http://schemas.microsoft.com/office/mac/drawingml/2011/main" val="1"/>
             </a:ext>
           </a:extLst>
         </p:spPr>
@@ -11086,7 +10878,7 @@
           </a:ln>
           <a:extLst>
             <a:ext uri="{C572A759-6A51-4108-AA02-DFA0A04FC94B}">
-              <ma14:wrappingTextBoxFlag xmlns:ma14="http://schemas.microsoft.com/office/mac/drawingml/2011/main" xmlns="" val="1"/>
+              <ma14:wrappingTextBoxFlag xmlns="" xmlns:ma14="http://schemas.microsoft.com/office/mac/drawingml/2011/main" val="1"/>
             </a:ext>
           </a:extLst>
         </p:spPr>
@@ -11185,17 +10977,18 @@
         </p:nvSpPr>
         <p:spPr>
           <a:xfrm>
-            <a:off x="222767" y="334116"/>
-            <a:ext cx="8363416" cy="508925"/>
+            <a:off x="4687796" y="400927"/>
+            <a:ext cx="3277602" cy="404417"/>
           </a:xfrm>
         </p:spPr>
         <p:txBody>
           <a:bodyPr/>
           <a:lstStyle/>
           <a:p>
+            <a:pPr algn="ctr"/>
             <a:r>
               <a:rPr lang="de-DE" sz="2800" b="1" dirty="0"/>
-              <a:t>Unterstützte Datenbank-Systeme</a:t>
+              <a:t>ER-Modell</a:t>
             </a:r>
           </a:p>
         </p:txBody>
@@ -11251,6 +11044,1596 @@
               <a:rPr lang="de-DE" smtClean="0"/>
               <a:pPr/>
               <a:t>10</a:t>
+            </a:fld>
+            <a:endParaRPr lang="de-DE" dirty="0"/>
+          </a:p>
+        </p:txBody>
+      </p:sp>
+      <p:sp>
+        <p:nvSpPr>
+          <p:cNvPr id="7" name="Textplatzhalter 12">
+            <a:extLst>
+              <a:ext uri="{FF2B5EF4-FFF2-40B4-BE49-F238E27FC236}">
+                <a16:creationId xmlns:a16="http://schemas.microsoft.com/office/drawing/2014/main" id="{7518E9B8-B7E1-1B40-9399-409C0632D954}"/>
+              </a:ext>
+            </a:extLst>
+          </p:cNvPr>
+          <p:cNvSpPr txBox="1">
+            <a:spLocks/>
+          </p:cNvSpPr>
+          <p:nvPr/>
+        </p:nvSpPr>
+        <p:spPr>
+          <a:xfrm>
+            <a:off x="3671482" y="1022068"/>
+            <a:ext cx="5229874" cy="602901"/>
+          </a:xfrm>
+          <a:prstGeom prst="rect">
+            <a:avLst/>
+          </a:prstGeom>
+          <a:solidFill>
+            <a:schemeClr val="bg1">
+              <a:lumMod val="95000"/>
+            </a:schemeClr>
+          </a:solidFill>
+        </p:spPr>
+        <p:txBody>
+          <a:bodyPr vert="horz" lIns="0" tIns="0" rIns="0" bIns="0" rtlCol="0">
+            <a:noAutofit/>
+          </a:bodyPr>
+          <a:lstStyle>
+            <a:lvl1pPr marL="222250" indent="-220663" algn="l" defTabSz="457200" rtl="0" eaLnBrk="1" latinLnBrk="0" hangingPunct="1">
+              <a:lnSpc>
+                <a:spcPct val="90000"/>
+              </a:lnSpc>
+              <a:spcBef>
+                <a:spcPts val="0"/>
+              </a:spcBef>
+              <a:spcAft>
+                <a:spcPts val="900"/>
+              </a:spcAft>
+              <a:buClr>
+                <a:srgbClr val="DC2314"/>
+              </a:buClr>
+              <a:buSzPct val="100000"/>
+              <a:buFont typeface="LucidaGrande" charset="0"/>
+              <a:buChar char="•"/>
+              <a:tabLst/>
+              <a:defRPr sz="1600" b="0" i="0" kern="1200" baseline="0">
+                <a:solidFill>
+                  <a:srgbClr val="5F696E"/>
+                </a:solidFill>
+                <a:latin typeface="Calibri Light" charset="0"/>
+                <a:ea typeface="Calibri Light" charset="0"/>
+                <a:cs typeface="Calibri Light" charset="0"/>
+              </a:defRPr>
+            </a:lvl1pPr>
+            <a:lvl2pPr marL="492125" indent="-225425" algn="l" defTabSz="457200" rtl="0" eaLnBrk="1" latinLnBrk="0" hangingPunct="1">
+              <a:lnSpc>
+                <a:spcPct val="90000"/>
+              </a:lnSpc>
+              <a:spcBef>
+                <a:spcPts val="0"/>
+              </a:spcBef>
+              <a:spcAft>
+                <a:spcPts val="900"/>
+              </a:spcAft>
+              <a:buClr>
+                <a:srgbClr val="DC2314"/>
+              </a:buClr>
+              <a:buSzPct val="80000"/>
+              <a:buFont typeface="Symbol" charset="2"/>
+              <a:buChar char="-"/>
+              <a:tabLst/>
+              <a:defRPr sz="1600" b="0" i="0" kern="1200" baseline="0">
+                <a:solidFill>
+                  <a:srgbClr val="5F696E"/>
+                </a:solidFill>
+                <a:latin typeface="Calibri Light" charset="0"/>
+                <a:ea typeface="Calibri Light" charset="0"/>
+                <a:cs typeface="Calibri Light" charset="0"/>
+              </a:defRPr>
+            </a:lvl2pPr>
+            <a:lvl3pPr marL="1157288" indent="-242888" algn="l" defTabSz="457200" rtl="0" eaLnBrk="1" latinLnBrk="0" hangingPunct="1">
+              <a:lnSpc>
+                <a:spcPct val="105000"/>
+              </a:lnSpc>
+              <a:spcBef>
+                <a:spcPts val="0"/>
+              </a:spcBef>
+              <a:buClr>
+                <a:srgbClr val="DC2314"/>
+              </a:buClr>
+              <a:buSzPct val="80000"/>
+              <a:buFont typeface="Symbol" charset="2"/>
+              <a:buChar char="-"/>
+              <a:tabLst/>
+              <a:defRPr sz="1600" kern="1200" baseline="0">
+                <a:solidFill>
+                  <a:schemeClr val="tx1"/>
+                </a:solidFill>
+                <a:latin typeface="Calibri Light"/>
+                <a:ea typeface="+mn-ea"/>
+                <a:cs typeface="+mn-cs"/>
+              </a:defRPr>
+            </a:lvl3pPr>
+            <a:lvl4pPr marL="1657350" indent="-285750" algn="l" defTabSz="457200" rtl="0" eaLnBrk="1" latinLnBrk="0" hangingPunct="1">
+              <a:lnSpc>
+                <a:spcPct val="105000"/>
+              </a:lnSpc>
+              <a:spcBef>
+                <a:spcPts val="0"/>
+              </a:spcBef>
+              <a:buClr>
+                <a:schemeClr val="tx1"/>
+              </a:buClr>
+              <a:buSzPct val="100000"/>
+              <a:buFont typeface="Arial"/>
+              <a:buChar char="•"/>
+              <a:defRPr sz="1600" kern="1200" baseline="0">
+                <a:solidFill>
+                  <a:schemeClr val="tx1"/>
+                </a:solidFill>
+                <a:latin typeface="Calibri Light"/>
+                <a:ea typeface="+mn-ea"/>
+                <a:cs typeface="+mn-cs"/>
+              </a:defRPr>
+            </a:lvl4pPr>
+            <a:lvl5pPr marL="2114550" indent="-285750" algn="l" defTabSz="457200" rtl="0" eaLnBrk="1" latinLnBrk="0" hangingPunct="1">
+              <a:lnSpc>
+                <a:spcPct val="105000"/>
+              </a:lnSpc>
+              <a:spcBef>
+                <a:spcPts val="0"/>
+              </a:spcBef>
+              <a:buClr>
+                <a:schemeClr val="tx1"/>
+              </a:buClr>
+              <a:buSzPct val="100000"/>
+              <a:buFont typeface="Arial"/>
+              <a:buChar char="•"/>
+              <a:defRPr sz="1600" kern="1200" baseline="0">
+                <a:solidFill>
+                  <a:schemeClr val="tx1"/>
+                </a:solidFill>
+                <a:latin typeface="Calibri Light"/>
+                <a:ea typeface="+mn-ea"/>
+                <a:cs typeface="+mn-cs"/>
+              </a:defRPr>
+            </a:lvl5pPr>
+            <a:lvl6pPr marL="2514600" indent="-228600" algn="l" defTabSz="457200" rtl="0" eaLnBrk="1" latinLnBrk="0" hangingPunct="1">
+              <a:spcBef>
+                <a:spcPct val="20000"/>
+              </a:spcBef>
+              <a:buFont typeface="Arial"/>
+              <a:buChar char="•"/>
+              <a:defRPr sz="2000" kern="1200">
+                <a:solidFill>
+                  <a:schemeClr val="tx1"/>
+                </a:solidFill>
+                <a:latin typeface="+mn-lt"/>
+                <a:ea typeface="+mn-ea"/>
+                <a:cs typeface="+mn-cs"/>
+              </a:defRPr>
+            </a:lvl6pPr>
+            <a:lvl7pPr marL="2971800" indent="-228600" algn="l" defTabSz="457200" rtl="0" eaLnBrk="1" latinLnBrk="0" hangingPunct="1">
+              <a:spcBef>
+                <a:spcPct val="20000"/>
+              </a:spcBef>
+              <a:buFont typeface="Arial"/>
+              <a:buChar char="•"/>
+              <a:defRPr sz="2000" kern="1200">
+                <a:solidFill>
+                  <a:schemeClr val="tx1"/>
+                </a:solidFill>
+                <a:latin typeface="+mn-lt"/>
+                <a:ea typeface="+mn-ea"/>
+                <a:cs typeface="+mn-cs"/>
+              </a:defRPr>
+            </a:lvl7pPr>
+            <a:lvl8pPr marL="3429000" indent="-228600" algn="l" defTabSz="457200" rtl="0" eaLnBrk="1" latinLnBrk="0" hangingPunct="1">
+              <a:spcBef>
+                <a:spcPct val="20000"/>
+              </a:spcBef>
+              <a:buFont typeface="Arial"/>
+              <a:buChar char="•"/>
+              <a:defRPr sz="2000" kern="1200">
+                <a:solidFill>
+                  <a:schemeClr val="tx1"/>
+                </a:solidFill>
+                <a:latin typeface="+mn-lt"/>
+                <a:ea typeface="+mn-ea"/>
+                <a:cs typeface="+mn-cs"/>
+              </a:defRPr>
+            </a:lvl8pPr>
+            <a:lvl9pPr marL="3886200" indent="-228600" algn="l" defTabSz="457200" rtl="0" eaLnBrk="1" latinLnBrk="0" hangingPunct="1">
+              <a:spcBef>
+                <a:spcPct val="20000"/>
+              </a:spcBef>
+              <a:buFont typeface="Arial"/>
+              <a:buChar char="•"/>
+              <a:defRPr sz="2000" kern="1200">
+                <a:solidFill>
+                  <a:schemeClr val="tx1"/>
+                </a:solidFill>
+                <a:latin typeface="+mn-lt"/>
+                <a:ea typeface="+mn-ea"/>
+                <a:cs typeface="+mn-cs"/>
+              </a:defRPr>
+            </a:lvl9pPr>
+          </a:lstStyle>
+          <a:p>
+            <a:pPr marL="266700" indent="-177800">
+              <a:buFont typeface="LucidaGrande" charset="0"/>
+              <a:buNone/>
+            </a:pPr>
+            <a:endParaRPr lang="de-DE" sz="100" dirty="0">
+              <a:latin typeface="Calibri" charset="0"/>
+              <a:ea typeface="Calibri" charset="0"/>
+              <a:cs typeface="Calibri" charset="0"/>
+            </a:endParaRPr>
+          </a:p>
+          <a:p>
+            <a:pPr marL="374650" indent="-285750"/>
+            <a:r>
+              <a:rPr lang="de-DE" dirty="0">
+                <a:latin typeface="Calibri" charset="0"/>
+                <a:ea typeface="Calibri" charset="0"/>
+                <a:cs typeface="Calibri" charset="0"/>
+              </a:rPr>
+              <a:t>Eigenes Schema kapselt alle TriXX-relevanten Objekte in DB</a:t>
+            </a:r>
+          </a:p>
+        </p:txBody>
+      </p:sp>
+      <p:sp>
+        <p:nvSpPr>
+          <p:cNvPr id="8" name="Textplatzhalter 12">
+            <a:extLst>
+              <a:ext uri="{FF2B5EF4-FFF2-40B4-BE49-F238E27FC236}">
+                <a16:creationId xmlns:a16="http://schemas.microsoft.com/office/drawing/2014/main" id="{A9DAF96B-444F-1D41-8C7F-9ACFBF6A44A7}"/>
+              </a:ext>
+            </a:extLst>
+          </p:cNvPr>
+          <p:cNvSpPr txBox="1">
+            <a:spLocks/>
+          </p:cNvSpPr>
+          <p:nvPr/>
+        </p:nvSpPr>
+        <p:spPr>
+          <a:xfrm>
+            <a:off x="3671482" y="1800903"/>
+            <a:ext cx="5229874" cy="602901"/>
+          </a:xfrm>
+          <a:prstGeom prst="rect">
+            <a:avLst/>
+          </a:prstGeom>
+          <a:solidFill>
+            <a:schemeClr val="bg1">
+              <a:lumMod val="95000"/>
+            </a:schemeClr>
+          </a:solidFill>
+        </p:spPr>
+        <p:txBody>
+          <a:bodyPr vert="horz" lIns="0" tIns="0" rIns="0" bIns="0" rtlCol="0">
+            <a:noAutofit/>
+          </a:bodyPr>
+          <a:lstStyle>
+            <a:lvl1pPr marL="222250" indent="-220663" algn="l" defTabSz="457200" rtl="0" eaLnBrk="1" latinLnBrk="0" hangingPunct="1">
+              <a:lnSpc>
+                <a:spcPct val="90000"/>
+              </a:lnSpc>
+              <a:spcBef>
+                <a:spcPts val="0"/>
+              </a:spcBef>
+              <a:spcAft>
+                <a:spcPts val="900"/>
+              </a:spcAft>
+              <a:buClr>
+                <a:srgbClr val="DC2314"/>
+              </a:buClr>
+              <a:buSzPct val="100000"/>
+              <a:buFont typeface="LucidaGrande" charset="0"/>
+              <a:buChar char="•"/>
+              <a:tabLst/>
+              <a:defRPr sz="1600" b="0" i="0" kern="1200" baseline="0">
+                <a:solidFill>
+                  <a:srgbClr val="5F696E"/>
+                </a:solidFill>
+                <a:latin typeface="Calibri Light" charset="0"/>
+                <a:ea typeface="Calibri Light" charset="0"/>
+                <a:cs typeface="Calibri Light" charset="0"/>
+              </a:defRPr>
+            </a:lvl1pPr>
+            <a:lvl2pPr marL="492125" indent="-225425" algn="l" defTabSz="457200" rtl="0" eaLnBrk="1" latinLnBrk="0" hangingPunct="1">
+              <a:lnSpc>
+                <a:spcPct val="90000"/>
+              </a:lnSpc>
+              <a:spcBef>
+                <a:spcPts val="0"/>
+              </a:spcBef>
+              <a:spcAft>
+                <a:spcPts val="900"/>
+              </a:spcAft>
+              <a:buClr>
+                <a:srgbClr val="DC2314"/>
+              </a:buClr>
+              <a:buSzPct val="80000"/>
+              <a:buFont typeface="Symbol" charset="2"/>
+              <a:buChar char="-"/>
+              <a:tabLst/>
+              <a:defRPr sz="1600" b="0" i="0" kern="1200" baseline="0">
+                <a:solidFill>
+                  <a:srgbClr val="5F696E"/>
+                </a:solidFill>
+                <a:latin typeface="Calibri Light" charset="0"/>
+                <a:ea typeface="Calibri Light" charset="0"/>
+                <a:cs typeface="Calibri Light" charset="0"/>
+              </a:defRPr>
+            </a:lvl2pPr>
+            <a:lvl3pPr marL="1157288" indent="-242888" algn="l" defTabSz="457200" rtl="0" eaLnBrk="1" latinLnBrk="0" hangingPunct="1">
+              <a:lnSpc>
+                <a:spcPct val="105000"/>
+              </a:lnSpc>
+              <a:spcBef>
+                <a:spcPts val="0"/>
+              </a:spcBef>
+              <a:buClr>
+                <a:srgbClr val="DC2314"/>
+              </a:buClr>
+              <a:buSzPct val="80000"/>
+              <a:buFont typeface="Symbol" charset="2"/>
+              <a:buChar char="-"/>
+              <a:tabLst/>
+              <a:defRPr sz="1600" kern="1200" baseline="0">
+                <a:solidFill>
+                  <a:schemeClr val="tx1"/>
+                </a:solidFill>
+                <a:latin typeface="Calibri Light"/>
+                <a:ea typeface="+mn-ea"/>
+                <a:cs typeface="+mn-cs"/>
+              </a:defRPr>
+            </a:lvl3pPr>
+            <a:lvl4pPr marL="1657350" indent="-285750" algn="l" defTabSz="457200" rtl="0" eaLnBrk="1" latinLnBrk="0" hangingPunct="1">
+              <a:lnSpc>
+                <a:spcPct val="105000"/>
+              </a:lnSpc>
+              <a:spcBef>
+                <a:spcPts val="0"/>
+              </a:spcBef>
+              <a:buClr>
+                <a:schemeClr val="tx1"/>
+              </a:buClr>
+              <a:buSzPct val="100000"/>
+              <a:buFont typeface="Arial"/>
+              <a:buChar char="•"/>
+              <a:defRPr sz="1600" kern="1200" baseline="0">
+                <a:solidFill>
+                  <a:schemeClr val="tx1"/>
+                </a:solidFill>
+                <a:latin typeface="Calibri Light"/>
+                <a:ea typeface="+mn-ea"/>
+                <a:cs typeface="+mn-cs"/>
+              </a:defRPr>
+            </a:lvl4pPr>
+            <a:lvl5pPr marL="2114550" indent="-285750" algn="l" defTabSz="457200" rtl="0" eaLnBrk="1" latinLnBrk="0" hangingPunct="1">
+              <a:lnSpc>
+                <a:spcPct val="105000"/>
+              </a:lnSpc>
+              <a:spcBef>
+                <a:spcPts val="0"/>
+              </a:spcBef>
+              <a:buClr>
+                <a:schemeClr val="tx1"/>
+              </a:buClr>
+              <a:buSzPct val="100000"/>
+              <a:buFont typeface="Arial"/>
+              <a:buChar char="•"/>
+              <a:defRPr sz="1600" kern="1200" baseline="0">
+                <a:solidFill>
+                  <a:schemeClr val="tx1"/>
+                </a:solidFill>
+                <a:latin typeface="Calibri Light"/>
+                <a:ea typeface="+mn-ea"/>
+                <a:cs typeface="+mn-cs"/>
+              </a:defRPr>
+            </a:lvl5pPr>
+            <a:lvl6pPr marL="2514600" indent="-228600" algn="l" defTabSz="457200" rtl="0" eaLnBrk="1" latinLnBrk="0" hangingPunct="1">
+              <a:spcBef>
+                <a:spcPct val="20000"/>
+              </a:spcBef>
+              <a:buFont typeface="Arial"/>
+              <a:buChar char="•"/>
+              <a:defRPr sz="2000" kern="1200">
+                <a:solidFill>
+                  <a:schemeClr val="tx1"/>
+                </a:solidFill>
+                <a:latin typeface="+mn-lt"/>
+                <a:ea typeface="+mn-ea"/>
+                <a:cs typeface="+mn-cs"/>
+              </a:defRPr>
+            </a:lvl6pPr>
+            <a:lvl7pPr marL="2971800" indent="-228600" algn="l" defTabSz="457200" rtl="0" eaLnBrk="1" latinLnBrk="0" hangingPunct="1">
+              <a:spcBef>
+                <a:spcPct val="20000"/>
+              </a:spcBef>
+              <a:buFont typeface="Arial"/>
+              <a:buChar char="•"/>
+              <a:defRPr sz="2000" kern="1200">
+                <a:solidFill>
+                  <a:schemeClr val="tx1"/>
+                </a:solidFill>
+                <a:latin typeface="+mn-lt"/>
+                <a:ea typeface="+mn-ea"/>
+                <a:cs typeface="+mn-cs"/>
+              </a:defRPr>
+            </a:lvl7pPr>
+            <a:lvl8pPr marL="3429000" indent="-228600" algn="l" defTabSz="457200" rtl="0" eaLnBrk="1" latinLnBrk="0" hangingPunct="1">
+              <a:spcBef>
+                <a:spcPct val="20000"/>
+              </a:spcBef>
+              <a:buFont typeface="Arial"/>
+              <a:buChar char="•"/>
+              <a:defRPr sz="2000" kern="1200">
+                <a:solidFill>
+                  <a:schemeClr val="tx1"/>
+                </a:solidFill>
+                <a:latin typeface="+mn-lt"/>
+                <a:ea typeface="+mn-ea"/>
+                <a:cs typeface="+mn-cs"/>
+              </a:defRPr>
+            </a:lvl8pPr>
+            <a:lvl9pPr marL="3886200" indent="-228600" algn="l" defTabSz="457200" rtl="0" eaLnBrk="1" latinLnBrk="0" hangingPunct="1">
+              <a:spcBef>
+                <a:spcPct val="20000"/>
+              </a:spcBef>
+              <a:buFont typeface="Arial"/>
+              <a:buChar char="•"/>
+              <a:defRPr sz="2000" kern="1200">
+                <a:solidFill>
+                  <a:schemeClr val="tx1"/>
+                </a:solidFill>
+                <a:latin typeface="+mn-lt"/>
+                <a:ea typeface="+mn-ea"/>
+                <a:cs typeface="+mn-cs"/>
+              </a:defRPr>
+            </a:lvl9pPr>
+          </a:lstStyle>
+          <a:p>
+            <a:pPr marL="266700" indent="-177800">
+              <a:buFont typeface="LucidaGrande" charset="0"/>
+              <a:buNone/>
+            </a:pPr>
+            <a:endParaRPr lang="de-DE" sz="100" dirty="0">
+              <a:latin typeface="Calibri" charset="0"/>
+              <a:ea typeface="Calibri" charset="0"/>
+              <a:cs typeface="Calibri" charset="0"/>
+            </a:endParaRPr>
+          </a:p>
+          <a:p>
+            <a:pPr marL="374650" indent="-285750"/>
+            <a:r>
+              <a:rPr lang="de-DE" dirty="0">
+                <a:latin typeface="Calibri" charset="0"/>
+                <a:ea typeface="Calibri" charset="0"/>
+                <a:cs typeface="Calibri" charset="0"/>
+              </a:rPr>
+              <a:t>Export der Konfigurationsdaten in JSON-File erlaubt Backup außerhalb der DB</a:t>
+            </a:r>
+          </a:p>
+        </p:txBody>
+      </p:sp>
+      <p:sp>
+        <p:nvSpPr>
+          <p:cNvPr id="9" name="Textplatzhalter 12">
+            <a:extLst>
+              <a:ext uri="{FF2B5EF4-FFF2-40B4-BE49-F238E27FC236}">
+                <a16:creationId xmlns:a16="http://schemas.microsoft.com/office/drawing/2014/main" id="{FD137FE7-81BF-8442-9D59-F7CAAB3FE7D1}"/>
+              </a:ext>
+            </a:extLst>
+          </p:cNvPr>
+          <p:cNvSpPr txBox="1">
+            <a:spLocks/>
+          </p:cNvSpPr>
+          <p:nvPr/>
+        </p:nvSpPr>
+        <p:spPr>
+          <a:xfrm>
+            <a:off x="3671482" y="2580452"/>
+            <a:ext cx="5229874" cy="602902"/>
+          </a:xfrm>
+          <a:prstGeom prst="rect">
+            <a:avLst/>
+          </a:prstGeom>
+          <a:solidFill>
+            <a:schemeClr val="bg1">
+              <a:lumMod val="95000"/>
+            </a:schemeClr>
+          </a:solidFill>
+        </p:spPr>
+        <p:txBody>
+          <a:bodyPr vert="horz" lIns="0" tIns="0" rIns="0" bIns="0" rtlCol="0">
+            <a:noAutofit/>
+          </a:bodyPr>
+          <a:lstStyle>
+            <a:lvl1pPr marL="222250" indent="-220663" algn="l" defTabSz="457200" rtl="0" eaLnBrk="1" latinLnBrk="0" hangingPunct="1">
+              <a:lnSpc>
+                <a:spcPct val="90000"/>
+              </a:lnSpc>
+              <a:spcBef>
+                <a:spcPts val="0"/>
+              </a:spcBef>
+              <a:spcAft>
+                <a:spcPts val="900"/>
+              </a:spcAft>
+              <a:buClr>
+                <a:srgbClr val="DC2314"/>
+              </a:buClr>
+              <a:buSzPct val="100000"/>
+              <a:buFont typeface="LucidaGrande" charset="0"/>
+              <a:buChar char="•"/>
+              <a:tabLst/>
+              <a:defRPr sz="1600" b="0" i="0" kern="1200" baseline="0">
+                <a:solidFill>
+                  <a:srgbClr val="5F696E"/>
+                </a:solidFill>
+                <a:latin typeface="Calibri Light" charset="0"/>
+                <a:ea typeface="Calibri Light" charset="0"/>
+                <a:cs typeface="Calibri Light" charset="0"/>
+              </a:defRPr>
+            </a:lvl1pPr>
+            <a:lvl2pPr marL="492125" indent="-225425" algn="l" defTabSz="457200" rtl="0" eaLnBrk="1" latinLnBrk="0" hangingPunct="1">
+              <a:lnSpc>
+                <a:spcPct val="90000"/>
+              </a:lnSpc>
+              <a:spcBef>
+                <a:spcPts val="0"/>
+              </a:spcBef>
+              <a:spcAft>
+                <a:spcPts val="900"/>
+              </a:spcAft>
+              <a:buClr>
+                <a:srgbClr val="DC2314"/>
+              </a:buClr>
+              <a:buSzPct val="80000"/>
+              <a:buFont typeface="Symbol" charset="2"/>
+              <a:buChar char="-"/>
+              <a:tabLst/>
+              <a:defRPr sz="1600" b="0" i="0" kern="1200" baseline="0">
+                <a:solidFill>
+                  <a:srgbClr val="5F696E"/>
+                </a:solidFill>
+                <a:latin typeface="Calibri Light" charset="0"/>
+                <a:ea typeface="Calibri Light" charset="0"/>
+                <a:cs typeface="Calibri Light" charset="0"/>
+              </a:defRPr>
+            </a:lvl2pPr>
+            <a:lvl3pPr marL="1157288" indent="-242888" algn="l" defTabSz="457200" rtl="0" eaLnBrk="1" latinLnBrk="0" hangingPunct="1">
+              <a:lnSpc>
+                <a:spcPct val="105000"/>
+              </a:lnSpc>
+              <a:spcBef>
+                <a:spcPts val="0"/>
+              </a:spcBef>
+              <a:buClr>
+                <a:srgbClr val="DC2314"/>
+              </a:buClr>
+              <a:buSzPct val="80000"/>
+              <a:buFont typeface="Symbol" charset="2"/>
+              <a:buChar char="-"/>
+              <a:tabLst/>
+              <a:defRPr sz="1600" kern="1200" baseline="0">
+                <a:solidFill>
+                  <a:schemeClr val="tx1"/>
+                </a:solidFill>
+                <a:latin typeface="Calibri Light"/>
+                <a:ea typeface="+mn-ea"/>
+                <a:cs typeface="+mn-cs"/>
+              </a:defRPr>
+            </a:lvl3pPr>
+            <a:lvl4pPr marL="1657350" indent="-285750" algn="l" defTabSz="457200" rtl="0" eaLnBrk="1" latinLnBrk="0" hangingPunct="1">
+              <a:lnSpc>
+                <a:spcPct val="105000"/>
+              </a:lnSpc>
+              <a:spcBef>
+                <a:spcPts val="0"/>
+              </a:spcBef>
+              <a:buClr>
+                <a:schemeClr val="tx1"/>
+              </a:buClr>
+              <a:buSzPct val="100000"/>
+              <a:buFont typeface="Arial"/>
+              <a:buChar char="•"/>
+              <a:defRPr sz="1600" kern="1200" baseline="0">
+                <a:solidFill>
+                  <a:schemeClr val="tx1"/>
+                </a:solidFill>
+                <a:latin typeface="Calibri Light"/>
+                <a:ea typeface="+mn-ea"/>
+                <a:cs typeface="+mn-cs"/>
+              </a:defRPr>
+            </a:lvl4pPr>
+            <a:lvl5pPr marL="2114550" indent="-285750" algn="l" defTabSz="457200" rtl="0" eaLnBrk="1" latinLnBrk="0" hangingPunct="1">
+              <a:lnSpc>
+                <a:spcPct val="105000"/>
+              </a:lnSpc>
+              <a:spcBef>
+                <a:spcPts val="0"/>
+              </a:spcBef>
+              <a:buClr>
+                <a:schemeClr val="tx1"/>
+              </a:buClr>
+              <a:buSzPct val="100000"/>
+              <a:buFont typeface="Arial"/>
+              <a:buChar char="•"/>
+              <a:defRPr sz="1600" kern="1200" baseline="0">
+                <a:solidFill>
+                  <a:schemeClr val="tx1"/>
+                </a:solidFill>
+                <a:latin typeface="Calibri Light"/>
+                <a:ea typeface="+mn-ea"/>
+                <a:cs typeface="+mn-cs"/>
+              </a:defRPr>
+            </a:lvl5pPr>
+            <a:lvl6pPr marL="2514600" indent="-228600" algn="l" defTabSz="457200" rtl="0" eaLnBrk="1" latinLnBrk="0" hangingPunct="1">
+              <a:spcBef>
+                <a:spcPct val="20000"/>
+              </a:spcBef>
+              <a:buFont typeface="Arial"/>
+              <a:buChar char="•"/>
+              <a:defRPr sz="2000" kern="1200">
+                <a:solidFill>
+                  <a:schemeClr val="tx1"/>
+                </a:solidFill>
+                <a:latin typeface="+mn-lt"/>
+                <a:ea typeface="+mn-ea"/>
+                <a:cs typeface="+mn-cs"/>
+              </a:defRPr>
+            </a:lvl6pPr>
+            <a:lvl7pPr marL="2971800" indent="-228600" algn="l" defTabSz="457200" rtl="0" eaLnBrk="1" latinLnBrk="0" hangingPunct="1">
+              <a:spcBef>
+                <a:spcPct val="20000"/>
+              </a:spcBef>
+              <a:buFont typeface="Arial"/>
+              <a:buChar char="•"/>
+              <a:defRPr sz="2000" kern="1200">
+                <a:solidFill>
+                  <a:schemeClr val="tx1"/>
+                </a:solidFill>
+                <a:latin typeface="+mn-lt"/>
+                <a:ea typeface="+mn-ea"/>
+                <a:cs typeface="+mn-cs"/>
+              </a:defRPr>
+            </a:lvl7pPr>
+            <a:lvl8pPr marL="3429000" indent="-228600" algn="l" defTabSz="457200" rtl="0" eaLnBrk="1" latinLnBrk="0" hangingPunct="1">
+              <a:spcBef>
+                <a:spcPct val="20000"/>
+              </a:spcBef>
+              <a:buFont typeface="Arial"/>
+              <a:buChar char="•"/>
+              <a:defRPr sz="2000" kern="1200">
+                <a:solidFill>
+                  <a:schemeClr val="tx1"/>
+                </a:solidFill>
+                <a:latin typeface="+mn-lt"/>
+                <a:ea typeface="+mn-ea"/>
+                <a:cs typeface="+mn-cs"/>
+              </a:defRPr>
+            </a:lvl8pPr>
+            <a:lvl9pPr marL="3886200" indent="-228600" algn="l" defTabSz="457200" rtl="0" eaLnBrk="1" latinLnBrk="0" hangingPunct="1">
+              <a:spcBef>
+                <a:spcPct val="20000"/>
+              </a:spcBef>
+              <a:buFont typeface="Arial"/>
+              <a:buChar char="•"/>
+              <a:defRPr sz="2000" kern="1200">
+                <a:solidFill>
+                  <a:schemeClr val="tx1"/>
+                </a:solidFill>
+                <a:latin typeface="+mn-lt"/>
+                <a:ea typeface="+mn-ea"/>
+                <a:cs typeface="+mn-cs"/>
+              </a:defRPr>
+            </a:lvl9pPr>
+          </a:lstStyle>
+          <a:p>
+            <a:pPr marL="266700" indent="-177800">
+              <a:buFont typeface="LucidaGrande" charset="0"/>
+              <a:buNone/>
+            </a:pPr>
+            <a:endParaRPr lang="de-DE" sz="100" dirty="0">
+              <a:latin typeface="Calibri" charset="0"/>
+              <a:ea typeface="Calibri" charset="0"/>
+              <a:cs typeface="Calibri" charset="0"/>
+            </a:endParaRPr>
+          </a:p>
+          <a:p>
+            <a:pPr marL="374650" indent="-285750"/>
+            <a:r>
+              <a:rPr lang="de-DE" dirty="0">
+                <a:latin typeface="Calibri" charset="0"/>
+                <a:ea typeface="Calibri" charset="0"/>
+                <a:cs typeface="Calibri" charset="0"/>
+              </a:rPr>
+              <a:t>Import der Konfigurationsdaten per JSON-File z.B. für Aufbau Test-Systeme</a:t>
+            </a:r>
+          </a:p>
+        </p:txBody>
+      </p:sp>
+      <p:sp>
+        <p:nvSpPr>
+          <p:cNvPr id="10" name="Textplatzhalter 12">
+            <a:extLst>
+              <a:ext uri="{FF2B5EF4-FFF2-40B4-BE49-F238E27FC236}">
+                <a16:creationId xmlns:a16="http://schemas.microsoft.com/office/drawing/2014/main" id="{7230C796-9480-9C4D-88D4-701E47361F22}"/>
+              </a:ext>
+            </a:extLst>
+          </p:cNvPr>
+          <p:cNvSpPr txBox="1">
+            <a:spLocks/>
+          </p:cNvSpPr>
+          <p:nvPr/>
+        </p:nvSpPr>
+        <p:spPr>
+          <a:xfrm>
+            <a:off x="3683726" y="3358518"/>
+            <a:ext cx="5229874" cy="602903"/>
+          </a:xfrm>
+          <a:prstGeom prst="rect">
+            <a:avLst/>
+          </a:prstGeom>
+          <a:solidFill>
+            <a:schemeClr val="bg1">
+              <a:lumMod val="95000"/>
+            </a:schemeClr>
+          </a:solidFill>
+        </p:spPr>
+        <p:txBody>
+          <a:bodyPr vert="horz" lIns="0" tIns="0" rIns="0" bIns="0" rtlCol="0">
+            <a:noAutofit/>
+          </a:bodyPr>
+          <a:lstStyle>
+            <a:lvl1pPr marL="222250" indent="-220663" algn="l" defTabSz="457200" rtl="0" eaLnBrk="1" latinLnBrk="0" hangingPunct="1">
+              <a:lnSpc>
+                <a:spcPct val="90000"/>
+              </a:lnSpc>
+              <a:spcBef>
+                <a:spcPts val="0"/>
+              </a:spcBef>
+              <a:spcAft>
+                <a:spcPts val="900"/>
+              </a:spcAft>
+              <a:buClr>
+                <a:srgbClr val="DC2314"/>
+              </a:buClr>
+              <a:buSzPct val="100000"/>
+              <a:buFont typeface="LucidaGrande" charset="0"/>
+              <a:buChar char="•"/>
+              <a:tabLst/>
+              <a:defRPr sz="1600" b="0" i="0" kern="1200" baseline="0">
+                <a:solidFill>
+                  <a:srgbClr val="5F696E"/>
+                </a:solidFill>
+                <a:latin typeface="Calibri Light" charset="0"/>
+                <a:ea typeface="Calibri Light" charset="0"/>
+                <a:cs typeface="Calibri Light" charset="0"/>
+              </a:defRPr>
+            </a:lvl1pPr>
+            <a:lvl2pPr marL="492125" indent="-225425" algn="l" defTabSz="457200" rtl="0" eaLnBrk="1" latinLnBrk="0" hangingPunct="1">
+              <a:lnSpc>
+                <a:spcPct val="90000"/>
+              </a:lnSpc>
+              <a:spcBef>
+                <a:spcPts val="0"/>
+              </a:spcBef>
+              <a:spcAft>
+                <a:spcPts val="900"/>
+              </a:spcAft>
+              <a:buClr>
+                <a:srgbClr val="DC2314"/>
+              </a:buClr>
+              <a:buSzPct val="80000"/>
+              <a:buFont typeface="Symbol" charset="2"/>
+              <a:buChar char="-"/>
+              <a:tabLst/>
+              <a:defRPr sz="1600" b="0" i="0" kern="1200" baseline="0">
+                <a:solidFill>
+                  <a:srgbClr val="5F696E"/>
+                </a:solidFill>
+                <a:latin typeface="Calibri Light" charset="0"/>
+                <a:ea typeface="Calibri Light" charset="0"/>
+                <a:cs typeface="Calibri Light" charset="0"/>
+              </a:defRPr>
+            </a:lvl2pPr>
+            <a:lvl3pPr marL="1157288" indent="-242888" algn="l" defTabSz="457200" rtl="0" eaLnBrk="1" latinLnBrk="0" hangingPunct="1">
+              <a:lnSpc>
+                <a:spcPct val="105000"/>
+              </a:lnSpc>
+              <a:spcBef>
+                <a:spcPts val="0"/>
+              </a:spcBef>
+              <a:buClr>
+                <a:srgbClr val="DC2314"/>
+              </a:buClr>
+              <a:buSzPct val="80000"/>
+              <a:buFont typeface="Symbol" charset="2"/>
+              <a:buChar char="-"/>
+              <a:tabLst/>
+              <a:defRPr sz="1600" kern="1200" baseline="0">
+                <a:solidFill>
+                  <a:schemeClr val="tx1"/>
+                </a:solidFill>
+                <a:latin typeface="Calibri Light"/>
+                <a:ea typeface="+mn-ea"/>
+                <a:cs typeface="+mn-cs"/>
+              </a:defRPr>
+            </a:lvl3pPr>
+            <a:lvl4pPr marL="1657350" indent="-285750" algn="l" defTabSz="457200" rtl="0" eaLnBrk="1" latinLnBrk="0" hangingPunct="1">
+              <a:lnSpc>
+                <a:spcPct val="105000"/>
+              </a:lnSpc>
+              <a:spcBef>
+                <a:spcPts val="0"/>
+              </a:spcBef>
+              <a:buClr>
+                <a:schemeClr val="tx1"/>
+              </a:buClr>
+              <a:buSzPct val="100000"/>
+              <a:buFont typeface="Arial"/>
+              <a:buChar char="•"/>
+              <a:defRPr sz="1600" kern="1200" baseline="0">
+                <a:solidFill>
+                  <a:schemeClr val="tx1"/>
+                </a:solidFill>
+                <a:latin typeface="Calibri Light"/>
+                <a:ea typeface="+mn-ea"/>
+                <a:cs typeface="+mn-cs"/>
+              </a:defRPr>
+            </a:lvl4pPr>
+            <a:lvl5pPr marL="2114550" indent="-285750" algn="l" defTabSz="457200" rtl="0" eaLnBrk="1" latinLnBrk="0" hangingPunct="1">
+              <a:lnSpc>
+                <a:spcPct val="105000"/>
+              </a:lnSpc>
+              <a:spcBef>
+                <a:spcPts val="0"/>
+              </a:spcBef>
+              <a:buClr>
+                <a:schemeClr val="tx1"/>
+              </a:buClr>
+              <a:buSzPct val="100000"/>
+              <a:buFont typeface="Arial"/>
+              <a:buChar char="•"/>
+              <a:defRPr sz="1600" kern="1200" baseline="0">
+                <a:solidFill>
+                  <a:schemeClr val="tx1"/>
+                </a:solidFill>
+                <a:latin typeface="Calibri Light"/>
+                <a:ea typeface="+mn-ea"/>
+                <a:cs typeface="+mn-cs"/>
+              </a:defRPr>
+            </a:lvl5pPr>
+            <a:lvl6pPr marL="2514600" indent="-228600" algn="l" defTabSz="457200" rtl="0" eaLnBrk="1" latinLnBrk="0" hangingPunct="1">
+              <a:spcBef>
+                <a:spcPct val="20000"/>
+              </a:spcBef>
+              <a:buFont typeface="Arial"/>
+              <a:buChar char="•"/>
+              <a:defRPr sz="2000" kern="1200">
+                <a:solidFill>
+                  <a:schemeClr val="tx1"/>
+                </a:solidFill>
+                <a:latin typeface="+mn-lt"/>
+                <a:ea typeface="+mn-ea"/>
+                <a:cs typeface="+mn-cs"/>
+              </a:defRPr>
+            </a:lvl6pPr>
+            <a:lvl7pPr marL="2971800" indent="-228600" algn="l" defTabSz="457200" rtl="0" eaLnBrk="1" latinLnBrk="0" hangingPunct="1">
+              <a:spcBef>
+                <a:spcPct val="20000"/>
+              </a:spcBef>
+              <a:buFont typeface="Arial"/>
+              <a:buChar char="•"/>
+              <a:defRPr sz="2000" kern="1200">
+                <a:solidFill>
+                  <a:schemeClr val="tx1"/>
+                </a:solidFill>
+                <a:latin typeface="+mn-lt"/>
+                <a:ea typeface="+mn-ea"/>
+                <a:cs typeface="+mn-cs"/>
+              </a:defRPr>
+            </a:lvl7pPr>
+            <a:lvl8pPr marL="3429000" indent="-228600" algn="l" defTabSz="457200" rtl="0" eaLnBrk="1" latinLnBrk="0" hangingPunct="1">
+              <a:spcBef>
+                <a:spcPct val="20000"/>
+              </a:spcBef>
+              <a:buFont typeface="Arial"/>
+              <a:buChar char="•"/>
+              <a:defRPr sz="2000" kern="1200">
+                <a:solidFill>
+                  <a:schemeClr val="tx1"/>
+                </a:solidFill>
+                <a:latin typeface="+mn-lt"/>
+                <a:ea typeface="+mn-ea"/>
+                <a:cs typeface="+mn-cs"/>
+              </a:defRPr>
+            </a:lvl8pPr>
+            <a:lvl9pPr marL="3886200" indent="-228600" algn="l" defTabSz="457200" rtl="0" eaLnBrk="1" latinLnBrk="0" hangingPunct="1">
+              <a:spcBef>
+                <a:spcPct val="20000"/>
+              </a:spcBef>
+              <a:buFont typeface="Arial"/>
+              <a:buChar char="•"/>
+              <a:defRPr sz="2000" kern="1200">
+                <a:solidFill>
+                  <a:schemeClr val="tx1"/>
+                </a:solidFill>
+                <a:latin typeface="+mn-lt"/>
+                <a:ea typeface="+mn-ea"/>
+                <a:cs typeface="+mn-cs"/>
+              </a:defRPr>
+            </a:lvl9pPr>
+          </a:lstStyle>
+          <a:p>
+            <a:pPr marL="266700" indent="-177800">
+              <a:buFont typeface="LucidaGrande" charset="0"/>
+              <a:buNone/>
+            </a:pPr>
+            <a:endParaRPr lang="de-DE" sz="100" dirty="0">
+              <a:latin typeface="Calibri" charset="0"/>
+              <a:ea typeface="Calibri" charset="0"/>
+              <a:cs typeface="Calibri" charset="0"/>
+            </a:endParaRPr>
+          </a:p>
+          <a:p>
+            <a:pPr marL="374650" indent="-285750"/>
+            <a:r>
+              <a:rPr lang="de-DE" dirty="0">
+                <a:latin typeface="Calibri" charset="0"/>
+                <a:ea typeface="Calibri" charset="0"/>
+                <a:cs typeface="Calibri" charset="0"/>
+              </a:rPr>
+              <a:t>Über JSON-Import Generierung der TriXX-Konfiguration aus externen Quellen möglich, z.B. Konfiguration aus RCS</a:t>
+            </a:r>
+          </a:p>
+        </p:txBody>
+      </p:sp>
+      <p:sp>
+        <p:nvSpPr>
+          <p:cNvPr id="11" name="Textplatzhalter 12">
+            <a:extLst>
+              <a:ext uri="{FF2B5EF4-FFF2-40B4-BE49-F238E27FC236}">
+                <a16:creationId xmlns:a16="http://schemas.microsoft.com/office/drawing/2014/main" id="{F7BD72E2-D082-D941-A40D-6DB53D835035}"/>
+              </a:ext>
+            </a:extLst>
+          </p:cNvPr>
+          <p:cNvSpPr txBox="1">
+            <a:spLocks/>
+          </p:cNvSpPr>
+          <p:nvPr/>
+        </p:nvSpPr>
+        <p:spPr>
+          <a:xfrm>
+            <a:off x="3671482" y="4139552"/>
+            <a:ext cx="5229874" cy="602903"/>
+          </a:xfrm>
+          <a:prstGeom prst="rect">
+            <a:avLst/>
+          </a:prstGeom>
+          <a:solidFill>
+            <a:schemeClr val="bg1">
+              <a:lumMod val="95000"/>
+            </a:schemeClr>
+          </a:solidFill>
+        </p:spPr>
+        <p:txBody>
+          <a:bodyPr vert="horz" lIns="0" tIns="0" rIns="0" bIns="0" rtlCol="0">
+            <a:noAutofit/>
+          </a:bodyPr>
+          <a:lstStyle>
+            <a:lvl1pPr marL="222250" indent="-220663" algn="l" defTabSz="457200" rtl="0" eaLnBrk="1" latinLnBrk="0" hangingPunct="1">
+              <a:lnSpc>
+                <a:spcPct val="90000"/>
+              </a:lnSpc>
+              <a:spcBef>
+                <a:spcPts val="0"/>
+              </a:spcBef>
+              <a:spcAft>
+                <a:spcPts val="900"/>
+              </a:spcAft>
+              <a:buClr>
+                <a:srgbClr val="DC2314"/>
+              </a:buClr>
+              <a:buSzPct val="100000"/>
+              <a:buFont typeface="LucidaGrande" charset="0"/>
+              <a:buChar char="•"/>
+              <a:tabLst/>
+              <a:defRPr sz="1600" b="0" i="0" kern="1200" baseline="0">
+                <a:solidFill>
+                  <a:srgbClr val="5F696E"/>
+                </a:solidFill>
+                <a:latin typeface="Calibri Light" charset="0"/>
+                <a:ea typeface="Calibri Light" charset="0"/>
+                <a:cs typeface="Calibri Light" charset="0"/>
+              </a:defRPr>
+            </a:lvl1pPr>
+            <a:lvl2pPr marL="492125" indent="-225425" algn="l" defTabSz="457200" rtl="0" eaLnBrk="1" latinLnBrk="0" hangingPunct="1">
+              <a:lnSpc>
+                <a:spcPct val="90000"/>
+              </a:lnSpc>
+              <a:spcBef>
+                <a:spcPts val="0"/>
+              </a:spcBef>
+              <a:spcAft>
+                <a:spcPts val="900"/>
+              </a:spcAft>
+              <a:buClr>
+                <a:srgbClr val="DC2314"/>
+              </a:buClr>
+              <a:buSzPct val="80000"/>
+              <a:buFont typeface="Symbol" charset="2"/>
+              <a:buChar char="-"/>
+              <a:tabLst/>
+              <a:defRPr sz="1600" b="0" i="0" kern="1200" baseline="0">
+                <a:solidFill>
+                  <a:srgbClr val="5F696E"/>
+                </a:solidFill>
+                <a:latin typeface="Calibri Light" charset="0"/>
+                <a:ea typeface="Calibri Light" charset="0"/>
+                <a:cs typeface="Calibri Light" charset="0"/>
+              </a:defRPr>
+            </a:lvl2pPr>
+            <a:lvl3pPr marL="1157288" indent="-242888" algn="l" defTabSz="457200" rtl="0" eaLnBrk="1" latinLnBrk="0" hangingPunct="1">
+              <a:lnSpc>
+                <a:spcPct val="105000"/>
+              </a:lnSpc>
+              <a:spcBef>
+                <a:spcPts val="0"/>
+              </a:spcBef>
+              <a:buClr>
+                <a:srgbClr val="DC2314"/>
+              </a:buClr>
+              <a:buSzPct val="80000"/>
+              <a:buFont typeface="Symbol" charset="2"/>
+              <a:buChar char="-"/>
+              <a:tabLst/>
+              <a:defRPr sz="1600" kern="1200" baseline="0">
+                <a:solidFill>
+                  <a:schemeClr val="tx1"/>
+                </a:solidFill>
+                <a:latin typeface="Calibri Light"/>
+                <a:ea typeface="+mn-ea"/>
+                <a:cs typeface="+mn-cs"/>
+              </a:defRPr>
+            </a:lvl3pPr>
+            <a:lvl4pPr marL="1657350" indent="-285750" algn="l" defTabSz="457200" rtl="0" eaLnBrk="1" latinLnBrk="0" hangingPunct="1">
+              <a:lnSpc>
+                <a:spcPct val="105000"/>
+              </a:lnSpc>
+              <a:spcBef>
+                <a:spcPts val="0"/>
+              </a:spcBef>
+              <a:buClr>
+                <a:schemeClr val="tx1"/>
+              </a:buClr>
+              <a:buSzPct val="100000"/>
+              <a:buFont typeface="Arial"/>
+              <a:buChar char="•"/>
+              <a:defRPr sz="1600" kern="1200" baseline="0">
+                <a:solidFill>
+                  <a:schemeClr val="tx1"/>
+                </a:solidFill>
+                <a:latin typeface="Calibri Light"/>
+                <a:ea typeface="+mn-ea"/>
+                <a:cs typeface="+mn-cs"/>
+              </a:defRPr>
+            </a:lvl4pPr>
+            <a:lvl5pPr marL="2114550" indent="-285750" algn="l" defTabSz="457200" rtl="0" eaLnBrk="1" latinLnBrk="0" hangingPunct="1">
+              <a:lnSpc>
+                <a:spcPct val="105000"/>
+              </a:lnSpc>
+              <a:spcBef>
+                <a:spcPts val="0"/>
+              </a:spcBef>
+              <a:buClr>
+                <a:schemeClr val="tx1"/>
+              </a:buClr>
+              <a:buSzPct val="100000"/>
+              <a:buFont typeface="Arial"/>
+              <a:buChar char="•"/>
+              <a:defRPr sz="1600" kern="1200" baseline="0">
+                <a:solidFill>
+                  <a:schemeClr val="tx1"/>
+                </a:solidFill>
+                <a:latin typeface="Calibri Light"/>
+                <a:ea typeface="+mn-ea"/>
+                <a:cs typeface="+mn-cs"/>
+              </a:defRPr>
+            </a:lvl5pPr>
+            <a:lvl6pPr marL="2514600" indent="-228600" algn="l" defTabSz="457200" rtl="0" eaLnBrk="1" latinLnBrk="0" hangingPunct="1">
+              <a:spcBef>
+                <a:spcPct val="20000"/>
+              </a:spcBef>
+              <a:buFont typeface="Arial"/>
+              <a:buChar char="•"/>
+              <a:defRPr sz="2000" kern="1200">
+                <a:solidFill>
+                  <a:schemeClr val="tx1"/>
+                </a:solidFill>
+                <a:latin typeface="+mn-lt"/>
+                <a:ea typeface="+mn-ea"/>
+                <a:cs typeface="+mn-cs"/>
+              </a:defRPr>
+            </a:lvl6pPr>
+            <a:lvl7pPr marL="2971800" indent="-228600" algn="l" defTabSz="457200" rtl="0" eaLnBrk="1" latinLnBrk="0" hangingPunct="1">
+              <a:spcBef>
+                <a:spcPct val="20000"/>
+              </a:spcBef>
+              <a:buFont typeface="Arial"/>
+              <a:buChar char="•"/>
+              <a:defRPr sz="2000" kern="1200">
+                <a:solidFill>
+                  <a:schemeClr val="tx1"/>
+                </a:solidFill>
+                <a:latin typeface="+mn-lt"/>
+                <a:ea typeface="+mn-ea"/>
+                <a:cs typeface="+mn-cs"/>
+              </a:defRPr>
+            </a:lvl7pPr>
+            <a:lvl8pPr marL="3429000" indent="-228600" algn="l" defTabSz="457200" rtl="0" eaLnBrk="1" latinLnBrk="0" hangingPunct="1">
+              <a:spcBef>
+                <a:spcPct val="20000"/>
+              </a:spcBef>
+              <a:buFont typeface="Arial"/>
+              <a:buChar char="•"/>
+              <a:defRPr sz="2000" kern="1200">
+                <a:solidFill>
+                  <a:schemeClr val="tx1"/>
+                </a:solidFill>
+                <a:latin typeface="+mn-lt"/>
+                <a:ea typeface="+mn-ea"/>
+                <a:cs typeface="+mn-cs"/>
+              </a:defRPr>
+            </a:lvl8pPr>
+            <a:lvl9pPr marL="3886200" indent="-228600" algn="l" defTabSz="457200" rtl="0" eaLnBrk="1" latinLnBrk="0" hangingPunct="1">
+              <a:spcBef>
+                <a:spcPct val="20000"/>
+              </a:spcBef>
+              <a:buFont typeface="Arial"/>
+              <a:buChar char="•"/>
+              <a:defRPr sz="2000" kern="1200">
+                <a:solidFill>
+                  <a:schemeClr val="tx1"/>
+                </a:solidFill>
+                <a:latin typeface="+mn-lt"/>
+                <a:ea typeface="+mn-ea"/>
+                <a:cs typeface="+mn-cs"/>
+              </a:defRPr>
+            </a:lvl9pPr>
+          </a:lstStyle>
+          <a:p>
+            <a:pPr marL="266700" indent="-177800">
+              <a:buFont typeface="LucidaGrande" charset="0"/>
+              <a:buNone/>
+            </a:pPr>
+            <a:endParaRPr lang="de-DE" sz="100" dirty="0">
+              <a:latin typeface="Calibri" charset="0"/>
+              <a:ea typeface="Calibri" charset="0"/>
+              <a:cs typeface="Calibri" charset="0"/>
+            </a:endParaRPr>
+          </a:p>
+          <a:p>
+            <a:pPr marL="374650" indent="-285750"/>
+            <a:r>
+              <a:rPr lang="de-DE" dirty="0">
+                <a:latin typeface="Calibri" charset="0"/>
+                <a:ea typeface="Calibri" charset="0"/>
+                <a:cs typeface="Calibri" charset="0"/>
+              </a:rPr>
+              <a:t>Separater Export/Import je Ziel-Schema der DB möglich</a:t>
+            </a:r>
+          </a:p>
+        </p:txBody>
+      </p:sp>
+      <p:pic>
+        <p:nvPicPr>
+          <p:cNvPr id="6" name="Grafik 5">
+            <a:extLst>
+              <a:ext uri="{FF2B5EF4-FFF2-40B4-BE49-F238E27FC236}">
+                <a16:creationId xmlns:a16="http://schemas.microsoft.com/office/drawing/2014/main" id="{77F5F003-1E2C-4341-9D34-688E300C318E}"/>
+              </a:ext>
+            </a:extLst>
+          </p:cNvPr>
+          <p:cNvPicPr>
+            <a:picLocks noChangeAspect="1"/>
+          </p:cNvPicPr>
+          <p:nvPr/>
+        </p:nvPicPr>
+        <p:blipFill>
+          <a:blip r:embed="rId3"/>
+          <a:stretch>
+            <a:fillRect/>
+          </a:stretch>
+        </p:blipFill>
+        <p:spPr>
+          <a:xfrm>
+            <a:off x="242644" y="8702"/>
+            <a:ext cx="3311482" cy="5143500"/>
+          </a:xfrm>
+          <a:prstGeom prst="rect">
+            <a:avLst/>
+          </a:prstGeom>
+        </p:spPr>
+      </p:pic>
+    </p:spTree>
+    <p:extLst>
+      <p:ext uri="{BB962C8B-B14F-4D97-AF65-F5344CB8AC3E}">
+        <p14:creationId xmlns:p14="http://schemas.microsoft.com/office/powerpoint/2010/main" val="427426876"/>
+      </p:ext>
+    </p:extLst>
+  </p:cSld>
+  <p:clrMapOvr>
+    <a:masterClrMapping/>
+  </p:clrMapOvr>
+  <p:timing>
+    <p:tnLst>
+      <p:par>
+        <p:cTn id="1" dur="indefinite" restart="never" nodeType="tmRoot">
+          <p:childTnLst>
+            <p:seq concurrent="1" nextAc="seek">
+              <p:cTn id="2" dur="indefinite" nodeType="mainSeq">
+                <p:childTnLst>
+                  <p:par>
+                    <p:cTn id="3" fill="hold">
+                      <p:stCondLst>
+                        <p:cond delay="indefinite"/>
+                      </p:stCondLst>
+                      <p:childTnLst>
+                        <p:par>
+                          <p:cTn id="4" fill="hold">
+                            <p:stCondLst>
+                              <p:cond delay="0"/>
+                            </p:stCondLst>
+                            <p:childTnLst>
+                              <p:par>
+                                <p:cTn id="5" presetID="1" presetClass="entr" presetSubtype="0" fill="hold" grpId="0" nodeType="clickEffect">
+                                  <p:stCondLst>
+                                    <p:cond delay="0"/>
+                                  </p:stCondLst>
+                                  <p:childTnLst>
+                                    <p:set>
+                                      <p:cBhvr>
+                                        <p:cTn id="6" dur="1" fill="hold">
+                                          <p:stCondLst>
+                                            <p:cond delay="0"/>
+                                          </p:stCondLst>
+                                        </p:cTn>
+                                        <p:tgtEl>
+                                          <p:spTgt spid="7"/>
+                                        </p:tgtEl>
+                                        <p:attrNameLst>
+                                          <p:attrName>style.visibility</p:attrName>
+                                        </p:attrNameLst>
+                                      </p:cBhvr>
+                                      <p:to>
+                                        <p:strVal val="visible"/>
+                                      </p:to>
+                                    </p:set>
+                                  </p:childTnLst>
+                                </p:cTn>
+                              </p:par>
+                            </p:childTnLst>
+                          </p:cTn>
+                        </p:par>
+                      </p:childTnLst>
+                    </p:cTn>
+                  </p:par>
+                  <p:par>
+                    <p:cTn id="7" fill="hold">
+                      <p:stCondLst>
+                        <p:cond delay="indefinite"/>
+                      </p:stCondLst>
+                      <p:childTnLst>
+                        <p:par>
+                          <p:cTn id="8" fill="hold">
+                            <p:stCondLst>
+                              <p:cond delay="0"/>
+                            </p:stCondLst>
+                            <p:childTnLst>
+                              <p:par>
+                                <p:cTn id="9" presetID="1" presetClass="entr" presetSubtype="0" fill="hold" grpId="0" nodeType="clickEffect">
+                                  <p:stCondLst>
+                                    <p:cond delay="0"/>
+                                  </p:stCondLst>
+                                  <p:childTnLst>
+                                    <p:set>
+                                      <p:cBhvr>
+                                        <p:cTn id="10" dur="1" fill="hold">
+                                          <p:stCondLst>
+                                            <p:cond delay="0"/>
+                                          </p:stCondLst>
+                                        </p:cTn>
+                                        <p:tgtEl>
+                                          <p:spTgt spid="8"/>
+                                        </p:tgtEl>
+                                        <p:attrNameLst>
+                                          <p:attrName>style.visibility</p:attrName>
+                                        </p:attrNameLst>
+                                      </p:cBhvr>
+                                      <p:to>
+                                        <p:strVal val="visible"/>
+                                      </p:to>
+                                    </p:set>
+                                  </p:childTnLst>
+                                </p:cTn>
+                              </p:par>
+                            </p:childTnLst>
+                          </p:cTn>
+                        </p:par>
+                      </p:childTnLst>
+                    </p:cTn>
+                  </p:par>
+                  <p:par>
+                    <p:cTn id="11" fill="hold">
+                      <p:stCondLst>
+                        <p:cond delay="indefinite"/>
+                      </p:stCondLst>
+                      <p:childTnLst>
+                        <p:par>
+                          <p:cTn id="12" fill="hold">
+                            <p:stCondLst>
+                              <p:cond delay="0"/>
+                            </p:stCondLst>
+                            <p:childTnLst>
+                              <p:par>
+                                <p:cTn id="13" presetID="1" presetClass="entr" presetSubtype="0" fill="hold" grpId="0" nodeType="clickEffect">
+                                  <p:stCondLst>
+                                    <p:cond delay="0"/>
+                                  </p:stCondLst>
+                                  <p:childTnLst>
+                                    <p:set>
+                                      <p:cBhvr>
+                                        <p:cTn id="14" dur="1" fill="hold">
+                                          <p:stCondLst>
+                                            <p:cond delay="0"/>
+                                          </p:stCondLst>
+                                        </p:cTn>
+                                        <p:tgtEl>
+                                          <p:spTgt spid="9"/>
+                                        </p:tgtEl>
+                                        <p:attrNameLst>
+                                          <p:attrName>style.visibility</p:attrName>
+                                        </p:attrNameLst>
+                                      </p:cBhvr>
+                                      <p:to>
+                                        <p:strVal val="visible"/>
+                                      </p:to>
+                                    </p:set>
+                                  </p:childTnLst>
+                                </p:cTn>
+                              </p:par>
+                            </p:childTnLst>
+                          </p:cTn>
+                        </p:par>
+                      </p:childTnLst>
+                    </p:cTn>
+                  </p:par>
+                  <p:par>
+                    <p:cTn id="15" fill="hold">
+                      <p:stCondLst>
+                        <p:cond delay="indefinite"/>
+                      </p:stCondLst>
+                      <p:childTnLst>
+                        <p:par>
+                          <p:cTn id="16" fill="hold">
+                            <p:stCondLst>
+                              <p:cond delay="0"/>
+                            </p:stCondLst>
+                            <p:childTnLst>
+                              <p:par>
+                                <p:cTn id="17" presetID="1" presetClass="entr" presetSubtype="0" fill="hold" grpId="0" nodeType="clickEffect">
+                                  <p:stCondLst>
+                                    <p:cond delay="0"/>
+                                  </p:stCondLst>
+                                  <p:childTnLst>
+                                    <p:set>
+                                      <p:cBhvr>
+                                        <p:cTn id="18" dur="1" fill="hold">
+                                          <p:stCondLst>
+                                            <p:cond delay="0"/>
+                                          </p:stCondLst>
+                                        </p:cTn>
+                                        <p:tgtEl>
+                                          <p:spTgt spid="10"/>
+                                        </p:tgtEl>
+                                        <p:attrNameLst>
+                                          <p:attrName>style.visibility</p:attrName>
+                                        </p:attrNameLst>
+                                      </p:cBhvr>
+                                      <p:to>
+                                        <p:strVal val="visible"/>
+                                      </p:to>
+                                    </p:set>
+                                  </p:childTnLst>
+                                </p:cTn>
+                              </p:par>
+                            </p:childTnLst>
+                          </p:cTn>
+                        </p:par>
+                      </p:childTnLst>
+                    </p:cTn>
+                  </p:par>
+                  <p:par>
+                    <p:cTn id="19" fill="hold">
+                      <p:stCondLst>
+                        <p:cond delay="indefinite"/>
+                      </p:stCondLst>
+                      <p:childTnLst>
+                        <p:par>
+                          <p:cTn id="20" fill="hold">
+                            <p:stCondLst>
+                              <p:cond delay="0"/>
+                            </p:stCondLst>
+                            <p:childTnLst>
+                              <p:par>
+                                <p:cTn id="21" presetID="1" presetClass="entr" presetSubtype="0" fill="hold" grpId="0" nodeType="clickEffect">
+                                  <p:stCondLst>
+                                    <p:cond delay="0"/>
+                                  </p:stCondLst>
+                                  <p:childTnLst>
+                                    <p:set>
+                                      <p:cBhvr>
+                                        <p:cTn id="22" dur="1" fill="hold">
+                                          <p:stCondLst>
+                                            <p:cond delay="0"/>
+                                          </p:stCondLst>
+                                        </p:cTn>
+                                        <p:tgtEl>
+                                          <p:spTgt spid="11"/>
+                                        </p:tgtEl>
+                                        <p:attrNameLst>
+                                          <p:attrName>style.visibility</p:attrName>
+                                        </p:attrNameLst>
+                                      </p:cBhvr>
+                                      <p:to>
+                                        <p:strVal val="visible"/>
+                                      </p:to>
+                                    </p:set>
+                                  </p:childTnLst>
+                                </p:cTn>
+                              </p:par>
+                            </p:childTnLst>
+                          </p:cTn>
+                        </p:par>
+                      </p:childTnLst>
+                    </p:cTn>
+                  </p:par>
+                </p:childTnLst>
+              </p:cTn>
+              <p:prevCondLst>
+                <p:cond evt="onPrev" delay="0">
+                  <p:tgtEl>
+                    <p:sldTgt/>
+                  </p:tgtEl>
+                </p:cond>
+              </p:prevCondLst>
+              <p:nextCondLst>
+                <p:cond evt="onNext" delay="0">
+                  <p:tgtEl>
+                    <p:sldTgt/>
+                  </p:tgtEl>
+                </p:cond>
+              </p:nextCondLst>
+            </p:seq>
+          </p:childTnLst>
+        </p:cTn>
+      </p:par>
+    </p:tnLst>
+    <p:bldLst>
+      <p:bldP spid="7" grpId="0" animBg="1"/>
+      <p:bldP spid="8" grpId="0" animBg="1"/>
+      <p:bldP spid="9" grpId="0" animBg="1"/>
+      <p:bldP spid="10" grpId="0" animBg="1"/>
+      <p:bldP spid="11" grpId="0" animBg="1"/>
+    </p:bldLst>
+  </p:timing>
+</p:sld>
+</file>
+
+<file path=ppt/slides/slide11.xml><?xml version="1.0" encoding="utf-8"?>
+<p:sld xmlns:a="http://schemas.openxmlformats.org/drawingml/2006/main" xmlns:r="http://schemas.openxmlformats.org/officeDocument/2006/relationships" xmlns:p="http://schemas.openxmlformats.org/presentationml/2006/main">
+  <p:cSld>
+    <p:spTree>
+      <p:nvGrpSpPr>
+        <p:cNvPr id="1" name=""/>
+        <p:cNvGrpSpPr/>
+        <p:nvPr/>
+      </p:nvGrpSpPr>
+      <p:grpSpPr>
+        <a:xfrm>
+          <a:off x="0" y="0"/>
+          <a:ext cx="0" cy="0"/>
+          <a:chOff x="0" y="0"/>
+          <a:chExt cx="0" cy="0"/>
+        </a:xfrm>
+      </p:grpSpPr>
+      <p:sp>
+        <p:nvSpPr>
+          <p:cNvPr id="2" name="Titel 1"/>
+          <p:cNvSpPr>
+            <a:spLocks noGrp="1"/>
+          </p:cNvSpPr>
+          <p:nvPr>
+            <p:ph type="title"/>
+          </p:nvPr>
+        </p:nvSpPr>
+        <p:spPr>
+          <a:xfrm>
+            <a:off x="222767" y="334116"/>
+            <a:ext cx="8363416" cy="508925"/>
+          </a:xfrm>
+        </p:spPr>
+        <p:txBody>
+          <a:bodyPr/>
+          <a:lstStyle/>
+          <a:p>
+            <a:r>
+              <a:rPr lang="de-DE" sz="2800" b="1" dirty="0"/>
+              <a:t>Unterstützte Datenbank-Systeme</a:t>
+            </a:r>
+          </a:p>
+        </p:txBody>
+      </p:sp>
+      <p:sp>
+        <p:nvSpPr>
+          <p:cNvPr id="4" name="Fußzeilenplatzhalter 3"/>
+          <p:cNvSpPr>
+            <a:spLocks noGrp="1"/>
+          </p:cNvSpPr>
+          <p:nvPr>
+            <p:ph type="ftr" sz="quarter" idx="3"/>
+          </p:nvPr>
+        </p:nvSpPr>
+        <p:spPr>
+          <a:xfrm>
+            <a:off x="6412999" y="4918182"/>
+            <a:ext cx="2173184" cy="273844"/>
+          </a:xfrm>
+        </p:spPr>
+        <p:txBody>
+          <a:bodyPr/>
+          <a:lstStyle/>
+          <a:p>
+            <a:r>
+              <a:rPr lang="de-DE" dirty="0"/>
+              <a:t>Seite</a:t>
+            </a:r>
+          </a:p>
+        </p:txBody>
+      </p:sp>
+      <p:sp>
+        <p:nvSpPr>
+          <p:cNvPr id="5" name="Foliennummernplatzhalter 4"/>
+          <p:cNvSpPr>
+            <a:spLocks noGrp="1"/>
+          </p:cNvSpPr>
+          <p:nvPr>
+            <p:ph type="sldNum" sz="quarter" idx="4"/>
+          </p:nvPr>
+        </p:nvSpPr>
+        <p:spPr>
+          <a:xfrm>
+            <a:off x="8418658" y="4920586"/>
+            <a:ext cx="335050" cy="273844"/>
+          </a:xfrm>
+        </p:spPr>
+        <p:txBody>
+          <a:bodyPr/>
+          <a:lstStyle/>
+          <a:p>
+            <a:fld id="{2DD045F0-8B2A-FA4B-969F-A1574B4A39C0}" type="slidenum">
+              <a:rPr lang="de-DE" smtClean="0"/>
+              <a:pPr/>
+              <a:t>11</a:t>
             </a:fld>
             <a:endParaRPr lang="de-DE" dirty="0"/>
           </a:p>
@@ -12276,7 +13659,7 @@
 </p:sld>
 </file>
 
-<file path=ppt/slides/slide11.xml><?xml version="1.0" encoding="utf-8"?>
+<file path=ppt/slides/slide12.xml><?xml version="1.0" encoding="utf-8"?>
 <p:sld xmlns:a="http://schemas.openxmlformats.org/drawingml/2006/main" xmlns:r="http://schemas.openxmlformats.org/officeDocument/2006/relationships" xmlns:p="http://schemas.openxmlformats.org/presentationml/2006/main">
   <p:cSld>
     <p:spTree>
@@ -12370,7 +13753,7 @@
             <a:fld id="{2DD045F0-8B2A-FA4B-969F-A1574B4A39C0}" type="slidenum">
               <a:rPr lang="de-DE" smtClean="0"/>
               <a:pPr/>
-              <a:t>11</a:t>
+              <a:t>12</a:t>
             </a:fld>
             <a:endParaRPr lang="de-DE" dirty="0"/>
           </a:p>
@@ -13077,7 +14460,7 @@
 </p:sld>
 </file>
 
-<file path=ppt/slides/slide12.xml><?xml version="1.0" encoding="utf-8"?>
+<file path=ppt/slides/slide13.xml><?xml version="1.0" encoding="utf-8"?>
 <p:sld xmlns:a="http://schemas.openxmlformats.org/drawingml/2006/main" xmlns:r="http://schemas.openxmlformats.org/officeDocument/2006/relationships" xmlns:p="http://schemas.openxmlformats.org/presentationml/2006/main">
   <p:cSld>
     <p:spTree>
@@ -14353,7 +15736,7 @@
 </p:sld>
 </file>
 
-<file path=ppt/slides/slide13.xml><?xml version="1.0" encoding="utf-8"?>
+<file path=ppt/slides/slide14.xml><?xml version="1.0" encoding="utf-8"?>
 <p:sld xmlns:a="http://schemas.openxmlformats.org/drawingml/2006/main" xmlns:r="http://schemas.openxmlformats.org/officeDocument/2006/relationships" xmlns:p="http://schemas.openxmlformats.org/presentationml/2006/main">
   <p:cSld>
     <p:spTree>
@@ -14447,7 +15830,7 @@
             <a:fld id="{2DD045F0-8B2A-FA4B-969F-A1574B4A39C0}" type="slidenum">
               <a:rPr lang="de-DE" smtClean="0"/>
               <a:pPr/>
-              <a:t>13</a:t>
+              <a:t>14</a:t>
             </a:fld>
             <a:endParaRPr lang="de-DE" dirty="0"/>
           </a:p>
@@ -15202,7 +16585,7 @@
 </p:sld>
 </file>
 
-<file path=ppt/slides/slide14.xml><?xml version="1.0" encoding="utf-8"?>
+<file path=ppt/slides/slide15.xml><?xml version="1.0" encoding="utf-8"?>
 <p:sld xmlns:a="http://schemas.openxmlformats.org/drawingml/2006/main" xmlns:r="http://schemas.openxmlformats.org/officeDocument/2006/relationships" xmlns:p="http://schemas.openxmlformats.org/presentationml/2006/main">
   <p:cSld>
     <p:spTree>
@@ -15296,7 +16679,7 @@
             <a:fld id="{2DD045F0-8B2A-FA4B-969F-A1574B4A39C0}" type="slidenum">
               <a:rPr lang="de-DE" smtClean="0"/>
               <a:pPr/>
-              <a:t>14</a:t>
+              <a:t>15</a:t>
             </a:fld>
             <a:endParaRPr lang="de-DE" dirty="0"/>
           </a:p>
@@ -16495,7 +17878,7 @@
 </p:sld>
 </file>
 
-<file path=ppt/slides/slide15.xml><?xml version="1.0" encoding="utf-8"?>
+<file path=ppt/slides/slide16.xml><?xml version="1.0" encoding="utf-8"?>
 <p:sld xmlns:a="http://schemas.openxmlformats.org/drawingml/2006/main" xmlns:r="http://schemas.openxmlformats.org/officeDocument/2006/relationships" xmlns:p="http://schemas.openxmlformats.org/presentationml/2006/main">
   <p:cSld>
     <p:spTree>
@@ -16589,7 +17972,7 @@
             <a:fld id="{2DD045F0-8B2A-FA4B-969F-A1574B4A39C0}" type="slidenum">
               <a:rPr lang="de-DE" smtClean="0"/>
               <a:pPr/>
-              <a:t>15</a:t>
+              <a:t>16</a:t>
             </a:fld>
             <a:endParaRPr lang="de-DE" dirty="0"/>
           </a:p>
@@ -18103,7 +19486,7 @@
               <a:rPr lang="de-DE" dirty="0">
                 <a:latin typeface="+mn-lt"/>
               </a:rPr>
-              <a:t>TriXX unterstützt optionale Keys: Kein Key, Primary Key der Quell-Tabelle oder fester Wert</a:t>
+              <a:t>TriXX unterstützt Keys: Kein Key, Primary Key der Quell-Tabelle fester Wert oder Transaction-ID</a:t>
             </a:r>
           </a:p>
         </p:txBody>
@@ -19478,7 +20861,7 @@
 </p:sld>
 </file>
 
-<file path=ppt/slides/slide16.xml><?xml version="1.0" encoding="utf-8"?>
+<file path=ppt/slides/slide17.xml><?xml version="1.0" encoding="utf-8"?>
 <p:sld xmlns:a="http://schemas.openxmlformats.org/drawingml/2006/main" xmlns:r="http://schemas.openxmlformats.org/officeDocument/2006/relationships" xmlns:p="http://schemas.openxmlformats.org/presentationml/2006/main">
   <p:cSld>
     <p:spTree>
@@ -19572,7 +20955,7 @@
             <a:fld id="{2DD045F0-8B2A-FA4B-969F-A1574B4A39C0}" type="slidenum">
               <a:rPr lang="de-DE" smtClean="0"/>
               <a:pPr/>
-              <a:t>16</a:t>
+              <a:t>17</a:t>
             </a:fld>
             <a:endParaRPr lang="de-DE" dirty="0"/>
           </a:p>
@@ -20798,7 +22181,7 @@
 </p:sld>
 </file>
 
-<file path=ppt/slides/slide17.xml><?xml version="1.0" encoding="utf-8"?>
+<file path=ppt/slides/slide18.xml><?xml version="1.0" encoding="utf-8"?>
 <p:sld xmlns:a="http://schemas.openxmlformats.org/drawingml/2006/main" xmlns:r="http://schemas.openxmlformats.org/officeDocument/2006/relationships" xmlns:p="http://schemas.openxmlformats.org/presentationml/2006/main">
   <p:cSld>
     <p:spTree>
@@ -20892,7 +22275,7 @@
             <a:fld id="{2DD045F0-8B2A-FA4B-969F-A1574B4A39C0}" type="slidenum">
               <a:rPr lang="de-DE" smtClean="0"/>
               <a:pPr/>
-              <a:t>17</a:t>
+              <a:t>18</a:t>
             </a:fld>
             <a:endParaRPr lang="de-DE" dirty="0"/>
           </a:p>
@@ -21843,7 +23226,7 @@
 </p:sld>
 </file>
 
-<file path=ppt/slides/slide18.xml><?xml version="1.0" encoding="utf-8"?>
+<file path=ppt/slides/slide19.xml><?xml version="1.0" encoding="utf-8"?>
 <p:sld xmlns:a="http://schemas.openxmlformats.org/drawingml/2006/main" xmlns:r="http://schemas.openxmlformats.org/officeDocument/2006/relationships" xmlns:p="http://schemas.openxmlformats.org/presentationml/2006/main">
   <p:cSld>
     <p:spTree>
@@ -22587,7 +23970,480 @@
 </p:sld>
 </file>
 
-<file path=ppt/slides/slide19.xml><?xml version="1.0" encoding="utf-8"?>
+<file path=ppt/slides/slide2.xml><?xml version="1.0" encoding="utf-8"?>
+<p:sld xmlns:a="http://schemas.openxmlformats.org/drawingml/2006/main" xmlns:r="http://schemas.openxmlformats.org/officeDocument/2006/relationships" xmlns:p="http://schemas.openxmlformats.org/presentationml/2006/main">
+  <p:cSld>
+    <p:spTree>
+      <p:nvGrpSpPr>
+        <p:cNvPr id="1" name=""/>
+        <p:cNvGrpSpPr/>
+        <p:nvPr/>
+      </p:nvGrpSpPr>
+      <p:grpSpPr>
+        <a:xfrm>
+          <a:off x="0" y="0"/>
+          <a:ext cx="0" cy="0"/>
+          <a:chOff x="0" y="0"/>
+          <a:chExt cx="0" cy="0"/>
+        </a:xfrm>
+      </p:grpSpPr>
+      <p:sp>
+        <p:nvSpPr>
+          <p:cNvPr id="4" name="Fußzeilenplatzhalter 3"/>
+          <p:cNvSpPr>
+            <a:spLocks noGrp="1"/>
+          </p:cNvSpPr>
+          <p:nvPr>
+            <p:ph type="ftr" sz="quarter" idx="3"/>
+          </p:nvPr>
+        </p:nvSpPr>
+        <p:spPr>
+          <a:xfrm>
+            <a:off x="6412999" y="4933679"/>
+            <a:ext cx="2173184" cy="273844"/>
+          </a:xfrm>
+        </p:spPr>
+        <p:txBody>
+          <a:bodyPr/>
+          <a:lstStyle/>
+          <a:p>
+            <a:r>
+              <a:rPr lang="de-DE" dirty="0"/>
+              <a:t>Seite</a:t>
+            </a:r>
+          </a:p>
+        </p:txBody>
+      </p:sp>
+      <p:sp>
+        <p:nvSpPr>
+          <p:cNvPr id="5" name="Foliennummernplatzhalter 4"/>
+          <p:cNvSpPr>
+            <a:spLocks noGrp="1"/>
+          </p:cNvSpPr>
+          <p:nvPr>
+            <p:ph type="sldNum" sz="quarter" idx="4"/>
+          </p:nvPr>
+        </p:nvSpPr>
+        <p:spPr>
+          <a:xfrm>
+            <a:off x="8418658" y="4936083"/>
+            <a:ext cx="335050" cy="273844"/>
+          </a:xfrm>
+        </p:spPr>
+        <p:txBody>
+          <a:bodyPr/>
+          <a:lstStyle/>
+          <a:p>
+            <a:fld id="{2DD045F0-8B2A-FA4B-969F-A1574B4A39C0}" type="slidenum">
+              <a:rPr lang="de-DE" smtClean="0"/>
+              <a:pPr/>
+              <a:t>2</a:t>
+            </a:fld>
+            <a:endParaRPr lang="de-DE" dirty="0"/>
+          </a:p>
+        </p:txBody>
+      </p:sp>
+      <p:pic>
+        <p:nvPicPr>
+          <p:cNvPr id="8" name="Bildplatzhalter 12"/>
+          <p:cNvPicPr>
+            <a:picLocks noChangeAspect="1"/>
+          </p:cNvPicPr>
+          <p:nvPr/>
+        </p:nvPicPr>
+        <p:blipFill rotWithShape="1">
+          <a:blip r:embed="rId2">
+            <a:extLst>
+              <a:ext uri="{28A0092B-C50C-407E-A947-70E740481C1C}">
+                <a14:useLocalDpi xmlns:a14="http://schemas.microsoft.com/office/drawing/2010/main" val="0"/>
+              </a:ext>
+            </a:extLst>
+          </a:blip>
+          <a:srcRect l="11331" t="3626" r="3016" b="6288"/>
+          <a:stretch/>
+        </p:blipFill>
+        <p:spPr>
+          <a:xfrm>
+            <a:off x="542671" y="1407724"/>
+            <a:ext cx="4064254" cy="3402013"/>
+          </a:xfrm>
+          <a:prstGeom prst="rect">
+            <a:avLst/>
+          </a:prstGeom>
+        </p:spPr>
+      </p:pic>
+      <p:sp>
+        <p:nvSpPr>
+          <p:cNvPr id="9" name="Textplatzhalter 1"/>
+          <p:cNvSpPr>
+            <a:spLocks noGrp="1"/>
+          </p:cNvSpPr>
+          <p:nvPr>
+            <p:ph type="body" sz="quarter" idx="14"/>
+          </p:nvPr>
+        </p:nvSpPr>
+        <p:spPr>
+          <a:xfrm>
+            <a:off x="4840288" y="1407724"/>
+            <a:ext cx="4065820" cy="3402013"/>
+          </a:xfrm>
+        </p:spPr>
+        <p:txBody>
+          <a:bodyPr/>
+          <a:lstStyle/>
+          <a:p>
+            <a:pPr marL="0" indent="0">
+              <a:spcAft>
+                <a:spcPts val="300"/>
+              </a:spcAft>
+              <a:buNone/>
+            </a:pPr>
+            <a:r>
+              <a:rPr lang="de-DE" sz="1400" b="1" dirty="0">
+                <a:solidFill>
+                  <a:srgbClr val="5F6A70"/>
+                </a:solidFill>
+                <a:latin typeface="Calibri" charset="0"/>
+                <a:ea typeface="Calibri" charset="0"/>
+                <a:cs typeface="Calibri" charset="0"/>
+              </a:rPr>
+              <a:t>Gründung:</a:t>
+            </a:r>
+            <a:br>
+              <a:rPr lang="de-DE" sz="1400" dirty="0">
+                <a:solidFill>
+                  <a:srgbClr val="5F6A70"/>
+                </a:solidFill>
+              </a:rPr>
+            </a:br>
+            <a:r>
+              <a:rPr lang="de-DE" sz="1400" dirty="0">
+                <a:solidFill>
+                  <a:srgbClr val="5F6A70"/>
+                </a:solidFill>
+              </a:rPr>
+              <a:t>März 1991</a:t>
+            </a:r>
+          </a:p>
+          <a:p>
+            <a:pPr marL="0" indent="0">
+              <a:spcAft>
+                <a:spcPts val="300"/>
+              </a:spcAft>
+              <a:buNone/>
+            </a:pPr>
+            <a:endParaRPr lang="de-DE" sz="1400" dirty="0">
+              <a:solidFill>
+                <a:srgbClr val="5F6A70"/>
+              </a:solidFill>
+            </a:endParaRPr>
+          </a:p>
+          <a:p>
+            <a:pPr marL="0" indent="0">
+              <a:spcAft>
+                <a:spcPts val="300"/>
+              </a:spcAft>
+              <a:buNone/>
+            </a:pPr>
+            <a:r>
+              <a:rPr lang="de-DE" sz="1400" b="1" dirty="0">
+                <a:solidFill>
+                  <a:srgbClr val="5F6A70"/>
+                </a:solidFill>
+                <a:latin typeface="Calibri" charset="0"/>
+                <a:ea typeface="Calibri" charset="0"/>
+                <a:cs typeface="Calibri" charset="0"/>
+              </a:rPr>
+              <a:t>Muttergesellschaft:</a:t>
+            </a:r>
+            <a:br>
+              <a:rPr lang="de-DE" sz="1400" dirty="0">
+                <a:solidFill>
+                  <a:srgbClr val="5F6A70"/>
+                </a:solidFill>
+              </a:rPr>
+            </a:br>
+            <a:r>
+              <a:rPr lang="de-DE" sz="1400" dirty="0">
+                <a:solidFill>
+                  <a:srgbClr val="5F6A70"/>
+                </a:solidFill>
+              </a:rPr>
+              <a:t>OTTO Group</a:t>
+            </a:r>
+          </a:p>
+          <a:p>
+            <a:pPr marL="0" indent="0">
+              <a:spcAft>
+                <a:spcPts val="300"/>
+              </a:spcAft>
+              <a:buNone/>
+            </a:pPr>
+            <a:endParaRPr lang="de-DE" sz="1400" dirty="0">
+              <a:solidFill>
+                <a:srgbClr val="5F6A70"/>
+              </a:solidFill>
+            </a:endParaRPr>
+          </a:p>
+          <a:p>
+            <a:pPr marL="0" indent="0">
+              <a:spcAft>
+                <a:spcPts val="300"/>
+              </a:spcAft>
+              <a:buNone/>
+            </a:pPr>
+            <a:r>
+              <a:rPr lang="de-DE" sz="1400" b="1" dirty="0">
+                <a:solidFill>
+                  <a:srgbClr val="5F6A70"/>
+                </a:solidFill>
+                <a:latin typeface="Calibri" charset="0"/>
+                <a:ea typeface="Calibri" charset="0"/>
+                <a:cs typeface="Calibri" charset="0"/>
+              </a:rPr>
+              <a:t>Standorte:</a:t>
+            </a:r>
+            <a:br>
+              <a:rPr lang="de-DE" sz="1400" dirty="0">
+                <a:solidFill>
+                  <a:srgbClr val="5F6A70"/>
+                </a:solidFill>
+              </a:rPr>
+            </a:br>
+            <a:r>
+              <a:rPr lang="de-DE" sz="1400" dirty="0">
+                <a:solidFill>
+                  <a:srgbClr val="5F6A70"/>
+                </a:solidFill>
+              </a:rPr>
+              <a:t>Dresden, Hamburg, Burgkunstadt, Bangkok, Taipeh, Madrid</a:t>
+            </a:r>
+            <a:endParaRPr lang="de-DE" sz="1400" dirty="0"/>
+          </a:p>
+          <a:p>
+            <a:pPr marL="0" indent="0">
+              <a:spcAft>
+                <a:spcPts val="300"/>
+              </a:spcAft>
+              <a:buNone/>
+            </a:pPr>
+            <a:endParaRPr lang="de-DE" sz="1400" b="1" dirty="0">
+              <a:solidFill>
+                <a:srgbClr val="5F6A70"/>
+              </a:solidFill>
+              <a:latin typeface="Calibri" charset="0"/>
+              <a:ea typeface="Calibri" charset="0"/>
+              <a:cs typeface="Calibri" charset="0"/>
+            </a:endParaRPr>
+          </a:p>
+          <a:p>
+            <a:pPr marL="0" indent="0">
+              <a:spcAft>
+                <a:spcPts val="300"/>
+              </a:spcAft>
+              <a:buNone/>
+            </a:pPr>
+            <a:r>
+              <a:rPr lang="de-DE" sz="1400" b="1" dirty="0">
+                <a:solidFill>
+                  <a:srgbClr val="5F6A70"/>
+                </a:solidFill>
+                <a:latin typeface="Calibri" charset="0"/>
+                <a:ea typeface="Calibri" charset="0"/>
+                <a:cs typeface="Calibri" charset="0"/>
+              </a:rPr>
+              <a:t>Mitarbeiterzahl:</a:t>
+            </a:r>
+            <a:br>
+              <a:rPr lang="de-DE" sz="1400" dirty="0">
+                <a:solidFill>
+                  <a:srgbClr val="5F6A70"/>
+                </a:solidFill>
+              </a:rPr>
+            </a:br>
+            <a:r>
+              <a:rPr lang="de-DE" sz="1400" dirty="0">
+                <a:solidFill>
+                  <a:srgbClr val="5F6A70"/>
+                </a:solidFill>
+              </a:rPr>
+              <a:t>Ca. 300</a:t>
+            </a:r>
+          </a:p>
+          <a:p>
+            <a:pPr marL="0" indent="0">
+              <a:spcAft>
+                <a:spcPts val="300"/>
+              </a:spcAft>
+              <a:buNone/>
+            </a:pPr>
+            <a:endParaRPr lang="de-DE" sz="1400" dirty="0">
+              <a:solidFill>
+                <a:srgbClr val="5F6A70"/>
+              </a:solidFill>
+            </a:endParaRPr>
+          </a:p>
+          <a:p>
+            <a:pPr marL="0" indent="0">
+              <a:spcAft>
+                <a:spcPts val="300"/>
+              </a:spcAft>
+              <a:buNone/>
+            </a:pPr>
+            <a:r>
+              <a:rPr lang="de-DE" sz="1400" b="1" dirty="0">
+                <a:solidFill>
+                  <a:srgbClr val="5F6A70"/>
+                </a:solidFill>
+                <a:latin typeface="Calibri" charset="0"/>
+                <a:ea typeface="Calibri" charset="0"/>
+                <a:cs typeface="Calibri" charset="0"/>
+              </a:rPr>
+              <a:t>Geschäftsführer:</a:t>
+            </a:r>
+            <a:br>
+              <a:rPr lang="de-DE" sz="1400" dirty="0">
+                <a:solidFill>
+                  <a:srgbClr val="5F6A70"/>
+                </a:solidFill>
+              </a:rPr>
+            </a:br>
+            <a:r>
+              <a:rPr lang="de-DE" sz="1400" dirty="0">
+                <a:solidFill>
+                  <a:srgbClr val="5F6A70"/>
+                </a:solidFill>
+              </a:rPr>
+              <a:t>Dr. Stefan </a:t>
+            </a:r>
+            <a:r>
+              <a:rPr lang="de-DE" sz="1400" dirty="0" err="1">
+                <a:solidFill>
+                  <a:srgbClr val="5F6A70"/>
+                </a:solidFill>
+              </a:rPr>
+              <a:t>Borsutzky</a:t>
+            </a:r>
+            <a:r>
+              <a:rPr lang="de-DE" sz="1400" dirty="0">
+                <a:solidFill>
+                  <a:srgbClr val="5F6A70"/>
+                </a:solidFill>
+              </a:rPr>
+              <a:t>, Norbert </a:t>
+            </a:r>
+            <a:r>
+              <a:rPr lang="de-DE" sz="1400" dirty="0" err="1">
+                <a:solidFill>
+                  <a:srgbClr val="5F6A70"/>
+                </a:solidFill>
+              </a:rPr>
+              <a:t>Gödicke</a:t>
+            </a:r>
+            <a:r>
+              <a:rPr lang="de-DE" sz="1400" dirty="0">
+                <a:solidFill>
+                  <a:srgbClr val="5F6A70"/>
+                </a:solidFill>
+              </a:rPr>
+              <a:t>, Jens Gruhl</a:t>
+            </a:r>
+          </a:p>
+          <a:p>
+            <a:pPr marL="0" indent="0">
+              <a:spcAft>
+                <a:spcPts val="300"/>
+              </a:spcAft>
+              <a:buNone/>
+            </a:pPr>
+            <a:endParaRPr lang="de-DE" sz="1400" b="1" dirty="0">
+              <a:solidFill>
+                <a:srgbClr val="5F6A70"/>
+              </a:solidFill>
+            </a:endParaRPr>
+          </a:p>
+          <a:p>
+            <a:endParaRPr lang="de-DE" sz="1400" dirty="0"/>
+          </a:p>
+        </p:txBody>
+      </p:sp>
+      <p:sp>
+        <p:nvSpPr>
+          <p:cNvPr id="10" name="Titel 1"/>
+          <p:cNvSpPr>
+            <a:spLocks noGrp="1"/>
+          </p:cNvSpPr>
+          <p:nvPr>
+            <p:ph type="title"/>
+          </p:nvPr>
+        </p:nvSpPr>
+        <p:spPr>
+          <a:xfrm>
+            <a:off x="542714" y="404639"/>
+            <a:ext cx="6820160" cy="793833"/>
+          </a:xfrm>
+        </p:spPr>
+        <p:txBody>
+          <a:bodyPr/>
+          <a:lstStyle/>
+          <a:p>
+            <a:r>
+              <a:rPr lang="de-DE" sz="2800" b="1" dirty="0"/>
+              <a:t>Otto Group Solution </a:t>
+            </a:r>
+            <a:r>
+              <a:rPr lang="de-DE" sz="2800" b="1"/>
+              <a:t>Provider (OSP) </a:t>
+            </a:r>
+            <a:r>
+              <a:rPr lang="de-DE" sz="2800" b="1" dirty="0"/>
+              <a:t>GmbH</a:t>
+            </a:r>
+          </a:p>
+        </p:txBody>
+      </p:sp>
+      <p:sp>
+        <p:nvSpPr>
+          <p:cNvPr id="14" name="Textplatzhalter 2"/>
+          <p:cNvSpPr>
+            <a:spLocks noGrp="1"/>
+          </p:cNvSpPr>
+          <p:nvPr>
+            <p:ph type="body" sz="quarter" idx="10"/>
+          </p:nvPr>
+        </p:nvSpPr>
+        <p:spPr>
+          <a:xfrm>
+            <a:off x="3141123" y="786073"/>
+            <a:ext cx="1979549" cy="442879"/>
+          </a:xfrm>
+        </p:spPr>
+        <p:txBody>
+          <a:bodyPr/>
+          <a:lstStyle/>
+          <a:p>
+            <a:r>
+              <a:rPr lang="de-DE"/>
+              <a:t>www.osp.de</a:t>
+            </a:r>
+            <a:endParaRPr lang="de-DE" dirty="0"/>
+          </a:p>
+        </p:txBody>
+      </p:sp>
+    </p:spTree>
+    <p:extLst>
+      <p:ext uri="{BB962C8B-B14F-4D97-AF65-F5344CB8AC3E}">
+        <p14:creationId xmlns:p14="http://schemas.microsoft.com/office/powerpoint/2010/main" val="1746308315"/>
+      </p:ext>
+    </p:extLst>
+  </p:cSld>
+  <p:clrMapOvr>
+    <a:masterClrMapping/>
+  </p:clrMapOvr>
+</p:sld>
+</file>
+
+<file path=ppt/slides/slide20.xml><?xml version="1.0" encoding="utf-8"?>
 <p:sld xmlns:a="http://schemas.openxmlformats.org/drawingml/2006/main" xmlns:r="http://schemas.openxmlformats.org/officeDocument/2006/relationships" xmlns:p="http://schemas.openxmlformats.org/presentationml/2006/main">
   <p:cSld>
     <p:spTree>
@@ -23050,259 +24906,7 @@
 </p:sld>
 </file>
 
-<file path=ppt/slides/slide2.xml><?xml version="1.0" encoding="utf-8"?>
-<p:sld xmlns:a="http://schemas.openxmlformats.org/drawingml/2006/main" xmlns:r="http://schemas.openxmlformats.org/officeDocument/2006/relationships" xmlns:p="http://schemas.openxmlformats.org/presentationml/2006/main">
-  <p:cSld>
-    <p:spTree>
-      <p:nvGrpSpPr>
-        <p:cNvPr id="1" name=""/>
-        <p:cNvGrpSpPr/>
-        <p:nvPr/>
-      </p:nvGrpSpPr>
-      <p:grpSpPr>
-        <a:xfrm>
-          <a:off x="0" y="0"/>
-          <a:ext cx="0" cy="0"/>
-          <a:chOff x="0" y="0"/>
-          <a:chExt cx="0" cy="0"/>
-        </a:xfrm>
-      </p:grpSpPr>
-      <p:sp>
-        <p:nvSpPr>
-          <p:cNvPr id="9" name="Pfeil nach rechts 8">
-            <a:extLst>
-              <a:ext uri="{FF2B5EF4-FFF2-40B4-BE49-F238E27FC236}">
-                <a16:creationId xmlns:a16="http://schemas.microsoft.com/office/drawing/2014/main" id="{8DF75A37-C050-FE4C-BD46-6BDF7D93000E}"/>
-              </a:ext>
-            </a:extLst>
-          </p:cNvPr>
-          <p:cNvSpPr/>
-          <p:nvPr/>
-        </p:nvSpPr>
-        <p:spPr>
-          <a:xfrm>
-            <a:off x="3896631" y="3213535"/>
-            <a:ext cx="1534580" cy="452402"/>
-          </a:xfrm>
-          <a:prstGeom prst="rightArrow">
-            <a:avLst/>
-          </a:prstGeom>
-          <a:solidFill>
-            <a:schemeClr val="bg1">
-              <a:lumMod val="50000"/>
-            </a:schemeClr>
-          </a:solidFill>
-          <a:ln>
-            <a:noFill/>
-          </a:ln>
-          <a:effectLst>
-            <a:outerShdw blurRad="50800" dist="38100" dir="2700000" algn="tl" rotWithShape="0">
-              <a:prstClr val="black">
-                <a:alpha val="40000"/>
-              </a:prstClr>
-            </a:outerShdw>
-          </a:effectLst>
-        </p:spPr>
-        <p:style>
-          <a:lnRef idx="2">
-            <a:schemeClr val="dk1">
-              <a:shade val="50000"/>
-            </a:schemeClr>
-          </a:lnRef>
-          <a:fillRef idx="1">
-            <a:schemeClr val="dk1"/>
-          </a:fillRef>
-          <a:effectRef idx="0">
-            <a:schemeClr val="dk1"/>
-          </a:effectRef>
-          <a:fontRef idx="minor">
-            <a:schemeClr val="lt1"/>
-          </a:fontRef>
-        </p:style>
-        <p:txBody>
-          <a:bodyPr rtlCol="0" anchor="ctr"/>
-          <a:lstStyle/>
-          <a:p>
-            <a:pPr algn="ctr"/>
-            <a:endParaRPr lang="de-DE"/>
-          </a:p>
-        </p:txBody>
-      </p:sp>
-      <p:sp>
-        <p:nvSpPr>
-          <p:cNvPr id="4" name="Titel 3"/>
-          <p:cNvSpPr>
-            <a:spLocks noGrp="1"/>
-          </p:cNvSpPr>
-          <p:nvPr>
-            <p:ph type="title"/>
-          </p:nvPr>
-        </p:nvSpPr>
-        <p:spPr>
-          <a:xfrm>
-            <a:off x="243936" y="477789"/>
-            <a:ext cx="8363416" cy="1760625"/>
-          </a:xfrm>
-        </p:spPr>
-        <p:txBody>
-          <a:bodyPr/>
-          <a:lstStyle/>
-          <a:p>
-            <a:pPr algn="ctr"/>
-            <a:r>
-              <a:rPr lang="de-DE" b="1" dirty="0"/>
-              <a:t>TriXX</a:t>
-            </a:r>
-            <a:br>
-              <a:rPr lang="de-DE" b="1" dirty="0"/>
-            </a:br>
-            <a:br>
-              <a:rPr lang="de-DE" b="1" dirty="0"/>
-            </a:br>
-            <a:r>
-              <a:rPr lang="de-DE" sz="2400" b="1" dirty="0"/>
-              <a:t>Leichtgewichtiges Tool für Change Data Capture </a:t>
-            </a:r>
-            <a:br>
-              <a:rPr lang="de-DE" sz="2400" b="1" dirty="0"/>
-            </a:br>
-            <a:r>
-              <a:rPr lang="de-DE" sz="2400" b="1" dirty="0"/>
-              <a:t>in relationalen Datenbanken</a:t>
-            </a:r>
-            <a:endParaRPr lang="de-DE" sz="2400" dirty="0"/>
-          </a:p>
-        </p:txBody>
-      </p:sp>
-      <p:sp>
-        <p:nvSpPr>
-          <p:cNvPr id="2" name="Textplatzhalter 1"/>
-          <p:cNvSpPr>
-            <a:spLocks noGrp="1"/>
-          </p:cNvSpPr>
-          <p:nvPr>
-            <p:ph type="body" idx="13"/>
-          </p:nvPr>
-        </p:nvSpPr>
-        <p:spPr>
-          <a:xfrm>
-            <a:off x="5747618" y="4641060"/>
-            <a:ext cx="3006090" cy="316271"/>
-          </a:xfrm>
-        </p:spPr>
-        <p:txBody>
-          <a:bodyPr/>
-          <a:lstStyle/>
-          <a:p>
-            <a:r>
-              <a:rPr lang="de-DE" dirty="0"/>
-              <a:t>Juni 2021</a:t>
-            </a:r>
-          </a:p>
-        </p:txBody>
-      </p:sp>
-      <p:sp>
-        <p:nvSpPr>
-          <p:cNvPr id="5" name="Textplatzhalter 1"/>
-          <p:cNvSpPr>
-            <a:spLocks noGrp="1"/>
-          </p:cNvSpPr>
-          <p:nvPr>
-            <p:ph type="body" idx="13"/>
-          </p:nvPr>
-        </p:nvSpPr>
-        <p:spPr>
-          <a:xfrm>
-            <a:off x="243936" y="4641059"/>
-            <a:ext cx="3006090" cy="316271"/>
-          </a:xfrm>
-        </p:spPr>
-        <p:txBody>
-          <a:bodyPr/>
-          <a:lstStyle/>
-          <a:p>
-            <a:pPr algn="l"/>
-            <a:r>
-              <a:rPr lang="de-DE" dirty="0"/>
-              <a:t>Peter Ramm, OSP Dresden</a:t>
-            </a:r>
-          </a:p>
-        </p:txBody>
-      </p:sp>
-      <p:pic>
-        <p:nvPicPr>
-          <p:cNvPr id="7" name="Bild 6"/>
-          <p:cNvPicPr>
-            <a:picLocks noChangeAspect="1"/>
-          </p:cNvPicPr>
-          <p:nvPr/>
-        </p:nvPicPr>
-        <p:blipFill>
-          <a:blip r:embed="rId3" cstate="print">
-            <a:extLst>
-              <a:ext uri="{28A0092B-C50C-407E-A947-70E740481C1C}">
-                <a14:useLocalDpi xmlns:a14="http://schemas.microsoft.com/office/drawing/2010/main"/>
-              </a:ext>
-            </a:extLst>
-          </a:blip>
-          <a:stretch>
-            <a:fillRect/>
-          </a:stretch>
-        </p:blipFill>
-        <p:spPr>
-          <a:xfrm>
-            <a:off x="2598841" y="2650240"/>
-            <a:ext cx="1429728" cy="1578992"/>
-          </a:xfrm>
-          <a:prstGeom prst="rect">
-            <a:avLst/>
-          </a:prstGeom>
-        </p:spPr>
-      </p:pic>
-      <p:pic>
-        <p:nvPicPr>
-          <p:cNvPr id="6" name="Grafik 5">
-            <a:extLst>
-              <a:ext uri="{FF2B5EF4-FFF2-40B4-BE49-F238E27FC236}">
-                <a16:creationId xmlns:a16="http://schemas.microsoft.com/office/drawing/2014/main" id="{B653C02D-9FD6-E141-BC3D-BC428C51829D}"/>
-              </a:ext>
-            </a:extLst>
-          </p:cNvPr>
-          <p:cNvPicPr>
-            <a:picLocks noChangeAspect="1"/>
-          </p:cNvPicPr>
-          <p:nvPr/>
-        </p:nvPicPr>
-        <p:blipFill>
-          <a:blip r:embed="rId4"/>
-          <a:stretch>
-            <a:fillRect/>
-          </a:stretch>
-        </p:blipFill>
-        <p:spPr>
-          <a:xfrm>
-            <a:off x="5431211" y="2621533"/>
-            <a:ext cx="1011153" cy="1641101"/>
-          </a:xfrm>
-          <a:prstGeom prst="rect">
-            <a:avLst/>
-          </a:prstGeom>
-        </p:spPr>
-      </p:pic>
-    </p:spTree>
-    <p:extLst>
-      <p:ext uri="{BB962C8B-B14F-4D97-AF65-F5344CB8AC3E}">
-        <p14:creationId xmlns:p14="http://schemas.microsoft.com/office/powerpoint/2010/main" val="117861432"/>
-      </p:ext>
-    </p:extLst>
-  </p:cSld>
-  <p:clrMapOvr>
-    <a:masterClrMapping/>
-  </p:clrMapOvr>
-</p:sld>
-</file>
-
-<file path=ppt/slides/slide20.xml><?xml version="1.0" encoding="utf-8"?>
+<file path=ppt/slides/slide21.xml><?xml version="1.0" encoding="utf-8"?>
 <p:sld xmlns:a="http://schemas.openxmlformats.org/drawingml/2006/main" xmlns:r="http://schemas.openxmlformats.org/officeDocument/2006/relationships" xmlns:p="http://schemas.openxmlformats.org/presentationml/2006/main">
   <p:cSld>
     <p:spTree>
@@ -23396,7 +25000,7 @@
             <a:fld id="{2DD045F0-8B2A-FA4B-969F-A1574B4A39C0}" type="slidenum">
               <a:rPr lang="de-DE" smtClean="0"/>
               <a:pPr/>
-              <a:t>20</a:t>
+              <a:t>21</a:t>
             </a:fld>
             <a:endParaRPr lang="de-DE" dirty="0"/>
           </a:p>
@@ -24092,7 +25696,7 @@
 </p:sld>
 </file>
 
-<file path=ppt/slides/slide21.xml><?xml version="1.0" encoding="utf-8"?>
+<file path=ppt/slides/slide22.xml><?xml version="1.0" encoding="utf-8"?>
 <p:sld xmlns:a="http://schemas.openxmlformats.org/drawingml/2006/main" xmlns:r="http://schemas.openxmlformats.org/officeDocument/2006/relationships" xmlns:p="http://schemas.openxmlformats.org/presentationml/2006/main">
   <p:cSld>
     <p:spTree>
@@ -24186,7 +25790,7 @@
             <a:fld id="{2DD045F0-8B2A-FA4B-969F-A1574B4A39C0}" type="slidenum">
               <a:rPr lang="de-DE" smtClean="0"/>
               <a:pPr/>
-              <a:t>21</a:t>
+              <a:t>22</a:t>
             </a:fld>
             <a:endParaRPr lang="de-DE" dirty="0"/>
           </a:p>
@@ -24649,7 +26253,7 @@
 </p:sld>
 </file>
 
-<file path=ppt/slides/slide22.xml><?xml version="1.0" encoding="utf-8"?>
+<file path=ppt/slides/slide23.xml><?xml version="1.0" encoding="utf-8"?>
 <p:sld xmlns:a="http://schemas.openxmlformats.org/drawingml/2006/main" xmlns:r="http://schemas.openxmlformats.org/officeDocument/2006/relationships" xmlns:p="http://schemas.openxmlformats.org/presentationml/2006/main">
   <p:cSld>
     <p:spTree>
@@ -24743,7 +26347,7 @@
             <a:fld id="{2DD045F0-8B2A-FA4B-969F-A1574B4A39C0}" type="slidenum">
               <a:rPr lang="de-DE" smtClean="0"/>
               <a:pPr/>
-              <a:t>22</a:t>
+              <a:t>23</a:t>
             </a:fld>
             <a:endParaRPr lang="de-DE" dirty="0"/>
           </a:p>
@@ -26484,2952 +28088,7 @@
 </p:sld>
 </file>
 
-<file path=ppt/slides/slide23.xml><?xml version="1.0" encoding="utf-8"?>
-<p:sld xmlns:a="http://schemas.openxmlformats.org/drawingml/2006/main" xmlns:r="http://schemas.openxmlformats.org/officeDocument/2006/relationships" xmlns:p="http://schemas.openxmlformats.org/presentationml/2006/main">
-  <p:cSld>
-    <p:spTree>
-      <p:nvGrpSpPr>
-        <p:cNvPr id="1" name=""/>
-        <p:cNvGrpSpPr/>
-        <p:nvPr/>
-      </p:nvGrpSpPr>
-      <p:grpSpPr>
-        <a:xfrm>
-          <a:off x="0" y="0"/>
-          <a:ext cx="0" cy="0"/>
-          <a:chOff x="0" y="0"/>
-          <a:chExt cx="0" cy="0"/>
-        </a:xfrm>
-      </p:grpSpPr>
-      <p:sp>
-        <p:nvSpPr>
-          <p:cNvPr id="2" name="Titel 1"/>
-          <p:cNvSpPr>
-            <a:spLocks noGrp="1"/>
-          </p:cNvSpPr>
-          <p:nvPr>
-            <p:ph type="title"/>
-          </p:nvPr>
-        </p:nvSpPr>
-        <p:spPr>
-          <a:xfrm>
-            <a:off x="222767" y="334116"/>
-            <a:ext cx="8363416" cy="508925"/>
-          </a:xfrm>
-        </p:spPr>
-        <p:txBody>
-          <a:bodyPr/>
-          <a:lstStyle/>
-          <a:p>
-            <a:r>
-              <a:rPr lang="de-DE" sz="2800" b="1" dirty="0"/>
-              <a:t>Abgrenzung zu etablierten CDC-Lösungen</a:t>
-            </a:r>
-          </a:p>
-        </p:txBody>
-      </p:sp>
-      <p:sp>
-        <p:nvSpPr>
-          <p:cNvPr id="9" name="Textplatzhalter 12">
-            <a:extLst>
-              <a:ext uri="{FF2B5EF4-FFF2-40B4-BE49-F238E27FC236}">
-                <a16:creationId xmlns:a16="http://schemas.microsoft.com/office/drawing/2014/main" id="{7542A134-6C34-3841-A946-987F48715E38}"/>
-              </a:ext>
-            </a:extLst>
-          </p:cNvPr>
-          <p:cNvSpPr txBox="1">
-            <a:spLocks/>
-          </p:cNvSpPr>
-          <p:nvPr/>
-        </p:nvSpPr>
-        <p:spPr>
-          <a:xfrm>
-            <a:off x="260137" y="907680"/>
-            <a:ext cx="8623725" cy="610727"/>
-          </a:xfrm>
-          <a:prstGeom prst="rect">
-            <a:avLst/>
-          </a:prstGeom>
-          <a:solidFill>
-            <a:schemeClr val="bg1">
-              <a:lumMod val="95000"/>
-            </a:schemeClr>
-          </a:solidFill>
-        </p:spPr>
-        <p:txBody>
-          <a:bodyPr vert="horz" lIns="0" tIns="0" rIns="0" bIns="0" rtlCol="0">
-            <a:noAutofit/>
-          </a:bodyPr>
-          <a:lstStyle>
-            <a:lvl1pPr marL="222250" indent="-220663" algn="l" defTabSz="457200" rtl="0" eaLnBrk="1" latinLnBrk="0" hangingPunct="1">
-              <a:lnSpc>
-                <a:spcPct val="90000"/>
-              </a:lnSpc>
-              <a:spcBef>
-                <a:spcPts val="0"/>
-              </a:spcBef>
-              <a:spcAft>
-                <a:spcPts val="900"/>
-              </a:spcAft>
-              <a:buClr>
-                <a:srgbClr val="DC2314"/>
-              </a:buClr>
-              <a:buSzPct val="100000"/>
-              <a:buFont typeface="LucidaGrande" charset="0"/>
-              <a:buChar char="•"/>
-              <a:tabLst/>
-              <a:defRPr sz="1600" b="0" i="0" kern="1200" baseline="0">
-                <a:solidFill>
-                  <a:srgbClr val="5F696E"/>
-                </a:solidFill>
-                <a:latin typeface="Calibri Light" charset="0"/>
-                <a:ea typeface="Calibri Light" charset="0"/>
-                <a:cs typeface="Calibri Light" charset="0"/>
-              </a:defRPr>
-            </a:lvl1pPr>
-            <a:lvl2pPr marL="492125" indent="-225425" algn="l" defTabSz="457200" rtl="0" eaLnBrk="1" latinLnBrk="0" hangingPunct="1">
-              <a:lnSpc>
-                <a:spcPct val="90000"/>
-              </a:lnSpc>
-              <a:spcBef>
-                <a:spcPts val="0"/>
-              </a:spcBef>
-              <a:spcAft>
-                <a:spcPts val="900"/>
-              </a:spcAft>
-              <a:buClr>
-                <a:srgbClr val="DC2314"/>
-              </a:buClr>
-              <a:buSzPct val="80000"/>
-              <a:buFont typeface="Symbol" charset="2"/>
-              <a:buChar char="-"/>
-              <a:tabLst/>
-              <a:defRPr sz="1600" b="0" i="0" kern="1200" baseline="0">
-                <a:solidFill>
-                  <a:srgbClr val="5F696E"/>
-                </a:solidFill>
-                <a:latin typeface="Calibri Light" charset="0"/>
-                <a:ea typeface="Calibri Light" charset="0"/>
-                <a:cs typeface="Calibri Light" charset="0"/>
-              </a:defRPr>
-            </a:lvl2pPr>
-            <a:lvl3pPr marL="1157288" indent="-242888" algn="l" defTabSz="457200" rtl="0" eaLnBrk="1" latinLnBrk="0" hangingPunct="1">
-              <a:lnSpc>
-                <a:spcPct val="105000"/>
-              </a:lnSpc>
-              <a:spcBef>
-                <a:spcPts val="0"/>
-              </a:spcBef>
-              <a:buClr>
-                <a:srgbClr val="DC2314"/>
-              </a:buClr>
-              <a:buSzPct val="80000"/>
-              <a:buFont typeface="Symbol" charset="2"/>
-              <a:buChar char="-"/>
-              <a:tabLst/>
-              <a:defRPr sz="1600" kern="1200" baseline="0">
-                <a:solidFill>
-                  <a:schemeClr val="tx1"/>
-                </a:solidFill>
-                <a:latin typeface="Calibri Light"/>
-                <a:ea typeface="+mn-ea"/>
-                <a:cs typeface="+mn-cs"/>
-              </a:defRPr>
-            </a:lvl3pPr>
-            <a:lvl4pPr marL="1657350" indent="-285750" algn="l" defTabSz="457200" rtl="0" eaLnBrk="1" latinLnBrk="0" hangingPunct="1">
-              <a:lnSpc>
-                <a:spcPct val="105000"/>
-              </a:lnSpc>
-              <a:spcBef>
-                <a:spcPts val="0"/>
-              </a:spcBef>
-              <a:buClr>
-                <a:schemeClr val="tx1"/>
-              </a:buClr>
-              <a:buSzPct val="100000"/>
-              <a:buFont typeface="Arial"/>
-              <a:buChar char="•"/>
-              <a:defRPr sz="1600" kern="1200" baseline="0">
-                <a:solidFill>
-                  <a:schemeClr val="tx1"/>
-                </a:solidFill>
-                <a:latin typeface="Calibri Light"/>
-                <a:ea typeface="+mn-ea"/>
-                <a:cs typeface="+mn-cs"/>
-              </a:defRPr>
-            </a:lvl4pPr>
-            <a:lvl5pPr marL="2114550" indent="-285750" algn="l" defTabSz="457200" rtl="0" eaLnBrk="1" latinLnBrk="0" hangingPunct="1">
-              <a:lnSpc>
-                <a:spcPct val="105000"/>
-              </a:lnSpc>
-              <a:spcBef>
-                <a:spcPts val="0"/>
-              </a:spcBef>
-              <a:buClr>
-                <a:schemeClr val="tx1"/>
-              </a:buClr>
-              <a:buSzPct val="100000"/>
-              <a:buFont typeface="Arial"/>
-              <a:buChar char="•"/>
-              <a:defRPr sz="1600" kern="1200" baseline="0">
-                <a:solidFill>
-                  <a:schemeClr val="tx1"/>
-                </a:solidFill>
-                <a:latin typeface="Calibri Light"/>
-                <a:ea typeface="+mn-ea"/>
-                <a:cs typeface="+mn-cs"/>
-              </a:defRPr>
-            </a:lvl5pPr>
-            <a:lvl6pPr marL="2514600" indent="-228600" algn="l" defTabSz="457200" rtl="0" eaLnBrk="1" latinLnBrk="0" hangingPunct="1">
-              <a:spcBef>
-                <a:spcPct val="20000"/>
-              </a:spcBef>
-              <a:buFont typeface="Arial"/>
-              <a:buChar char="•"/>
-              <a:defRPr sz="2000" kern="1200">
-                <a:solidFill>
-                  <a:schemeClr val="tx1"/>
-                </a:solidFill>
-                <a:latin typeface="+mn-lt"/>
-                <a:ea typeface="+mn-ea"/>
-                <a:cs typeface="+mn-cs"/>
-              </a:defRPr>
-            </a:lvl6pPr>
-            <a:lvl7pPr marL="2971800" indent="-228600" algn="l" defTabSz="457200" rtl="0" eaLnBrk="1" latinLnBrk="0" hangingPunct="1">
-              <a:spcBef>
-                <a:spcPct val="20000"/>
-              </a:spcBef>
-              <a:buFont typeface="Arial"/>
-              <a:buChar char="•"/>
-              <a:defRPr sz="2000" kern="1200">
-                <a:solidFill>
-                  <a:schemeClr val="tx1"/>
-                </a:solidFill>
-                <a:latin typeface="+mn-lt"/>
-                <a:ea typeface="+mn-ea"/>
-                <a:cs typeface="+mn-cs"/>
-              </a:defRPr>
-            </a:lvl7pPr>
-            <a:lvl8pPr marL="3429000" indent="-228600" algn="l" defTabSz="457200" rtl="0" eaLnBrk="1" latinLnBrk="0" hangingPunct="1">
-              <a:spcBef>
-                <a:spcPct val="20000"/>
-              </a:spcBef>
-              <a:buFont typeface="Arial"/>
-              <a:buChar char="•"/>
-              <a:defRPr sz="2000" kern="1200">
-                <a:solidFill>
-                  <a:schemeClr val="tx1"/>
-                </a:solidFill>
-                <a:latin typeface="+mn-lt"/>
-                <a:ea typeface="+mn-ea"/>
-                <a:cs typeface="+mn-cs"/>
-              </a:defRPr>
-            </a:lvl8pPr>
-            <a:lvl9pPr marL="3886200" indent="-228600" algn="l" defTabSz="457200" rtl="0" eaLnBrk="1" latinLnBrk="0" hangingPunct="1">
-              <a:spcBef>
-                <a:spcPct val="20000"/>
-              </a:spcBef>
-              <a:buFont typeface="Arial"/>
-              <a:buChar char="•"/>
-              <a:defRPr sz="2000" kern="1200">
-                <a:solidFill>
-                  <a:schemeClr val="tx1"/>
-                </a:solidFill>
-                <a:latin typeface="+mn-lt"/>
-                <a:ea typeface="+mn-ea"/>
-                <a:cs typeface="+mn-cs"/>
-              </a:defRPr>
-            </a:lvl9pPr>
-          </a:lstStyle>
-          <a:p>
-            <a:pPr marL="266700" indent="-177800">
-              <a:buFont typeface="LucidaGrande" charset="0"/>
-              <a:buNone/>
-            </a:pPr>
-            <a:endParaRPr lang="de-DE" sz="100" b="1" dirty="0">
-              <a:latin typeface="Calibri" charset="0"/>
-              <a:ea typeface="Calibri" charset="0"/>
-              <a:cs typeface="Calibri" charset="0"/>
-            </a:endParaRPr>
-          </a:p>
-          <a:p>
-            <a:pPr marL="374650" indent="-285750"/>
-            <a:r>
-              <a:rPr lang="de-DE" dirty="0">
-                <a:latin typeface="+mn-lt"/>
-                <a:ea typeface="Calibri" charset="0"/>
-                <a:cs typeface="Calibri" charset="0"/>
-              </a:rPr>
-              <a:t>Es existiert eine vielfältige Anzahl von Lösungen für Change Data Capture, sowohl kommerziell als auch Open Source (Oracle Golden Gate, Quest </a:t>
-            </a:r>
-            <a:r>
-              <a:rPr lang="de-DE" dirty="0" err="1">
-                <a:latin typeface="+mn-lt"/>
-                <a:ea typeface="Calibri" charset="0"/>
-                <a:cs typeface="Calibri" charset="0"/>
-              </a:rPr>
-              <a:t>SharePlex</a:t>
-            </a:r>
-            <a:r>
-              <a:rPr lang="de-DE" dirty="0">
-                <a:latin typeface="+mn-lt"/>
-                <a:ea typeface="Calibri" charset="0"/>
-                <a:cs typeface="Calibri" charset="0"/>
-              </a:rPr>
-              <a:t>, </a:t>
-            </a:r>
-            <a:r>
-              <a:rPr lang="de-DE" dirty="0" err="1">
-                <a:latin typeface="+mn-lt"/>
-                <a:ea typeface="Calibri" charset="0"/>
-                <a:cs typeface="Calibri" charset="0"/>
-              </a:rPr>
-              <a:t>Red</a:t>
-            </a:r>
-            <a:r>
-              <a:rPr lang="de-DE" dirty="0">
-                <a:latin typeface="+mn-lt"/>
-                <a:ea typeface="Calibri" charset="0"/>
-                <a:cs typeface="Calibri" charset="0"/>
-              </a:rPr>
-              <a:t> Hat </a:t>
-            </a:r>
-            <a:r>
-              <a:rPr lang="de-DE" dirty="0" err="1">
-                <a:latin typeface="+mn-lt"/>
-                <a:ea typeface="Calibri" charset="0"/>
-                <a:cs typeface="Calibri" charset="0"/>
-              </a:rPr>
-              <a:t>Debezium</a:t>
-            </a:r>
-            <a:r>
-              <a:rPr lang="de-DE" dirty="0">
-                <a:latin typeface="+mn-lt"/>
-                <a:ea typeface="Calibri" charset="0"/>
-                <a:cs typeface="Calibri" charset="0"/>
-              </a:rPr>
-              <a:t> etc.)</a:t>
-            </a:r>
-          </a:p>
-        </p:txBody>
-      </p:sp>
-      <p:sp>
-        <p:nvSpPr>
-          <p:cNvPr id="6" name="Textplatzhalter 12">
-            <a:extLst>
-              <a:ext uri="{FF2B5EF4-FFF2-40B4-BE49-F238E27FC236}">
-                <a16:creationId xmlns:a16="http://schemas.microsoft.com/office/drawing/2014/main" id="{9671B04B-82D1-DC40-8FA3-34417CF13278}"/>
-              </a:ext>
-            </a:extLst>
-          </p:cNvPr>
-          <p:cNvSpPr txBox="1">
-            <a:spLocks/>
-          </p:cNvSpPr>
-          <p:nvPr/>
-        </p:nvSpPr>
-        <p:spPr>
-          <a:xfrm>
-            <a:off x="260136" y="1569084"/>
-            <a:ext cx="8623725" cy="610727"/>
-          </a:xfrm>
-          <a:prstGeom prst="rect">
-            <a:avLst/>
-          </a:prstGeom>
-          <a:solidFill>
-            <a:schemeClr val="bg1">
-              <a:lumMod val="95000"/>
-            </a:schemeClr>
-          </a:solidFill>
-        </p:spPr>
-        <p:txBody>
-          <a:bodyPr vert="horz" lIns="0" tIns="0" rIns="0" bIns="0" rtlCol="0">
-            <a:noAutofit/>
-          </a:bodyPr>
-          <a:lstStyle>
-            <a:lvl1pPr marL="222250" indent="-220663" algn="l" defTabSz="457200" rtl="0" eaLnBrk="1" latinLnBrk="0" hangingPunct="1">
-              <a:lnSpc>
-                <a:spcPct val="90000"/>
-              </a:lnSpc>
-              <a:spcBef>
-                <a:spcPts val="0"/>
-              </a:spcBef>
-              <a:spcAft>
-                <a:spcPts val="900"/>
-              </a:spcAft>
-              <a:buClr>
-                <a:srgbClr val="DC2314"/>
-              </a:buClr>
-              <a:buSzPct val="100000"/>
-              <a:buFont typeface="LucidaGrande" charset="0"/>
-              <a:buChar char="•"/>
-              <a:tabLst/>
-              <a:defRPr sz="1600" b="0" i="0" kern="1200" baseline="0">
-                <a:solidFill>
-                  <a:srgbClr val="5F696E"/>
-                </a:solidFill>
-                <a:latin typeface="Calibri Light" charset="0"/>
-                <a:ea typeface="Calibri Light" charset="0"/>
-                <a:cs typeface="Calibri Light" charset="0"/>
-              </a:defRPr>
-            </a:lvl1pPr>
-            <a:lvl2pPr marL="492125" indent="-225425" algn="l" defTabSz="457200" rtl="0" eaLnBrk="1" latinLnBrk="0" hangingPunct="1">
-              <a:lnSpc>
-                <a:spcPct val="90000"/>
-              </a:lnSpc>
-              <a:spcBef>
-                <a:spcPts val="0"/>
-              </a:spcBef>
-              <a:spcAft>
-                <a:spcPts val="900"/>
-              </a:spcAft>
-              <a:buClr>
-                <a:srgbClr val="DC2314"/>
-              </a:buClr>
-              <a:buSzPct val="80000"/>
-              <a:buFont typeface="Symbol" charset="2"/>
-              <a:buChar char="-"/>
-              <a:tabLst/>
-              <a:defRPr sz="1600" b="0" i="0" kern="1200" baseline="0">
-                <a:solidFill>
-                  <a:srgbClr val="5F696E"/>
-                </a:solidFill>
-                <a:latin typeface="Calibri Light" charset="0"/>
-                <a:ea typeface="Calibri Light" charset="0"/>
-                <a:cs typeface="Calibri Light" charset="0"/>
-              </a:defRPr>
-            </a:lvl2pPr>
-            <a:lvl3pPr marL="1157288" indent="-242888" algn="l" defTabSz="457200" rtl="0" eaLnBrk="1" latinLnBrk="0" hangingPunct="1">
-              <a:lnSpc>
-                <a:spcPct val="105000"/>
-              </a:lnSpc>
-              <a:spcBef>
-                <a:spcPts val="0"/>
-              </a:spcBef>
-              <a:buClr>
-                <a:srgbClr val="DC2314"/>
-              </a:buClr>
-              <a:buSzPct val="80000"/>
-              <a:buFont typeface="Symbol" charset="2"/>
-              <a:buChar char="-"/>
-              <a:tabLst/>
-              <a:defRPr sz="1600" kern="1200" baseline="0">
-                <a:solidFill>
-                  <a:schemeClr val="tx1"/>
-                </a:solidFill>
-                <a:latin typeface="Calibri Light"/>
-                <a:ea typeface="+mn-ea"/>
-                <a:cs typeface="+mn-cs"/>
-              </a:defRPr>
-            </a:lvl3pPr>
-            <a:lvl4pPr marL="1657350" indent="-285750" algn="l" defTabSz="457200" rtl="0" eaLnBrk="1" latinLnBrk="0" hangingPunct="1">
-              <a:lnSpc>
-                <a:spcPct val="105000"/>
-              </a:lnSpc>
-              <a:spcBef>
-                <a:spcPts val="0"/>
-              </a:spcBef>
-              <a:buClr>
-                <a:schemeClr val="tx1"/>
-              </a:buClr>
-              <a:buSzPct val="100000"/>
-              <a:buFont typeface="Arial"/>
-              <a:buChar char="•"/>
-              <a:defRPr sz="1600" kern="1200" baseline="0">
-                <a:solidFill>
-                  <a:schemeClr val="tx1"/>
-                </a:solidFill>
-                <a:latin typeface="Calibri Light"/>
-                <a:ea typeface="+mn-ea"/>
-                <a:cs typeface="+mn-cs"/>
-              </a:defRPr>
-            </a:lvl4pPr>
-            <a:lvl5pPr marL="2114550" indent="-285750" algn="l" defTabSz="457200" rtl="0" eaLnBrk="1" latinLnBrk="0" hangingPunct="1">
-              <a:lnSpc>
-                <a:spcPct val="105000"/>
-              </a:lnSpc>
-              <a:spcBef>
-                <a:spcPts val="0"/>
-              </a:spcBef>
-              <a:buClr>
-                <a:schemeClr val="tx1"/>
-              </a:buClr>
-              <a:buSzPct val="100000"/>
-              <a:buFont typeface="Arial"/>
-              <a:buChar char="•"/>
-              <a:defRPr sz="1600" kern="1200" baseline="0">
-                <a:solidFill>
-                  <a:schemeClr val="tx1"/>
-                </a:solidFill>
-                <a:latin typeface="Calibri Light"/>
-                <a:ea typeface="+mn-ea"/>
-                <a:cs typeface="+mn-cs"/>
-              </a:defRPr>
-            </a:lvl5pPr>
-            <a:lvl6pPr marL="2514600" indent="-228600" algn="l" defTabSz="457200" rtl="0" eaLnBrk="1" latinLnBrk="0" hangingPunct="1">
-              <a:spcBef>
-                <a:spcPct val="20000"/>
-              </a:spcBef>
-              <a:buFont typeface="Arial"/>
-              <a:buChar char="•"/>
-              <a:defRPr sz="2000" kern="1200">
-                <a:solidFill>
-                  <a:schemeClr val="tx1"/>
-                </a:solidFill>
-                <a:latin typeface="+mn-lt"/>
-                <a:ea typeface="+mn-ea"/>
-                <a:cs typeface="+mn-cs"/>
-              </a:defRPr>
-            </a:lvl6pPr>
-            <a:lvl7pPr marL="2971800" indent="-228600" algn="l" defTabSz="457200" rtl="0" eaLnBrk="1" latinLnBrk="0" hangingPunct="1">
-              <a:spcBef>
-                <a:spcPct val="20000"/>
-              </a:spcBef>
-              <a:buFont typeface="Arial"/>
-              <a:buChar char="•"/>
-              <a:defRPr sz="2000" kern="1200">
-                <a:solidFill>
-                  <a:schemeClr val="tx1"/>
-                </a:solidFill>
-                <a:latin typeface="+mn-lt"/>
-                <a:ea typeface="+mn-ea"/>
-                <a:cs typeface="+mn-cs"/>
-              </a:defRPr>
-            </a:lvl7pPr>
-            <a:lvl8pPr marL="3429000" indent="-228600" algn="l" defTabSz="457200" rtl="0" eaLnBrk="1" latinLnBrk="0" hangingPunct="1">
-              <a:spcBef>
-                <a:spcPct val="20000"/>
-              </a:spcBef>
-              <a:buFont typeface="Arial"/>
-              <a:buChar char="•"/>
-              <a:defRPr sz="2000" kern="1200">
-                <a:solidFill>
-                  <a:schemeClr val="tx1"/>
-                </a:solidFill>
-                <a:latin typeface="+mn-lt"/>
-                <a:ea typeface="+mn-ea"/>
-                <a:cs typeface="+mn-cs"/>
-              </a:defRPr>
-            </a:lvl8pPr>
-            <a:lvl9pPr marL="3886200" indent="-228600" algn="l" defTabSz="457200" rtl="0" eaLnBrk="1" latinLnBrk="0" hangingPunct="1">
-              <a:spcBef>
-                <a:spcPct val="20000"/>
-              </a:spcBef>
-              <a:buFont typeface="Arial"/>
-              <a:buChar char="•"/>
-              <a:defRPr sz="2000" kern="1200">
-                <a:solidFill>
-                  <a:schemeClr val="tx1"/>
-                </a:solidFill>
-                <a:latin typeface="+mn-lt"/>
-                <a:ea typeface="+mn-ea"/>
-                <a:cs typeface="+mn-cs"/>
-              </a:defRPr>
-            </a:lvl9pPr>
-          </a:lstStyle>
-          <a:p>
-            <a:pPr marL="266700" indent="-177800">
-              <a:buFont typeface="LucidaGrande" charset="0"/>
-              <a:buNone/>
-            </a:pPr>
-            <a:endParaRPr lang="de-DE" sz="100" b="1" dirty="0">
-              <a:latin typeface="Calibri" charset="0"/>
-              <a:ea typeface="Calibri" charset="0"/>
-              <a:cs typeface="Calibri" charset="0"/>
-            </a:endParaRPr>
-          </a:p>
-          <a:p>
-            <a:pPr marL="374650" indent="-285750"/>
-            <a:r>
-              <a:rPr lang="de-DE" dirty="0">
-                <a:latin typeface="+mn-lt"/>
-                <a:cs typeface="Calibri" charset="0"/>
-              </a:rPr>
-              <a:t>Die meisten basieren auf dem Scannen der Transaktionslogs einer DB </a:t>
-            </a:r>
-            <a:br>
-              <a:rPr lang="de-DE" dirty="0">
-                <a:latin typeface="+mn-lt"/>
-                <a:cs typeface="Calibri" charset="0"/>
-              </a:rPr>
-            </a:br>
-            <a:r>
-              <a:rPr lang="de-DE" dirty="0">
-                <a:latin typeface="+mn-lt"/>
-                <a:cs typeface="Calibri" charset="0"/>
-              </a:rPr>
-              <a:t>(spätes Filtern auf relevante Events)</a:t>
-            </a:r>
-          </a:p>
-        </p:txBody>
-      </p:sp>
-      <p:sp>
-        <p:nvSpPr>
-          <p:cNvPr id="7" name="Textplatzhalter 12">
-            <a:extLst>
-              <a:ext uri="{FF2B5EF4-FFF2-40B4-BE49-F238E27FC236}">
-                <a16:creationId xmlns:a16="http://schemas.microsoft.com/office/drawing/2014/main" id="{3CB05B99-241A-124E-A6CB-70962CCB3346}"/>
-              </a:ext>
-            </a:extLst>
-          </p:cNvPr>
-          <p:cNvSpPr txBox="1">
-            <a:spLocks/>
-          </p:cNvSpPr>
-          <p:nvPr/>
-        </p:nvSpPr>
-        <p:spPr>
-          <a:xfrm>
-            <a:off x="260135" y="2234112"/>
-            <a:ext cx="8623725" cy="417676"/>
-          </a:xfrm>
-          <a:prstGeom prst="rect">
-            <a:avLst/>
-          </a:prstGeom>
-          <a:solidFill>
-            <a:schemeClr val="bg1">
-              <a:lumMod val="95000"/>
-            </a:schemeClr>
-          </a:solidFill>
-        </p:spPr>
-        <p:txBody>
-          <a:bodyPr vert="horz" lIns="0" tIns="0" rIns="0" bIns="0" rtlCol="0">
-            <a:noAutofit/>
-          </a:bodyPr>
-          <a:lstStyle>
-            <a:lvl1pPr marL="222250" indent="-220663" algn="l" defTabSz="457200" rtl="0" eaLnBrk="1" latinLnBrk="0" hangingPunct="1">
-              <a:lnSpc>
-                <a:spcPct val="90000"/>
-              </a:lnSpc>
-              <a:spcBef>
-                <a:spcPts val="0"/>
-              </a:spcBef>
-              <a:spcAft>
-                <a:spcPts val="900"/>
-              </a:spcAft>
-              <a:buClr>
-                <a:srgbClr val="DC2314"/>
-              </a:buClr>
-              <a:buSzPct val="100000"/>
-              <a:buFont typeface="LucidaGrande" charset="0"/>
-              <a:buChar char="•"/>
-              <a:tabLst/>
-              <a:defRPr sz="1600" b="0" i="0" kern="1200" baseline="0">
-                <a:solidFill>
-                  <a:srgbClr val="5F696E"/>
-                </a:solidFill>
-                <a:latin typeface="Calibri Light" charset="0"/>
-                <a:ea typeface="Calibri Light" charset="0"/>
-                <a:cs typeface="Calibri Light" charset="0"/>
-              </a:defRPr>
-            </a:lvl1pPr>
-            <a:lvl2pPr marL="492125" indent="-225425" algn="l" defTabSz="457200" rtl="0" eaLnBrk="1" latinLnBrk="0" hangingPunct="1">
-              <a:lnSpc>
-                <a:spcPct val="90000"/>
-              </a:lnSpc>
-              <a:spcBef>
-                <a:spcPts val="0"/>
-              </a:spcBef>
-              <a:spcAft>
-                <a:spcPts val="900"/>
-              </a:spcAft>
-              <a:buClr>
-                <a:srgbClr val="DC2314"/>
-              </a:buClr>
-              <a:buSzPct val="80000"/>
-              <a:buFont typeface="Symbol" charset="2"/>
-              <a:buChar char="-"/>
-              <a:tabLst/>
-              <a:defRPr sz="1600" b="0" i="0" kern="1200" baseline="0">
-                <a:solidFill>
-                  <a:srgbClr val="5F696E"/>
-                </a:solidFill>
-                <a:latin typeface="Calibri Light" charset="0"/>
-                <a:ea typeface="Calibri Light" charset="0"/>
-                <a:cs typeface="Calibri Light" charset="0"/>
-              </a:defRPr>
-            </a:lvl2pPr>
-            <a:lvl3pPr marL="1157288" indent="-242888" algn="l" defTabSz="457200" rtl="0" eaLnBrk="1" latinLnBrk="0" hangingPunct="1">
-              <a:lnSpc>
-                <a:spcPct val="105000"/>
-              </a:lnSpc>
-              <a:spcBef>
-                <a:spcPts val="0"/>
-              </a:spcBef>
-              <a:buClr>
-                <a:srgbClr val="DC2314"/>
-              </a:buClr>
-              <a:buSzPct val="80000"/>
-              <a:buFont typeface="Symbol" charset="2"/>
-              <a:buChar char="-"/>
-              <a:tabLst/>
-              <a:defRPr sz="1600" kern="1200" baseline="0">
-                <a:solidFill>
-                  <a:schemeClr val="tx1"/>
-                </a:solidFill>
-                <a:latin typeface="Calibri Light"/>
-                <a:ea typeface="+mn-ea"/>
-                <a:cs typeface="+mn-cs"/>
-              </a:defRPr>
-            </a:lvl3pPr>
-            <a:lvl4pPr marL="1657350" indent="-285750" algn="l" defTabSz="457200" rtl="0" eaLnBrk="1" latinLnBrk="0" hangingPunct="1">
-              <a:lnSpc>
-                <a:spcPct val="105000"/>
-              </a:lnSpc>
-              <a:spcBef>
-                <a:spcPts val="0"/>
-              </a:spcBef>
-              <a:buClr>
-                <a:schemeClr val="tx1"/>
-              </a:buClr>
-              <a:buSzPct val="100000"/>
-              <a:buFont typeface="Arial"/>
-              <a:buChar char="•"/>
-              <a:defRPr sz="1600" kern="1200" baseline="0">
-                <a:solidFill>
-                  <a:schemeClr val="tx1"/>
-                </a:solidFill>
-                <a:latin typeface="Calibri Light"/>
-                <a:ea typeface="+mn-ea"/>
-                <a:cs typeface="+mn-cs"/>
-              </a:defRPr>
-            </a:lvl4pPr>
-            <a:lvl5pPr marL="2114550" indent="-285750" algn="l" defTabSz="457200" rtl="0" eaLnBrk="1" latinLnBrk="0" hangingPunct="1">
-              <a:lnSpc>
-                <a:spcPct val="105000"/>
-              </a:lnSpc>
-              <a:spcBef>
-                <a:spcPts val="0"/>
-              </a:spcBef>
-              <a:buClr>
-                <a:schemeClr val="tx1"/>
-              </a:buClr>
-              <a:buSzPct val="100000"/>
-              <a:buFont typeface="Arial"/>
-              <a:buChar char="•"/>
-              <a:defRPr sz="1600" kern="1200" baseline="0">
-                <a:solidFill>
-                  <a:schemeClr val="tx1"/>
-                </a:solidFill>
-                <a:latin typeface="Calibri Light"/>
-                <a:ea typeface="+mn-ea"/>
-                <a:cs typeface="+mn-cs"/>
-              </a:defRPr>
-            </a:lvl5pPr>
-            <a:lvl6pPr marL="2514600" indent="-228600" algn="l" defTabSz="457200" rtl="0" eaLnBrk="1" latinLnBrk="0" hangingPunct="1">
-              <a:spcBef>
-                <a:spcPct val="20000"/>
-              </a:spcBef>
-              <a:buFont typeface="Arial"/>
-              <a:buChar char="•"/>
-              <a:defRPr sz="2000" kern="1200">
-                <a:solidFill>
-                  <a:schemeClr val="tx1"/>
-                </a:solidFill>
-                <a:latin typeface="+mn-lt"/>
-                <a:ea typeface="+mn-ea"/>
-                <a:cs typeface="+mn-cs"/>
-              </a:defRPr>
-            </a:lvl6pPr>
-            <a:lvl7pPr marL="2971800" indent="-228600" algn="l" defTabSz="457200" rtl="0" eaLnBrk="1" latinLnBrk="0" hangingPunct="1">
-              <a:spcBef>
-                <a:spcPct val="20000"/>
-              </a:spcBef>
-              <a:buFont typeface="Arial"/>
-              <a:buChar char="•"/>
-              <a:defRPr sz="2000" kern="1200">
-                <a:solidFill>
-                  <a:schemeClr val="tx1"/>
-                </a:solidFill>
-                <a:latin typeface="+mn-lt"/>
-                <a:ea typeface="+mn-ea"/>
-                <a:cs typeface="+mn-cs"/>
-              </a:defRPr>
-            </a:lvl7pPr>
-            <a:lvl8pPr marL="3429000" indent="-228600" algn="l" defTabSz="457200" rtl="0" eaLnBrk="1" latinLnBrk="0" hangingPunct="1">
-              <a:spcBef>
-                <a:spcPct val="20000"/>
-              </a:spcBef>
-              <a:buFont typeface="Arial"/>
-              <a:buChar char="•"/>
-              <a:defRPr sz="2000" kern="1200">
-                <a:solidFill>
-                  <a:schemeClr val="tx1"/>
-                </a:solidFill>
-                <a:latin typeface="+mn-lt"/>
-                <a:ea typeface="+mn-ea"/>
-                <a:cs typeface="+mn-cs"/>
-              </a:defRPr>
-            </a:lvl8pPr>
-            <a:lvl9pPr marL="3886200" indent="-228600" algn="l" defTabSz="457200" rtl="0" eaLnBrk="1" latinLnBrk="0" hangingPunct="1">
-              <a:spcBef>
-                <a:spcPct val="20000"/>
-              </a:spcBef>
-              <a:buFont typeface="Arial"/>
-              <a:buChar char="•"/>
-              <a:defRPr sz="2000" kern="1200">
-                <a:solidFill>
-                  <a:schemeClr val="tx1"/>
-                </a:solidFill>
-                <a:latin typeface="+mn-lt"/>
-                <a:ea typeface="+mn-ea"/>
-                <a:cs typeface="+mn-cs"/>
-              </a:defRPr>
-            </a:lvl9pPr>
-          </a:lstStyle>
-          <a:p>
-            <a:pPr marL="266700" indent="-177800">
-              <a:buFont typeface="LucidaGrande" charset="0"/>
-              <a:buNone/>
-            </a:pPr>
-            <a:endParaRPr lang="de-DE" sz="100" b="1" dirty="0">
-              <a:latin typeface="Calibri" charset="0"/>
-              <a:ea typeface="Calibri" charset="0"/>
-              <a:cs typeface="Calibri" charset="0"/>
-            </a:endParaRPr>
-          </a:p>
-          <a:p>
-            <a:pPr marL="374650" indent="-285750"/>
-            <a:r>
-              <a:rPr lang="de-DE" dirty="0">
-                <a:latin typeface="+mn-lt"/>
-                <a:cs typeface="Calibri" charset="0"/>
-              </a:rPr>
-              <a:t>Damit kein Impact zur Laufzeit der originalen Transaktionen, jedoch:</a:t>
-            </a:r>
-          </a:p>
-        </p:txBody>
-      </p:sp>
-      <p:sp>
-        <p:nvSpPr>
-          <p:cNvPr id="8" name="Textplatzhalter 12">
-            <a:extLst>
-              <a:ext uri="{FF2B5EF4-FFF2-40B4-BE49-F238E27FC236}">
-                <a16:creationId xmlns:a16="http://schemas.microsoft.com/office/drawing/2014/main" id="{66127F30-ABAF-194F-B5B7-1159BC8DEBC7}"/>
-              </a:ext>
-            </a:extLst>
-          </p:cNvPr>
-          <p:cNvSpPr txBox="1">
-            <a:spLocks/>
-          </p:cNvSpPr>
-          <p:nvPr/>
-        </p:nvSpPr>
-        <p:spPr>
-          <a:xfrm>
-            <a:off x="260137" y="4486686"/>
-            <a:ext cx="8623725" cy="606480"/>
-          </a:xfrm>
-          <a:prstGeom prst="rect">
-            <a:avLst/>
-          </a:prstGeom>
-          <a:solidFill>
-            <a:schemeClr val="bg1">
-              <a:lumMod val="95000"/>
-            </a:schemeClr>
-          </a:solidFill>
-        </p:spPr>
-        <p:txBody>
-          <a:bodyPr vert="horz" lIns="0" tIns="0" rIns="0" bIns="0" rtlCol="0">
-            <a:noAutofit/>
-          </a:bodyPr>
-          <a:lstStyle>
-            <a:lvl1pPr marL="222250" indent="-220663" algn="l" defTabSz="457200" rtl="0" eaLnBrk="1" latinLnBrk="0" hangingPunct="1">
-              <a:lnSpc>
-                <a:spcPct val="90000"/>
-              </a:lnSpc>
-              <a:spcBef>
-                <a:spcPts val="0"/>
-              </a:spcBef>
-              <a:spcAft>
-                <a:spcPts val="900"/>
-              </a:spcAft>
-              <a:buClr>
-                <a:srgbClr val="DC2314"/>
-              </a:buClr>
-              <a:buSzPct val="100000"/>
-              <a:buFont typeface="LucidaGrande" charset="0"/>
-              <a:buChar char="•"/>
-              <a:tabLst/>
-              <a:defRPr sz="1600" b="0" i="0" kern="1200" baseline="0">
-                <a:solidFill>
-                  <a:srgbClr val="5F696E"/>
-                </a:solidFill>
-                <a:latin typeface="Calibri Light" charset="0"/>
-                <a:ea typeface="Calibri Light" charset="0"/>
-                <a:cs typeface="Calibri Light" charset="0"/>
-              </a:defRPr>
-            </a:lvl1pPr>
-            <a:lvl2pPr marL="492125" indent="-225425" algn="l" defTabSz="457200" rtl="0" eaLnBrk="1" latinLnBrk="0" hangingPunct="1">
-              <a:lnSpc>
-                <a:spcPct val="90000"/>
-              </a:lnSpc>
-              <a:spcBef>
-                <a:spcPts val="0"/>
-              </a:spcBef>
-              <a:spcAft>
-                <a:spcPts val="900"/>
-              </a:spcAft>
-              <a:buClr>
-                <a:srgbClr val="DC2314"/>
-              </a:buClr>
-              <a:buSzPct val="80000"/>
-              <a:buFont typeface="Symbol" charset="2"/>
-              <a:buChar char="-"/>
-              <a:tabLst/>
-              <a:defRPr sz="1600" b="0" i="0" kern="1200" baseline="0">
-                <a:solidFill>
-                  <a:srgbClr val="5F696E"/>
-                </a:solidFill>
-                <a:latin typeface="Calibri Light" charset="0"/>
-                <a:ea typeface="Calibri Light" charset="0"/>
-                <a:cs typeface="Calibri Light" charset="0"/>
-              </a:defRPr>
-            </a:lvl2pPr>
-            <a:lvl3pPr marL="1157288" indent="-242888" algn="l" defTabSz="457200" rtl="0" eaLnBrk="1" latinLnBrk="0" hangingPunct="1">
-              <a:lnSpc>
-                <a:spcPct val="105000"/>
-              </a:lnSpc>
-              <a:spcBef>
-                <a:spcPts val="0"/>
-              </a:spcBef>
-              <a:buClr>
-                <a:srgbClr val="DC2314"/>
-              </a:buClr>
-              <a:buSzPct val="80000"/>
-              <a:buFont typeface="Symbol" charset="2"/>
-              <a:buChar char="-"/>
-              <a:tabLst/>
-              <a:defRPr sz="1600" kern="1200" baseline="0">
-                <a:solidFill>
-                  <a:schemeClr val="tx1"/>
-                </a:solidFill>
-                <a:latin typeface="Calibri Light"/>
-                <a:ea typeface="+mn-ea"/>
-                <a:cs typeface="+mn-cs"/>
-              </a:defRPr>
-            </a:lvl3pPr>
-            <a:lvl4pPr marL="1657350" indent="-285750" algn="l" defTabSz="457200" rtl="0" eaLnBrk="1" latinLnBrk="0" hangingPunct="1">
-              <a:lnSpc>
-                <a:spcPct val="105000"/>
-              </a:lnSpc>
-              <a:spcBef>
-                <a:spcPts val="0"/>
-              </a:spcBef>
-              <a:buClr>
-                <a:schemeClr val="tx1"/>
-              </a:buClr>
-              <a:buSzPct val="100000"/>
-              <a:buFont typeface="Arial"/>
-              <a:buChar char="•"/>
-              <a:defRPr sz="1600" kern="1200" baseline="0">
-                <a:solidFill>
-                  <a:schemeClr val="tx1"/>
-                </a:solidFill>
-                <a:latin typeface="Calibri Light"/>
-                <a:ea typeface="+mn-ea"/>
-                <a:cs typeface="+mn-cs"/>
-              </a:defRPr>
-            </a:lvl4pPr>
-            <a:lvl5pPr marL="2114550" indent="-285750" algn="l" defTabSz="457200" rtl="0" eaLnBrk="1" latinLnBrk="0" hangingPunct="1">
-              <a:lnSpc>
-                <a:spcPct val="105000"/>
-              </a:lnSpc>
-              <a:spcBef>
-                <a:spcPts val="0"/>
-              </a:spcBef>
-              <a:buClr>
-                <a:schemeClr val="tx1"/>
-              </a:buClr>
-              <a:buSzPct val="100000"/>
-              <a:buFont typeface="Arial"/>
-              <a:buChar char="•"/>
-              <a:defRPr sz="1600" kern="1200" baseline="0">
-                <a:solidFill>
-                  <a:schemeClr val="tx1"/>
-                </a:solidFill>
-                <a:latin typeface="Calibri Light"/>
-                <a:ea typeface="+mn-ea"/>
-                <a:cs typeface="+mn-cs"/>
-              </a:defRPr>
-            </a:lvl5pPr>
-            <a:lvl6pPr marL="2514600" indent="-228600" algn="l" defTabSz="457200" rtl="0" eaLnBrk="1" latinLnBrk="0" hangingPunct="1">
-              <a:spcBef>
-                <a:spcPct val="20000"/>
-              </a:spcBef>
-              <a:buFont typeface="Arial"/>
-              <a:buChar char="•"/>
-              <a:defRPr sz="2000" kern="1200">
-                <a:solidFill>
-                  <a:schemeClr val="tx1"/>
-                </a:solidFill>
-                <a:latin typeface="+mn-lt"/>
-                <a:ea typeface="+mn-ea"/>
-                <a:cs typeface="+mn-cs"/>
-              </a:defRPr>
-            </a:lvl6pPr>
-            <a:lvl7pPr marL="2971800" indent="-228600" algn="l" defTabSz="457200" rtl="0" eaLnBrk="1" latinLnBrk="0" hangingPunct="1">
-              <a:spcBef>
-                <a:spcPct val="20000"/>
-              </a:spcBef>
-              <a:buFont typeface="Arial"/>
-              <a:buChar char="•"/>
-              <a:defRPr sz="2000" kern="1200">
-                <a:solidFill>
-                  <a:schemeClr val="tx1"/>
-                </a:solidFill>
-                <a:latin typeface="+mn-lt"/>
-                <a:ea typeface="+mn-ea"/>
-                <a:cs typeface="+mn-cs"/>
-              </a:defRPr>
-            </a:lvl7pPr>
-            <a:lvl8pPr marL="3429000" indent="-228600" algn="l" defTabSz="457200" rtl="0" eaLnBrk="1" latinLnBrk="0" hangingPunct="1">
-              <a:spcBef>
-                <a:spcPct val="20000"/>
-              </a:spcBef>
-              <a:buFont typeface="Arial"/>
-              <a:buChar char="•"/>
-              <a:defRPr sz="2000" kern="1200">
-                <a:solidFill>
-                  <a:schemeClr val="tx1"/>
-                </a:solidFill>
-                <a:latin typeface="+mn-lt"/>
-                <a:ea typeface="+mn-ea"/>
-                <a:cs typeface="+mn-cs"/>
-              </a:defRPr>
-            </a:lvl8pPr>
-            <a:lvl9pPr marL="3886200" indent="-228600" algn="l" defTabSz="457200" rtl="0" eaLnBrk="1" latinLnBrk="0" hangingPunct="1">
-              <a:spcBef>
-                <a:spcPct val="20000"/>
-              </a:spcBef>
-              <a:buFont typeface="Arial"/>
-              <a:buChar char="•"/>
-              <a:defRPr sz="2000" kern="1200">
-                <a:solidFill>
-                  <a:schemeClr val="tx1"/>
-                </a:solidFill>
-                <a:latin typeface="+mn-lt"/>
-                <a:ea typeface="+mn-ea"/>
-                <a:cs typeface="+mn-cs"/>
-              </a:defRPr>
-            </a:lvl9pPr>
-          </a:lstStyle>
-          <a:p>
-            <a:pPr marL="266700" indent="-177800">
-              <a:buFont typeface="LucidaGrande" charset="0"/>
-              <a:buNone/>
-            </a:pPr>
-            <a:endParaRPr lang="de-DE" sz="100" b="1" dirty="0">
-              <a:latin typeface="Calibri" charset="0"/>
-              <a:ea typeface="Calibri" charset="0"/>
-              <a:cs typeface="Calibri" charset="0"/>
-            </a:endParaRPr>
-          </a:p>
-          <a:p>
-            <a:pPr marL="374650" indent="-285750"/>
-            <a:r>
-              <a:rPr lang="de-DE" dirty="0">
-                <a:latin typeface="+mn-lt"/>
-                <a:cs typeface="Calibri" charset="0"/>
-              </a:rPr>
-              <a:t>Andere Pull-Alternativen wie Kafka-Connect auf JDBC-Level benötigen individuelle strukturelle Anpassungen in der Applikation um hinreichend performant zu funktionieren</a:t>
-            </a:r>
-            <a:endParaRPr lang="de-DE" dirty="0">
-              <a:latin typeface="+mn-lt"/>
-            </a:endParaRPr>
-          </a:p>
-        </p:txBody>
-      </p:sp>
-      <p:sp>
-        <p:nvSpPr>
-          <p:cNvPr id="10" name="Textplatzhalter 12">
-            <a:extLst>
-              <a:ext uri="{FF2B5EF4-FFF2-40B4-BE49-F238E27FC236}">
-                <a16:creationId xmlns:a16="http://schemas.microsoft.com/office/drawing/2014/main" id="{56C76CBC-F747-824E-81E3-867290E8C4AE}"/>
-              </a:ext>
-            </a:extLst>
-          </p:cNvPr>
-          <p:cNvSpPr txBox="1">
-            <a:spLocks/>
-          </p:cNvSpPr>
-          <p:nvPr/>
-        </p:nvSpPr>
-        <p:spPr>
-          <a:xfrm>
-            <a:off x="260134" y="2706089"/>
-            <a:ext cx="8623725" cy="606481"/>
-          </a:xfrm>
-          <a:prstGeom prst="rect">
-            <a:avLst/>
-          </a:prstGeom>
-          <a:solidFill>
-            <a:schemeClr val="bg1">
-              <a:lumMod val="95000"/>
-            </a:schemeClr>
-          </a:solidFill>
-        </p:spPr>
-        <p:txBody>
-          <a:bodyPr vert="horz" lIns="0" tIns="0" rIns="0" bIns="0" rtlCol="0">
-            <a:noAutofit/>
-          </a:bodyPr>
-          <a:lstStyle>
-            <a:lvl1pPr marL="222250" indent="-220663" algn="l" defTabSz="457200" rtl="0" eaLnBrk="1" latinLnBrk="0" hangingPunct="1">
-              <a:lnSpc>
-                <a:spcPct val="90000"/>
-              </a:lnSpc>
-              <a:spcBef>
-                <a:spcPts val="0"/>
-              </a:spcBef>
-              <a:spcAft>
-                <a:spcPts val="900"/>
-              </a:spcAft>
-              <a:buClr>
-                <a:srgbClr val="DC2314"/>
-              </a:buClr>
-              <a:buSzPct val="100000"/>
-              <a:buFont typeface="LucidaGrande" charset="0"/>
-              <a:buChar char="•"/>
-              <a:tabLst/>
-              <a:defRPr sz="1600" b="0" i="0" kern="1200" baseline="0">
-                <a:solidFill>
-                  <a:srgbClr val="5F696E"/>
-                </a:solidFill>
-                <a:latin typeface="Calibri Light" charset="0"/>
-                <a:ea typeface="Calibri Light" charset="0"/>
-                <a:cs typeface="Calibri Light" charset="0"/>
-              </a:defRPr>
-            </a:lvl1pPr>
-            <a:lvl2pPr marL="492125" indent="-225425" algn="l" defTabSz="457200" rtl="0" eaLnBrk="1" latinLnBrk="0" hangingPunct="1">
-              <a:lnSpc>
-                <a:spcPct val="90000"/>
-              </a:lnSpc>
-              <a:spcBef>
-                <a:spcPts val="0"/>
-              </a:spcBef>
-              <a:spcAft>
-                <a:spcPts val="900"/>
-              </a:spcAft>
-              <a:buClr>
-                <a:srgbClr val="DC2314"/>
-              </a:buClr>
-              <a:buSzPct val="80000"/>
-              <a:buFont typeface="Symbol" charset="2"/>
-              <a:buChar char="-"/>
-              <a:tabLst/>
-              <a:defRPr sz="1600" b="0" i="0" kern="1200" baseline="0">
-                <a:solidFill>
-                  <a:srgbClr val="5F696E"/>
-                </a:solidFill>
-                <a:latin typeface="Calibri Light" charset="0"/>
-                <a:ea typeface="Calibri Light" charset="0"/>
-                <a:cs typeface="Calibri Light" charset="0"/>
-              </a:defRPr>
-            </a:lvl2pPr>
-            <a:lvl3pPr marL="1157288" indent="-242888" algn="l" defTabSz="457200" rtl="0" eaLnBrk="1" latinLnBrk="0" hangingPunct="1">
-              <a:lnSpc>
-                <a:spcPct val="105000"/>
-              </a:lnSpc>
-              <a:spcBef>
-                <a:spcPts val="0"/>
-              </a:spcBef>
-              <a:buClr>
-                <a:srgbClr val="DC2314"/>
-              </a:buClr>
-              <a:buSzPct val="80000"/>
-              <a:buFont typeface="Symbol" charset="2"/>
-              <a:buChar char="-"/>
-              <a:tabLst/>
-              <a:defRPr sz="1600" kern="1200" baseline="0">
-                <a:solidFill>
-                  <a:schemeClr val="tx1"/>
-                </a:solidFill>
-                <a:latin typeface="Calibri Light"/>
-                <a:ea typeface="+mn-ea"/>
-                <a:cs typeface="+mn-cs"/>
-              </a:defRPr>
-            </a:lvl3pPr>
-            <a:lvl4pPr marL="1657350" indent="-285750" algn="l" defTabSz="457200" rtl="0" eaLnBrk="1" latinLnBrk="0" hangingPunct="1">
-              <a:lnSpc>
-                <a:spcPct val="105000"/>
-              </a:lnSpc>
-              <a:spcBef>
-                <a:spcPts val="0"/>
-              </a:spcBef>
-              <a:buClr>
-                <a:schemeClr val="tx1"/>
-              </a:buClr>
-              <a:buSzPct val="100000"/>
-              <a:buFont typeface="Arial"/>
-              <a:buChar char="•"/>
-              <a:defRPr sz="1600" kern="1200" baseline="0">
-                <a:solidFill>
-                  <a:schemeClr val="tx1"/>
-                </a:solidFill>
-                <a:latin typeface="Calibri Light"/>
-                <a:ea typeface="+mn-ea"/>
-                <a:cs typeface="+mn-cs"/>
-              </a:defRPr>
-            </a:lvl4pPr>
-            <a:lvl5pPr marL="2114550" indent="-285750" algn="l" defTabSz="457200" rtl="0" eaLnBrk="1" latinLnBrk="0" hangingPunct="1">
-              <a:lnSpc>
-                <a:spcPct val="105000"/>
-              </a:lnSpc>
-              <a:spcBef>
-                <a:spcPts val="0"/>
-              </a:spcBef>
-              <a:buClr>
-                <a:schemeClr val="tx1"/>
-              </a:buClr>
-              <a:buSzPct val="100000"/>
-              <a:buFont typeface="Arial"/>
-              <a:buChar char="•"/>
-              <a:defRPr sz="1600" kern="1200" baseline="0">
-                <a:solidFill>
-                  <a:schemeClr val="tx1"/>
-                </a:solidFill>
-                <a:latin typeface="Calibri Light"/>
-                <a:ea typeface="+mn-ea"/>
-                <a:cs typeface="+mn-cs"/>
-              </a:defRPr>
-            </a:lvl5pPr>
-            <a:lvl6pPr marL="2514600" indent="-228600" algn="l" defTabSz="457200" rtl="0" eaLnBrk="1" latinLnBrk="0" hangingPunct="1">
-              <a:spcBef>
-                <a:spcPct val="20000"/>
-              </a:spcBef>
-              <a:buFont typeface="Arial"/>
-              <a:buChar char="•"/>
-              <a:defRPr sz="2000" kern="1200">
-                <a:solidFill>
-                  <a:schemeClr val="tx1"/>
-                </a:solidFill>
-                <a:latin typeface="+mn-lt"/>
-                <a:ea typeface="+mn-ea"/>
-                <a:cs typeface="+mn-cs"/>
-              </a:defRPr>
-            </a:lvl6pPr>
-            <a:lvl7pPr marL="2971800" indent="-228600" algn="l" defTabSz="457200" rtl="0" eaLnBrk="1" latinLnBrk="0" hangingPunct="1">
-              <a:spcBef>
-                <a:spcPct val="20000"/>
-              </a:spcBef>
-              <a:buFont typeface="Arial"/>
-              <a:buChar char="•"/>
-              <a:defRPr sz="2000" kern="1200">
-                <a:solidFill>
-                  <a:schemeClr val="tx1"/>
-                </a:solidFill>
-                <a:latin typeface="+mn-lt"/>
-                <a:ea typeface="+mn-ea"/>
-                <a:cs typeface="+mn-cs"/>
-              </a:defRPr>
-            </a:lvl7pPr>
-            <a:lvl8pPr marL="3429000" indent="-228600" algn="l" defTabSz="457200" rtl="0" eaLnBrk="1" latinLnBrk="0" hangingPunct="1">
-              <a:spcBef>
-                <a:spcPct val="20000"/>
-              </a:spcBef>
-              <a:buFont typeface="Arial"/>
-              <a:buChar char="•"/>
-              <a:defRPr sz="2000" kern="1200">
-                <a:solidFill>
-                  <a:schemeClr val="tx1"/>
-                </a:solidFill>
-                <a:latin typeface="+mn-lt"/>
-                <a:ea typeface="+mn-ea"/>
-                <a:cs typeface="+mn-cs"/>
-              </a:defRPr>
-            </a:lvl8pPr>
-            <a:lvl9pPr marL="3886200" indent="-228600" algn="l" defTabSz="457200" rtl="0" eaLnBrk="1" latinLnBrk="0" hangingPunct="1">
-              <a:spcBef>
-                <a:spcPct val="20000"/>
-              </a:spcBef>
-              <a:buFont typeface="Arial"/>
-              <a:buChar char="•"/>
-              <a:defRPr sz="2000" kern="1200">
-                <a:solidFill>
-                  <a:schemeClr val="tx1"/>
-                </a:solidFill>
-                <a:latin typeface="+mn-lt"/>
-                <a:ea typeface="+mn-ea"/>
-                <a:cs typeface="+mn-cs"/>
-              </a:defRPr>
-            </a:lvl9pPr>
-          </a:lstStyle>
-          <a:p>
-            <a:pPr marL="266700" indent="-177800">
-              <a:buFont typeface="LucidaGrande" charset="0"/>
-              <a:buNone/>
-            </a:pPr>
-            <a:endParaRPr lang="de-DE" sz="100" b="1" dirty="0">
-              <a:latin typeface="Calibri" charset="0"/>
-              <a:ea typeface="Calibri" charset="0"/>
-              <a:cs typeface="Calibri" charset="0"/>
-            </a:endParaRPr>
-          </a:p>
-          <a:p>
-            <a:pPr marL="644525" lvl="1" indent="-285750"/>
-            <a:r>
-              <a:rPr lang="de-DE" dirty="0">
-                <a:latin typeface="+mn-lt"/>
-                <a:cs typeface="Calibri" charset="0"/>
-              </a:rPr>
-              <a:t>Die potentielle Nichtverfügbarkeit des Ziels (Kafka) automatisiert zu kompensieren erfordert die Transaktionslogs in DB vorzuhalten für die maximal anzunehmende Ausfallzeit des Ziels </a:t>
-            </a:r>
-          </a:p>
-        </p:txBody>
-      </p:sp>
-      <p:sp>
-        <p:nvSpPr>
-          <p:cNvPr id="11" name="Textplatzhalter 12">
-            <a:extLst>
-              <a:ext uri="{FF2B5EF4-FFF2-40B4-BE49-F238E27FC236}">
-                <a16:creationId xmlns:a16="http://schemas.microsoft.com/office/drawing/2014/main" id="{D90890E1-00B1-524F-AC16-6D80CDE44E22}"/>
-              </a:ext>
-            </a:extLst>
-          </p:cNvPr>
-          <p:cNvSpPr txBox="1">
-            <a:spLocks/>
-          </p:cNvSpPr>
-          <p:nvPr/>
-        </p:nvSpPr>
-        <p:spPr>
-          <a:xfrm>
-            <a:off x="260133" y="3369024"/>
-            <a:ext cx="8623725" cy="403715"/>
-          </a:xfrm>
-          <a:prstGeom prst="rect">
-            <a:avLst/>
-          </a:prstGeom>
-          <a:solidFill>
-            <a:schemeClr val="bg1">
-              <a:lumMod val="95000"/>
-            </a:schemeClr>
-          </a:solidFill>
-        </p:spPr>
-        <p:txBody>
-          <a:bodyPr vert="horz" lIns="0" tIns="0" rIns="0" bIns="0" rtlCol="0">
-            <a:noAutofit/>
-          </a:bodyPr>
-          <a:lstStyle>
-            <a:lvl1pPr marL="222250" indent="-220663" algn="l" defTabSz="457200" rtl="0" eaLnBrk="1" latinLnBrk="0" hangingPunct="1">
-              <a:lnSpc>
-                <a:spcPct val="90000"/>
-              </a:lnSpc>
-              <a:spcBef>
-                <a:spcPts val="0"/>
-              </a:spcBef>
-              <a:spcAft>
-                <a:spcPts val="900"/>
-              </a:spcAft>
-              <a:buClr>
-                <a:srgbClr val="DC2314"/>
-              </a:buClr>
-              <a:buSzPct val="100000"/>
-              <a:buFont typeface="LucidaGrande" charset="0"/>
-              <a:buChar char="•"/>
-              <a:tabLst/>
-              <a:defRPr sz="1600" b="0" i="0" kern="1200" baseline="0">
-                <a:solidFill>
-                  <a:srgbClr val="5F696E"/>
-                </a:solidFill>
-                <a:latin typeface="Calibri Light" charset="0"/>
-                <a:ea typeface="Calibri Light" charset="0"/>
-                <a:cs typeface="Calibri Light" charset="0"/>
-              </a:defRPr>
-            </a:lvl1pPr>
-            <a:lvl2pPr marL="492125" indent="-225425" algn="l" defTabSz="457200" rtl="0" eaLnBrk="1" latinLnBrk="0" hangingPunct="1">
-              <a:lnSpc>
-                <a:spcPct val="90000"/>
-              </a:lnSpc>
-              <a:spcBef>
-                <a:spcPts val="0"/>
-              </a:spcBef>
-              <a:spcAft>
-                <a:spcPts val="900"/>
-              </a:spcAft>
-              <a:buClr>
-                <a:srgbClr val="DC2314"/>
-              </a:buClr>
-              <a:buSzPct val="80000"/>
-              <a:buFont typeface="Symbol" charset="2"/>
-              <a:buChar char="-"/>
-              <a:tabLst/>
-              <a:defRPr sz="1600" b="0" i="0" kern="1200" baseline="0">
-                <a:solidFill>
-                  <a:srgbClr val="5F696E"/>
-                </a:solidFill>
-                <a:latin typeface="Calibri Light" charset="0"/>
-                <a:ea typeface="Calibri Light" charset="0"/>
-                <a:cs typeface="Calibri Light" charset="0"/>
-              </a:defRPr>
-            </a:lvl2pPr>
-            <a:lvl3pPr marL="1157288" indent="-242888" algn="l" defTabSz="457200" rtl="0" eaLnBrk="1" latinLnBrk="0" hangingPunct="1">
-              <a:lnSpc>
-                <a:spcPct val="105000"/>
-              </a:lnSpc>
-              <a:spcBef>
-                <a:spcPts val="0"/>
-              </a:spcBef>
-              <a:buClr>
-                <a:srgbClr val="DC2314"/>
-              </a:buClr>
-              <a:buSzPct val="80000"/>
-              <a:buFont typeface="Symbol" charset="2"/>
-              <a:buChar char="-"/>
-              <a:tabLst/>
-              <a:defRPr sz="1600" kern="1200" baseline="0">
-                <a:solidFill>
-                  <a:schemeClr val="tx1"/>
-                </a:solidFill>
-                <a:latin typeface="Calibri Light"/>
-                <a:ea typeface="+mn-ea"/>
-                <a:cs typeface="+mn-cs"/>
-              </a:defRPr>
-            </a:lvl3pPr>
-            <a:lvl4pPr marL="1657350" indent="-285750" algn="l" defTabSz="457200" rtl="0" eaLnBrk="1" latinLnBrk="0" hangingPunct="1">
-              <a:lnSpc>
-                <a:spcPct val="105000"/>
-              </a:lnSpc>
-              <a:spcBef>
-                <a:spcPts val="0"/>
-              </a:spcBef>
-              <a:buClr>
-                <a:schemeClr val="tx1"/>
-              </a:buClr>
-              <a:buSzPct val="100000"/>
-              <a:buFont typeface="Arial"/>
-              <a:buChar char="•"/>
-              <a:defRPr sz="1600" kern="1200" baseline="0">
-                <a:solidFill>
-                  <a:schemeClr val="tx1"/>
-                </a:solidFill>
-                <a:latin typeface="Calibri Light"/>
-                <a:ea typeface="+mn-ea"/>
-                <a:cs typeface="+mn-cs"/>
-              </a:defRPr>
-            </a:lvl4pPr>
-            <a:lvl5pPr marL="2114550" indent="-285750" algn="l" defTabSz="457200" rtl="0" eaLnBrk="1" latinLnBrk="0" hangingPunct="1">
-              <a:lnSpc>
-                <a:spcPct val="105000"/>
-              </a:lnSpc>
-              <a:spcBef>
-                <a:spcPts val="0"/>
-              </a:spcBef>
-              <a:buClr>
-                <a:schemeClr val="tx1"/>
-              </a:buClr>
-              <a:buSzPct val="100000"/>
-              <a:buFont typeface="Arial"/>
-              <a:buChar char="•"/>
-              <a:defRPr sz="1600" kern="1200" baseline="0">
-                <a:solidFill>
-                  <a:schemeClr val="tx1"/>
-                </a:solidFill>
-                <a:latin typeface="Calibri Light"/>
-                <a:ea typeface="+mn-ea"/>
-                <a:cs typeface="+mn-cs"/>
-              </a:defRPr>
-            </a:lvl5pPr>
-            <a:lvl6pPr marL="2514600" indent="-228600" algn="l" defTabSz="457200" rtl="0" eaLnBrk="1" latinLnBrk="0" hangingPunct="1">
-              <a:spcBef>
-                <a:spcPct val="20000"/>
-              </a:spcBef>
-              <a:buFont typeface="Arial"/>
-              <a:buChar char="•"/>
-              <a:defRPr sz="2000" kern="1200">
-                <a:solidFill>
-                  <a:schemeClr val="tx1"/>
-                </a:solidFill>
-                <a:latin typeface="+mn-lt"/>
-                <a:ea typeface="+mn-ea"/>
-                <a:cs typeface="+mn-cs"/>
-              </a:defRPr>
-            </a:lvl6pPr>
-            <a:lvl7pPr marL="2971800" indent="-228600" algn="l" defTabSz="457200" rtl="0" eaLnBrk="1" latinLnBrk="0" hangingPunct="1">
-              <a:spcBef>
-                <a:spcPct val="20000"/>
-              </a:spcBef>
-              <a:buFont typeface="Arial"/>
-              <a:buChar char="•"/>
-              <a:defRPr sz="2000" kern="1200">
-                <a:solidFill>
-                  <a:schemeClr val="tx1"/>
-                </a:solidFill>
-                <a:latin typeface="+mn-lt"/>
-                <a:ea typeface="+mn-ea"/>
-                <a:cs typeface="+mn-cs"/>
-              </a:defRPr>
-            </a:lvl7pPr>
-            <a:lvl8pPr marL="3429000" indent="-228600" algn="l" defTabSz="457200" rtl="0" eaLnBrk="1" latinLnBrk="0" hangingPunct="1">
-              <a:spcBef>
-                <a:spcPct val="20000"/>
-              </a:spcBef>
-              <a:buFont typeface="Arial"/>
-              <a:buChar char="•"/>
-              <a:defRPr sz="2000" kern="1200">
-                <a:solidFill>
-                  <a:schemeClr val="tx1"/>
-                </a:solidFill>
-                <a:latin typeface="+mn-lt"/>
-                <a:ea typeface="+mn-ea"/>
-                <a:cs typeface="+mn-cs"/>
-              </a:defRPr>
-            </a:lvl8pPr>
-            <a:lvl9pPr marL="3886200" indent="-228600" algn="l" defTabSz="457200" rtl="0" eaLnBrk="1" latinLnBrk="0" hangingPunct="1">
-              <a:spcBef>
-                <a:spcPct val="20000"/>
-              </a:spcBef>
-              <a:buFont typeface="Arial"/>
-              <a:buChar char="•"/>
-              <a:defRPr sz="2000" kern="1200">
-                <a:solidFill>
-                  <a:schemeClr val="tx1"/>
-                </a:solidFill>
-                <a:latin typeface="+mn-lt"/>
-                <a:ea typeface="+mn-ea"/>
-                <a:cs typeface="+mn-cs"/>
-              </a:defRPr>
-            </a:lvl9pPr>
-          </a:lstStyle>
-          <a:p>
-            <a:pPr marL="266700" indent="-177800">
-              <a:buFont typeface="LucidaGrande" charset="0"/>
-              <a:buNone/>
-            </a:pPr>
-            <a:endParaRPr lang="de-DE" sz="100" b="1" dirty="0">
-              <a:latin typeface="Calibri" charset="0"/>
-              <a:ea typeface="Calibri" charset="0"/>
-              <a:cs typeface="Calibri" charset="0"/>
-            </a:endParaRPr>
-          </a:p>
-          <a:p>
-            <a:pPr marL="644525" lvl="1" indent="-285750"/>
-            <a:r>
-              <a:rPr lang="de-DE" dirty="0">
-                <a:latin typeface="+mn-lt"/>
-                <a:cs typeface="Calibri" charset="0"/>
-              </a:rPr>
-              <a:t>Mit Berücksichtigung von Reaktionszeit, Wochenenden etc. heißt das i.d.R. mindestens 3 Tage</a:t>
-            </a:r>
-          </a:p>
-        </p:txBody>
-      </p:sp>
-      <p:sp>
-        <p:nvSpPr>
-          <p:cNvPr id="12" name="Textplatzhalter 12">
-            <a:extLst>
-              <a:ext uri="{FF2B5EF4-FFF2-40B4-BE49-F238E27FC236}">
-                <a16:creationId xmlns:a16="http://schemas.microsoft.com/office/drawing/2014/main" id="{7526831C-FB4C-E940-8F61-52D6F927FD06}"/>
-              </a:ext>
-            </a:extLst>
-          </p:cNvPr>
-          <p:cNvSpPr txBox="1">
-            <a:spLocks/>
-          </p:cNvSpPr>
-          <p:nvPr/>
-        </p:nvSpPr>
-        <p:spPr>
-          <a:xfrm>
-            <a:off x="260133" y="3841001"/>
-            <a:ext cx="8623725" cy="592519"/>
-          </a:xfrm>
-          <a:prstGeom prst="rect">
-            <a:avLst/>
-          </a:prstGeom>
-          <a:solidFill>
-            <a:schemeClr val="bg1">
-              <a:lumMod val="95000"/>
-            </a:schemeClr>
-          </a:solidFill>
-        </p:spPr>
-        <p:txBody>
-          <a:bodyPr vert="horz" lIns="0" tIns="0" rIns="0" bIns="0" rtlCol="0">
-            <a:noAutofit/>
-          </a:bodyPr>
-          <a:lstStyle>
-            <a:lvl1pPr marL="222250" indent="-220663" algn="l" defTabSz="457200" rtl="0" eaLnBrk="1" latinLnBrk="0" hangingPunct="1">
-              <a:lnSpc>
-                <a:spcPct val="90000"/>
-              </a:lnSpc>
-              <a:spcBef>
-                <a:spcPts val="0"/>
-              </a:spcBef>
-              <a:spcAft>
-                <a:spcPts val="900"/>
-              </a:spcAft>
-              <a:buClr>
-                <a:srgbClr val="DC2314"/>
-              </a:buClr>
-              <a:buSzPct val="100000"/>
-              <a:buFont typeface="LucidaGrande" charset="0"/>
-              <a:buChar char="•"/>
-              <a:tabLst/>
-              <a:defRPr sz="1600" b="0" i="0" kern="1200" baseline="0">
-                <a:solidFill>
-                  <a:srgbClr val="5F696E"/>
-                </a:solidFill>
-                <a:latin typeface="Calibri Light" charset="0"/>
-                <a:ea typeface="Calibri Light" charset="0"/>
-                <a:cs typeface="Calibri Light" charset="0"/>
-              </a:defRPr>
-            </a:lvl1pPr>
-            <a:lvl2pPr marL="492125" indent="-225425" algn="l" defTabSz="457200" rtl="0" eaLnBrk="1" latinLnBrk="0" hangingPunct="1">
-              <a:lnSpc>
-                <a:spcPct val="90000"/>
-              </a:lnSpc>
-              <a:spcBef>
-                <a:spcPts val="0"/>
-              </a:spcBef>
-              <a:spcAft>
-                <a:spcPts val="900"/>
-              </a:spcAft>
-              <a:buClr>
-                <a:srgbClr val="DC2314"/>
-              </a:buClr>
-              <a:buSzPct val="80000"/>
-              <a:buFont typeface="Symbol" charset="2"/>
-              <a:buChar char="-"/>
-              <a:tabLst/>
-              <a:defRPr sz="1600" b="0" i="0" kern="1200" baseline="0">
-                <a:solidFill>
-                  <a:srgbClr val="5F696E"/>
-                </a:solidFill>
-                <a:latin typeface="Calibri Light" charset="0"/>
-                <a:ea typeface="Calibri Light" charset="0"/>
-                <a:cs typeface="Calibri Light" charset="0"/>
-              </a:defRPr>
-            </a:lvl2pPr>
-            <a:lvl3pPr marL="1157288" indent="-242888" algn="l" defTabSz="457200" rtl="0" eaLnBrk="1" latinLnBrk="0" hangingPunct="1">
-              <a:lnSpc>
-                <a:spcPct val="105000"/>
-              </a:lnSpc>
-              <a:spcBef>
-                <a:spcPts val="0"/>
-              </a:spcBef>
-              <a:buClr>
-                <a:srgbClr val="DC2314"/>
-              </a:buClr>
-              <a:buSzPct val="80000"/>
-              <a:buFont typeface="Symbol" charset="2"/>
-              <a:buChar char="-"/>
-              <a:tabLst/>
-              <a:defRPr sz="1600" kern="1200" baseline="0">
-                <a:solidFill>
-                  <a:schemeClr val="tx1"/>
-                </a:solidFill>
-                <a:latin typeface="Calibri Light"/>
-                <a:ea typeface="+mn-ea"/>
-                <a:cs typeface="+mn-cs"/>
-              </a:defRPr>
-            </a:lvl3pPr>
-            <a:lvl4pPr marL="1657350" indent="-285750" algn="l" defTabSz="457200" rtl="0" eaLnBrk="1" latinLnBrk="0" hangingPunct="1">
-              <a:lnSpc>
-                <a:spcPct val="105000"/>
-              </a:lnSpc>
-              <a:spcBef>
-                <a:spcPts val="0"/>
-              </a:spcBef>
-              <a:buClr>
-                <a:schemeClr val="tx1"/>
-              </a:buClr>
-              <a:buSzPct val="100000"/>
-              <a:buFont typeface="Arial"/>
-              <a:buChar char="•"/>
-              <a:defRPr sz="1600" kern="1200" baseline="0">
-                <a:solidFill>
-                  <a:schemeClr val="tx1"/>
-                </a:solidFill>
-                <a:latin typeface="Calibri Light"/>
-                <a:ea typeface="+mn-ea"/>
-                <a:cs typeface="+mn-cs"/>
-              </a:defRPr>
-            </a:lvl4pPr>
-            <a:lvl5pPr marL="2114550" indent="-285750" algn="l" defTabSz="457200" rtl="0" eaLnBrk="1" latinLnBrk="0" hangingPunct="1">
-              <a:lnSpc>
-                <a:spcPct val="105000"/>
-              </a:lnSpc>
-              <a:spcBef>
-                <a:spcPts val="0"/>
-              </a:spcBef>
-              <a:buClr>
-                <a:schemeClr val="tx1"/>
-              </a:buClr>
-              <a:buSzPct val="100000"/>
-              <a:buFont typeface="Arial"/>
-              <a:buChar char="•"/>
-              <a:defRPr sz="1600" kern="1200" baseline="0">
-                <a:solidFill>
-                  <a:schemeClr val="tx1"/>
-                </a:solidFill>
-                <a:latin typeface="Calibri Light"/>
-                <a:ea typeface="+mn-ea"/>
-                <a:cs typeface="+mn-cs"/>
-              </a:defRPr>
-            </a:lvl5pPr>
-            <a:lvl6pPr marL="2514600" indent="-228600" algn="l" defTabSz="457200" rtl="0" eaLnBrk="1" latinLnBrk="0" hangingPunct="1">
-              <a:spcBef>
-                <a:spcPct val="20000"/>
-              </a:spcBef>
-              <a:buFont typeface="Arial"/>
-              <a:buChar char="•"/>
-              <a:defRPr sz="2000" kern="1200">
-                <a:solidFill>
-                  <a:schemeClr val="tx1"/>
-                </a:solidFill>
-                <a:latin typeface="+mn-lt"/>
-                <a:ea typeface="+mn-ea"/>
-                <a:cs typeface="+mn-cs"/>
-              </a:defRPr>
-            </a:lvl6pPr>
-            <a:lvl7pPr marL="2971800" indent="-228600" algn="l" defTabSz="457200" rtl="0" eaLnBrk="1" latinLnBrk="0" hangingPunct="1">
-              <a:spcBef>
-                <a:spcPct val="20000"/>
-              </a:spcBef>
-              <a:buFont typeface="Arial"/>
-              <a:buChar char="•"/>
-              <a:defRPr sz="2000" kern="1200">
-                <a:solidFill>
-                  <a:schemeClr val="tx1"/>
-                </a:solidFill>
-                <a:latin typeface="+mn-lt"/>
-                <a:ea typeface="+mn-ea"/>
-                <a:cs typeface="+mn-cs"/>
-              </a:defRPr>
-            </a:lvl7pPr>
-            <a:lvl8pPr marL="3429000" indent="-228600" algn="l" defTabSz="457200" rtl="0" eaLnBrk="1" latinLnBrk="0" hangingPunct="1">
-              <a:spcBef>
-                <a:spcPct val="20000"/>
-              </a:spcBef>
-              <a:buFont typeface="Arial"/>
-              <a:buChar char="•"/>
-              <a:defRPr sz="2000" kern="1200">
-                <a:solidFill>
-                  <a:schemeClr val="tx1"/>
-                </a:solidFill>
-                <a:latin typeface="+mn-lt"/>
-                <a:ea typeface="+mn-ea"/>
-                <a:cs typeface="+mn-cs"/>
-              </a:defRPr>
-            </a:lvl8pPr>
-            <a:lvl9pPr marL="3886200" indent="-228600" algn="l" defTabSz="457200" rtl="0" eaLnBrk="1" latinLnBrk="0" hangingPunct="1">
-              <a:spcBef>
-                <a:spcPct val="20000"/>
-              </a:spcBef>
-              <a:buFont typeface="Arial"/>
-              <a:buChar char="•"/>
-              <a:defRPr sz="2000" kern="1200">
-                <a:solidFill>
-                  <a:schemeClr val="tx1"/>
-                </a:solidFill>
-                <a:latin typeface="+mn-lt"/>
-                <a:ea typeface="+mn-ea"/>
-                <a:cs typeface="+mn-cs"/>
-              </a:defRPr>
-            </a:lvl9pPr>
-          </a:lstStyle>
-          <a:p>
-            <a:pPr marL="266700" indent="-177800">
-              <a:buFont typeface="LucidaGrande" charset="0"/>
-              <a:buNone/>
-            </a:pPr>
-            <a:endParaRPr lang="de-DE" sz="100" b="1" dirty="0">
-              <a:latin typeface="Calibri" charset="0"/>
-              <a:ea typeface="Calibri" charset="0"/>
-              <a:cs typeface="Calibri" charset="0"/>
-            </a:endParaRPr>
-          </a:p>
-          <a:p>
-            <a:pPr marL="644525" lvl="1" indent="-285750"/>
-            <a:r>
-              <a:rPr lang="de-DE" dirty="0">
-                <a:latin typeface="+mn-lt"/>
-                <a:cs typeface="Calibri" charset="0"/>
-              </a:rPr>
-              <a:t>Für kleinen Anteil der Change Events eines großen Transaction Processing Systems entsteht ein unverhältnismäßiger Aufwand und Komplexität im Umgang mit den Transaktionslogs</a:t>
-            </a:r>
-          </a:p>
-        </p:txBody>
-      </p:sp>
-    </p:spTree>
-    <p:extLst>
-      <p:ext uri="{BB962C8B-B14F-4D97-AF65-F5344CB8AC3E}">
-        <p14:creationId xmlns:p14="http://schemas.microsoft.com/office/powerpoint/2010/main" val="95279188"/>
-      </p:ext>
-    </p:extLst>
-  </p:cSld>
-  <p:clrMapOvr>
-    <a:masterClrMapping/>
-  </p:clrMapOvr>
-  <p:timing>
-    <p:tnLst>
-      <p:par>
-        <p:cTn id="1" dur="indefinite" restart="never" nodeType="tmRoot">
-          <p:childTnLst>
-            <p:seq concurrent="1" nextAc="seek">
-              <p:cTn id="2" dur="indefinite" nodeType="mainSeq">
-                <p:childTnLst>
-                  <p:par>
-                    <p:cTn id="3" fill="hold">
-                      <p:stCondLst>
-                        <p:cond delay="indefinite"/>
-                      </p:stCondLst>
-                      <p:childTnLst>
-                        <p:par>
-                          <p:cTn id="4" fill="hold">
-                            <p:stCondLst>
-                              <p:cond delay="0"/>
-                            </p:stCondLst>
-                            <p:childTnLst>
-                              <p:par>
-                                <p:cTn id="5" presetID="1" presetClass="entr" presetSubtype="0" fill="hold" grpId="0" nodeType="clickEffect">
-                                  <p:stCondLst>
-                                    <p:cond delay="0"/>
-                                  </p:stCondLst>
-                                  <p:childTnLst>
-                                    <p:set>
-                                      <p:cBhvr>
-                                        <p:cTn id="6" dur="1" fill="hold">
-                                          <p:stCondLst>
-                                            <p:cond delay="0"/>
-                                          </p:stCondLst>
-                                        </p:cTn>
-                                        <p:tgtEl>
-                                          <p:spTgt spid="9"/>
-                                        </p:tgtEl>
-                                        <p:attrNameLst>
-                                          <p:attrName>style.visibility</p:attrName>
-                                        </p:attrNameLst>
-                                      </p:cBhvr>
-                                      <p:to>
-                                        <p:strVal val="visible"/>
-                                      </p:to>
-                                    </p:set>
-                                  </p:childTnLst>
-                                </p:cTn>
-                              </p:par>
-                            </p:childTnLst>
-                          </p:cTn>
-                        </p:par>
-                      </p:childTnLst>
-                    </p:cTn>
-                  </p:par>
-                  <p:par>
-                    <p:cTn id="7" fill="hold">
-                      <p:stCondLst>
-                        <p:cond delay="indefinite"/>
-                      </p:stCondLst>
-                      <p:childTnLst>
-                        <p:par>
-                          <p:cTn id="8" fill="hold">
-                            <p:stCondLst>
-                              <p:cond delay="0"/>
-                            </p:stCondLst>
-                            <p:childTnLst>
-                              <p:par>
-                                <p:cTn id="9" presetID="1" presetClass="entr" presetSubtype="0" fill="hold" grpId="0" nodeType="clickEffect">
-                                  <p:stCondLst>
-                                    <p:cond delay="0"/>
-                                  </p:stCondLst>
-                                  <p:childTnLst>
-                                    <p:set>
-                                      <p:cBhvr>
-                                        <p:cTn id="10" dur="1" fill="hold">
-                                          <p:stCondLst>
-                                            <p:cond delay="0"/>
-                                          </p:stCondLst>
-                                        </p:cTn>
-                                        <p:tgtEl>
-                                          <p:spTgt spid="6"/>
-                                        </p:tgtEl>
-                                        <p:attrNameLst>
-                                          <p:attrName>style.visibility</p:attrName>
-                                        </p:attrNameLst>
-                                      </p:cBhvr>
-                                      <p:to>
-                                        <p:strVal val="visible"/>
-                                      </p:to>
-                                    </p:set>
-                                  </p:childTnLst>
-                                </p:cTn>
-                              </p:par>
-                            </p:childTnLst>
-                          </p:cTn>
-                        </p:par>
-                      </p:childTnLst>
-                    </p:cTn>
-                  </p:par>
-                  <p:par>
-                    <p:cTn id="11" fill="hold">
-                      <p:stCondLst>
-                        <p:cond delay="indefinite"/>
-                      </p:stCondLst>
-                      <p:childTnLst>
-                        <p:par>
-                          <p:cTn id="12" fill="hold">
-                            <p:stCondLst>
-                              <p:cond delay="0"/>
-                            </p:stCondLst>
-                            <p:childTnLst>
-                              <p:par>
-                                <p:cTn id="13" presetID="1" presetClass="entr" presetSubtype="0" fill="hold" grpId="0" nodeType="clickEffect">
-                                  <p:stCondLst>
-                                    <p:cond delay="0"/>
-                                  </p:stCondLst>
-                                  <p:childTnLst>
-                                    <p:set>
-                                      <p:cBhvr>
-                                        <p:cTn id="14" dur="1" fill="hold">
-                                          <p:stCondLst>
-                                            <p:cond delay="0"/>
-                                          </p:stCondLst>
-                                        </p:cTn>
-                                        <p:tgtEl>
-                                          <p:spTgt spid="7"/>
-                                        </p:tgtEl>
-                                        <p:attrNameLst>
-                                          <p:attrName>style.visibility</p:attrName>
-                                        </p:attrNameLst>
-                                      </p:cBhvr>
-                                      <p:to>
-                                        <p:strVal val="visible"/>
-                                      </p:to>
-                                    </p:set>
-                                  </p:childTnLst>
-                                </p:cTn>
-                              </p:par>
-                            </p:childTnLst>
-                          </p:cTn>
-                        </p:par>
-                      </p:childTnLst>
-                    </p:cTn>
-                  </p:par>
-                  <p:par>
-                    <p:cTn id="15" fill="hold">
-                      <p:stCondLst>
-                        <p:cond delay="indefinite"/>
-                      </p:stCondLst>
-                      <p:childTnLst>
-                        <p:par>
-                          <p:cTn id="16" fill="hold">
-                            <p:stCondLst>
-                              <p:cond delay="0"/>
-                            </p:stCondLst>
-                            <p:childTnLst>
-                              <p:par>
-                                <p:cTn id="17" presetID="1" presetClass="entr" presetSubtype="0" fill="hold" grpId="0" nodeType="clickEffect">
-                                  <p:stCondLst>
-                                    <p:cond delay="0"/>
-                                  </p:stCondLst>
-                                  <p:childTnLst>
-                                    <p:set>
-                                      <p:cBhvr>
-                                        <p:cTn id="18" dur="1" fill="hold">
-                                          <p:stCondLst>
-                                            <p:cond delay="0"/>
-                                          </p:stCondLst>
-                                        </p:cTn>
-                                        <p:tgtEl>
-                                          <p:spTgt spid="10"/>
-                                        </p:tgtEl>
-                                        <p:attrNameLst>
-                                          <p:attrName>style.visibility</p:attrName>
-                                        </p:attrNameLst>
-                                      </p:cBhvr>
-                                      <p:to>
-                                        <p:strVal val="visible"/>
-                                      </p:to>
-                                    </p:set>
-                                  </p:childTnLst>
-                                </p:cTn>
-                              </p:par>
-                            </p:childTnLst>
-                          </p:cTn>
-                        </p:par>
-                      </p:childTnLst>
-                    </p:cTn>
-                  </p:par>
-                  <p:par>
-                    <p:cTn id="19" fill="hold">
-                      <p:stCondLst>
-                        <p:cond delay="indefinite"/>
-                      </p:stCondLst>
-                      <p:childTnLst>
-                        <p:par>
-                          <p:cTn id="20" fill="hold">
-                            <p:stCondLst>
-                              <p:cond delay="0"/>
-                            </p:stCondLst>
-                            <p:childTnLst>
-                              <p:par>
-                                <p:cTn id="21" presetID="1" presetClass="entr" presetSubtype="0" fill="hold" grpId="0" nodeType="clickEffect">
-                                  <p:stCondLst>
-                                    <p:cond delay="0"/>
-                                  </p:stCondLst>
-                                  <p:childTnLst>
-                                    <p:set>
-                                      <p:cBhvr>
-                                        <p:cTn id="22" dur="1" fill="hold">
-                                          <p:stCondLst>
-                                            <p:cond delay="0"/>
-                                          </p:stCondLst>
-                                        </p:cTn>
-                                        <p:tgtEl>
-                                          <p:spTgt spid="11"/>
-                                        </p:tgtEl>
-                                        <p:attrNameLst>
-                                          <p:attrName>style.visibility</p:attrName>
-                                        </p:attrNameLst>
-                                      </p:cBhvr>
-                                      <p:to>
-                                        <p:strVal val="visible"/>
-                                      </p:to>
-                                    </p:set>
-                                  </p:childTnLst>
-                                </p:cTn>
-                              </p:par>
-                            </p:childTnLst>
-                          </p:cTn>
-                        </p:par>
-                      </p:childTnLst>
-                    </p:cTn>
-                  </p:par>
-                  <p:par>
-                    <p:cTn id="23" fill="hold">
-                      <p:stCondLst>
-                        <p:cond delay="indefinite"/>
-                      </p:stCondLst>
-                      <p:childTnLst>
-                        <p:par>
-                          <p:cTn id="24" fill="hold">
-                            <p:stCondLst>
-                              <p:cond delay="0"/>
-                            </p:stCondLst>
-                            <p:childTnLst>
-                              <p:par>
-                                <p:cTn id="25" presetID="1" presetClass="entr" presetSubtype="0" fill="hold" grpId="0" nodeType="clickEffect">
-                                  <p:stCondLst>
-                                    <p:cond delay="0"/>
-                                  </p:stCondLst>
-                                  <p:childTnLst>
-                                    <p:set>
-                                      <p:cBhvr>
-                                        <p:cTn id="26" dur="1" fill="hold">
-                                          <p:stCondLst>
-                                            <p:cond delay="0"/>
-                                          </p:stCondLst>
-                                        </p:cTn>
-                                        <p:tgtEl>
-                                          <p:spTgt spid="12"/>
-                                        </p:tgtEl>
-                                        <p:attrNameLst>
-                                          <p:attrName>style.visibility</p:attrName>
-                                        </p:attrNameLst>
-                                      </p:cBhvr>
-                                      <p:to>
-                                        <p:strVal val="visible"/>
-                                      </p:to>
-                                    </p:set>
-                                  </p:childTnLst>
-                                </p:cTn>
-                              </p:par>
-                            </p:childTnLst>
-                          </p:cTn>
-                        </p:par>
-                      </p:childTnLst>
-                    </p:cTn>
-                  </p:par>
-                  <p:par>
-                    <p:cTn id="27" fill="hold">
-                      <p:stCondLst>
-                        <p:cond delay="indefinite"/>
-                      </p:stCondLst>
-                      <p:childTnLst>
-                        <p:par>
-                          <p:cTn id="28" fill="hold">
-                            <p:stCondLst>
-                              <p:cond delay="0"/>
-                            </p:stCondLst>
-                            <p:childTnLst>
-                              <p:par>
-                                <p:cTn id="29" presetID="1" presetClass="entr" presetSubtype="0" fill="hold" grpId="0" nodeType="clickEffect">
-                                  <p:stCondLst>
-                                    <p:cond delay="0"/>
-                                  </p:stCondLst>
-                                  <p:childTnLst>
-                                    <p:set>
-                                      <p:cBhvr>
-                                        <p:cTn id="30" dur="1" fill="hold">
-                                          <p:stCondLst>
-                                            <p:cond delay="0"/>
-                                          </p:stCondLst>
-                                        </p:cTn>
-                                        <p:tgtEl>
-                                          <p:spTgt spid="8"/>
-                                        </p:tgtEl>
-                                        <p:attrNameLst>
-                                          <p:attrName>style.visibility</p:attrName>
-                                        </p:attrNameLst>
-                                      </p:cBhvr>
-                                      <p:to>
-                                        <p:strVal val="visible"/>
-                                      </p:to>
-                                    </p:set>
-                                  </p:childTnLst>
-                                </p:cTn>
-                              </p:par>
-                            </p:childTnLst>
-                          </p:cTn>
-                        </p:par>
-                      </p:childTnLst>
-                    </p:cTn>
-                  </p:par>
-                </p:childTnLst>
-              </p:cTn>
-              <p:prevCondLst>
-                <p:cond evt="onPrev" delay="0">
-                  <p:tgtEl>
-                    <p:sldTgt/>
-                  </p:tgtEl>
-                </p:cond>
-              </p:prevCondLst>
-              <p:nextCondLst>
-                <p:cond evt="onNext" delay="0">
-                  <p:tgtEl>
-                    <p:sldTgt/>
-                  </p:tgtEl>
-                </p:cond>
-              </p:nextCondLst>
-            </p:seq>
-          </p:childTnLst>
-        </p:cTn>
-      </p:par>
-    </p:tnLst>
-    <p:bldLst>
-      <p:bldP spid="9" grpId="0" animBg="1"/>
-      <p:bldP spid="6" grpId="0" animBg="1"/>
-      <p:bldP spid="7" grpId="0" animBg="1"/>
-      <p:bldP spid="8" grpId="0" animBg="1"/>
-      <p:bldP spid="10" grpId="0" animBg="1"/>
-      <p:bldP spid="11" grpId="0" animBg="1"/>
-      <p:bldP spid="12" grpId="0" animBg="1"/>
-    </p:bldLst>
-  </p:timing>
-</p:sld>
-</file>
-
 <file path=ppt/slides/slide24.xml><?xml version="1.0" encoding="utf-8"?>
-<p:sld xmlns:a="http://schemas.openxmlformats.org/drawingml/2006/main" xmlns:r="http://schemas.openxmlformats.org/officeDocument/2006/relationships" xmlns:p="http://schemas.openxmlformats.org/presentationml/2006/main">
-  <p:cSld>
-    <p:spTree>
-      <p:nvGrpSpPr>
-        <p:cNvPr id="1" name=""/>
-        <p:cNvGrpSpPr/>
-        <p:nvPr/>
-      </p:nvGrpSpPr>
-      <p:grpSpPr>
-        <a:xfrm>
-          <a:off x="0" y="0"/>
-          <a:ext cx="0" cy="0"/>
-          <a:chOff x="0" y="0"/>
-          <a:chExt cx="0" cy="0"/>
-        </a:xfrm>
-      </p:grpSpPr>
-      <p:sp>
-        <p:nvSpPr>
-          <p:cNvPr id="2" name="Titel 1"/>
-          <p:cNvSpPr>
-            <a:spLocks noGrp="1"/>
-          </p:cNvSpPr>
-          <p:nvPr>
-            <p:ph type="title"/>
-          </p:nvPr>
-        </p:nvSpPr>
-        <p:spPr>
-          <a:xfrm>
-            <a:off x="222767" y="334116"/>
-            <a:ext cx="8363416" cy="508925"/>
-          </a:xfrm>
-        </p:spPr>
-        <p:txBody>
-          <a:bodyPr/>
-          <a:lstStyle/>
-          <a:p>
-            <a:r>
-              <a:rPr lang="de-DE" sz="2800" b="1" dirty="0"/>
-              <a:t>Pro und Contra des Lösungsansatzes</a:t>
-            </a:r>
-          </a:p>
-        </p:txBody>
-      </p:sp>
-      <p:sp>
-        <p:nvSpPr>
-          <p:cNvPr id="4" name="Fußzeilenplatzhalter 3"/>
-          <p:cNvSpPr>
-            <a:spLocks noGrp="1"/>
-          </p:cNvSpPr>
-          <p:nvPr>
-            <p:ph type="ftr" sz="quarter" idx="3"/>
-          </p:nvPr>
-        </p:nvSpPr>
-        <p:spPr>
-          <a:xfrm>
-            <a:off x="6412999" y="4918182"/>
-            <a:ext cx="2173184" cy="273844"/>
-          </a:xfrm>
-        </p:spPr>
-        <p:txBody>
-          <a:bodyPr/>
-          <a:lstStyle/>
-          <a:p>
-            <a:r>
-              <a:rPr lang="de-DE" dirty="0"/>
-              <a:t>Seite</a:t>
-            </a:r>
-          </a:p>
-        </p:txBody>
-      </p:sp>
-      <p:sp>
-        <p:nvSpPr>
-          <p:cNvPr id="5" name="Foliennummernplatzhalter 4"/>
-          <p:cNvSpPr>
-            <a:spLocks noGrp="1"/>
-          </p:cNvSpPr>
-          <p:nvPr>
-            <p:ph type="sldNum" sz="quarter" idx="4"/>
-          </p:nvPr>
-        </p:nvSpPr>
-        <p:spPr>
-          <a:xfrm>
-            <a:off x="8418658" y="4920586"/>
-            <a:ext cx="335050" cy="273844"/>
-          </a:xfrm>
-        </p:spPr>
-        <p:txBody>
-          <a:bodyPr/>
-          <a:lstStyle/>
-          <a:p>
-            <a:fld id="{2DD045F0-8B2A-FA4B-969F-A1574B4A39C0}" type="slidenum">
-              <a:rPr lang="de-DE" smtClean="0"/>
-              <a:pPr/>
-              <a:t>24</a:t>
-            </a:fld>
-            <a:endParaRPr lang="de-DE" dirty="0"/>
-          </a:p>
-        </p:txBody>
-      </p:sp>
-      <p:sp>
-        <p:nvSpPr>
-          <p:cNvPr id="8" name="Textplatzhalter 12">
-            <a:extLst>
-              <a:ext uri="{FF2B5EF4-FFF2-40B4-BE49-F238E27FC236}">
-                <a16:creationId xmlns:a16="http://schemas.microsoft.com/office/drawing/2014/main" id="{528F84E6-1DB0-EB45-AA76-E958833C7E15}"/>
-              </a:ext>
-            </a:extLst>
-          </p:cNvPr>
-          <p:cNvSpPr txBox="1">
-            <a:spLocks/>
-          </p:cNvSpPr>
-          <p:nvPr/>
-        </p:nvSpPr>
-        <p:spPr>
-          <a:xfrm>
-            <a:off x="260137" y="999959"/>
-            <a:ext cx="8623725" cy="1780958"/>
-          </a:xfrm>
-          <a:prstGeom prst="rect">
-            <a:avLst/>
-          </a:prstGeom>
-          <a:solidFill>
-            <a:schemeClr val="bg1">
-              <a:lumMod val="95000"/>
-            </a:schemeClr>
-          </a:solidFill>
-        </p:spPr>
-        <p:txBody>
-          <a:bodyPr vert="horz" lIns="0" tIns="0" rIns="0" bIns="0" rtlCol="0">
-            <a:noAutofit/>
-          </a:bodyPr>
-          <a:lstStyle>
-            <a:lvl1pPr marL="222250" indent="-220663" algn="l" defTabSz="457200" rtl="0" eaLnBrk="1" latinLnBrk="0" hangingPunct="1">
-              <a:lnSpc>
-                <a:spcPct val="90000"/>
-              </a:lnSpc>
-              <a:spcBef>
-                <a:spcPts val="0"/>
-              </a:spcBef>
-              <a:spcAft>
-                <a:spcPts val="900"/>
-              </a:spcAft>
-              <a:buClr>
-                <a:srgbClr val="DC2314"/>
-              </a:buClr>
-              <a:buSzPct val="100000"/>
-              <a:buFont typeface="LucidaGrande" charset="0"/>
-              <a:buChar char="•"/>
-              <a:tabLst/>
-              <a:defRPr sz="1600" b="0" i="0" kern="1200" baseline="0">
-                <a:solidFill>
-                  <a:srgbClr val="5F696E"/>
-                </a:solidFill>
-                <a:latin typeface="Calibri Light" charset="0"/>
-                <a:ea typeface="Calibri Light" charset="0"/>
-                <a:cs typeface="Calibri Light" charset="0"/>
-              </a:defRPr>
-            </a:lvl1pPr>
-            <a:lvl2pPr marL="492125" indent="-225425" algn="l" defTabSz="457200" rtl="0" eaLnBrk="1" latinLnBrk="0" hangingPunct="1">
-              <a:lnSpc>
-                <a:spcPct val="90000"/>
-              </a:lnSpc>
-              <a:spcBef>
-                <a:spcPts val="0"/>
-              </a:spcBef>
-              <a:spcAft>
-                <a:spcPts val="900"/>
-              </a:spcAft>
-              <a:buClr>
-                <a:srgbClr val="DC2314"/>
-              </a:buClr>
-              <a:buSzPct val="80000"/>
-              <a:buFont typeface="Symbol" charset="2"/>
-              <a:buChar char="-"/>
-              <a:tabLst/>
-              <a:defRPr sz="1600" b="0" i="0" kern="1200" baseline="0">
-                <a:solidFill>
-                  <a:srgbClr val="5F696E"/>
-                </a:solidFill>
-                <a:latin typeface="Calibri Light" charset="0"/>
-                <a:ea typeface="Calibri Light" charset="0"/>
-                <a:cs typeface="Calibri Light" charset="0"/>
-              </a:defRPr>
-            </a:lvl2pPr>
-            <a:lvl3pPr marL="1157288" indent="-242888" algn="l" defTabSz="457200" rtl="0" eaLnBrk="1" latinLnBrk="0" hangingPunct="1">
-              <a:lnSpc>
-                <a:spcPct val="105000"/>
-              </a:lnSpc>
-              <a:spcBef>
-                <a:spcPts val="0"/>
-              </a:spcBef>
-              <a:buClr>
-                <a:srgbClr val="DC2314"/>
-              </a:buClr>
-              <a:buSzPct val="80000"/>
-              <a:buFont typeface="Symbol" charset="2"/>
-              <a:buChar char="-"/>
-              <a:tabLst/>
-              <a:defRPr sz="1600" kern="1200" baseline="0">
-                <a:solidFill>
-                  <a:schemeClr val="tx1"/>
-                </a:solidFill>
-                <a:latin typeface="Calibri Light"/>
-                <a:ea typeface="+mn-ea"/>
-                <a:cs typeface="+mn-cs"/>
-              </a:defRPr>
-            </a:lvl3pPr>
-            <a:lvl4pPr marL="1657350" indent="-285750" algn="l" defTabSz="457200" rtl="0" eaLnBrk="1" latinLnBrk="0" hangingPunct="1">
-              <a:lnSpc>
-                <a:spcPct val="105000"/>
-              </a:lnSpc>
-              <a:spcBef>
-                <a:spcPts val="0"/>
-              </a:spcBef>
-              <a:buClr>
-                <a:schemeClr val="tx1"/>
-              </a:buClr>
-              <a:buSzPct val="100000"/>
-              <a:buFont typeface="Arial"/>
-              <a:buChar char="•"/>
-              <a:defRPr sz="1600" kern="1200" baseline="0">
-                <a:solidFill>
-                  <a:schemeClr val="tx1"/>
-                </a:solidFill>
-                <a:latin typeface="Calibri Light"/>
-                <a:ea typeface="+mn-ea"/>
-                <a:cs typeface="+mn-cs"/>
-              </a:defRPr>
-            </a:lvl4pPr>
-            <a:lvl5pPr marL="2114550" indent="-285750" algn="l" defTabSz="457200" rtl="0" eaLnBrk="1" latinLnBrk="0" hangingPunct="1">
-              <a:lnSpc>
-                <a:spcPct val="105000"/>
-              </a:lnSpc>
-              <a:spcBef>
-                <a:spcPts val="0"/>
-              </a:spcBef>
-              <a:buClr>
-                <a:schemeClr val="tx1"/>
-              </a:buClr>
-              <a:buSzPct val="100000"/>
-              <a:buFont typeface="Arial"/>
-              <a:buChar char="•"/>
-              <a:defRPr sz="1600" kern="1200" baseline="0">
-                <a:solidFill>
-                  <a:schemeClr val="tx1"/>
-                </a:solidFill>
-                <a:latin typeface="Calibri Light"/>
-                <a:ea typeface="+mn-ea"/>
-                <a:cs typeface="+mn-cs"/>
-              </a:defRPr>
-            </a:lvl5pPr>
-            <a:lvl6pPr marL="2514600" indent="-228600" algn="l" defTabSz="457200" rtl="0" eaLnBrk="1" latinLnBrk="0" hangingPunct="1">
-              <a:spcBef>
-                <a:spcPct val="20000"/>
-              </a:spcBef>
-              <a:buFont typeface="Arial"/>
-              <a:buChar char="•"/>
-              <a:defRPr sz="2000" kern="1200">
-                <a:solidFill>
-                  <a:schemeClr val="tx1"/>
-                </a:solidFill>
-                <a:latin typeface="+mn-lt"/>
-                <a:ea typeface="+mn-ea"/>
-                <a:cs typeface="+mn-cs"/>
-              </a:defRPr>
-            </a:lvl6pPr>
-            <a:lvl7pPr marL="2971800" indent="-228600" algn="l" defTabSz="457200" rtl="0" eaLnBrk="1" latinLnBrk="0" hangingPunct="1">
-              <a:spcBef>
-                <a:spcPct val="20000"/>
-              </a:spcBef>
-              <a:buFont typeface="Arial"/>
-              <a:buChar char="•"/>
-              <a:defRPr sz="2000" kern="1200">
-                <a:solidFill>
-                  <a:schemeClr val="tx1"/>
-                </a:solidFill>
-                <a:latin typeface="+mn-lt"/>
-                <a:ea typeface="+mn-ea"/>
-                <a:cs typeface="+mn-cs"/>
-              </a:defRPr>
-            </a:lvl7pPr>
-            <a:lvl8pPr marL="3429000" indent="-228600" algn="l" defTabSz="457200" rtl="0" eaLnBrk="1" latinLnBrk="0" hangingPunct="1">
-              <a:spcBef>
-                <a:spcPct val="20000"/>
-              </a:spcBef>
-              <a:buFont typeface="Arial"/>
-              <a:buChar char="•"/>
-              <a:defRPr sz="2000" kern="1200">
-                <a:solidFill>
-                  <a:schemeClr val="tx1"/>
-                </a:solidFill>
-                <a:latin typeface="+mn-lt"/>
-                <a:ea typeface="+mn-ea"/>
-                <a:cs typeface="+mn-cs"/>
-              </a:defRPr>
-            </a:lvl8pPr>
-            <a:lvl9pPr marL="3886200" indent="-228600" algn="l" defTabSz="457200" rtl="0" eaLnBrk="1" latinLnBrk="0" hangingPunct="1">
-              <a:spcBef>
-                <a:spcPct val="20000"/>
-              </a:spcBef>
-              <a:buFont typeface="Arial"/>
-              <a:buChar char="•"/>
-              <a:defRPr sz="2000" kern="1200">
-                <a:solidFill>
-                  <a:schemeClr val="tx1"/>
-                </a:solidFill>
-                <a:latin typeface="+mn-lt"/>
-                <a:ea typeface="+mn-ea"/>
-                <a:cs typeface="+mn-cs"/>
-              </a:defRPr>
-            </a:lvl9pPr>
-          </a:lstStyle>
-          <a:p>
-            <a:pPr marL="266700" indent="-177800">
-              <a:buFont typeface="LucidaGrande" charset="0"/>
-              <a:buNone/>
-            </a:pPr>
-            <a:endParaRPr lang="de-DE" sz="100" b="1" dirty="0">
-              <a:latin typeface="Calibri" charset="0"/>
-              <a:ea typeface="Calibri" charset="0"/>
-              <a:cs typeface="Calibri" charset="0"/>
-            </a:endParaRPr>
-          </a:p>
-          <a:p>
-            <a:pPr marL="88900" indent="0">
-              <a:buNone/>
-            </a:pPr>
-            <a:r>
-              <a:rPr lang="de-DE" b="1" dirty="0">
-                <a:latin typeface="+mn-lt"/>
-                <a:ea typeface="Calibri" charset="0"/>
-                <a:cs typeface="Calibri" charset="0"/>
-              </a:rPr>
-              <a:t>Pro:</a:t>
-            </a:r>
-          </a:p>
-          <a:p>
-            <a:pPr marL="374650" indent="-285750"/>
-            <a:r>
-              <a:rPr lang="de-DE" dirty="0">
-                <a:latin typeface="+mn-lt"/>
-                <a:ea typeface="Calibri" charset="0"/>
-                <a:cs typeface="Calibri" charset="0"/>
-              </a:rPr>
-              <a:t>Ressourcenschonend durch Filtern auf relevante Events schon zum Zeitpunkt ihrer Entstehung</a:t>
-            </a:r>
-          </a:p>
-          <a:p>
-            <a:pPr marL="374650" indent="-285750"/>
-            <a:r>
-              <a:rPr lang="de-DE" dirty="0">
-                <a:latin typeface="+mn-lt"/>
-                <a:cs typeface="Calibri" charset="0"/>
-              </a:rPr>
-              <a:t>Keine Abhängigkeiten oder Komplexitäten für technischen DB-Betrieb</a:t>
-            </a:r>
-          </a:p>
-          <a:p>
-            <a:pPr marL="374650" indent="-285750"/>
-            <a:r>
-              <a:rPr lang="de-DE" dirty="0">
-                <a:latin typeface="+mn-lt"/>
-                <a:cs typeface="Calibri" charset="0"/>
-              </a:rPr>
-              <a:t>Keine Anpassungen der existierenden Applikationen notwendig</a:t>
-            </a:r>
-          </a:p>
-          <a:p>
-            <a:pPr marL="374650" indent="-285750"/>
-            <a:r>
-              <a:rPr lang="de-DE" dirty="0">
-                <a:latin typeface="+mn-lt"/>
-                <a:cs typeface="Calibri" charset="0"/>
-              </a:rPr>
-              <a:t>Komfortable Konfiguration über GUI, jedoch auch automatisierbar über API</a:t>
-            </a:r>
-          </a:p>
-          <a:p>
-            <a:pPr marL="374650" indent="-285750"/>
-            <a:endParaRPr lang="de-DE" dirty="0">
-              <a:latin typeface="+mn-lt"/>
-            </a:endParaRPr>
-          </a:p>
-        </p:txBody>
-      </p:sp>
-      <p:sp>
-        <p:nvSpPr>
-          <p:cNvPr id="9" name="Textplatzhalter 12">
-            <a:extLst>
-              <a:ext uri="{FF2B5EF4-FFF2-40B4-BE49-F238E27FC236}">
-                <a16:creationId xmlns:a16="http://schemas.microsoft.com/office/drawing/2014/main" id="{E536E3A9-1313-CF43-BA4F-53400CC86DA6}"/>
-              </a:ext>
-            </a:extLst>
-          </p:cNvPr>
-          <p:cNvSpPr txBox="1">
-            <a:spLocks/>
-          </p:cNvSpPr>
-          <p:nvPr/>
-        </p:nvSpPr>
-        <p:spPr>
-          <a:xfrm>
-            <a:off x="222767" y="3028427"/>
-            <a:ext cx="8623725" cy="1780958"/>
-          </a:xfrm>
-          <a:prstGeom prst="rect">
-            <a:avLst/>
-          </a:prstGeom>
-          <a:solidFill>
-            <a:schemeClr val="bg1">
-              <a:lumMod val="95000"/>
-            </a:schemeClr>
-          </a:solidFill>
-        </p:spPr>
-        <p:txBody>
-          <a:bodyPr vert="horz" lIns="0" tIns="0" rIns="0" bIns="0" rtlCol="0">
-            <a:noAutofit/>
-          </a:bodyPr>
-          <a:lstStyle>
-            <a:lvl1pPr marL="222250" indent="-220663" algn="l" defTabSz="457200" rtl="0" eaLnBrk="1" latinLnBrk="0" hangingPunct="1">
-              <a:lnSpc>
-                <a:spcPct val="90000"/>
-              </a:lnSpc>
-              <a:spcBef>
-                <a:spcPts val="0"/>
-              </a:spcBef>
-              <a:spcAft>
-                <a:spcPts val="900"/>
-              </a:spcAft>
-              <a:buClr>
-                <a:srgbClr val="DC2314"/>
-              </a:buClr>
-              <a:buSzPct val="100000"/>
-              <a:buFont typeface="LucidaGrande" charset="0"/>
-              <a:buChar char="•"/>
-              <a:tabLst/>
-              <a:defRPr sz="1600" b="0" i="0" kern="1200" baseline="0">
-                <a:solidFill>
-                  <a:srgbClr val="5F696E"/>
-                </a:solidFill>
-                <a:latin typeface="Calibri Light" charset="0"/>
-                <a:ea typeface="Calibri Light" charset="0"/>
-                <a:cs typeface="Calibri Light" charset="0"/>
-              </a:defRPr>
-            </a:lvl1pPr>
-            <a:lvl2pPr marL="492125" indent="-225425" algn="l" defTabSz="457200" rtl="0" eaLnBrk="1" latinLnBrk="0" hangingPunct="1">
-              <a:lnSpc>
-                <a:spcPct val="90000"/>
-              </a:lnSpc>
-              <a:spcBef>
-                <a:spcPts val="0"/>
-              </a:spcBef>
-              <a:spcAft>
-                <a:spcPts val="900"/>
-              </a:spcAft>
-              <a:buClr>
-                <a:srgbClr val="DC2314"/>
-              </a:buClr>
-              <a:buSzPct val="80000"/>
-              <a:buFont typeface="Symbol" charset="2"/>
-              <a:buChar char="-"/>
-              <a:tabLst/>
-              <a:defRPr sz="1600" b="0" i="0" kern="1200" baseline="0">
-                <a:solidFill>
-                  <a:srgbClr val="5F696E"/>
-                </a:solidFill>
-                <a:latin typeface="Calibri Light" charset="0"/>
-                <a:ea typeface="Calibri Light" charset="0"/>
-                <a:cs typeface="Calibri Light" charset="0"/>
-              </a:defRPr>
-            </a:lvl2pPr>
-            <a:lvl3pPr marL="1157288" indent="-242888" algn="l" defTabSz="457200" rtl="0" eaLnBrk="1" latinLnBrk="0" hangingPunct="1">
-              <a:lnSpc>
-                <a:spcPct val="105000"/>
-              </a:lnSpc>
-              <a:spcBef>
-                <a:spcPts val="0"/>
-              </a:spcBef>
-              <a:buClr>
-                <a:srgbClr val="DC2314"/>
-              </a:buClr>
-              <a:buSzPct val="80000"/>
-              <a:buFont typeface="Symbol" charset="2"/>
-              <a:buChar char="-"/>
-              <a:tabLst/>
-              <a:defRPr sz="1600" kern="1200" baseline="0">
-                <a:solidFill>
-                  <a:schemeClr val="tx1"/>
-                </a:solidFill>
-                <a:latin typeface="Calibri Light"/>
-                <a:ea typeface="+mn-ea"/>
-                <a:cs typeface="+mn-cs"/>
-              </a:defRPr>
-            </a:lvl3pPr>
-            <a:lvl4pPr marL="1657350" indent="-285750" algn="l" defTabSz="457200" rtl="0" eaLnBrk="1" latinLnBrk="0" hangingPunct="1">
-              <a:lnSpc>
-                <a:spcPct val="105000"/>
-              </a:lnSpc>
-              <a:spcBef>
-                <a:spcPts val="0"/>
-              </a:spcBef>
-              <a:buClr>
-                <a:schemeClr val="tx1"/>
-              </a:buClr>
-              <a:buSzPct val="100000"/>
-              <a:buFont typeface="Arial"/>
-              <a:buChar char="•"/>
-              <a:defRPr sz="1600" kern="1200" baseline="0">
-                <a:solidFill>
-                  <a:schemeClr val="tx1"/>
-                </a:solidFill>
-                <a:latin typeface="Calibri Light"/>
-                <a:ea typeface="+mn-ea"/>
-                <a:cs typeface="+mn-cs"/>
-              </a:defRPr>
-            </a:lvl4pPr>
-            <a:lvl5pPr marL="2114550" indent="-285750" algn="l" defTabSz="457200" rtl="0" eaLnBrk="1" latinLnBrk="0" hangingPunct="1">
-              <a:lnSpc>
-                <a:spcPct val="105000"/>
-              </a:lnSpc>
-              <a:spcBef>
-                <a:spcPts val="0"/>
-              </a:spcBef>
-              <a:buClr>
-                <a:schemeClr val="tx1"/>
-              </a:buClr>
-              <a:buSzPct val="100000"/>
-              <a:buFont typeface="Arial"/>
-              <a:buChar char="•"/>
-              <a:defRPr sz="1600" kern="1200" baseline="0">
-                <a:solidFill>
-                  <a:schemeClr val="tx1"/>
-                </a:solidFill>
-                <a:latin typeface="Calibri Light"/>
-                <a:ea typeface="+mn-ea"/>
-                <a:cs typeface="+mn-cs"/>
-              </a:defRPr>
-            </a:lvl5pPr>
-            <a:lvl6pPr marL="2514600" indent="-228600" algn="l" defTabSz="457200" rtl="0" eaLnBrk="1" latinLnBrk="0" hangingPunct="1">
-              <a:spcBef>
-                <a:spcPct val="20000"/>
-              </a:spcBef>
-              <a:buFont typeface="Arial"/>
-              <a:buChar char="•"/>
-              <a:defRPr sz="2000" kern="1200">
-                <a:solidFill>
-                  <a:schemeClr val="tx1"/>
-                </a:solidFill>
-                <a:latin typeface="+mn-lt"/>
-                <a:ea typeface="+mn-ea"/>
-                <a:cs typeface="+mn-cs"/>
-              </a:defRPr>
-            </a:lvl6pPr>
-            <a:lvl7pPr marL="2971800" indent="-228600" algn="l" defTabSz="457200" rtl="0" eaLnBrk="1" latinLnBrk="0" hangingPunct="1">
-              <a:spcBef>
-                <a:spcPct val="20000"/>
-              </a:spcBef>
-              <a:buFont typeface="Arial"/>
-              <a:buChar char="•"/>
-              <a:defRPr sz="2000" kern="1200">
-                <a:solidFill>
-                  <a:schemeClr val="tx1"/>
-                </a:solidFill>
-                <a:latin typeface="+mn-lt"/>
-                <a:ea typeface="+mn-ea"/>
-                <a:cs typeface="+mn-cs"/>
-              </a:defRPr>
-            </a:lvl7pPr>
-            <a:lvl8pPr marL="3429000" indent="-228600" algn="l" defTabSz="457200" rtl="0" eaLnBrk="1" latinLnBrk="0" hangingPunct="1">
-              <a:spcBef>
-                <a:spcPct val="20000"/>
-              </a:spcBef>
-              <a:buFont typeface="Arial"/>
-              <a:buChar char="•"/>
-              <a:defRPr sz="2000" kern="1200">
-                <a:solidFill>
-                  <a:schemeClr val="tx1"/>
-                </a:solidFill>
-                <a:latin typeface="+mn-lt"/>
-                <a:ea typeface="+mn-ea"/>
-                <a:cs typeface="+mn-cs"/>
-              </a:defRPr>
-            </a:lvl8pPr>
-            <a:lvl9pPr marL="3886200" indent="-228600" algn="l" defTabSz="457200" rtl="0" eaLnBrk="1" latinLnBrk="0" hangingPunct="1">
-              <a:spcBef>
-                <a:spcPct val="20000"/>
-              </a:spcBef>
-              <a:buFont typeface="Arial"/>
-              <a:buChar char="•"/>
-              <a:defRPr sz="2000" kern="1200">
-                <a:solidFill>
-                  <a:schemeClr val="tx1"/>
-                </a:solidFill>
-                <a:latin typeface="+mn-lt"/>
-                <a:ea typeface="+mn-ea"/>
-                <a:cs typeface="+mn-cs"/>
-              </a:defRPr>
-            </a:lvl9pPr>
-          </a:lstStyle>
-          <a:p>
-            <a:pPr marL="266700" indent="-177800">
-              <a:buFont typeface="LucidaGrande" charset="0"/>
-              <a:buNone/>
-            </a:pPr>
-            <a:endParaRPr lang="de-DE" sz="100" b="1" dirty="0">
-              <a:latin typeface="Calibri" charset="0"/>
-              <a:ea typeface="Calibri" charset="0"/>
-              <a:cs typeface="Calibri" charset="0"/>
-            </a:endParaRPr>
-          </a:p>
-          <a:p>
-            <a:pPr marL="88900" indent="0">
-              <a:buNone/>
-            </a:pPr>
-            <a:r>
-              <a:rPr lang="de-DE" b="1" dirty="0">
-                <a:latin typeface="+mn-lt"/>
-                <a:ea typeface="Calibri" charset="0"/>
-                <a:cs typeface="Calibri" charset="0"/>
-              </a:rPr>
-              <a:t>Contra:</a:t>
-            </a:r>
-          </a:p>
-          <a:p>
-            <a:pPr marL="374650" indent="-285750"/>
-            <a:r>
-              <a:rPr lang="de-DE" dirty="0">
-                <a:latin typeface="+mn-lt"/>
-                <a:ea typeface="Calibri" charset="0"/>
-                <a:cs typeface="Calibri" charset="0"/>
-              </a:rPr>
-              <a:t>Last auf Originaltransaktionen durch Trigger (double </a:t>
-            </a:r>
-            <a:r>
-              <a:rPr lang="de-DE" dirty="0" err="1">
-                <a:latin typeface="+mn-lt"/>
-                <a:ea typeface="Calibri" charset="0"/>
-                <a:cs typeface="Calibri" charset="0"/>
-              </a:rPr>
-              <a:t>write</a:t>
-            </a:r>
-            <a:r>
-              <a:rPr lang="de-DE" dirty="0">
-                <a:latin typeface="+mn-lt"/>
-                <a:ea typeface="Calibri" charset="0"/>
-                <a:cs typeface="Calibri" charset="0"/>
-              </a:rPr>
-              <a:t>)</a:t>
-            </a:r>
-          </a:p>
-          <a:p>
-            <a:pPr marL="374650" indent="-285750"/>
-            <a:r>
-              <a:rPr lang="de-DE" dirty="0">
-                <a:latin typeface="+mn-lt"/>
-                <a:ea typeface="Calibri" charset="0"/>
-                <a:cs typeface="Calibri" charset="0"/>
-              </a:rPr>
-              <a:t>Zumindest theoretische Kopplung von Betriebsrisiken für alle Teilnehmer </a:t>
-            </a:r>
-          </a:p>
-          <a:p>
-            <a:pPr marL="644525" lvl="1" indent="-285750"/>
-            <a:r>
-              <a:rPr lang="de-DE" dirty="0">
-                <a:latin typeface="+mn-lt"/>
-                <a:ea typeface="Calibri" charset="0"/>
-                <a:cs typeface="Calibri" charset="0"/>
-              </a:rPr>
-              <a:t>Tablespace voll für Tabelle EVENT_LOGS betrifft ansonsten evtl. unabhängige Prozesse gleich</a:t>
-            </a:r>
-          </a:p>
-          <a:p>
-            <a:pPr marL="374650" indent="-285750"/>
-            <a:endParaRPr lang="de-DE" dirty="0">
-              <a:latin typeface="+mn-lt"/>
-            </a:endParaRPr>
-          </a:p>
-        </p:txBody>
-      </p:sp>
-    </p:spTree>
-    <p:extLst>
-      <p:ext uri="{BB962C8B-B14F-4D97-AF65-F5344CB8AC3E}">
-        <p14:creationId xmlns:p14="http://schemas.microsoft.com/office/powerpoint/2010/main" val="20946314"/>
-      </p:ext>
-    </p:extLst>
-  </p:cSld>
-  <p:clrMapOvr>
-    <a:masterClrMapping/>
-  </p:clrMapOvr>
-  <p:timing>
-    <p:tnLst>
-      <p:par>
-        <p:cTn id="1" dur="indefinite" restart="never" nodeType="tmRoot">
-          <p:childTnLst>
-            <p:seq concurrent="1" nextAc="seek">
-              <p:cTn id="2" dur="indefinite" nodeType="mainSeq">
-                <p:childTnLst>
-                  <p:par>
-                    <p:cTn id="3" fill="hold">
-                      <p:stCondLst>
-                        <p:cond delay="indefinite"/>
-                      </p:stCondLst>
-                      <p:childTnLst>
-                        <p:par>
-                          <p:cTn id="4" fill="hold">
-                            <p:stCondLst>
-                              <p:cond delay="0"/>
-                            </p:stCondLst>
-                            <p:childTnLst>
-                              <p:par>
-                                <p:cTn id="5" presetID="1" presetClass="entr" presetSubtype="0" fill="hold" grpId="0" nodeType="clickEffect">
-                                  <p:stCondLst>
-                                    <p:cond delay="0"/>
-                                  </p:stCondLst>
-                                  <p:childTnLst>
-                                    <p:set>
-                                      <p:cBhvr>
-                                        <p:cTn id="6" dur="1" fill="hold">
-                                          <p:stCondLst>
-                                            <p:cond delay="0"/>
-                                          </p:stCondLst>
-                                        </p:cTn>
-                                        <p:tgtEl>
-                                          <p:spTgt spid="8"/>
-                                        </p:tgtEl>
-                                        <p:attrNameLst>
-                                          <p:attrName>style.visibility</p:attrName>
-                                        </p:attrNameLst>
-                                      </p:cBhvr>
-                                      <p:to>
-                                        <p:strVal val="visible"/>
-                                      </p:to>
-                                    </p:set>
-                                  </p:childTnLst>
-                                </p:cTn>
-                              </p:par>
-                            </p:childTnLst>
-                          </p:cTn>
-                        </p:par>
-                      </p:childTnLst>
-                    </p:cTn>
-                  </p:par>
-                  <p:par>
-                    <p:cTn id="7" fill="hold">
-                      <p:stCondLst>
-                        <p:cond delay="indefinite"/>
-                      </p:stCondLst>
-                      <p:childTnLst>
-                        <p:par>
-                          <p:cTn id="8" fill="hold">
-                            <p:stCondLst>
-                              <p:cond delay="0"/>
-                            </p:stCondLst>
-                            <p:childTnLst>
-                              <p:par>
-                                <p:cTn id="9" presetID="1" presetClass="entr" presetSubtype="0" fill="hold" grpId="0" nodeType="clickEffect">
-                                  <p:stCondLst>
-                                    <p:cond delay="0"/>
-                                  </p:stCondLst>
-                                  <p:childTnLst>
-                                    <p:set>
-                                      <p:cBhvr>
-                                        <p:cTn id="10" dur="1" fill="hold">
-                                          <p:stCondLst>
-                                            <p:cond delay="0"/>
-                                          </p:stCondLst>
-                                        </p:cTn>
-                                        <p:tgtEl>
-                                          <p:spTgt spid="9"/>
-                                        </p:tgtEl>
-                                        <p:attrNameLst>
-                                          <p:attrName>style.visibility</p:attrName>
-                                        </p:attrNameLst>
-                                      </p:cBhvr>
-                                      <p:to>
-                                        <p:strVal val="visible"/>
-                                      </p:to>
-                                    </p:set>
-                                  </p:childTnLst>
-                                </p:cTn>
-                              </p:par>
-                            </p:childTnLst>
-                          </p:cTn>
-                        </p:par>
-                      </p:childTnLst>
-                    </p:cTn>
-                  </p:par>
-                </p:childTnLst>
-              </p:cTn>
-              <p:prevCondLst>
-                <p:cond evt="onPrev" delay="0">
-                  <p:tgtEl>
-                    <p:sldTgt/>
-                  </p:tgtEl>
-                </p:cond>
-              </p:prevCondLst>
-              <p:nextCondLst>
-                <p:cond evt="onNext" delay="0">
-                  <p:tgtEl>
-                    <p:sldTgt/>
-                  </p:tgtEl>
-                </p:cond>
-              </p:nextCondLst>
-            </p:seq>
-          </p:childTnLst>
-        </p:cTn>
-      </p:par>
-    </p:tnLst>
-    <p:bldLst>
-      <p:bldP spid="8" grpId="0" animBg="1"/>
-      <p:bldP spid="9" grpId="0" animBg="1"/>
-    </p:bldLst>
-  </p:timing>
-</p:sld>
-</file>
-
-<file path=ppt/slides/slide25.xml><?xml version="1.0" encoding="utf-8"?>
 <p:sld xmlns:a="http://schemas.openxmlformats.org/drawingml/2006/main" xmlns:r="http://schemas.openxmlformats.org/officeDocument/2006/relationships" xmlns:p="http://schemas.openxmlformats.org/presentationml/2006/main">
   <p:cSld>
     <p:spTree>
@@ -29523,7 +28182,7 @@
             <a:fld id="{2DD045F0-8B2A-FA4B-969F-A1574B4A39C0}" type="slidenum">
               <a:rPr lang="de-DE" smtClean="0"/>
               <a:pPr/>
-              <a:t>25</a:t>
+              <a:t>24</a:t>
             </a:fld>
             <a:endParaRPr lang="de-DE" dirty="0"/>
           </a:p>
@@ -29594,7 +28253,7 @@
 </p:sld>
 </file>
 
-<file path=ppt/slides/slide26.xml><?xml version="1.0" encoding="utf-8"?>
+<file path=ppt/slides/slide25.xml><?xml version="1.0" encoding="utf-8"?>
 <p:sld xmlns:a="http://schemas.openxmlformats.org/drawingml/2006/main" xmlns:r="http://schemas.openxmlformats.org/officeDocument/2006/relationships" xmlns:p="http://schemas.openxmlformats.org/presentationml/2006/main">
   <p:cSld>
     <p:spTree>
@@ -29624,7 +28283,7 @@
         <p:spPr>
           <a:xfrm>
             <a:off x="307618" y="849027"/>
-            <a:ext cx="8370590" cy="789575"/>
+            <a:ext cx="8722082" cy="789575"/>
           </a:xfrm>
         </p:spPr>
         <p:txBody>
@@ -29634,7 +28293,7 @@
             <a:pPr algn="ctr"/>
             <a:r>
               <a:rPr lang="de-DE" dirty="0"/>
-              <a:t>Vielen Dank für Euer Interesse</a:t>
+              <a:t>Vielen Dank für Ihr Interesse</a:t>
             </a:r>
             <a:br>
               <a:rPr lang="de-DE" dirty="0"/>
@@ -29646,21 +28305,33 @@
               <a:rPr lang="de-DE" sz="2400" dirty="0"/>
             </a:br>
             <a:r>
-              <a:rPr lang="de-DE" sz="2400" dirty="0"/>
+              <a:rPr lang="de-DE" sz="2000" dirty="0"/>
               <a:t>							</a:t>
             </a:r>
             <a:br>
-              <a:rPr lang="de-DE" sz="2400" dirty="0"/>
+              <a:rPr lang="de-DE" sz="2000" dirty="0"/>
             </a:br>
             <a:r>
-              <a:rPr lang="de-DE" sz="2400" dirty="0"/>
-              <a:t>TriXX-Dokumentation: 	 	</a:t>
-            </a:r>
-            <a:r>
-              <a:rPr lang="de-DE" sz="2400" dirty="0">
+              <a:rPr lang="de-DE" sz="2000" dirty="0"/>
+              <a:t>TriXX-Dokumentation: 	 </a:t>
+            </a:r>
+            <a:br>
+              <a:rPr lang="de-DE" sz="2000" dirty="0"/>
+            </a:br>
+            <a:r>
+              <a:rPr lang="de-DE" sz="2000" dirty="0">
                 <a:hlinkClick r:id="rId3"/>
               </a:rPr>
-              <a:t>https://bit.ly/3jF1XPD</a:t>
+              <a:t>https://otto-group-solution-provider.gitlab.io/trixx/trixx.html</a:t>
+            </a:r>
+            <a:br>
+              <a:rPr lang="de-DE" sz="2000" dirty="0"/>
+            </a:br>
+            <a:r>
+              <a:rPr lang="de-DE" sz="2000" dirty="0">
+                <a:hlinkClick r:id="rId4"/>
+              </a:rPr>
+              <a:t>https://otto-group-solution-provider.gitlab.io/trixx/trixx.pdf</a:t>
             </a:r>
             <a:br>
               <a:rPr lang="de-DE" sz="2400" dirty="0"/>
@@ -29738,7 +28409,7 @@
                 <a:solidFill>
                   <a:srgbClr val="313231"/>
                 </a:solidFill>
-                <a:hlinkClick r:id="rId4"/>
+                <a:hlinkClick r:id="rId5"/>
               </a:rPr>
               <a:t>osp.de</a:t>
             </a:r>
@@ -29838,479 +28509,6 @@
           </a:p>
         </p:txBody>
       </p:sp>
-      <p:pic>
-        <p:nvPicPr>
-          <p:cNvPr id="8" name="Bildplatzhalter 12"/>
-          <p:cNvPicPr>
-            <a:picLocks noChangeAspect="1"/>
-          </p:cNvPicPr>
-          <p:nvPr/>
-        </p:nvPicPr>
-        <p:blipFill rotWithShape="1">
-          <a:blip r:embed="rId2">
-            <a:extLst>
-              <a:ext uri="{28A0092B-C50C-407E-A947-70E740481C1C}">
-                <a14:useLocalDpi xmlns:a14="http://schemas.microsoft.com/office/drawing/2010/main" val="0"/>
-              </a:ext>
-            </a:extLst>
-          </a:blip>
-          <a:srcRect l="11331" t="3626" r="3016" b="6288"/>
-          <a:stretch/>
-        </p:blipFill>
-        <p:spPr>
-          <a:xfrm>
-            <a:off x="542671" y="1407724"/>
-            <a:ext cx="4064254" cy="3402013"/>
-          </a:xfrm>
-          <a:prstGeom prst="rect">
-            <a:avLst/>
-          </a:prstGeom>
-        </p:spPr>
-      </p:pic>
-      <p:sp>
-        <p:nvSpPr>
-          <p:cNvPr id="9" name="Textplatzhalter 1"/>
-          <p:cNvSpPr>
-            <a:spLocks noGrp="1"/>
-          </p:cNvSpPr>
-          <p:nvPr>
-            <p:ph type="body" sz="quarter" idx="14"/>
-          </p:nvPr>
-        </p:nvSpPr>
-        <p:spPr>
-          <a:xfrm>
-            <a:off x="4840288" y="1407724"/>
-            <a:ext cx="4065820" cy="3402013"/>
-          </a:xfrm>
-        </p:spPr>
-        <p:txBody>
-          <a:bodyPr/>
-          <a:lstStyle/>
-          <a:p>
-            <a:pPr marL="0" indent="0">
-              <a:spcAft>
-                <a:spcPts val="300"/>
-              </a:spcAft>
-              <a:buNone/>
-            </a:pPr>
-            <a:r>
-              <a:rPr lang="de-DE" sz="1400" b="1" dirty="0">
-                <a:solidFill>
-                  <a:srgbClr val="5F6A70"/>
-                </a:solidFill>
-                <a:latin typeface="Calibri" charset="0"/>
-                <a:ea typeface="Calibri" charset="0"/>
-                <a:cs typeface="Calibri" charset="0"/>
-              </a:rPr>
-              <a:t>Gründung:</a:t>
-            </a:r>
-            <a:br>
-              <a:rPr lang="de-DE" sz="1400" dirty="0">
-                <a:solidFill>
-                  <a:srgbClr val="5F6A70"/>
-                </a:solidFill>
-              </a:rPr>
-            </a:br>
-            <a:r>
-              <a:rPr lang="de-DE" sz="1400" dirty="0">
-                <a:solidFill>
-                  <a:srgbClr val="5F6A70"/>
-                </a:solidFill>
-              </a:rPr>
-              <a:t>März 1991</a:t>
-            </a:r>
-          </a:p>
-          <a:p>
-            <a:pPr marL="0" indent="0">
-              <a:spcAft>
-                <a:spcPts val="300"/>
-              </a:spcAft>
-              <a:buNone/>
-            </a:pPr>
-            <a:endParaRPr lang="de-DE" sz="1400" dirty="0">
-              <a:solidFill>
-                <a:srgbClr val="5F6A70"/>
-              </a:solidFill>
-            </a:endParaRPr>
-          </a:p>
-          <a:p>
-            <a:pPr marL="0" indent="0">
-              <a:spcAft>
-                <a:spcPts val="300"/>
-              </a:spcAft>
-              <a:buNone/>
-            </a:pPr>
-            <a:r>
-              <a:rPr lang="de-DE" sz="1400" b="1" dirty="0">
-                <a:solidFill>
-                  <a:srgbClr val="5F6A70"/>
-                </a:solidFill>
-                <a:latin typeface="Calibri" charset="0"/>
-                <a:ea typeface="Calibri" charset="0"/>
-                <a:cs typeface="Calibri" charset="0"/>
-              </a:rPr>
-              <a:t>Muttergesellschaft:</a:t>
-            </a:r>
-            <a:br>
-              <a:rPr lang="de-DE" sz="1400" dirty="0">
-                <a:solidFill>
-                  <a:srgbClr val="5F6A70"/>
-                </a:solidFill>
-              </a:rPr>
-            </a:br>
-            <a:r>
-              <a:rPr lang="de-DE" sz="1400" dirty="0">
-                <a:solidFill>
-                  <a:srgbClr val="5F6A70"/>
-                </a:solidFill>
-              </a:rPr>
-              <a:t>OTTO Group</a:t>
-            </a:r>
-          </a:p>
-          <a:p>
-            <a:pPr marL="0" indent="0">
-              <a:spcAft>
-                <a:spcPts val="300"/>
-              </a:spcAft>
-              <a:buNone/>
-            </a:pPr>
-            <a:endParaRPr lang="de-DE" sz="1400" dirty="0">
-              <a:solidFill>
-                <a:srgbClr val="5F6A70"/>
-              </a:solidFill>
-            </a:endParaRPr>
-          </a:p>
-          <a:p>
-            <a:pPr marL="0" indent="0">
-              <a:spcAft>
-                <a:spcPts val="300"/>
-              </a:spcAft>
-              <a:buNone/>
-            </a:pPr>
-            <a:r>
-              <a:rPr lang="de-DE" sz="1400" b="1" dirty="0">
-                <a:solidFill>
-                  <a:srgbClr val="5F6A70"/>
-                </a:solidFill>
-                <a:latin typeface="Calibri" charset="0"/>
-                <a:ea typeface="Calibri" charset="0"/>
-                <a:cs typeface="Calibri" charset="0"/>
-              </a:rPr>
-              <a:t>Standorte:</a:t>
-            </a:r>
-            <a:br>
-              <a:rPr lang="de-DE" sz="1400" dirty="0">
-                <a:solidFill>
-                  <a:srgbClr val="5F6A70"/>
-                </a:solidFill>
-              </a:rPr>
-            </a:br>
-            <a:r>
-              <a:rPr lang="de-DE" sz="1400" dirty="0">
-                <a:solidFill>
-                  <a:srgbClr val="5F6A70"/>
-                </a:solidFill>
-              </a:rPr>
-              <a:t>Dresden, Hamburg, Burgkunstadt, Bangkok, Taipeh, Madrid</a:t>
-            </a:r>
-            <a:endParaRPr lang="de-DE" sz="1400" dirty="0"/>
-          </a:p>
-          <a:p>
-            <a:pPr marL="0" indent="0">
-              <a:spcAft>
-                <a:spcPts val="300"/>
-              </a:spcAft>
-              <a:buNone/>
-            </a:pPr>
-            <a:endParaRPr lang="de-DE" sz="1400" b="1" dirty="0">
-              <a:solidFill>
-                <a:srgbClr val="5F6A70"/>
-              </a:solidFill>
-              <a:latin typeface="Calibri" charset="0"/>
-              <a:ea typeface="Calibri" charset="0"/>
-              <a:cs typeface="Calibri" charset="0"/>
-            </a:endParaRPr>
-          </a:p>
-          <a:p>
-            <a:pPr marL="0" indent="0">
-              <a:spcAft>
-                <a:spcPts val="300"/>
-              </a:spcAft>
-              <a:buNone/>
-            </a:pPr>
-            <a:r>
-              <a:rPr lang="de-DE" sz="1400" b="1" dirty="0">
-                <a:solidFill>
-                  <a:srgbClr val="5F6A70"/>
-                </a:solidFill>
-                <a:latin typeface="Calibri" charset="0"/>
-                <a:ea typeface="Calibri" charset="0"/>
-                <a:cs typeface="Calibri" charset="0"/>
-              </a:rPr>
-              <a:t>Mitarbeiterzahl:</a:t>
-            </a:r>
-            <a:br>
-              <a:rPr lang="de-DE" sz="1400" dirty="0">
-                <a:solidFill>
-                  <a:srgbClr val="5F6A70"/>
-                </a:solidFill>
-              </a:rPr>
-            </a:br>
-            <a:r>
-              <a:rPr lang="de-DE" sz="1400" dirty="0">
-                <a:solidFill>
-                  <a:srgbClr val="5F6A70"/>
-                </a:solidFill>
-              </a:rPr>
-              <a:t>Ca. 300</a:t>
-            </a:r>
-          </a:p>
-          <a:p>
-            <a:pPr marL="0" indent="0">
-              <a:spcAft>
-                <a:spcPts val="300"/>
-              </a:spcAft>
-              <a:buNone/>
-            </a:pPr>
-            <a:endParaRPr lang="de-DE" sz="1400" dirty="0">
-              <a:solidFill>
-                <a:srgbClr val="5F6A70"/>
-              </a:solidFill>
-            </a:endParaRPr>
-          </a:p>
-          <a:p>
-            <a:pPr marL="0" indent="0">
-              <a:spcAft>
-                <a:spcPts val="300"/>
-              </a:spcAft>
-              <a:buNone/>
-            </a:pPr>
-            <a:r>
-              <a:rPr lang="de-DE" sz="1400" b="1" dirty="0">
-                <a:solidFill>
-                  <a:srgbClr val="5F6A70"/>
-                </a:solidFill>
-                <a:latin typeface="Calibri" charset="0"/>
-                <a:ea typeface="Calibri" charset="0"/>
-                <a:cs typeface="Calibri" charset="0"/>
-              </a:rPr>
-              <a:t>Geschäftsführer:</a:t>
-            </a:r>
-            <a:br>
-              <a:rPr lang="de-DE" sz="1400" dirty="0">
-                <a:solidFill>
-                  <a:srgbClr val="5F6A70"/>
-                </a:solidFill>
-              </a:rPr>
-            </a:br>
-            <a:r>
-              <a:rPr lang="de-DE" sz="1400" dirty="0">
-                <a:solidFill>
-                  <a:srgbClr val="5F6A70"/>
-                </a:solidFill>
-              </a:rPr>
-              <a:t>Dr. Stefan </a:t>
-            </a:r>
-            <a:r>
-              <a:rPr lang="de-DE" sz="1400" dirty="0" err="1">
-                <a:solidFill>
-                  <a:srgbClr val="5F6A70"/>
-                </a:solidFill>
-              </a:rPr>
-              <a:t>Borsutzky</a:t>
-            </a:r>
-            <a:r>
-              <a:rPr lang="de-DE" sz="1400" dirty="0">
-                <a:solidFill>
-                  <a:srgbClr val="5F6A70"/>
-                </a:solidFill>
-              </a:rPr>
-              <a:t>, Norbert </a:t>
-            </a:r>
-            <a:r>
-              <a:rPr lang="de-DE" sz="1400" dirty="0" err="1">
-                <a:solidFill>
-                  <a:srgbClr val="5F6A70"/>
-                </a:solidFill>
-              </a:rPr>
-              <a:t>Gödicke</a:t>
-            </a:r>
-            <a:r>
-              <a:rPr lang="de-DE" sz="1400" dirty="0">
-                <a:solidFill>
-                  <a:srgbClr val="5F6A70"/>
-                </a:solidFill>
-              </a:rPr>
-              <a:t>, Jens Gruhl</a:t>
-            </a:r>
-          </a:p>
-          <a:p>
-            <a:pPr marL="0" indent="0">
-              <a:spcAft>
-                <a:spcPts val="300"/>
-              </a:spcAft>
-              <a:buNone/>
-            </a:pPr>
-            <a:endParaRPr lang="de-DE" sz="1400" b="1" dirty="0">
-              <a:solidFill>
-                <a:srgbClr val="5F6A70"/>
-              </a:solidFill>
-            </a:endParaRPr>
-          </a:p>
-          <a:p>
-            <a:endParaRPr lang="de-DE" sz="1400" dirty="0"/>
-          </a:p>
-        </p:txBody>
-      </p:sp>
-      <p:sp>
-        <p:nvSpPr>
-          <p:cNvPr id="10" name="Titel 1"/>
-          <p:cNvSpPr>
-            <a:spLocks noGrp="1"/>
-          </p:cNvSpPr>
-          <p:nvPr>
-            <p:ph type="title"/>
-          </p:nvPr>
-        </p:nvSpPr>
-        <p:spPr>
-          <a:xfrm>
-            <a:off x="542714" y="404639"/>
-            <a:ext cx="6820160" cy="793833"/>
-          </a:xfrm>
-        </p:spPr>
-        <p:txBody>
-          <a:bodyPr/>
-          <a:lstStyle/>
-          <a:p>
-            <a:r>
-              <a:rPr lang="de-DE" sz="2800" b="1" dirty="0"/>
-              <a:t>Otto Group Solution </a:t>
-            </a:r>
-            <a:r>
-              <a:rPr lang="de-DE" sz="2800" b="1"/>
-              <a:t>Provider (OSP) </a:t>
-            </a:r>
-            <a:r>
-              <a:rPr lang="de-DE" sz="2800" b="1" dirty="0"/>
-              <a:t>GmbH</a:t>
-            </a:r>
-          </a:p>
-        </p:txBody>
-      </p:sp>
-      <p:sp>
-        <p:nvSpPr>
-          <p:cNvPr id="14" name="Textplatzhalter 2"/>
-          <p:cNvSpPr>
-            <a:spLocks noGrp="1"/>
-          </p:cNvSpPr>
-          <p:nvPr>
-            <p:ph type="body" sz="quarter" idx="10"/>
-          </p:nvPr>
-        </p:nvSpPr>
-        <p:spPr>
-          <a:xfrm>
-            <a:off x="3141123" y="786073"/>
-            <a:ext cx="1979549" cy="442879"/>
-          </a:xfrm>
-        </p:spPr>
-        <p:txBody>
-          <a:bodyPr/>
-          <a:lstStyle/>
-          <a:p>
-            <a:r>
-              <a:rPr lang="de-DE"/>
-              <a:t>www.osp.de</a:t>
-            </a:r>
-            <a:endParaRPr lang="de-DE" dirty="0"/>
-          </a:p>
-        </p:txBody>
-      </p:sp>
-    </p:spTree>
-    <p:extLst>
-      <p:ext uri="{BB962C8B-B14F-4D97-AF65-F5344CB8AC3E}">
-        <p14:creationId xmlns:p14="http://schemas.microsoft.com/office/powerpoint/2010/main" val="1746308315"/>
-      </p:ext>
-    </p:extLst>
-  </p:cSld>
-  <p:clrMapOvr>
-    <a:masterClrMapping/>
-  </p:clrMapOvr>
-</p:sld>
-</file>
-
-<file path=ppt/slides/slide4.xml><?xml version="1.0" encoding="utf-8"?>
-<p:sld xmlns:a="http://schemas.openxmlformats.org/drawingml/2006/main" xmlns:r="http://schemas.openxmlformats.org/officeDocument/2006/relationships" xmlns:p="http://schemas.openxmlformats.org/presentationml/2006/main">
-  <p:cSld>
-    <p:spTree>
-      <p:nvGrpSpPr>
-        <p:cNvPr id="1" name=""/>
-        <p:cNvGrpSpPr/>
-        <p:nvPr/>
-      </p:nvGrpSpPr>
-      <p:grpSpPr>
-        <a:xfrm>
-          <a:off x="0" y="0"/>
-          <a:ext cx="0" cy="0"/>
-          <a:chOff x="0" y="0"/>
-          <a:chExt cx="0" cy="0"/>
-        </a:xfrm>
-      </p:grpSpPr>
-      <p:sp>
-        <p:nvSpPr>
-          <p:cNvPr id="4" name="Fußzeilenplatzhalter 3"/>
-          <p:cNvSpPr>
-            <a:spLocks noGrp="1"/>
-          </p:cNvSpPr>
-          <p:nvPr>
-            <p:ph type="ftr" sz="quarter" idx="3"/>
-          </p:nvPr>
-        </p:nvSpPr>
-        <p:spPr>
-          <a:xfrm>
-            <a:off x="6412999" y="4933679"/>
-            <a:ext cx="2173184" cy="273844"/>
-          </a:xfrm>
-        </p:spPr>
-        <p:txBody>
-          <a:bodyPr/>
-          <a:lstStyle/>
-          <a:p>
-            <a:r>
-              <a:rPr lang="de-DE" dirty="0"/>
-              <a:t>Seite</a:t>
-            </a:r>
-          </a:p>
-        </p:txBody>
-      </p:sp>
-      <p:sp>
-        <p:nvSpPr>
-          <p:cNvPr id="5" name="Foliennummernplatzhalter 4"/>
-          <p:cNvSpPr>
-            <a:spLocks noGrp="1"/>
-          </p:cNvSpPr>
-          <p:nvPr>
-            <p:ph type="sldNum" sz="quarter" idx="4"/>
-          </p:nvPr>
-        </p:nvSpPr>
-        <p:spPr>
-          <a:xfrm>
-            <a:off x="8418658" y="4936083"/>
-            <a:ext cx="335050" cy="273844"/>
-          </a:xfrm>
-        </p:spPr>
-        <p:txBody>
-          <a:bodyPr/>
-          <a:lstStyle/>
-          <a:p>
-            <a:fld id="{2DD045F0-8B2A-FA4B-969F-A1574B4A39C0}" type="slidenum">
-              <a:rPr lang="de-DE" smtClean="0"/>
-              <a:pPr/>
-              <a:t>4</a:t>
-            </a:fld>
-            <a:endParaRPr lang="de-DE" dirty="0"/>
-          </a:p>
-        </p:txBody>
-      </p:sp>
       <p:sp>
         <p:nvSpPr>
           <p:cNvPr id="10" name="Titel 1"/>
@@ -30539,7 +28737,7 @@
 </p:sld>
 </file>
 
-<file path=ppt/slides/slide5.xml><?xml version="1.0" encoding="utf-8"?>
+<file path=ppt/slides/slide4.xml><?xml version="1.0" encoding="utf-8"?>
 <p:sld xmlns:a="http://schemas.openxmlformats.org/drawingml/2006/main" xmlns:r="http://schemas.openxmlformats.org/officeDocument/2006/relationships" xmlns:p="http://schemas.openxmlformats.org/presentationml/2006/main">
   <p:cSld>
     <p:spTree>
@@ -30633,7 +28831,7 @@
             <a:fld id="{2DD045F0-8B2A-FA4B-969F-A1574B4A39C0}" type="slidenum">
               <a:rPr lang="de-DE" smtClean="0"/>
               <a:pPr/>
-              <a:t>5</a:t>
+              <a:t>4</a:t>
             </a:fld>
             <a:endParaRPr lang="de-DE" dirty="0"/>
           </a:p>
@@ -31319,7 +29517,7 @@
 </p:sld>
 </file>
 
-<file path=ppt/slides/slide6.xml><?xml version="1.0" encoding="utf-8"?>
+<file path=ppt/slides/slide5.xml><?xml version="1.0" encoding="utf-8"?>
 <p:sld xmlns:a="http://schemas.openxmlformats.org/drawingml/2006/main" xmlns:r="http://schemas.openxmlformats.org/officeDocument/2006/relationships" xmlns:p="http://schemas.openxmlformats.org/presentationml/2006/main">
   <p:cSld>
     <p:spTree>
@@ -31412,7 +29610,7 @@
           <a:p>
             <a:r>
               <a:rPr lang="de-DE" sz="2800" b="1" dirty="0"/>
-              <a:t>Motivation aus erstem Anwendungsfall EKR</a:t>
+              <a:t>Motivation aus einem konkreten Anwendungsfall</a:t>
             </a:r>
           </a:p>
         </p:txBody>
@@ -31467,7 +29665,7 @@
             <a:fld id="{2DD045F0-8B2A-FA4B-969F-A1574B4A39C0}" type="slidenum">
               <a:rPr lang="de-DE" smtClean="0"/>
               <a:pPr/>
-              <a:t>6</a:t>
+              <a:t>5</a:t>
             </a:fld>
             <a:endParaRPr lang="de-DE" dirty="0"/>
           </a:p>
@@ -36983,7 +35181,7 @@
 </p:sld>
 </file>
 
-<file path=ppt/slides/slide7.xml><?xml version="1.0" encoding="utf-8"?>
+<file path=ppt/slides/slide6.xml><?xml version="1.0" encoding="utf-8"?>
 <p:sld xmlns:a="http://schemas.openxmlformats.org/drawingml/2006/main" xmlns:r="http://schemas.openxmlformats.org/officeDocument/2006/relationships" xmlns:p="http://schemas.openxmlformats.org/presentationml/2006/main">
   <p:cSld>
     <p:spTree>
@@ -38782,7 +36980,7 @@
 </p:sld>
 </file>
 
-<file path=ppt/slides/slide8.xml><?xml version="1.0" encoding="utf-8"?>
+<file path=ppt/slides/slide7.xml><?xml version="1.0" encoding="utf-8"?>
 <p:sld xmlns:a="http://schemas.openxmlformats.org/drawingml/2006/main" xmlns:r="http://schemas.openxmlformats.org/officeDocument/2006/relationships" xmlns:p="http://schemas.openxmlformats.org/presentationml/2006/main">
   <p:cSld>
     <p:spTree>
@@ -38811,242 +37009,27 @@
         </p:nvSpPr>
         <p:spPr>
           <a:xfrm>
-            <a:off x="7095436" y="2082396"/>
-            <a:ext cx="1754949" cy="1625539"/>
+            <a:off x="222767" y="334116"/>
+            <a:ext cx="8363416" cy="508925"/>
           </a:xfrm>
         </p:spPr>
         <p:txBody>
           <a:bodyPr/>
           <a:lstStyle/>
           <a:p>
-            <a:pPr algn="ctr"/>
             <a:r>
               <a:rPr lang="de-DE" sz="2800" b="1" dirty="0"/>
-              <a:t>TriXX </a:t>
-            </a:r>
-            <a:br>
-              <a:rPr lang="de-DE" sz="2800" b="1" dirty="0"/>
-            </a:br>
-            <a:r>
-              <a:rPr lang="de-DE" sz="2800" b="1" dirty="0"/>
-              <a:t>Modul-</a:t>
-            </a:r>
-            <a:br>
-              <a:rPr lang="de-DE" sz="2800" b="1" dirty="0"/>
-            </a:br>
-            <a:r>
-              <a:rPr lang="de-DE" sz="2800" b="1" dirty="0"/>
-              <a:t>Struktur</a:t>
+              <a:t>Abgrenzung zu etablierten CDC-Lösungen</a:t>
             </a:r>
           </a:p>
         </p:txBody>
       </p:sp>
       <p:sp>
         <p:nvSpPr>
-          <p:cNvPr id="4" name="Fußzeilenplatzhalter 3"/>
-          <p:cNvSpPr>
-            <a:spLocks noGrp="1"/>
-          </p:cNvSpPr>
-          <p:nvPr>
-            <p:ph type="ftr" sz="quarter" idx="3"/>
-          </p:nvPr>
-        </p:nvSpPr>
-        <p:spPr>
-          <a:xfrm>
-            <a:off x="6412999" y="4918182"/>
-            <a:ext cx="2173184" cy="273844"/>
-          </a:xfrm>
-        </p:spPr>
-        <p:txBody>
-          <a:bodyPr/>
-          <a:lstStyle/>
-          <a:p>
-            <a:r>
-              <a:rPr lang="de-DE" dirty="0"/>
-              <a:t>Seite</a:t>
-            </a:r>
-          </a:p>
-        </p:txBody>
-      </p:sp>
-      <p:sp>
-        <p:nvSpPr>
-          <p:cNvPr id="5" name="Foliennummernplatzhalter 4"/>
-          <p:cNvSpPr>
-            <a:spLocks noGrp="1"/>
-          </p:cNvSpPr>
-          <p:nvPr>
-            <p:ph type="sldNum" sz="quarter" idx="4"/>
-          </p:nvPr>
-        </p:nvSpPr>
-        <p:spPr>
-          <a:xfrm>
-            <a:off x="8418658" y="4920586"/>
-            <a:ext cx="335050" cy="273844"/>
-          </a:xfrm>
-        </p:spPr>
-        <p:txBody>
-          <a:bodyPr/>
-          <a:lstStyle/>
-          <a:p>
-            <a:fld id="{2DD045F0-8B2A-FA4B-969F-A1574B4A39C0}" type="slidenum">
-              <a:rPr lang="de-DE" smtClean="0"/>
-              <a:pPr/>
-              <a:t>8</a:t>
-            </a:fld>
-            <a:endParaRPr lang="de-DE" dirty="0"/>
-          </a:p>
-        </p:txBody>
-      </p:sp>
-      <p:pic>
-        <p:nvPicPr>
-          <p:cNvPr id="11" name="Grafik 10">
+          <p:cNvPr id="9" name="Textplatzhalter 12">
             <a:extLst>
               <a:ext uri="{FF2B5EF4-FFF2-40B4-BE49-F238E27FC236}">
-                <a16:creationId xmlns:a16="http://schemas.microsoft.com/office/drawing/2014/main" id="{0345DA03-9463-2744-BB95-02B75EDC3F08}"/>
-              </a:ext>
-            </a:extLst>
-          </p:cNvPr>
-          <p:cNvPicPr>
-            <a:picLocks noChangeAspect="1"/>
-          </p:cNvPicPr>
-          <p:nvPr/>
-        </p:nvPicPr>
-        <p:blipFill>
-          <a:blip r:embed="rId2"/>
-          <a:stretch>
-            <a:fillRect/>
-          </a:stretch>
-        </p:blipFill>
-        <p:spPr>
-          <a:xfrm>
-            <a:off x="1004746" y="0"/>
-            <a:ext cx="6132635" cy="5143500"/>
-          </a:xfrm>
-          <a:prstGeom prst="rect">
-            <a:avLst/>
-          </a:prstGeom>
-        </p:spPr>
-      </p:pic>
-    </p:spTree>
-    <p:extLst>
-      <p:ext uri="{BB962C8B-B14F-4D97-AF65-F5344CB8AC3E}">
-        <p14:creationId xmlns:p14="http://schemas.microsoft.com/office/powerpoint/2010/main" val="3709629849"/>
-      </p:ext>
-    </p:extLst>
-  </p:cSld>
-  <p:clrMapOvr>
-    <a:masterClrMapping/>
-  </p:clrMapOvr>
-</p:sld>
-</file>
-
-<file path=ppt/slides/slide9.xml><?xml version="1.0" encoding="utf-8"?>
-<p:sld xmlns:a="http://schemas.openxmlformats.org/drawingml/2006/main" xmlns:r="http://schemas.openxmlformats.org/officeDocument/2006/relationships" xmlns:p="http://schemas.openxmlformats.org/presentationml/2006/main">
-  <p:cSld>
-    <p:spTree>
-      <p:nvGrpSpPr>
-        <p:cNvPr id="1" name=""/>
-        <p:cNvGrpSpPr/>
-        <p:nvPr/>
-      </p:nvGrpSpPr>
-      <p:grpSpPr>
-        <a:xfrm>
-          <a:off x="0" y="0"/>
-          <a:ext cx="0" cy="0"/>
-          <a:chOff x="0" y="0"/>
-          <a:chExt cx="0" cy="0"/>
-        </a:xfrm>
-      </p:grpSpPr>
-      <p:sp>
-        <p:nvSpPr>
-          <p:cNvPr id="2" name="Titel 1"/>
-          <p:cNvSpPr>
-            <a:spLocks noGrp="1"/>
-          </p:cNvSpPr>
-          <p:nvPr>
-            <p:ph type="title"/>
-          </p:nvPr>
-        </p:nvSpPr>
-        <p:spPr>
-          <a:xfrm>
-            <a:off x="4687796" y="400927"/>
-            <a:ext cx="3277602" cy="404417"/>
-          </a:xfrm>
-        </p:spPr>
-        <p:txBody>
-          <a:bodyPr/>
-          <a:lstStyle/>
-          <a:p>
-            <a:pPr algn="ctr"/>
-            <a:r>
-              <a:rPr lang="de-DE" sz="2800" b="1" dirty="0"/>
-              <a:t>ER-Modell</a:t>
-            </a:r>
-          </a:p>
-        </p:txBody>
-      </p:sp>
-      <p:sp>
-        <p:nvSpPr>
-          <p:cNvPr id="4" name="Fußzeilenplatzhalter 3"/>
-          <p:cNvSpPr>
-            <a:spLocks noGrp="1"/>
-          </p:cNvSpPr>
-          <p:nvPr>
-            <p:ph type="ftr" sz="quarter" idx="3"/>
-          </p:nvPr>
-        </p:nvSpPr>
-        <p:spPr>
-          <a:xfrm>
-            <a:off x="6412999" y="4918182"/>
-            <a:ext cx="2173184" cy="273844"/>
-          </a:xfrm>
-        </p:spPr>
-        <p:txBody>
-          <a:bodyPr/>
-          <a:lstStyle/>
-          <a:p>
-            <a:r>
-              <a:rPr lang="de-DE" dirty="0"/>
-              <a:t>Seite</a:t>
-            </a:r>
-          </a:p>
-        </p:txBody>
-      </p:sp>
-      <p:sp>
-        <p:nvSpPr>
-          <p:cNvPr id="5" name="Foliennummernplatzhalter 4"/>
-          <p:cNvSpPr>
-            <a:spLocks noGrp="1"/>
-          </p:cNvSpPr>
-          <p:nvPr>
-            <p:ph type="sldNum" sz="quarter" idx="4"/>
-          </p:nvPr>
-        </p:nvSpPr>
-        <p:spPr>
-          <a:xfrm>
-            <a:off x="8418658" y="4920586"/>
-            <a:ext cx="335050" cy="273844"/>
-          </a:xfrm>
-        </p:spPr>
-        <p:txBody>
-          <a:bodyPr/>
-          <a:lstStyle/>
-          <a:p>
-            <a:fld id="{2DD045F0-8B2A-FA4B-969F-A1574B4A39C0}" type="slidenum">
-              <a:rPr lang="de-DE" smtClean="0"/>
-              <a:pPr/>
-              <a:t>9</a:t>
-            </a:fld>
-            <a:endParaRPr lang="de-DE" dirty="0"/>
-          </a:p>
-        </p:txBody>
-      </p:sp>
-      <p:sp>
-        <p:nvSpPr>
-          <p:cNvPr id="7" name="Textplatzhalter 12">
-            <a:extLst>
-              <a:ext uri="{FF2B5EF4-FFF2-40B4-BE49-F238E27FC236}">
-                <a16:creationId xmlns:a16="http://schemas.microsoft.com/office/drawing/2014/main" id="{7518E9B8-B7E1-1B40-9399-409C0632D954}"/>
+                <a16:creationId xmlns:a16="http://schemas.microsoft.com/office/drawing/2014/main" id="{7542A134-6C34-3841-A946-987F48715E38}"/>
               </a:ext>
             </a:extLst>
           </p:cNvPr>
@@ -39057,8 +37040,8 @@
         </p:nvSpPr>
         <p:spPr>
           <a:xfrm>
-            <a:off x="3671482" y="1022068"/>
-            <a:ext cx="5229874" cy="602901"/>
+            <a:off x="260137" y="907680"/>
+            <a:ext cx="8623725" cy="610727"/>
           </a:xfrm>
           <a:prstGeom prst="rect">
             <a:avLst/>
@@ -39259,7 +37242,7 @@
               <a:buFont typeface="LucidaGrande" charset="0"/>
               <a:buNone/>
             </a:pPr>
-            <a:endParaRPr lang="de-DE" sz="100" dirty="0">
+            <a:endParaRPr lang="de-DE" sz="100" b="1" dirty="0">
               <a:latin typeface="Calibri" charset="0"/>
               <a:ea typeface="Calibri" charset="0"/>
               <a:cs typeface="Calibri" charset="0"/>
@@ -39269,21 +37252,69 @@
             <a:pPr marL="374650" indent="-285750"/>
             <a:r>
               <a:rPr lang="de-DE" dirty="0">
-                <a:latin typeface="Calibri" charset="0"/>
+                <a:latin typeface="+mn-lt"/>
                 <a:ea typeface="Calibri" charset="0"/>
                 <a:cs typeface="Calibri" charset="0"/>
               </a:rPr>
-              <a:t>Eigenes Schema kapselt alle TriXX-relevanten Objekte in DB</a:t>
+              <a:t>Es existiert eine vielfältige Anzahl von Lösungen für Change Data Capture, sowohl kommerziell als auch Open Source (Oracle Golden Gate, Quest </a:t>
+            </a:r>
+            <a:r>
+              <a:rPr lang="de-DE" dirty="0" err="1">
+                <a:latin typeface="+mn-lt"/>
+                <a:ea typeface="Calibri" charset="0"/>
+                <a:cs typeface="Calibri" charset="0"/>
+              </a:rPr>
+              <a:t>SharePlex</a:t>
+            </a:r>
+            <a:r>
+              <a:rPr lang="de-DE" dirty="0">
+                <a:latin typeface="+mn-lt"/>
+                <a:ea typeface="Calibri" charset="0"/>
+                <a:cs typeface="Calibri" charset="0"/>
+              </a:rPr>
+              <a:t>, </a:t>
+            </a:r>
+            <a:r>
+              <a:rPr lang="de-DE" dirty="0" err="1">
+                <a:latin typeface="+mn-lt"/>
+                <a:ea typeface="Calibri" charset="0"/>
+                <a:cs typeface="Calibri" charset="0"/>
+              </a:rPr>
+              <a:t>Red</a:t>
+            </a:r>
+            <a:r>
+              <a:rPr lang="de-DE" dirty="0">
+                <a:latin typeface="+mn-lt"/>
+                <a:ea typeface="Calibri" charset="0"/>
+                <a:cs typeface="Calibri" charset="0"/>
+              </a:rPr>
+              <a:t> Hat </a:t>
+            </a:r>
+            <a:r>
+              <a:rPr lang="de-DE" dirty="0" err="1">
+                <a:latin typeface="+mn-lt"/>
+                <a:ea typeface="Calibri" charset="0"/>
+                <a:cs typeface="Calibri" charset="0"/>
+              </a:rPr>
+              <a:t>Debezium</a:t>
+            </a:r>
+            <a:r>
+              <a:rPr lang="de-DE" dirty="0">
+                <a:latin typeface="+mn-lt"/>
+                <a:ea typeface="Calibri" charset="0"/>
+                <a:cs typeface="Calibri" charset="0"/>
+              </a:rPr>
+              <a:t> etc.)</a:t>
             </a:r>
           </a:p>
         </p:txBody>
       </p:sp>
       <p:sp>
         <p:nvSpPr>
-          <p:cNvPr id="8" name="Textplatzhalter 12">
+          <p:cNvPr id="6" name="Textplatzhalter 12">
             <a:extLst>
               <a:ext uri="{FF2B5EF4-FFF2-40B4-BE49-F238E27FC236}">
-                <a16:creationId xmlns:a16="http://schemas.microsoft.com/office/drawing/2014/main" id="{A9DAF96B-444F-1D41-8C7F-9ACFBF6A44A7}"/>
+                <a16:creationId xmlns:a16="http://schemas.microsoft.com/office/drawing/2014/main" id="{9671B04B-82D1-DC40-8FA3-34417CF13278}"/>
               </a:ext>
             </a:extLst>
           </p:cNvPr>
@@ -39294,8 +37325,8 @@
         </p:nvSpPr>
         <p:spPr>
           <a:xfrm>
-            <a:off x="3671482" y="1800903"/>
-            <a:ext cx="5229874" cy="602901"/>
+            <a:off x="260136" y="1569084"/>
+            <a:ext cx="8623725" cy="610727"/>
           </a:xfrm>
           <a:prstGeom prst="rect">
             <a:avLst/>
@@ -39496,7 +37527,7 @@
               <a:buFont typeface="LucidaGrande" charset="0"/>
               <a:buNone/>
             </a:pPr>
-            <a:endParaRPr lang="de-DE" sz="100" dirty="0">
+            <a:endParaRPr lang="de-DE" sz="100" b="1" dirty="0">
               <a:latin typeface="Calibri" charset="0"/>
               <a:ea typeface="Calibri" charset="0"/>
               <a:cs typeface="Calibri" charset="0"/>
@@ -39506,21 +37537,33 @@
             <a:pPr marL="374650" indent="-285750"/>
             <a:r>
               <a:rPr lang="de-DE" dirty="0">
-                <a:latin typeface="Calibri" charset="0"/>
-                <a:ea typeface="Calibri" charset="0"/>
+                <a:latin typeface="+mn-lt"/>
                 <a:cs typeface="Calibri" charset="0"/>
               </a:rPr>
-              <a:t>Export der Konfigurationsdaten in JSON-File erlaubt Backup außerhalb der DB</a:t>
+              <a:t>Die meisten basieren auf dem Scannen der Transaktionslogs einer DB </a:t>
+            </a:r>
+            <a:br>
+              <a:rPr lang="de-DE" dirty="0">
+                <a:latin typeface="+mn-lt"/>
+                <a:cs typeface="Calibri" charset="0"/>
+              </a:rPr>
+            </a:br>
+            <a:r>
+              <a:rPr lang="de-DE" dirty="0">
+                <a:latin typeface="+mn-lt"/>
+                <a:cs typeface="Calibri" charset="0"/>
+              </a:rPr>
+              <a:t>(spätes Filtern auf relevante Events)</a:t>
             </a:r>
           </a:p>
         </p:txBody>
       </p:sp>
       <p:sp>
         <p:nvSpPr>
-          <p:cNvPr id="9" name="Textplatzhalter 12">
+          <p:cNvPr id="7" name="Textplatzhalter 12">
             <a:extLst>
               <a:ext uri="{FF2B5EF4-FFF2-40B4-BE49-F238E27FC236}">
-                <a16:creationId xmlns:a16="http://schemas.microsoft.com/office/drawing/2014/main" id="{FD137FE7-81BF-8442-9D59-F7CAAB3FE7D1}"/>
+                <a16:creationId xmlns:a16="http://schemas.microsoft.com/office/drawing/2014/main" id="{3CB05B99-241A-124E-A6CB-70962CCB3346}"/>
               </a:ext>
             </a:extLst>
           </p:cNvPr>
@@ -39531,8 +37574,8 @@
         </p:nvSpPr>
         <p:spPr>
           <a:xfrm>
-            <a:off x="3671482" y="2580452"/>
-            <a:ext cx="5229874" cy="602902"/>
+            <a:off x="260135" y="2234112"/>
+            <a:ext cx="8623725" cy="417676"/>
           </a:xfrm>
           <a:prstGeom prst="rect">
             <a:avLst/>
@@ -39733,7 +37776,7 @@
               <a:buFont typeface="LucidaGrande" charset="0"/>
               <a:buNone/>
             </a:pPr>
-            <a:endParaRPr lang="de-DE" sz="100" dirty="0">
+            <a:endParaRPr lang="de-DE" sz="100" b="1" dirty="0">
               <a:latin typeface="Calibri" charset="0"/>
               <a:ea typeface="Calibri" charset="0"/>
               <a:cs typeface="Calibri" charset="0"/>
@@ -39743,21 +37786,20 @@
             <a:pPr marL="374650" indent="-285750"/>
             <a:r>
               <a:rPr lang="de-DE" dirty="0">
-                <a:latin typeface="Calibri" charset="0"/>
-                <a:ea typeface="Calibri" charset="0"/>
+                <a:latin typeface="+mn-lt"/>
                 <a:cs typeface="Calibri" charset="0"/>
               </a:rPr>
-              <a:t>Import der Konfigurationsdaten per JSON-File z.B. für Aufbau Test-Systeme</a:t>
+              <a:t>Damit kein Impact zur Laufzeit der originalen Transaktionen, jedoch:</a:t>
             </a:r>
           </a:p>
         </p:txBody>
       </p:sp>
       <p:sp>
         <p:nvSpPr>
-          <p:cNvPr id="10" name="Textplatzhalter 12">
+          <p:cNvPr id="8" name="Textplatzhalter 12">
             <a:extLst>
               <a:ext uri="{FF2B5EF4-FFF2-40B4-BE49-F238E27FC236}">
-                <a16:creationId xmlns:a16="http://schemas.microsoft.com/office/drawing/2014/main" id="{7230C796-9480-9C4D-88D4-701E47361F22}"/>
+                <a16:creationId xmlns:a16="http://schemas.microsoft.com/office/drawing/2014/main" id="{66127F30-ABAF-194F-B5B7-1159BC8DEBC7}"/>
               </a:ext>
             </a:extLst>
           </p:cNvPr>
@@ -39768,8 +37810,8 @@
         </p:nvSpPr>
         <p:spPr>
           <a:xfrm>
-            <a:off x="3683726" y="3358518"/>
-            <a:ext cx="5229874" cy="602903"/>
+            <a:off x="260137" y="4486686"/>
+            <a:ext cx="8623725" cy="606480"/>
           </a:xfrm>
           <a:prstGeom prst="rect">
             <a:avLst/>
@@ -39970,7 +38012,7 @@
               <a:buFont typeface="LucidaGrande" charset="0"/>
               <a:buNone/>
             </a:pPr>
-            <a:endParaRPr lang="de-DE" sz="100" dirty="0">
+            <a:endParaRPr lang="de-DE" sz="100" b="1" dirty="0">
               <a:latin typeface="Calibri" charset="0"/>
               <a:ea typeface="Calibri" charset="0"/>
               <a:cs typeface="Calibri" charset="0"/>
@@ -39980,21 +38022,23 @@
             <a:pPr marL="374650" indent="-285750"/>
             <a:r>
               <a:rPr lang="de-DE" dirty="0">
-                <a:latin typeface="Calibri" charset="0"/>
-                <a:ea typeface="Calibri" charset="0"/>
+                <a:latin typeface="+mn-lt"/>
                 <a:cs typeface="Calibri" charset="0"/>
               </a:rPr>
-              <a:t>Über JSON-Import Generierung der TriXX-Konfiguration aus externen Quellen möglich</a:t>
-            </a:r>
+              <a:t>Andere Pull-Alternativen wie Kafka-Connect auf JDBC-Level benötigen individuelle strukturelle Anpassungen in der Applikation um hinreichend performant zu funktionieren</a:t>
+            </a:r>
+            <a:endParaRPr lang="de-DE" dirty="0">
+              <a:latin typeface="+mn-lt"/>
+            </a:endParaRPr>
           </a:p>
         </p:txBody>
       </p:sp>
       <p:sp>
         <p:nvSpPr>
-          <p:cNvPr id="11" name="Textplatzhalter 12">
+          <p:cNvPr id="10" name="Textplatzhalter 12">
             <a:extLst>
               <a:ext uri="{FF2B5EF4-FFF2-40B4-BE49-F238E27FC236}">
-                <a16:creationId xmlns:a16="http://schemas.microsoft.com/office/drawing/2014/main" id="{F7BD72E2-D082-D941-A40D-6DB53D835035}"/>
+                <a16:creationId xmlns:a16="http://schemas.microsoft.com/office/drawing/2014/main" id="{56C76CBC-F747-824E-81E3-867290E8C4AE}"/>
               </a:ext>
             </a:extLst>
           </p:cNvPr>
@@ -40005,8 +38049,8 @@
         </p:nvSpPr>
         <p:spPr>
           <a:xfrm>
-            <a:off x="3671482" y="4139552"/>
-            <a:ext cx="5229874" cy="602903"/>
+            <a:off x="260134" y="2706089"/>
+            <a:ext cx="8623725" cy="606481"/>
           </a:xfrm>
           <a:prstGeom prst="rect">
             <a:avLst/>
@@ -40207,59 +38251,500 @@
               <a:buFont typeface="LucidaGrande" charset="0"/>
               <a:buNone/>
             </a:pPr>
-            <a:endParaRPr lang="de-DE" sz="100" dirty="0">
+            <a:endParaRPr lang="de-DE" sz="100" b="1" dirty="0">
               <a:latin typeface="Calibri" charset="0"/>
               <a:ea typeface="Calibri" charset="0"/>
               <a:cs typeface="Calibri" charset="0"/>
             </a:endParaRPr>
           </a:p>
           <a:p>
-            <a:pPr marL="374650" indent="-285750"/>
+            <a:pPr marL="644525" lvl="1" indent="-285750"/>
             <a:r>
               <a:rPr lang="de-DE" dirty="0">
-                <a:latin typeface="Calibri" charset="0"/>
-                <a:ea typeface="Calibri" charset="0"/>
+                <a:latin typeface="+mn-lt"/>
                 <a:cs typeface="Calibri" charset="0"/>
               </a:rPr>
-              <a:t>Separater Export/Import je Ziel-Schema der DB möglich</a:t>
+              <a:t>Die potentielle Nichtverfügbarkeit des Ziels (Kafka) automatisiert zu kompensieren erfordert die Transaktionslogs in DB vorzuhalten für die maximal anzunehmende Ausfallzeit des Ziels </a:t>
             </a:r>
           </a:p>
         </p:txBody>
       </p:sp>
-      <p:pic>
-        <p:nvPicPr>
-          <p:cNvPr id="6" name="Grafik 5">
+      <p:sp>
+        <p:nvSpPr>
+          <p:cNvPr id="11" name="Textplatzhalter 12">
             <a:extLst>
               <a:ext uri="{FF2B5EF4-FFF2-40B4-BE49-F238E27FC236}">
-                <a16:creationId xmlns:a16="http://schemas.microsoft.com/office/drawing/2014/main" id="{77F5F003-1E2C-4341-9D34-688E300C318E}"/>
+                <a16:creationId xmlns:a16="http://schemas.microsoft.com/office/drawing/2014/main" id="{D90890E1-00B1-524F-AC16-6D80CDE44E22}"/>
               </a:ext>
             </a:extLst>
           </p:cNvPr>
-          <p:cNvPicPr>
-            <a:picLocks noChangeAspect="1"/>
-          </p:cNvPicPr>
+          <p:cNvSpPr txBox="1">
+            <a:spLocks/>
+          </p:cNvSpPr>
           <p:nvPr/>
-        </p:nvPicPr>
-        <p:blipFill>
-          <a:blip r:embed="rId3"/>
-          <a:stretch>
-            <a:fillRect/>
-          </a:stretch>
-        </p:blipFill>
+        </p:nvSpPr>
         <p:spPr>
           <a:xfrm>
-            <a:off x="242644" y="8702"/>
-            <a:ext cx="3311482" cy="5143500"/>
+            <a:off x="260133" y="3369024"/>
+            <a:ext cx="8623725" cy="403715"/>
           </a:xfrm>
           <a:prstGeom prst="rect">
             <a:avLst/>
           </a:prstGeom>
+          <a:solidFill>
+            <a:schemeClr val="bg1">
+              <a:lumMod val="95000"/>
+            </a:schemeClr>
+          </a:solidFill>
         </p:spPr>
-      </p:pic>
+        <p:txBody>
+          <a:bodyPr vert="horz" lIns="0" tIns="0" rIns="0" bIns="0" rtlCol="0">
+            <a:noAutofit/>
+          </a:bodyPr>
+          <a:lstStyle>
+            <a:lvl1pPr marL="222250" indent="-220663" algn="l" defTabSz="457200" rtl="0" eaLnBrk="1" latinLnBrk="0" hangingPunct="1">
+              <a:lnSpc>
+                <a:spcPct val="90000"/>
+              </a:lnSpc>
+              <a:spcBef>
+                <a:spcPts val="0"/>
+              </a:spcBef>
+              <a:spcAft>
+                <a:spcPts val="900"/>
+              </a:spcAft>
+              <a:buClr>
+                <a:srgbClr val="DC2314"/>
+              </a:buClr>
+              <a:buSzPct val="100000"/>
+              <a:buFont typeface="LucidaGrande" charset="0"/>
+              <a:buChar char="•"/>
+              <a:tabLst/>
+              <a:defRPr sz="1600" b="0" i="0" kern="1200" baseline="0">
+                <a:solidFill>
+                  <a:srgbClr val="5F696E"/>
+                </a:solidFill>
+                <a:latin typeface="Calibri Light" charset="0"/>
+                <a:ea typeface="Calibri Light" charset="0"/>
+                <a:cs typeface="Calibri Light" charset="0"/>
+              </a:defRPr>
+            </a:lvl1pPr>
+            <a:lvl2pPr marL="492125" indent="-225425" algn="l" defTabSz="457200" rtl="0" eaLnBrk="1" latinLnBrk="0" hangingPunct="1">
+              <a:lnSpc>
+                <a:spcPct val="90000"/>
+              </a:lnSpc>
+              <a:spcBef>
+                <a:spcPts val="0"/>
+              </a:spcBef>
+              <a:spcAft>
+                <a:spcPts val="900"/>
+              </a:spcAft>
+              <a:buClr>
+                <a:srgbClr val="DC2314"/>
+              </a:buClr>
+              <a:buSzPct val="80000"/>
+              <a:buFont typeface="Symbol" charset="2"/>
+              <a:buChar char="-"/>
+              <a:tabLst/>
+              <a:defRPr sz="1600" b="0" i="0" kern="1200" baseline="0">
+                <a:solidFill>
+                  <a:srgbClr val="5F696E"/>
+                </a:solidFill>
+                <a:latin typeface="Calibri Light" charset="0"/>
+                <a:ea typeface="Calibri Light" charset="0"/>
+                <a:cs typeface="Calibri Light" charset="0"/>
+              </a:defRPr>
+            </a:lvl2pPr>
+            <a:lvl3pPr marL="1157288" indent="-242888" algn="l" defTabSz="457200" rtl="0" eaLnBrk="1" latinLnBrk="0" hangingPunct="1">
+              <a:lnSpc>
+                <a:spcPct val="105000"/>
+              </a:lnSpc>
+              <a:spcBef>
+                <a:spcPts val="0"/>
+              </a:spcBef>
+              <a:buClr>
+                <a:srgbClr val="DC2314"/>
+              </a:buClr>
+              <a:buSzPct val="80000"/>
+              <a:buFont typeface="Symbol" charset="2"/>
+              <a:buChar char="-"/>
+              <a:tabLst/>
+              <a:defRPr sz="1600" kern="1200" baseline="0">
+                <a:solidFill>
+                  <a:schemeClr val="tx1"/>
+                </a:solidFill>
+                <a:latin typeface="Calibri Light"/>
+                <a:ea typeface="+mn-ea"/>
+                <a:cs typeface="+mn-cs"/>
+              </a:defRPr>
+            </a:lvl3pPr>
+            <a:lvl4pPr marL="1657350" indent="-285750" algn="l" defTabSz="457200" rtl="0" eaLnBrk="1" latinLnBrk="0" hangingPunct="1">
+              <a:lnSpc>
+                <a:spcPct val="105000"/>
+              </a:lnSpc>
+              <a:spcBef>
+                <a:spcPts val="0"/>
+              </a:spcBef>
+              <a:buClr>
+                <a:schemeClr val="tx1"/>
+              </a:buClr>
+              <a:buSzPct val="100000"/>
+              <a:buFont typeface="Arial"/>
+              <a:buChar char="•"/>
+              <a:defRPr sz="1600" kern="1200" baseline="0">
+                <a:solidFill>
+                  <a:schemeClr val="tx1"/>
+                </a:solidFill>
+                <a:latin typeface="Calibri Light"/>
+                <a:ea typeface="+mn-ea"/>
+                <a:cs typeface="+mn-cs"/>
+              </a:defRPr>
+            </a:lvl4pPr>
+            <a:lvl5pPr marL="2114550" indent="-285750" algn="l" defTabSz="457200" rtl="0" eaLnBrk="1" latinLnBrk="0" hangingPunct="1">
+              <a:lnSpc>
+                <a:spcPct val="105000"/>
+              </a:lnSpc>
+              <a:spcBef>
+                <a:spcPts val="0"/>
+              </a:spcBef>
+              <a:buClr>
+                <a:schemeClr val="tx1"/>
+              </a:buClr>
+              <a:buSzPct val="100000"/>
+              <a:buFont typeface="Arial"/>
+              <a:buChar char="•"/>
+              <a:defRPr sz="1600" kern="1200" baseline="0">
+                <a:solidFill>
+                  <a:schemeClr val="tx1"/>
+                </a:solidFill>
+                <a:latin typeface="Calibri Light"/>
+                <a:ea typeface="+mn-ea"/>
+                <a:cs typeface="+mn-cs"/>
+              </a:defRPr>
+            </a:lvl5pPr>
+            <a:lvl6pPr marL="2514600" indent="-228600" algn="l" defTabSz="457200" rtl="0" eaLnBrk="1" latinLnBrk="0" hangingPunct="1">
+              <a:spcBef>
+                <a:spcPct val="20000"/>
+              </a:spcBef>
+              <a:buFont typeface="Arial"/>
+              <a:buChar char="•"/>
+              <a:defRPr sz="2000" kern="1200">
+                <a:solidFill>
+                  <a:schemeClr val="tx1"/>
+                </a:solidFill>
+                <a:latin typeface="+mn-lt"/>
+                <a:ea typeface="+mn-ea"/>
+                <a:cs typeface="+mn-cs"/>
+              </a:defRPr>
+            </a:lvl6pPr>
+            <a:lvl7pPr marL="2971800" indent="-228600" algn="l" defTabSz="457200" rtl="0" eaLnBrk="1" latinLnBrk="0" hangingPunct="1">
+              <a:spcBef>
+                <a:spcPct val="20000"/>
+              </a:spcBef>
+              <a:buFont typeface="Arial"/>
+              <a:buChar char="•"/>
+              <a:defRPr sz="2000" kern="1200">
+                <a:solidFill>
+                  <a:schemeClr val="tx1"/>
+                </a:solidFill>
+                <a:latin typeface="+mn-lt"/>
+                <a:ea typeface="+mn-ea"/>
+                <a:cs typeface="+mn-cs"/>
+              </a:defRPr>
+            </a:lvl7pPr>
+            <a:lvl8pPr marL="3429000" indent="-228600" algn="l" defTabSz="457200" rtl="0" eaLnBrk="1" latinLnBrk="0" hangingPunct="1">
+              <a:spcBef>
+                <a:spcPct val="20000"/>
+              </a:spcBef>
+              <a:buFont typeface="Arial"/>
+              <a:buChar char="•"/>
+              <a:defRPr sz="2000" kern="1200">
+                <a:solidFill>
+                  <a:schemeClr val="tx1"/>
+                </a:solidFill>
+                <a:latin typeface="+mn-lt"/>
+                <a:ea typeface="+mn-ea"/>
+                <a:cs typeface="+mn-cs"/>
+              </a:defRPr>
+            </a:lvl8pPr>
+            <a:lvl9pPr marL="3886200" indent="-228600" algn="l" defTabSz="457200" rtl="0" eaLnBrk="1" latinLnBrk="0" hangingPunct="1">
+              <a:spcBef>
+                <a:spcPct val="20000"/>
+              </a:spcBef>
+              <a:buFont typeface="Arial"/>
+              <a:buChar char="•"/>
+              <a:defRPr sz="2000" kern="1200">
+                <a:solidFill>
+                  <a:schemeClr val="tx1"/>
+                </a:solidFill>
+                <a:latin typeface="+mn-lt"/>
+                <a:ea typeface="+mn-ea"/>
+                <a:cs typeface="+mn-cs"/>
+              </a:defRPr>
+            </a:lvl9pPr>
+          </a:lstStyle>
+          <a:p>
+            <a:pPr marL="266700" indent="-177800">
+              <a:buFont typeface="LucidaGrande" charset="0"/>
+              <a:buNone/>
+            </a:pPr>
+            <a:endParaRPr lang="de-DE" sz="100" b="1" dirty="0">
+              <a:latin typeface="Calibri" charset="0"/>
+              <a:ea typeface="Calibri" charset="0"/>
+              <a:cs typeface="Calibri" charset="0"/>
+            </a:endParaRPr>
+          </a:p>
+          <a:p>
+            <a:pPr marL="644525" lvl="1" indent="-285750"/>
+            <a:r>
+              <a:rPr lang="de-DE" dirty="0">
+                <a:latin typeface="+mn-lt"/>
+                <a:cs typeface="Calibri" charset="0"/>
+              </a:rPr>
+              <a:t>Mit Berücksichtigung von Reaktionszeit, Wochenenden etc. heißt das i.d.R. mindestens 3 Tage</a:t>
+            </a:r>
+          </a:p>
+        </p:txBody>
+      </p:sp>
+      <p:sp>
+        <p:nvSpPr>
+          <p:cNvPr id="12" name="Textplatzhalter 12">
+            <a:extLst>
+              <a:ext uri="{FF2B5EF4-FFF2-40B4-BE49-F238E27FC236}">
+                <a16:creationId xmlns:a16="http://schemas.microsoft.com/office/drawing/2014/main" id="{7526831C-FB4C-E940-8F61-52D6F927FD06}"/>
+              </a:ext>
+            </a:extLst>
+          </p:cNvPr>
+          <p:cNvSpPr txBox="1">
+            <a:spLocks/>
+          </p:cNvSpPr>
+          <p:nvPr/>
+        </p:nvSpPr>
+        <p:spPr>
+          <a:xfrm>
+            <a:off x="260133" y="3841001"/>
+            <a:ext cx="8623725" cy="592519"/>
+          </a:xfrm>
+          <a:prstGeom prst="rect">
+            <a:avLst/>
+          </a:prstGeom>
+          <a:solidFill>
+            <a:schemeClr val="bg1">
+              <a:lumMod val="95000"/>
+            </a:schemeClr>
+          </a:solidFill>
+        </p:spPr>
+        <p:txBody>
+          <a:bodyPr vert="horz" lIns="0" tIns="0" rIns="0" bIns="0" rtlCol="0">
+            <a:noAutofit/>
+          </a:bodyPr>
+          <a:lstStyle>
+            <a:lvl1pPr marL="222250" indent="-220663" algn="l" defTabSz="457200" rtl="0" eaLnBrk="1" latinLnBrk="0" hangingPunct="1">
+              <a:lnSpc>
+                <a:spcPct val="90000"/>
+              </a:lnSpc>
+              <a:spcBef>
+                <a:spcPts val="0"/>
+              </a:spcBef>
+              <a:spcAft>
+                <a:spcPts val="900"/>
+              </a:spcAft>
+              <a:buClr>
+                <a:srgbClr val="DC2314"/>
+              </a:buClr>
+              <a:buSzPct val="100000"/>
+              <a:buFont typeface="LucidaGrande" charset="0"/>
+              <a:buChar char="•"/>
+              <a:tabLst/>
+              <a:defRPr sz="1600" b="0" i="0" kern="1200" baseline="0">
+                <a:solidFill>
+                  <a:srgbClr val="5F696E"/>
+                </a:solidFill>
+                <a:latin typeface="Calibri Light" charset="0"/>
+                <a:ea typeface="Calibri Light" charset="0"/>
+                <a:cs typeface="Calibri Light" charset="0"/>
+              </a:defRPr>
+            </a:lvl1pPr>
+            <a:lvl2pPr marL="492125" indent="-225425" algn="l" defTabSz="457200" rtl="0" eaLnBrk="1" latinLnBrk="0" hangingPunct="1">
+              <a:lnSpc>
+                <a:spcPct val="90000"/>
+              </a:lnSpc>
+              <a:spcBef>
+                <a:spcPts val="0"/>
+              </a:spcBef>
+              <a:spcAft>
+                <a:spcPts val="900"/>
+              </a:spcAft>
+              <a:buClr>
+                <a:srgbClr val="DC2314"/>
+              </a:buClr>
+              <a:buSzPct val="80000"/>
+              <a:buFont typeface="Symbol" charset="2"/>
+              <a:buChar char="-"/>
+              <a:tabLst/>
+              <a:defRPr sz="1600" b="0" i="0" kern="1200" baseline="0">
+                <a:solidFill>
+                  <a:srgbClr val="5F696E"/>
+                </a:solidFill>
+                <a:latin typeface="Calibri Light" charset="0"/>
+                <a:ea typeface="Calibri Light" charset="0"/>
+                <a:cs typeface="Calibri Light" charset="0"/>
+              </a:defRPr>
+            </a:lvl2pPr>
+            <a:lvl3pPr marL="1157288" indent="-242888" algn="l" defTabSz="457200" rtl="0" eaLnBrk="1" latinLnBrk="0" hangingPunct="1">
+              <a:lnSpc>
+                <a:spcPct val="105000"/>
+              </a:lnSpc>
+              <a:spcBef>
+                <a:spcPts val="0"/>
+              </a:spcBef>
+              <a:buClr>
+                <a:srgbClr val="DC2314"/>
+              </a:buClr>
+              <a:buSzPct val="80000"/>
+              <a:buFont typeface="Symbol" charset="2"/>
+              <a:buChar char="-"/>
+              <a:tabLst/>
+              <a:defRPr sz="1600" kern="1200" baseline="0">
+                <a:solidFill>
+                  <a:schemeClr val="tx1"/>
+                </a:solidFill>
+                <a:latin typeface="Calibri Light"/>
+                <a:ea typeface="+mn-ea"/>
+                <a:cs typeface="+mn-cs"/>
+              </a:defRPr>
+            </a:lvl3pPr>
+            <a:lvl4pPr marL="1657350" indent="-285750" algn="l" defTabSz="457200" rtl="0" eaLnBrk="1" latinLnBrk="0" hangingPunct="1">
+              <a:lnSpc>
+                <a:spcPct val="105000"/>
+              </a:lnSpc>
+              <a:spcBef>
+                <a:spcPts val="0"/>
+              </a:spcBef>
+              <a:buClr>
+                <a:schemeClr val="tx1"/>
+              </a:buClr>
+              <a:buSzPct val="100000"/>
+              <a:buFont typeface="Arial"/>
+              <a:buChar char="•"/>
+              <a:defRPr sz="1600" kern="1200" baseline="0">
+                <a:solidFill>
+                  <a:schemeClr val="tx1"/>
+                </a:solidFill>
+                <a:latin typeface="Calibri Light"/>
+                <a:ea typeface="+mn-ea"/>
+                <a:cs typeface="+mn-cs"/>
+              </a:defRPr>
+            </a:lvl4pPr>
+            <a:lvl5pPr marL="2114550" indent="-285750" algn="l" defTabSz="457200" rtl="0" eaLnBrk="1" latinLnBrk="0" hangingPunct="1">
+              <a:lnSpc>
+                <a:spcPct val="105000"/>
+              </a:lnSpc>
+              <a:spcBef>
+                <a:spcPts val="0"/>
+              </a:spcBef>
+              <a:buClr>
+                <a:schemeClr val="tx1"/>
+              </a:buClr>
+              <a:buSzPct val="100000"/>
+              <a:buFont typeface="Arial"/>
+              <a:buChar char="•"/>
+              <a:defRPr sz="1600" kern="1200" baseline="0">
+                <a:solidFill>
+                  <a:schemeClr val="tx1"/>
+                </a:solidFill>
+                <a:latin typeface="Calibri Light"/>
+                <a:ea typeface="+mn-ea"/>
+                <a:cs typeface="+mn-cs"/>
+              </a:defRPr>
+            </a:lvl5pPr>
+            <a:lvl6pPr marL="2514600" indent="-228600" algn="l" defTabSz="457200" rtl="0" eaLnBrk="1" latinLnBrk="0" hangingPunct="1">
+              <a:spcBef>
+                <a:spcPct val="20000"/>
+              </a:spcBef>
+              <a:buFont typeface="Arial"/>
+              <a:buChar char="•"/>
+              <a:defRPr sz="2000" kern="1200">
+                <a:solidFill>
+                  <a:schemeClr val="tx1"/>
+                </a:solidFill>
+                <a:latin typeface="+mn-lt"/>
+                <a:ea typeface="+mn-ea"/>
+                <a:cs typeface="+mn-cs"/>
+              </a:defRPr>
+            </a:lvl6pPr>
+            <a:lvl7pPr marL="2971800" indent="-228600" algn="l" defTabSz="457200" rtl="0" eaLnBrk="1" latinLnBrk="0" hangingPunct="1">
+              <a:spcBef>
+                <a:spcPct val="20000"/>
+              </a:spcBef>
+              <a:buFont typeface="Arial"/>
+              <a:buChar char="•"/>
+              <a:defRPr sz="2000" kern="1200">
+                <a:solidFill>
+                  <a:schemeClr val="tx1"/>
+                </a:solidFill>
+                <a:latin typeface="+mn-lt"/>
+                <a:ea typeface="+mn-ea"/>
+                <a:cs typeface="+mn-cs"/>
+              </a:defRPr>
+            </a:lvl7pPr>
+            <a:lvl8pPr marL="3429000" indent="-228600" algn="l" defTabSz="457200" rtl="0" eaLnBrk="1" latinLnBrk="0" hangingPunct="1">
+              <a:spcBef>
+                <a:spcPct val="20000"/>
+              </a:spcBef>
+              <a:buFont typeface="Arial"/>
+              <a:buChar char="•"/>
+              <a:defRPr sz="2000" kern="1200">
+                <a:solidFill>
+                  <a:schemeClr val="tx1"/>
+                </a:solidFill>
+                <a:latin typeface="+mn-lt"/>
+                <a:ea typeface="+mn-ea"/>
+                <a:cs typeface="+mn-cs"/>
+              </a:defRPr>
+            </a:lvl8pPr>
+            <a:lvl9pPr marL="3886200" indent="-228600" algn="l" defTabSz="457200" rtl="0" eaLnBrk="1" latinLnBrk="0" hangingPunct="1">
+              <a:spcBef>
+                <a:spcPct val="20000"/>
+              </a:spcBef>
+              <a:buFont typeface="Arial"/>
+              <a:buChar char="•"/>
+              <a:defRPr sz="2000" kern="1200">
+                <a:solidFill>
+                  <a:schemeClr val="tx1"/>
+                </a:solidFill>
+                <a:latin typeface="+mn-lt"/>
+                <a:ea typeface="+mn-ea"/>
+                <a:cs typeface="+mn-cs"/>
+              </a:defRPr>
+            </a:lvl9pPr>
+          </a:lstStyle>
+          <a:p>
+            <a:pPr marL="266700" indent="-177800">
+              <a:buFont typeface="LucidaGrande" charset="0"/>
+              <a:buNone/>
+            </a:pPr>
+            <a:endParaRPr lang="de-DE" sz="100" b="1" dirty="0">
+              <a:latin typeface="Calibri" charset="0"/>
+              <a:ea typeface="Calibri" charset="0"/>
+              <a:cs typeface="Calibri" charset="0"/>
+            </a:endParaRPr>
+          </a:p>
+          <a:p>
+            <a:pPr marL="644525" lvl="1" indent="-285750"/>
+            <a:r>
+              <a:rPr lang="de-DE" dirty="0">
+                <a:latin typeface="+mn-lt"/>
+                <a:cs typeface="Calibri" charset="0"/>
+              </a:rPr>
+              <a:t>Für kleinen Anteil der Change Events eines großen Transaction Processing Systems entsteht ein unverhältnismäßiger Aufwand und Komplexität im Umgang mit den Transaktionslogs</a:t>
+            </a:r>
+          </a:p>
+        </p:txBody>
+      </p:sp>
     </p:spTree>
     <p:extLst>
       <p:ext uri="{BB962C8B-B14F-4D97-AF65-F5344CB8AC3E}">
-        <p14:creationId xmlns:p14="http://schemas.microsoft.com/office/powerpoint/2010/main" val="427426876"/>
+        <p14:creationId xmlns:p14="http://schemas.microsoft.com/office/powerpoint/2010/main" val="2170479272"/>
       </p:ext>
     </p:extLst>
   </p:cSld>
@@ -40300,7 +38785,7 @@
                                           </p:stCondLst>
                                         </p:cTn>
                                         <p:tgtEl>
-                                          <p:spTgt spid="7"/>
+                                          <p:spTgt spid="9"/>
                                         </p:tgtEl>
                                         <p:attrNameLst>
                                           <p:attrName>style.visibility</p:attrName>
@@ -40345,7 +38830,7 @@
                                           </p:stCondLst>
                                         </p:cTn>
                                         <p:tgtEl>
-                                          <p:spTgt spid="8"/>
+                                          <p:spTgt spid="6"/>
                                         </p:tgtEl>
                                         <p:attrNameLst>
                                           <p:attrName>style.visibility</p:attrName>
@@ -40390,7 +38875,7 @@
                                           </p:stCondLst>
                                         </p:cTn>
                                         <p:tgtEl>
-                                          <p:spTgt spid="9"/>
+                                          <p:spTgt spid="7"/>
                                         </p:tgtEl>
                                         <p:attrNameLst>
                                           <p:attrName>style.visibility</p:attrName>
@@ -40499,6 +38984,96 @@
                       </p:childTnLst>
                     </p:cTn>
                   </p:par>
+                  <p:par>
+                    <p:cTn id="23" fill="hold">
+                      <p:stCondLst>
+                        <p:cond delay="indefinite"/>
+                      </p:stCondLst>
+                      <p:childTnLst>
+                        <p:par>
+                          <p:cTn id="24" fill="hold">
+                            <p:stCondLst>
+                              <p:cond delay="0"/>
+                            </p:stCondLst>
+                            <p:childTnLst>
+                              <p:par>
+                                <p:cTn id="25" presetID="1" presetClass="entr" presetSubtype="0" fill="hold" grpId="0" nodeType="clickEffect">
+                                  <p:stCondLst>
+                                    <p:cond delay="0"/>
+                                  </p:stCondLst>
+                                  <p:childTnLst>
+                                    <p:set>
+                                      <p:cBhvr>
+                                        <p:cTn id="26" dur="1" fill="hold">
+                                          <p:stCondLst>
+                                            <p:cond delay="0"/>
+                                          </p:stCondLst>
+                                        </p:cTn>
+                                        <p:tgtEl>
+                                          <p:spTgt spid="12"/>
+                                        </p:tgtEl>
+                                        <p:attrNameLst>
+                                          <p:attrName>style.visibility</p:attrName>
+                                        </p:attrNameLst>
+                                      </p:cBhvr>
+                                      <p:to>
+                                        <p:strVal val="visible"/>
+                                      </p:to>
+                                    </p:set>
+                                  </p:childTnLst>
+                                </p:cTn>
+                              </p:par>
+                            </p:childTnLst>
+                          </p:cTn>
+                        </p:par>
+                      </p:childTnLst>
+                    </p:cTn>
+                  </p:par>
+                  <p:par>
+                    <p:cTn id="27" fill="hold">
+                      <p:stCondLst>
+                        <p:cond delay="indefinite"/>
+                      </p:stCondLst>
+                      <p:childTnLst>
+                        <p:par>
+                          <p:cTn id="28" fill="hold">
+                            <p:stCondLst>
+                              <p:cond delay="0"/>
+                            </p:stCondLst>
+                            <p:childTnLst>
+                              <p:par>
+                                <p:cTn id="29" presetID="1" presetClass="entr" presetSubtype="0" fill="hold" grpId="0" nodeType="clickEffect">
+                                  <p:stCondLst>
+                                    <p:cond delay="0"/>
+                                  </p:stCondLst>
+                                  <p:childTnLst>
+                                    <p:set>
+                                      <p:cBhvr>
+                                        <p:cTn id="30" dur="1" fill="hold">
+                                          <p:stCondLst>
+                                            <p:cond delay="0"/>
+                                          </p:stCondLst>
+                                        </p:cTn>
+                                        <p:tgtEl>
+                                          <p:spTgt spid="8"/>
+                                        </p:tgtEl>
+                                        <p:attrNameLst>
+                                          <p:attrName>style.visibility</p:attrName>
+                                        </p:attrNameLst>
+                                      </p:cBhvr>
+                                      <p:to>
+                                        <p:strVal val="visible"/>
+                                      </p:to>
+                                    </p:set>
+                                  </p:childTnLst>
+                                </p:cTn>
+                              </p:par>
+                            </p:childTnLst>
+                          </p:cTn>
+                        </p:par>
+                      </p:childTnLst>
+                    </p:cTn>
+                  </p:par>
                 </p:childTnLst>
               </p:cTn>
               <p:prevCondLst>
@@ -40521,13 +39096,976 @@
       </p:par>
     </p:tnLst>
     <p:bldLst>
+      <p:bldP spid="9" grpId="0" animBg="1"/>
+      <p:bldP spid="6" grpId="0" animBg="1"/>
       <p:bldP spid="7" grpId="0" animBg="1"/>
       <p:bldP spid="8" grpId="0" animBg="1"/>
-      <p:bldP spid="9" grpId="0" animBg="1"/>
       <p:bldP spid="10" grpId="0" animBg="1"/>
       <p:bldP spid="11" grpId="0" animBg="1"/>
+      <p:bldP spid="12" grpId="0" animBg="1"/>
     </p:bldLst>
   </p:timing>
+</p:sld>
+</file>
+
+<file path=ppt/slides/slide8.xml><?xml version="1.0" encoding="utf-8"?>
+<p:sld xmlns:a="http://schemas.openxmlformats.org/drawingml/2006/main" xmlns:r="http://schemas.openxmlformats.org/officeDocument/2006/relationships" xmlns:p="http://schemas.openxmlformats.org/presentationml/2006/main">
+  <p:cSld>
+    <p:spTree>
+      <p:nvGrpSpPr>
+        <p:cNvPr id="1" name=""/>
+        <p:cNvGrpSpPr/>
+        <p:nvPr/>
+      </p:nvGrpSpPr>
+      <p:grpSpPr>
+        <a:xfrm>
+          <a:off x="0" y="0"/>
+          <a:ext cx="0" cy="0"/>
+          <a:chOff x="0" y="0"/>
+          <a:chExt cx="0" cy="0"/>
+        </a:xfrm>
+      </p:grpSpPr>
+      <p:sp>
+        <p:nvSpPr>
+          <p:cNvPr id="2" name="Titel 1"/>
+          <p:cNvSpPr>
+            <a:spLocks noGrp="1"/>
+          </p:cNvSpPr>
+          <p:nvPr>
+            <p:ph type="title"/>
+          </p:nvPr>
+        </p:nvSpPr>
+        <p:spPr>
+          <a:xfrm>
+            <a:off x="222767" y="334116"/>
+            <a:ext cx="8363416" cy="508925"/>
+          </a:xfrm>
+        </p:spPr>
+        <p:txBody>
+          <a:bodyPr/>
+          <a:lstStyle/>
+          <a:p>
+            <a:r>
+              <a:rPr lang="de-DE" sz="2800" b="1" dirty="0"/>
+              <a:t>Pro und Contra des Lösungsansatzes</a:t>
+            </a:r>
+          </a:p>
+        </p:txBody>
+      </p:sp>
+      <p:sp>
+        <p:nvSpPr>
+          <p:cNvPr id="8" name="Textplatzhalter 12">
+            <a:extLst>
+              <a:ext uri="{FF2B5EF4-FFF2-40B4-BE49-F238E27FC236}">
+                <a16:creationId xmlns:a16="http://schemas.microsoft.com/office/drawing/2014/main" id="{528F84E6-1DB0-EB45-AA76-E958833C7E15}"/>
+              </a:ext>
+            </a:extLst>
+          </p:cNvPr>
+          <p:cNvSpPr txBox="1">
+            <a:spLocks/>
+          </p:cNvSpPr>
+          <p:nvPr/>
+        </p:nvSpPr>
+        <p:spPr>
+          <a:xfrm>
+            <a:off x="260137" y="999959"/>
+            <a:ext cx="8623725" cy="1780958"/>
+          </a:xfrm>
+          <a:prstGeom prst="rect">
+            <a:avLst/>
+          </a:prstGeom>
+          <a:solidFill>
+            <a:schemeClr val="bg1">
+              <a:lumMod val="95000"/>
+            </a:schemeClr>
+          </a:solidFill>
+        </p:spPr>
+        <p:txBody>
+          <a:bodyPr vert="horz" lIns="0" tIns="0" rIns="0" bIns="0" rtlCol="0">
+            <a:noAutofit/>
+          </a:bodyPr>
+          <a:lstStyle>
+            <a:lvl1pPr marL="222250" indent="-220663" algn="l" defTabSz="457200" rtl="0" eaLnBrk="1" latinLnBrk="0" hangingPunct="1">
+              <a:lnSpc>
+                <a:spcPct val="90000"/>
+              </a:lnSpc>
+              <a:spcBef>
+                <a:spcPts val="0"/>
+              </a:spcBef>
+              <a:spcAft>
+                <a:spcPts val="900"/>
+              </a:spcAft>
+              <a:buClr>
+                <a:srgbClr val="DC2314"/>
+              </a:buClr>
+              <a:buSzPct val="100000"/>
+              <a:buFont typeface="LucidaGrande" charset="0"/>
+              <a:buChar char="•"/>
+              <a:tabLst/>
+              <a:defRPr sz="1600" b="0" i="0" kern="1200" baseline="0">
+                <a:solidFill>
+                  <a:srgbClr val="5F696E"/>
+                </a:solidFill>
+                <a:latin typeface="Calibri Light" charset="0"/>
+                <a:ea typeface="Calibri Light" charset="0"/>
+                <a:cs typeface="Calibri Light" charset="0"/>
+              </a:defRPr>
+            </a:lvl1pPr>
+            <a:lvl2pPr marL="492125" indent="-225425" algn="l" defTabSz="457200" rtl="0" eaLnBrk="1" latinLnBrk="0" hangingPunct="1">
+              <a:lnSpc>
+                <a:spcPct val="90000"/>
+              </a:lnSpc>
+              <a:spcBef>
+                <a:spcPts val="0"/>
+              </a:spcBef>
+              <a:spcAft>
+                <a:spcPts val="900"/>
+              </a:spcAft>
+              <a:buClr>
+                <a:srgbClr val="DC2314"/>
+              </a:buClr>
+              <a:buSzPct val="80000"/>
+              <a:buFont typeface="Symbol" charset="2"/>
+              <a:buChar char="-"/>
+              <a:tabLst/>
+              <a:defRPr sz="1600" b="0" i="0" kern="1200" baseline="0">
+                <a:solidFill>
+                  <a:srgbClr val="5F696E"/>
+                </a:solidFill>
+                <a:latin typeface="Calibri Light" charset="0"/>
+                <a:ea typeface="Calibri Light" charset="0"/>
+                <a:cs typeface="Calibri Light" charset="0"/>
+              </a:defRPr>
+            </a:lvl2pPr>
+            <a:lvl3pPr marL="1157288" indent="-242888" algn="l" defTabSz="457200" rtl="0" eaLnBrk="1" latinLnBrk="0" hangingPunct="1">
+              <a:lnSpc>
+                <a:spcPct val="105000"/>
+              </a:lnSpc>
+              <a:spcBef>
+                <a:spcPts val="0"/>
+              </a:spcBef>
+              <a:buClr>
+                <a:srgbClr val="DC2314"/>
+              </a:buClr>
+              <a:buSzPct val="80000"/>
+              <a:buFont typeface="Symbol" charset="2"/>
+              <a:buChar char="-"/>
+              <a:tabLst/>
+              <a:defRPr sz="1600" kern="1200" baseline="0">
+                <a:solidFill>
+                  <a:schemeClr val="tx1"/>
+                </a:solidFill>
+                <a:latin typeface="Calibri Light"/>
+                <a:ea typeface="+mn-ea"/>
+                <a:cs typeface="+mn-cs"/>
+              </a:defRPr>
+            </a:lvl3pPr>
+            <a:lvl4pPr marL="1657350" indent="-285750" algn="l" defTabSz="457200" rtl="0" eaLnBrk="1" latinLnBrk="0" hangingPunct="1">
+              <a:lnSpc>
+                <a:spcPct val="105000"/>
+              </a:lnSpc>
+              <a:spcBef>
+                <a:spcPts val="0"/>
+              </a:spcBef>
+              <a:buClr>
+                <a:schemeClr val="tx1"/>
+              </a:buClr>
+              <a:buSzPct val="100000"/>
+              <a:buFont typeface="Arial"/>
+              <a:buChar char="•"/>
+              <a:defRPr sz="1600" kern="1200" baseline="0">
+                <a:solidFill>
+                  <a:schemeClr val="tx1"/>
+                </a:solidFill>
+                <a:latin typeface="Calibri Light"/>
+                <a:ea typeface="+mn-ea"/>
+                <a:cs typeface="+mn-cs"/>
+              </a:defRPr>
+            </a:lvl4pPr>
+            <a:lvl5pPr marL="2114550" indent="-285750" algn="l" defTabSz="457200" rtl="0" eaLnBrk="1" latinLnBrk="0" hangingPunct="1">
+              <a:lnSpc>
+                <a:spcPct val="105000"/>
+              </a:lnSpc>
+              <a:spcBef>
+                <a:spcPts val="0"/>
+              </a:spcBef>
+              <a:buClr>
+                <a:schemeClr val="tx1"/>
+              </a:buClr>
+              <a:buSzPct val="100000"/>
+              <a:buFont typeface="Arial"/>
+              <a:buChar char="•"/>
+              <a:defRPr sz="1600" kern="1200" baseline="0">
+                <a:solidFill>
+                  <a:schemeClr val="tx1"/>
+                </a:solidFill>
+                <a:latin typeface="Calibri Light"/>
+                <a:ea typeface="+mn-ea"/>
+                <a:cs typeface="+mn-cs"/>
+              </a:defRPr>
+            </a:lvl5pPr>
+            <a:lvl6pPr marL="2514600" indent="-228600" algn="l" defTabSz="457200" rtl="0" eaLnBrk="1" latinLnBrk="0" hangingPunct="1">
+              <a:spcBef>
+                <a:spcPct val="20000"/>
+              </a:spcBef>
+              <a:buFont typeface="Arial"/>
+              <a:buChar char="•"/>
+              <a:defRPr sz="2000" kern="1200">
+                <a:solidFill>
+                  <a:schemeClr val="tx1"/>
+                </a:solidFill>
+                <a:latin typeface="+mn-lt"/>
+                <a:ea typeface="+mn-ea"/>
+                <a:cs typeface="+mn-cs"/>
+              </a:defRPr>
+            </a:lvl6pPr>
+            <a:lvl7pPr marL="2971800" indent="-228600" algn="l" defTabSz="457200" rtl="0" eaLnBrk="1" latinLnBrk="0" hangingPunct="1">
+              <a:spcBef>
+                <a:spcPct val="20000"/>
+              </a:spcBef>
+              <a:buFont typeface="Arial"/>
+              <a:buChar char="•"/>
+              <a:defRPr sz="2000" kern="1200">
+                <a:solidFill>
+                  <a:schemeClr val="tx1"/>
+                </a:solidFill>
+                <a:latin typeface="+mn-lt"/>
+                <a:ea typeface="+mn-ea"/>
+                <a:cs typeface="+mn-cs"/>
+              </a:defRPr>
+            </a:lvl7pPr>
+            <a:lvl8pPr marL="3429000" indent="-228600" algn="l" defTabSz="457200" rtl="0" eaLnBrk="1" latinLnBrk="0" hangingPunct="1">
+              <a:spcBef>
+                <a:spcPct val="20000"/>
+              </a:spcBef>
+              <a:buFont typeface="Arial"/>
+              <a:buChar char="•"/>
+              <a:defRPr sz="2000" kern="1200">
+                <a:solidFill>
+                  <a:schemeClr val="tx1"/>
+                </a:solidFill>
+                <a:latin typeface="+mn-lt"/>
+                <a:ea typeface="+mn-ea"/>
+                <a:cs typeface="+mn-cs"/>
+              </a:defRPr>
+            </a:lvl8pPr>
+            <a:lvl9pPr marL="3886200" indent="-228600" algn="l" defTabSz="457200" rtl="0" eaLnBrk="1" latinLnBrk="0" hangingPunct="1">
+              <a:spcBef>
+                <a:spcPct val="20000"/>
+              </a:spcBef>
+              <a:buFont typeface="Arial"/>
+              <a:buChar char="•"/>
+              <a:defRPr sz="2000" kern="1200">
+                <a:solidFill>
+                  <a:schemeClr val="tx1"/>
+                </a:solidFill>
+                <a:latin typeface="+mn-lt"/>
+                <a:ea typeface="+mn-ea"/>
+                <a:cs typeface="+mn-cs"/>
+              </a:defRPr>
+            </a:lvl9pPr>
+          </a:lstStyle>
+          <a:p>
+            <a:pPr marL="266700" indent="-177800">
+              <a:buFont typeface="LucidaGrande" charset="0"/>
+              <a:buNone/>
+            </a:pPr>
+            <a:endParaRPr lang="de-DE" sz="100" b="1" dirty="0">
+              <a:latin typeface="Calibri" charset="0"/>
+              <a:ea typeface="Calibri" charset="0"/>
+              <a:cs typeface="Calibri" charset="0"/>
+            </a:endParaRPr>
+          </a:p>
+          <a:p>
+            <a:pPr marL="88900" indent="0">
+              <a:buNone/>
+            </a:pPr>
+            <a:r>
+              <a:rPr lang="de-DE" b="1" dirty="0">
+                <a:latin typeface="+mn-lt"/>
+                <a:ea typeface="Calibri" charset="0"/>
+                <a:cs typeface="Calibri" charset="0"/>
+              </a:rPr>
+              <a:t>Pro:</a:t>
+            </a:r>
+          </a:p>
+          <a:p>
+            <a:pPr marL="374650" indent="-285750"/>
+            <a:r>
+              <a:rPr lang="de-DE" dirty="0">
+                <a:latin typeface="+mn-lt"/>
+                <a:ea typeface="Calibri" charset="0"/>
+                <a:cs typeface="Calibri" charset="0"/>
+              </a:rPr>
+              <a:t>Ressourcenschonend durch Filtern auf relevante Events schon zum Zeitpunkt ihrer Entstehung</a:t>
+            </a:r>
+          </a:p>
+          <a:p>
+            <a:pPr marL="374650" indent="-285750"/>
+            <a:r>
+              <a:rPr lang="de-DE" dirty="0">
+                <a:latin typeface="+mn-lt"/>
+                <a:cs typeface="Calibri" charset="0"/>
+              </a:rPr>
+              <a:t>Keine Abhängigkeiten oder Komplexitäten für technischen DB-Betrieb</a:t>
+            </a:r>
+          </a:p>
+          <a:p>
+            <a:pPr marL="374650" indent="-285750"/>
+            <a:r>
+              <a:rPr lang="de-DE" dirty="0">
+                <a:latin typeface="+mn-lt"/>
+                <a:cs typeface="Calibri" charset="0"/>
+              </a:rPr>
+              <a:t>Keine Anpassungen der existierenden Applikationen notwendig</a:t>
+            </a:r>
+          </a:p>
+          <a:p>
+            <a:pPr marL="374650" indent="-285750"/>
+            <a:r>
+              <a:rPr lang="de-DE" dirty="0">
+                <a:latin typeface="+mn-lt"/>
+                <a:cs typeface="Calibri" charset="0"/>
+              </a:rPr>
+              <a:t>Komfortable Konfiguration über GUI, jedoch auch automatisierbar über API</a:t>
+            </a:r>
+          </a:p>
+          <a:p>
+            <a:pPr marL="374650" indent="-285750"/>
+            <a:endParaRPr lang="de-DE" dirty="0">
+              <a:latin typeface="+mn-lt"/>
+            </a:endParaRPr>
+          </a:p>
+        </p:txBody>
+      </p:sp>
+      <p:sp>
+        <p:nvSpPr>
+          <p:cNvPr id="9" name="Textplatzhalter 12">
+            <a:extLst>
+              <a:ext uri="{FF2B5EF4-FFF2-40B4-BE49-F238E27FC236}">
+                <a16:creationId xmlns:a16="http://schemas.microsoft.com/office/drawing/2014/main" id="{E536E3A9-1313-CF43-BA4F-53400CC86DA6}"/>
+              </a:ext>
+            </a:extLst>
+          </p:cNvPr>
+          <p:cNvSpPr txBox="1">
+            <a:spLocks/>
+          </p:cNvSpPr>
+          <p:nvPr/>
+        </p:nvSpPr>
+        <p:spPr>
+          <a:xfrm>
+            <a:off x="222767" y="3028426"/>
+            <a:ext cx="8623725" cy="2021556"/>
+          </a:xfrm>
+          <a:prstGeom prst="rect">
+            <a:avLst/>
+          </a:prstGeom>
+          <a:solidFill>
+            <a:schemeClr val="bg1">
+              <a:lumMod val="95000"/>
+            </a:schemeClr>
+          </a:solidFill>
+        </p:spPr>
+        <p:txBody>
+          <a:bodyPr vert="horz" lIns="0" tIns="0" rIns="0" bIns="0" rtlCol="0">
+            <a:noAutofit/>
+          </a:bodyPr>
+          <a:lstStyle>
+            <a:lvl1pPr marL="222250" indent="-220663" algn="l" defTabSz="457200" rtl="0" eaLnBrk="1" latinLnBrk="0" hangingPunct="1">
+              <a:lnSpc>
+                <a:spcPct val="90000"/>
+              </a:lnSpc>
+              <a:spcBef>
+                <a:spcPts val="0"/>
+              </a:spcBef>
+              <a:spcAft>
+                <a:spcPts val="900"/>
+              </a:spcAft>
+              <a:buClr>
+                <a:srgbClr val="DC2314"/>
+              </a:buClr>
+              <a:buSzPct val="100000"/>
+              <a:buFont typeface="LucidaGrande" charset="0"/>
+              <a:buChar char="•"/>
+              <a:tabLst/>
+              <a:defRPr sz="1600" b="0" i="0" kern="1200" baseline="0">
+                <a:solidFill>
+                  <a:srgbClr val="5F696E"/>
+                </a:solidFill>
+                <a:latin typeface="Calibri Light" charset="0"/>
+                <a:ea typeface="Calibri Light" charset="0"/>
+                <a:cs typeface="Calibri Light" charset="0"/>
+              </a:defRPr>
+            </a:lvl1pPr>
+            <a:lvl2pPr marL="492125" indent="-225425" algn="l" defTabSz="457200" rtl="0" eaLnBrk="1" latinLnBrk="0" hangingPunct="1">
+              <a:lnSpc>
+                <a:spcPct val="90000"/>
+              </a:lnSpc>
+              <a:spcBef>
+                <a:spcPts val="0"/>
+              </a:spcBef>
+              <a:spcAft>
+                <a:spcPts val="900"/>
+              </a:spcAft>
+              <a:buClr>
+                <a:srgbClr val="DC2314"/>
+              </a:buClr>
+              <a:buSzPct val="80000"/>
+              <a:buFont typeface="Symbol" charset="2"/>
+              <a:buChar char="-"/>
+              <a:tabLst/>
+              <a:defRPr sz="1600" b="0" i="0" kern="1200" baseline="0">
+                <a:solidFill>
+                  <a:srgbClr val="5F696E"/>
+                </a:solidFill>
+                <a:latin typeface="Calibri Light" charset="0"/>
+                <a:ea typeface="Calibri Light" charset="0"/>
+                <a:cs typeface="Calibri Light" charset="0"/>
+              </a:defRPr>
+            </a:lvl2pPr>
+            <a:lvl3pPr marL="1157288" indent="-242888" algn="l" defTabSz="457200" rtl="0" eaLnBrk="1" latinLnBrk="0" hangingPunct="1">
+              <a:lnSpc>
+                <a:spcPct val="105000"/>
+              </a:lnSpc>
+              <a:spcBef>
+                <a:spcPts val="0"/>
+              </a:spcBef>
+              <a:buClr>
+                <a:srgbClr val="DC2314"/>
+              </a:buClr>
+              <a:buSzPct val="80000"/>
+              <a:buFont typeface="Symbol" charset="2"/>
+              <a:buChar char="-"/>
+              <a:tabLst/>
+              <a:defRPr sz="1600" kern="1200" baseline="0">
+                <a:solidFill>
+                  <a:schemeClr val="tx1"/>
+                </a:solidFill>
+                <a:latin typeface="Calibri Light"/>
+                <a:ea typeface="+mn-ea"/>
+                <a:cs typeface="+mn-cs"/>
+              </a:defRPr>
+            </a:lvl3pPr>
+            <a:lvl4pPr marL="1657350" indent="-285750" algn="l" defTabSz="457200" rtl="0" eaLnBrk="1" latinLnBrk="0" hangingPunct="1">
+              <a:lnSpc>
+                <a:spcPct val="105000"/>
+              </a:lnSpc>
+              <a:spcBef>
+                <a:spcPts val="0"/>
+              </a:spcBef>
+              <a:buClr>
+                <a:schemeClr val="tx1"/>
+              </a:buClr>
+              <a:buSzPct val="100000"/>
+              <a:buFont typeface="Arial"/>
+              <a:buChar char="•"/>
+              <a:defRPr sz="1600" kern="1200" baseline="0">
+                <a:solidFill>
+                  <a:schemeClr val="tx1"/>
+                </a:solidFill>
+                <a:latin typeface="Calibri Light"/>
+                <a:ea typeface="+mn-ea"/>
+                <a:cs typeface="+mn-cs"/>
+              </a:defRPr>
+            </a:lvl4pPr>
+            <a:lvl5pPr marL="2114550" indent="-285750" algn="l" defTabSz="457200" rtl="0" eaLnBrk="1" latinLnBrk="0" hangingPunct="1">
+              <a:lnSpc>
+                <a:spcPct val="105000"/>
+              </a:lnSpc>
+              <a:spcBef>
+                <a:spcPts val="0"/>
+              </a:spcBef>
+              <a:buClr>
+                <a:schemeClr val="tx1"/>
+              </a:buClr>
+              <a:buSzPct val="100000"/>
+              <a:buFont typeface="Arial"/>
+              <a:buChar char="•"/>
+              <a:defRPr sz="1600" kern="1200" baseline="0">
+                <a:solidFill>
+                  <a:schemeClr val="tx1"/>
+                </a:solidFill>
+                <a:latin typeface="Calibri Light"/>
+                <a:ea typeface="+mn-ea"/>
+                <a:cs typeface="+mn-cs"/>
+              </a:defRPr>
+            </a:lvl5pPr>
+            <a:lvl6pPr marL="2514600" indent="-228600" algn="l" defTabSz="457200" rtl="0" eaLnBrk="1" latinLnBrk="0" hangingPunct="1">
+              <a:spcBef>
+                <a:spcPct val="20000"/>
+              </a:spcBef>
+              <a:buFont typeface="Arial"/>
+              <a:buChar char="•"/>
+              <a:defRPr sz="2000" kern="1200">
+                <a:solidFill>
+                  <a:schemeClr val="tx1"/>
+                </a:solidFill>
+                <a:latin typeface="+mn-lt"/>
+                <a:ea typeface="+mn-ea"/>
+                <a:cs typeface="+mn-cs"/>
+              </a:defRPr>
+            </a:lvl6pPr>
+            <a:lvl7pPr marL="2971800" indent="-228600" algn="l" defTabSz="457200" rtl="0" eaLnBrk="1" latinLnBrk="0" hangingPunct="1">
+              <a:spcBef>
+                <a:spcPct val="20000"/>
+              </a:spcBef>
+              <a:buFont typeface="Arial"/>
+              <a:buChar char="•"/>
+              <a:defRPr sz="2000" kern="1200">
+                <a:solidFill>
+                  <a:schemeClr val="tx1"/>
+                </a:solidFill>
+                <a:latin typeface="+mn-lt"/>
+                <a:ea typeface="+mn-ea"/>
+                <a:cs typeface="+mn-cs"/>
+              </a:defRPr>
+            </a:lvl7pPr>
+            <a:lvl8pPr marL="3429000" indent="-228600" algn="l" defTabSz="457200" rtl="0" eaLnBrk="1" latinLnBrk="0" hangingPunct="1">
+              <a:spcBef>
+                <a:spcPct val="20000"/>
+              </a:spcBef>
+              <a:buFont typeface="Arial"/>
+              <a:buChar char="•"/>
+              <a:defRPr sz="2000" kern="1200">
+                <a:solidFill>
+                  <a:schemeClr val="tx1"/>
+                </a:solidFill>
+                <a:latin typeface="+mn-lt"/>
+                <a:ea typeface="+mn-ea"/>
+                <a:cs typeface="+mn-cs"/>
+              </a:defRPr>
+            </a:lvl8pPr>
+            <a:lvl9pPr marL="3886200" indent="-228600" algn="l" defTabSz="457200" rtl="0" eaLnBrk="1" latinLnBrk="0" hangingPunct="1">
+              <a:spcBef>
+                <a:spcPct val="20000"/>
+              </a:spcBef>
+              <a:buFont typeface="Arial"/>
+              <a:buChar char="•"/>
+              <a:defRPr sz="2000" kern="1200">
+                <a:solidFill>
+                  <a:schemeClr val="tx1"/>
+                </a:solidFill>
+                <a:latin typeface="+mn-lt"/>
+                <a:ea typeface="+mn-ea"/>
+                <a:cs typeface="+mn-cs"/>
+              </a:defRPr>
+            </a:lvl9pPr>
+          </a:lstStyle>
+          <a:p>
+            <a:pPr marL="266700" indent="-177800">
+              <a:buFont typeface="LucidaGrande" charset="0"/>
+              <a:buNone/>
+            </a:pPr>
+            <a:endParaRPr lang="de-DE" sz="100" b="1" dirty="0">
+              <a:latin typeface="Calibri" charset="0"/>
+              <a:ea typeface="Calibri" charset="0"/>
+              <a:cs typeface="Calibri" charset="0"/>
+            </a:endParaRPr>
+          </a:p>
+          <a:p>
+            <a:pPr marL="88900" indent="0">
+              <a:buNone/>
+            </a:pPr>
+            <a:r>
+              <a:rPr lang="de-DE" b="1" dirty="0">
+                <a:latin typeface="+mn-lt"/>
+                <a:ea typeface="Calibri" charset="0"/>
+                <a:cs typeface="Calibri" charset="0"/>
+              </a:rPr>
+              <a:t>Contra:</a:t>
+            </a:r>
+          </a:p>
+          <a:p>
+            <a:pPr marL="374650" indent="-285750"/>
+            <a:r>
+              <a:rPr lang="de-DE" dirty="0">
+                <a:latin typeface="+mn-lt"/>
+                <a:ea typeface="Calibri" charset="0"/>
+                <a:cs typeface="Calibri" charset="0"/>
+              </a:rPr>
+              <a:t>Last auf Originaltransaktionen durch Trigger (double </a:t>
+            </a:r>
+            <a:r>
+              <a:rPr lang="de-DE" dirty="0" err="1">
+                <a:latin typeface="+mn-lt"/>
+                <a:ea typeface="Calibri" charset="0"/>
+                <a:cs typeface="Calibri" charset="0"/>
+              </a:rPr>
+              <a:t>write</a:t>
+            </a:r>
+            <a:r>
+              <a:rPr lang="de-DE" dirty="0">
+                <a:latin typeface="+mn-lt"/>
+                <a:ea typeface="Calibri" charset="0"/>
+                <a:cs typeface="Calibri" charset="0"/>
+              </a:rPr>
+              <a:t>)</a:t>
+            </a:r>
+          </a:p>
+          <a:p>
+            <a:pPr marL="374650" indent="-285750"/>
+            <a:r>
+              <a:rPr lang="de-DE" dirty="0">
+                <a:latin typeface="+mn-lt"/>
+                <a:ea typeface="Calibri" charset="0"/>
+                <a:cs typeface="Calibri" charset="0"/>
+              </a:rPr>
+              <a:t>Zumindest theoretische Kopplung von Betriebsrisiken für alle Teilnehmer </a:t>
+            </a:r>
+          </a:p>
+          <a:p>
+            <a:pPr marL="644525" lvl="1" indent="-285750"/>
+            <a:r>
+              <a:rPr lang="de-DE" dirty="0">
+                <a:latin typeface="+mn-lt"/>
+                <a:ea typeface="Calibri" charset="0"/>
+                <a:cs typeface="Calibri" charset="0"/>
+              </a:rPr>
+              <a:t>Tablespace voll für Tabelle EVENT_LOGS betrifft ansonsten evtl. unabhängige Prozesse gleich</a:t>
+            </a:r>
+          </a:p>
+          <a:p>
+            <a:pPr marL="644525" lvl="1" indent="-285750"/>
+            <a:r>
+              <a:rPr lang="de-DE" dirty="0">
+                <a:latin typeface="+mn-lt"/>
+                <a:ea typeface="Calibri" charset="0"/>
+                <a:cs typeface="Calibri" charset="0"/>
+              </a:rPr>
+              <a:t>Evtl. Synchronisation von </a:t>
+            </a:r>
+            <a:r>
+              <a:rPr lang="de-DE" dirty="0" err="1">
+                <a:latin typeface="+mn-lt"/>
+                <a:ea typeface="Calibri" charset="0"/>
+                <a:cs typeface="Calibri" charset="0"/>
+              </a:rPr>
+              <a:t>Deployments</a:t>
+            </a:r>
+            <a:r>
+              <a:rPr lang="de-DE" dirty="0">
+                <a:latin typeface="+mn-lt"/>
+                <a:ea typeface="Calibri" charset="0"/>
+                <a:cs typeface="Calibri" charset="0"/>
+              </a:rPr>
+              <a:t> notwendig </a:t>
+            </a:r>
+            <a:br>
+              <a:rPr lang="de-DE" dirty="0">
+                <a:latin typeface="+mn-lt"/>
+                <a:ea typeface="Calibri" charset="0"/>
+                <a:cs typeface="Calibri" charset="0"/>
+              </a:rPr>
+            </a:br>
+            <a:r>
+              <a:rPr lang="de-DE" dirty="0">
+                <a:latin typeface="+mn-lt"/>
+                <a:ea typeface="Calibri" charset="0"/>
+                <a:cs typeface="Calibri" charset="0"/>
+              </a:rPr>
+              <a:t>z.B. Drop einer überwachten Spalte führt zu invalidem Trigger</a:t>
+            </a:r>
+          </a:p>
+          <a:p>
+            <a:pPr marL="374650" indent="-285750"/>
+            <a:endParaRPr lang="de-DE" dirty="0">
+              <a:latin typeface="+mn-lt"/>
+            </a:endParaRPr>
+          </a:p>
+        </p:txBody>
+      </p:sp>
+    </p:spTree>
+    <p:extLst>
+      <p:ext uri="{BB962C8B-B14F-4D97-AF65-F5344CB8AC3E}">
+        <p14:creationId xmlns:p14="http://schemas.microsoft.com/office/powerpoint/2010/main" val="741570770"/>
+      </p:ext>
+    </p:extLst>
+  </p:cSld>
+  <p:clrMapOvr>
+    <a:masterClrMapping/>
+  </p:clrMapOvr>
+  <p:timing>
+    <p:tnLst>
+      <p:par>
+        <p:cTn id="1" dur="indefinite" restart="never" nodeType="tmRoot">
+          <p:childTnLst>
+            <p:seq concurrent="1" nextAc="seek">
+              <p:cTn id="2" dur="indefinite" nodeType="mainSeq">
+                <p:childTnLst>
+                  <p:par>
+                    <p:cTn id="3" fill="hold">
+                      <p:stCondLst>
+                        <p:cond delay="indefinite"/>
+                      </p:stCondLst>
+                      <p:childTnLst>
+                        <p:par>
+                          <p:cTn id="4" fill="hold">
+                            <p:stCondLst>
+                              <p:cond delay="0"/>
+                            </p:stCondLst>
+                            <p:childTnLst>
+                              <p:par>
+                                <p:cTn id="5" presetID="1" presetClass="entr" presetSubtype="0" fill="hold" grpId="0" nodeType="clickEffect">
+                                  <p:stCondLst>
+                                    <p:cond delay="0"/>
+                                  </p:stCondLst>
+                                  <p:childTnLst>
+                                    <p:set>
+                                      <p:cBhvr>
+                                        <p:cTn id="6" dur="1" fill="hold">
+                                          <p:stCondLst>
+                                            <p:cond delay="0"/>
+                                          </p:stCondLst>
+                                        </p:cTn>
+                                        <p:tgtEl>
+                                          <p:spTgt spid="8"/>
+                                        </p:tgtEl>
+                                        <p:attrNameLst>
+                                          <p:attrName>style.visibility</p:attrName>
+                                        </p:attrNameLst>
+                                      </p:cBhvr>
+                                      <p:to>
+                                        <p:strVal val="visible"/>
+                                      </p:to>
+                                    </p:set>
+                                  </p:childTnLst>
+                                </p:cTn>
+                              </p:par>
+                            </p:childTnLst>
+                          </p:cTn>
+                        </p:par>
+                      </p:childTnLst>
+                    </p:cTn>
+                  </p:par>
+                  <p:par>
+                    <p:cTn id="7" fill="hold">
+                      <p:stCondLst>
+                        <p:cond delay="indefinite"/>
+                      </p:stCondLst>
+                      <p:childTnLst>
+                        <p:par>
+                          <p:cTn id="8" fill="hold">
+                            <p:stCondLst>
+                              <p:cond delay="0"/>
+                            </p:stCondLst>
+                            <p:childTnLst>
+                              <p:par>
+                                <p:cTn id="9" presetID="1" presetClass="entr" presetSubtype="0" fill="hold" grpId="0" nodeType="clickEffect">
+                                  <p:stCondLst>
+                                    <p:cond delay="0"/>
+                                  </p:stCondLst>
+                                  <p:childTnLst>
+                                    <p:set>
+                                      <p:cBhvr>
+                                        <p:cTn id="10" dur="1" fill="hold">
+                                          <p:stCondLst>
+                                            <p:cond delay="0"/>
+                                          </p:stCondLst>
+                                        </p:cTn>
+                                        <p:tgtEl>
+                                          <p:spTgt spid="9"/>
+                                        </p:tgtEl>
+                                        <p:attrNameLst>
+                                          <p:attrName>style.visibility</p:attrName>
+                                        </p:attrNameLst>
+                                      </p:cBhvr>
+                                      <p:to>
+                                        <p:strVal val="visible"/>
+                                      </p:to>
+                                    </p:set>
+                                  </p:childTnLst>
+                                </p:cTn>
+                              </p:par>
+                            </p:childTnLst>
+                          </p:cTn>
+                        </p:par>
+                      </p:childTnLst>
+                    </p:cTn>
+                  </p:par>
+                </p:childTnLst>
+              </p:cTn>
+              <p:prevCondLst>
+                <p:cond evt="onPrev" delay="0">
+                  <p:tgtEl>
+                    <p:sldTgt/>
+                  </p:tgtEl>
+                </p:cond>
+              </p:prevCondLst>
+              <p:nextCondLst>
+                <p:cond evt="onNext" delay="0">
+                  <p:tgtEl>
+                    <p:sldTgt/>
+                  </p:tgtEl>
+                </p:cond>
+              </p:nextCondLst>
+            </p:seq>
+          </p:childTnLst>
+        </p:cTn>
+      </p:par>
+    </p:tnLst>
+    <p:bldLst>
+      <p:bldP spid="8" grpId="0" animBg="1"/>
+      <p:bldP spid="9" grpId="0" animBg="1"/>
+    </p:bldLst>
+  </p:timing>
+</p:sld>
+</file>
+
+<file path=ppt/slides/slide9.xml><?xml version="1.0" encoding="utf-8"?>
+<p:sld xmlns:a="http://schemas.openxmlformats.org/drawingml/2006/main" xmlns:r="http://schemas.openxmlformats.org/officeDocument/2006/relationships" xmlns:p="http://schemas.openxmlformats.org/presentationml/2006/main">
+  <p:cSld>
+    <p:spTree>
+      <p:nvGrpSpPr>
+        <p:cNvPr id="1" name=""/>
+        <p:cNvGrpSpPr/>
+        <p:nvPr/>
+      </p:nvGrpSpPr>
+      <p:grpSpPr>
+        <a:xfrm>
+          <a:off x="0" y="0"/>
+          <a:ext cx="0" cy="0"/>
+          <a:chOff x="0" y="0"/>
+          <a:chExt cx="0" cy="0"/>
+        </a:xfrm>
+      </p:grpSpPr>
+      <p:sp>
+        <p:nvSpPr>
+          <p:cNvPr id="2" name="Titel 1"/>
+          <p:cNvSpPr>
+            <a:spLocks noGrp="1"/>
+          </p:cNvSpPr>
+          <p:nvPr>
+            <p:ph type="title"/>
+          </p:nvPr>
+        </p:nvSpPr>
+        <p:spPr>
+          <a:xfrm>
+            <a:off x="7095436" y="2082396"/>
+            <a:ext cx="1754949" cy="1625539"/>
+          </a:xfrm>
+        </p:spPr>
+        <p:txBody>
+          <a:bodyPr/>
+          <a:lstStyle/>
+          <a:p>
+            <a:pPr algn="ctr"/>
+            <a:r>
+              <a:rPr lang="de-DE" sz="2800" b="1" dirty="0"/>
+              <a:t>TriXX </a:t>
+            </a:r>
+            <a:br>
+              <a:rPr lang="de-DE" sz="2800" b="1" dirty="0"/>
+            </a:br>
+            <a:r>
+              <a:rPr lang="de-DE" sz="2800" b="1" dirty="0"/>
+              <a:t>Modul-</a:t>
+            </a:r>
+            <a:br>
+              <a:rPr lang="de-DE" sz="2800" b="1" dirty="0"/>
+            </a:br>
+            <a:r>
+              <a:rPr lang="de-DE" sz="2800" b="1" dirty="0"/>
+              <a:t>Struktur</a:t>
+            </a:r>
+          </a:p>
+        </p:txBody>
+      </p:sp>
+      <p:sp>
+        <p:nvSpPr>
+          <p:cNvPr id="4" name="Fußzeilenplatzhalter 3"/>
+          <p:cNvSpPr>
+            <a:spLocks noGrp="1"/>
+          </p:cNvSpPr>
+          <p:nvPr>
+            <p:ph type="ftr" sz="quarter" idx="3"/>
+          </p:nvPr>
+        </p:nvSpPr>
+        <p:spPr>
+          <a:xfrm>
+            <a:off x="6412999" y="4918182"/>
+            <a:ext cx="2173184" cy="273844"/>
+          </a:xfrm>
+        </p:spPr>
+        <p:txBody>
+          <a:bodyPr/>
+          <a:lstStyle/>
+          <a:p>
+            <a:r>
+              <a:rPr lang="de-DE" dirty="0"/>
+              <a:t>Seite</a:t>
+            </a:r>
+          </a:p>
+        </p:txBody>
+      </p:sp>
+      <p:sp>
+        <p:nvSpPr>
+          <p:cNvPr id="5" name="Foliennummernplatzhalter 4"/>
+          <p:cNvSpPr>
+            <a:spLocks noGrp="1"/>
+          </p:cNvSpPr>
+          <p:nvPr>
+            <p:ph type="sldNum" sz="quarter" idx="4"/>
+          </p:nvPr>
+        </p:nvSpPr>
+        <p:spPr>
+          <a:xfrm>
+            <a:off x="8418658" y="4920586"/>
+            <a:ext cx="335050" cy="273844"/>
+          </a:xfrm>
+        </p:spPr>
+        <p:txBody>
+          <a:bodyPr/>
+          <a:lstStyle/>
+          <a:p>
+            <a:fld id="{2DD045F0-8B2A-FA4B-969F-A1574B4A39C0}" type="slidenum">
+              <a:rPr lang="de-DE" smtClean="0"/>
+              <a:pPr/>
+              <a:t>9</a:t>
+            </a:fld>
+            <a:endParaRPr lang="de-DE" dirty="0"/>
+          </a:p>
+        </p:txBody>
+      </p:sp>
+      <p:pic>
+        <p:nvPicPr>
+          <p:cNvPr id="11" name="Grafik 10">
+            <a:extLst>
+              <a:ext uri="{FF2B5EF4-FFF2-40B4-BE49-F238E27FC236}">
+                <a16:creationId xmlns:a16="http://schemas.microsoft.com/office/drawing/2014/main" id="{0345DA03-9463-2744-BB95-02B75EDC3F08}"/>
+              </a:ext>
+            </a:extLst>
+          </p:cNvPr>
+          <p:cNvPicPr>
+            <a:picLocks noChangeAspect="1"/>
+          </p:cNvPicPr>
+          <p:nvPr/>
+        </p:nvPicPr>
+        <p:blipFill>
+          <a:blip r:embed="rId2"/>
+          <a:stretch>
+            <a:fillRect/>
+          </a:stretch>
+        </p:blipFill>
+        <p:spPr>
+          <a:xfrm>
+            <a:off x="1004746" y="0"/>
+            <a:ext cx="6132635" cy="5143500"/>
+          </a:xfrm>
+          <a:prstGeom prst="rect">
+            <a:avLst/>
+          </a:prstGeom>
+        </p:spPr>
+      </p:pic>
+    </p:spTree>
+    <p:extLst>
+      <p:ext uri="{BB962C8B-B14F-4D97-AF65-F5344CB8AC3E}">
+        <p14:creationId xmlns:p14="http://schemas.microsoft.com/office/powerpoint/2010/main" val="3709629849"/>
+      </p:ext>
+    </p:extLst>
+  </p:cSld>
+  <p:clrMapOvr>
+    <a:masterClrMapping/>
+  </p:clrMapOvr>
 </p:sld>
 </file>
 

--- a/doc/2021-12_TriXX_ITTage.pptx
+++ b/doc/2021-12_TriXX_ITTage.pptx
@@ -5,10 +5,10 @@
     <p:sldMasterId id="2147483648" r:id="rId1"/>
   </p:sldMasterIdLst>
   <p:notesMasterIdLst>
-    <p:notesMasterId r:id="rId27"/>
+    <p:notesMasterId r:id="rId28"/>
   </p:notesMasterIdLst>
   <p:handoutMasterIdLst>
-    <p:handoutMasterId r:id="rId28"/>
+    <p:handoutMasterId r:id="rId29"/>
   </p:handoutMasterIdLst>
   <p:sldIdLst>
     <p:sldId id="346" r:id="rId2"/>
@@ -35,7 +35,8 @@
     <p:sldId id="344" r:id="rId23"/>
     <p:sldId id="338" r:id="rId24"/>
     <p:sldId id="334" r:id="rId25"/>
-    <p:sldId id="323" r:id="rId26"/>
+    <p:sldId id="347" r:id="rId26"/>
+    <p:sldId id="323" r:id="rId27"/>
   </p:sldIdLst>
   <p:sldSz cx="9144000" cy="5143500" type="screen16x9"/>
   <p:notesSz cx="6858000" cy="9144000"/>
@@ -397,7 +398,7 @@
           <a:p>
             <a:fld id="{65198459-C4F2-C045-9966-EFD31D2DED12}" type="datetime1">
               <a:rPr lang="de-DE" smtClean="0"/>
-              <a:t>26.11.21</a:t>
+              <a:t>28.11.21</a:t>
             </a:fld>
             <a:endParaRPr lang="de-DE"/>
           </a:p>
@@ -563,7 +564,7 @@
           <a:p>
             <a:fld id="{DFE97338-3F22-2E45-8586-98FF6A44F26F}" type="datetime1">
               <a:rPr lang="de-DE" smtClean="0"/>
-              <a:t>26.11.21</a:t>
+              <a:t>28.11.21</a:t>
             </a:fld>
             <a:endParaRPr lang="de-DE"/>
           </a:p>
@@ -896,7 +897,7 @@
           <a:p>
             <a:fld id="{636B5682-7B65-4740-A04A-D1EDC2EC6356}" type="slidenum">
               <a:rPr lang="de-DE" smtClean="0"/>
-              <a:t>10</a:t>
+              <a:t>9</a:t>
             </a:fld>
             <a:endParaRPr lang="de-DE"/>
           </a:p>
@@ -905,7 +906,7 @@
     </p:spTree>
     <p:extLst>
       <p:ext uri="{BB962C8B-B14F-4D97-AF65-F5344CB8AC3E}">
-        <p14:creationId xmlns:p14="http://schemas.microsoft.com/office/powerpoint/2010/main" val="2279391721"/>
+        <p14:creationId xmlns:p14="http://schemas.microsoft.com/office/powerpoint/2010/main" val="1396730360"/>
       </p:ext>
     </p:extLst>
   </p:cSld>
@@ -980,7 +981,7 @@
           <a:p>
             <a:fld id="{636B5682-7B65-4740-A04A-D1EDC2EC6356}" type="slidenum">
               <a:rPr lang="de-DE" smtClean="0"/>
-              <a:t>14</a:t>
+              <a:t>10</a:t>
             </a:fld>
             <a:endParaRPr lang="de-DE"/>
           </a:p>
@@ -989,7 +990,7 @@
     </p:spTree>
     <p:extLst>
       <p:ext uri="{BB962C8B-B14F-4D97-AF65-F5344CB8AC3E}">
-        <p14:creationId xmlns:p14="http://schemas.microsoft.com/office/powerpoint/2010/main" val="570867473"/>
+        <p14:creationId xmlns:p14="http://schemas.microsoft.com/office/powerpoint/2010/main" val="2279391721"/>
       </p:ext>
     </p:extLst>
   </p:cSld>
@@ -1054,6 +1055,90 @@
             <a:spLocks noGrp="1"/>
           </p:cNvSpPr>
           <p:nvPr>
+            <p:ph type="sldNum" sz="quarter" idx="5"/>
+          </p:nvPr>
+        </p:nvSpPr>
+        <p:spPr/>
+        <p:txBody>
+          <a:bodyPr/>
+          <a:lstStyle/>
+          <a:p>
+            <a:fld id="{636B5682-7B65-4740-A04A-D1EDC2EC6356}" type="slidenum">
+              <a:rPr lang="de-DE" smtClean="0"/>
+              <a:t>14</a:t>
+            </a:fld>
+            <a:endParaRPr lang="de-DE"/>
+          </a:p>
+        </p:txBody>
+      </p:sp>
+    </p:spTree>
+    <p:extLst>
+      <p:ext uri="{BB962C8B-B14F-4D97-AF65-F5344CB8AC3E}">
+        <p14:creationId xmlns:p14="http://schemas.microsoft.com/office/powerpoint/2010/main" val="570867473"/>
+      </p:ext>
+    </p:extLst>
+  </p:cSld>
+  <p:clrMapOvr>
+    <a:masterClrMapping/>
+  </p:clrMapOvr>
+</p:notes>
+</file>
+
+<file path=ppt/notesSlides/notesSlide4.xml><?xml version="1.0" encoding="utf-8"?>
+<p:notes xmlns:a="http://schemas.openxmlformats.org/drawingml/2006/main" xmlns:r="http://schemas.openxmlformats.org/officeDocument/2006/relationships" xmlns:p="http://schemas.openxmlformats.org/presentationml/2006/main">
+  <p:cSld>
+    <p:spTree>
+      <p:nvGrpSpPr>
+        <p:cNvPr id="1" name=""/>
+        <p:cNvGrpSpPr/>
+        <p:nvPr/>
+      </p:nvGrpSpPr>
+      <p:grpSpPr>
+        <a:xfrm>
+          <a:off x="0" y="0"/>
+          <a:ext cx="0" cy="0"/>
+          <a:chOff x="0" y="0"/>
+          <a:chExt cx="0" cy="0"/>
+        </a:xfrm>
+      </p:grpSpPr>
+      <p:sp>
+        <p:nvSpPr>
+          <p:cNvPr id="2" name="Folienbildplatzhalter 1"/>
+          <p:cNvSpPr>
+            <a:spLocks noGrp="1" noRot="1" noChangeAspect="1"/>
+          </p:cNvSpPr>
+          <p:nvPr>
+            <p:ph type="sldImg"/>
+          </p:nvPr>
+        </p:nvSpPr>
+        <p:spPr/>
+      </p:sp>
+      <p:sp>
+        <p:nvSpPr>
+          <p:cNvPr id="3" name="Notizenplatzhalter 2"/>
+          <p:cNvSpPr>
+            <a:spLocks noGrp="1"/>
+          </p:cNvSpPr>
+          <p:nvPr>
+            <p:ph type="body" idx="1"/>
+          </p:nvPr>
+        </p:nvSpPr>
+        <p:spPr/>
+        <p:txBody>
+          <a:bodyPr/>
+          <a:lstStyle/>
+          <a:p>
+            <a:endParaRPr lang="de-DE" dirty="0"/>
+          </a:p>
+        </p:txBody>
+      </p:sp>
+      <p:sp>
+        <p:nvSpPr>
+          <p:cNvPr id="4" name="Foliennummernplatzhalter 3"/>
+          <p:cNvSpPr>
+            <a:spLocks noGrp="1"/>
+          </p:cNvSpPr>
+          <p:nvPr>
             <p:ph type="sldNum" sz="quarter" idx="10"/>
           </p:nvPr>
         </p:nvSpPr>
@@ -1064,7 +1149,7 @@
           <a:p>
             <a:fld id="{636B5682-7B65-4740-A04A-D1EDC2EC6356}" type="slidenum">
               <a:rPr lang="de-DE" smtClean="0"/>
-              <a:t>25</a:t>
+              <a:t>26</a:t>
             </a:fld>
             <a:endParaRPr lang="de-DE"/>
           </a:p>
@@ -6177,7 +6262,7 @@
           </a:prstGeom>
           <a:extLst>
             <a:ext uri="{C572A759-6A51-4108-AA02-DFA0A04FC94B}">
-              <ma14:wrappingTextBoxFlag xmlns:ma14="http://schemas.microsoft.com/office/mac/drawingml/2011/main" xmlns="" val="1"/>
+              <ma14:wrappingTextBoxFlag xmlns="" xmlns:ma14="http://schemas.microsoft.com/office/mac/drawingml/2011/main" val="1"/>
             </a:ext>
           </a:extLst>
         </p:spPr>
@@ -10491,7 +10576,7 @@
           </a:ln>
           <a:extLst>
             <a:ext uri="{C572A759-6A51-4108-AA02-DFA0A04FC94B}">
-              <ma14:wrappingTextBoxFlag xmlns:ma14="http://schemas.microsoft.com/office/mac/drawingml/2011/main" xmlns="" val="1"/>
+              <ma14:wrappingTextBoxFlag xmlns="" xmlns:ma14="http://schemas.microsoft.com/office/mac/drawingml/2011/main" val="1"/>
             </a:ext>
           </a:extLst>
         </p:spPr>
@@ -10814,7 +10899,7 @@
           </a:ln>
           <a:extLst>
             <a:ext uri="{C572A759-6A51-4108-AA02-DFA0A04FC94B}">
-              <ma14:wrappingTextBoxFlag xmlns="" xmlns:ma14="http://schemas.microsoft.com/office/mac/drawingml/2011/main" val="1"/>
+              <ma14:wrappingTextBoxFlag xmlns:ma14="http://schemas.microsoft.com/office/mac/drawingml/2011/main" xmlns="" val="1"/>
             </a:ext>
           </a:extLst>
         </p:spPr>
@@ -10878,7 +10963,7 @@
           </a:ln>
           <a:extLst>
             <a:ext uri="{C572A759-6A51-4108-AA02-DFA0A04FC94B}">
-              <ma14:wrappingTextBoxFlag xmlns="" xmlns:ma14="http://schemas.microsoft.com/office/mac/drawingml/2011/main" val="1"/>
+              <ma14:wrappingTextBoxFlag xmlns:ma14="http://schemas.microsoft.com/office/mac/drawingml/2011/main" xmlns="" val="1"/>
             </a:ext>
           </a:extLst>
         </p:spPr>
@@ -25529,7 +25614,7 @@
               <a:rPr lang="de-DE" dirty="0">
                 <a:latin typeface="+mn-lt"/>
               </a:rPr>
-              <a:t>Beispiel-Durchsatz für räumliche Nähe von DB, TriXX und Kafka mit 3 Worker-Threads und JSON &lt; 4K</a:t>
+              <a:t>Beispiel-Durchsatz mit DB, TriXX und Kafka in lokalem Netz, 3 Worker-Threads und JSON &lt; 4K</a:t>
             </a:r>
           </a:p>
           <a:p>
@@ -26588,23 +26673,7 @@
                 <a:ea typeface="Calibri" charset="0"/>
                 <a:cs typeface="Calibri" charset="0"/>
               </a:rPr>
-              <a:t>Als weitere Schritte im </a:t>
-            </a:r>
-            <a:r>
-              <a:rPr lang="de-DE" b="1">
-                <a:latin typeface="+mn-lt"/>
-                <a:ea typeface="Calibri" charset="0"/>
-                <a:cs typeface="Calibri" charset="0"/>
-              </a:rPr>
-              <a:t>Projekt sind vorgesehen</a:t>
-            </a:r>
-            <a:r>
-              <a:rPr lang="de-DE" b="1" dirty="0">
-                <a:latin typeface="+mn-lt"/>
-                <a:ea typeface="Calibri" charset="0"/>
-                <a:cs typeface="Calibri" charset="0"/>
-              </a:rPr>
-              <a:t>:</a:t>
+              <a:t>Als weitere Schritte im Projekt sind vorgesehen:</a:t>
             </a:r>
           </a:p>
         </p:txBody>
@@ -26839,19 +26908,7 @@
               <a:rPr lang="de-DE" dirty="0">
                 <a:latin typeface="+mn-lt"/>
               </a:rPr>
-              <a:t>API-</a:t>
-            </a:r>
-            <a:r>
-              <a:rPr lang="de-DE" dirty="0" err="1">
-                <a:latin typeface="+mn-lt"/>
-              </a:rPr>
-              <a:t>Schnittestellen</a:t>
-            </a:r>
-            <a:r>
-              <a:rPr lang="de-DE" dirty="0">
-                <a:latin typeface="+mn-lt"/>
-              </a:rPr>
-              <a:t> für Monitoring-Systeme z.B. Prometheus</a:t>
+              <a:t>API-Schnittstellen für Monitoring-Systeme z.B. Prometheus</a:t>
             </a:r>
           </a:p>
         </p:txBody>
@@ -27105,246 +27162,6 @@
       </p:sp>
       <p:sp>
         <p:nvSpPr>
-          <p:cNvPr id="11" name="Textplatzhalter 12">
-            <a:extLst>
-              <a:ext uri="{FF2B5EF4-FFF2-40B4-BE49-F238E27FC236}">
-                <a16:creationId xmlns:a16="http://schemas.microsoft.com/office/drawing/2014/main" id="{5D51DA2B-97F7-EC4D-8077-078AD2A9B965}"/>
-              </a:ext>
-            </a:extLst>
-          </p:cNvPr>
-          <p:cNvSpPr txBox="1">
-            <a:spLocks/>
-          </p:cNvSpPr>
-          <p:nvPr/>
-        </p:nvSpPr>
-        <p:spPr>
-          <a:xfrm>
-            <a:off x="222761" y="4093207"/>
-            <a:ext cx="8623725" cy="418373"/>
-          </a:xfrm>
-          <a:prstGeom prst="rect">
-            <a:avLst/>
-          </a:prstGeom>
-          <a:solidFill>
-            <a:schemeClr val="bg1">
-              <a:lumMod val="95000"/>
-            </a:schemeClr>
-          </a:solidFill>
-        </p:spPr>
-        <p:txBody>
-          <a:bodyPr vert="horz" lIns="0" tIns="0" rIns="0" bIns="0" rtlCol="0">
-            <a:noAutofit/>
-          </a:bodyPr>
-          <a:lstStyle>
-            <a:lvl1pPr marL="222250" indent="-220663" algn="l" defTabSz="457200" rtl="0" eaLnBrk="1" latinLnBrk="0" hangingPunct="1">
-              <a:lnSpc>
-                <a:spcPct val="90000"/>
-              </a:lnSpc>
-              <a:spcBef>
-                <a:spcPts val="0"/>
-              </a:spcBef>
-              <a:spcAft>
-                <a:spcPts val="900"/>
-              </a:spcAft>
-              <a:buClr>
-                <a:srgbClr val="DC2314"/>
-              </a:buClr>
-              <a:buSzPct val="100000"/>
-              <a:buFont typeface="LucidaGrande" charset="0"/>
-              <a:buChar char="•"/>
-              <a:tabLst/>
-              <a:defRPr sz="1600" b="0" i="0" kern="1200" baseline="0">
-                <a:solidFill>
-                  <a:srgbClr val="5F696E"/>
-                </a:solidFill>
-                <a:latin typeface="Calibri Light" charset="0"/>
-                <a:ea typeface="Calibri Light" charset="0"/>
-                <a:cs typeface="Calibri Light" charset="0"/>
-              </a:defRPr>
-            </a:lvl1pPr>
-            <a:lvl2pPr marL="492125" indent="-225425" algn="l" defTabSz="457200" rtl="0" eaLnBrk="1" latinLnBrk="0" hangingPunct="1">
-              <a:lnSpc>
-                <a:spcPct val="90000"/>
-              </a:lnSpc>
-              <a:spcBef>
-                <a:spcPts val="0"/>
-              </a:spcBef>
-              <a:spcAft>
-                <a:spcPts val="900"/>
-              </a:spcAft>
-              <a:buClr>
-                <a:srgbClr val="DC2314"/>
-              </a:buClr>
-              <a:buSzPct val="80000"/>
-              <a:buFont typeface="Symbol" charset="2"/>
-              <a:buChar char="-"/>
-              <a:tabLst/>
-              <a:defRPr sz="1600" b="0" i="0" kern="1200" baseline="0">
-                <a:solidFill>
-                  <a:srgbClr val="5F696E"/>
-                </a:solidFill>
-                <a:latin typeface="Calibri Light" charset="0"/>
-                <a:ea typeface="Calibri Light" charset="0"/>
-                <a:cs typeface="Calibri Light" charset="0"/>
-              </a:defRPr>
-            </a:lvl2pPr>
-            <a:lvl3pPr marL="1157288" indent="-242888" algn="l" defTabSz="457200" rtl="0" eaLnBrk="1" latinLnBrk="0" hangingPunct="1">
-              <a:lnSpc>
-                <a:spcPct val="105000"/>
-              </a:lnSpc>
-              <a:spcBef>
-                <a:spcPts val="0"/>
-              </a:spcBef>
-              <a:buClr>
-                <a:srgbClr val="DC2314"/>
-              </a:buClr>
-              <a:buSzPct val="80000"/>
-              <a:buFont typeface="Symbol" charset="2"/>
-              <a:buChar char="-"/>
-              <a:tabLst/>
-              <a:defRPr sz="1600" kern="1200" baseline="0">
-                <a:solidFill>
-                  <a:schemeClr val="tx1"/>
-                </a:solidFill>
-                <a:latin typeface="Calibri Light"/>
-                <a:ea typeface="+mn-ea"/>
-                <a:cs typeface="+mn-cs"/>
-              </a:defRPr>
-            </a:lvl3pPr>
-            <a:lvl4pPr marL="1657350" indent="-285750" algn="l" defTabSz="457200" rtl="0" eaLnBrk="1" latinLnBrk="0" hangingPunct="1">
-              <a:lnSpc>
-                <a:spcPct val="105000"/>
-              </a:lnSpc>
-              <a:spcBef>
-                <a:spcPts val="0"/>
-              </a:spcBef>
-              <a:buClr>
-                <a:schemeClr val="tx1"/>
-              </a:buClr>
-              <a:buSzPct val="100000"/>
-              <a:buFont typeface="Arial"/>
-              <a:buChar char="•"/>
-              <a:defRPr sz="1600" kern="1200" baseline="0">
-                <a:solidFill>
-                  <a:schemeClr val="tx1"/>
-                </a:solidFill>
-                <a:latin typeface="Calibri Light"/>
-                <a:ea typeface="+mn-ea"/>
-                <a:cs typeface="+mn-cs"/>
-              </a:defRPr>
-            </a:lvl4pPr>
-            <a:lvl5pPr marL="2114550" indent="-285750" algn="l" defTabSz="457200" rtl="0" eaLnBrk="1" latinLnBrk="0" hangingPunct="1">
-              <a:lnSpc>
-                <a:spcPct val="105000"/>
-              </a:lnSpc>
-              <a:spcBef>
-                <a:spcPts val="0"/>
-              </a:spcBef>
-              <a:buClr>
-                <a:schemeClr val="tx1"/>
-              </a:buClr>
-              <a:buSzPct val="100000"/>
-              <a:buFont typeface="Arial"/>
-              <a:buChar char="•"/>
-              <a:defRPr sz="1600" kern="1200" baseline="0">
-                <a:solidFill>
-                  <a:schemeClr val="tx1"/>
-                </a:solidFill>
-                <a:latin typeface="Calibri Light"/>
-                <a:ea typeface="+mn-ea"/>
-                <a:cs typeface="+mn-cs"/>
-              </a:defRPr>
-            </a:lvl5pPr>
-            <a:lvl6pPr marL="2514600" indent="-228600" algn="l" defTabSz="457200" rtl="0" eaLnBrk="1" latinLnBrk="0" hangingPunct="1">
-              <a:spcBef>
-                <a:spcPct val="20000"/>
-              </a:spcBef>
-              <a:buFont typeface="Arial"/>
-              <a:buChar char="•"/>
-              <a:defRPr sz="2000" kern="1200">
-                <a:solidFill>
-                  <a:schemeClr val="tx1"/>
-                </a:solidFill>
-                <a:latin typeface="+mn-lt"/>
-                <a:ea typeface="+mn-ea"/>
-                <a:cs typeface="+mn-cs"/>
-              </a:defRPr>
-            </a:lvl6pPr>
-            <a:lvl7pPr marL="2971800" indent="-228600" algn="l" defTabSz="457200" rtl="0" eaLnBrk="1" latinLnBrk="0" hangingPunct="1">
-              <a:spcBef>
-                <a:spcPct val="20000"/>
-              </a:spcBef>
-              <a:buFont typeface="Arial"/>
-              <a:buChar char="•"/>
-              <a:defRPr sz="2000" kern="1200">
-                <a:solidFill>
-                  <a:schemeClr val="tx1"/>
-                </a:solidFill>
-                <a:latin typeface="+mn-lt"/>
-                <a:ea typeface="+mn-ea"/>
-                <a:cs typeface="+mn-cs"/>
-              </a:defRPr>
-            </a:lvl7pPr>
-            <a:lvl8pPr marL="3429000" indent="-228600" algn="l" defTabSz="457200" rtl="0" eaLnBrk="1" latinLnBrk="0" hangingPunct="1">
-              <a:spcBef>
-                <a:spcPct val="20000"/>
-              </a:spcBef>
-              <a:buFont typeface="Arial"/>
-              <a:buChar char="•"/>
-              <a:defRPr sz="2000" kern="1200">
-                <a:solidFill>
-                  <a:schemeClr val="tx1"/>
-                </a:solidFill>
-                <a:latin typeface="+mn-lt"/>
-                <a:ea typeface="+mn-ea"/>
-                <a:cs typeface="+mn-cs"/>
-              </a:defRPr>
-            </a:lvl8pPr>
-            <a:lvl9pPr marL="3886200" indent="-228600" algn="l" defTabSz="457200" rtl="0" eaLnBrk="1" latinLnBrk="0" hangingPunct="1">
-              <a:spcBef>
-                <a:spcPct val="20000"/>
-              </a:spcBef>
-              <a:buFont typeface="Arial"/>
-              <a:buChar char="•"/>
-              <a:defRPr sz="2000" kern="1200">
-                <a:solidFill>
-                  <a:schemeClr val="tx1"/>
-                </a:solidFill>
-                <a:latin typeface="+mn-lt"/>
-                <a:ea typeface="+mn-ea"/>
-                <a:cs typeface="+mn-cs"/>
-              </a:defRPr>
-            </a:lvl9pPr>
-          </a:lstStyle>
-          <a:p>
-            <a:pPr marL="266700" indent="-177800">
-              <a:buFont typeface="LucidaGrande" charset="0"/>
-              <a:buNone/>
-            </a:pPr>
-            <a:endParaRPr lang="de-DE" sz="100" b="1" dirty="0">
-              <a:latin typeface="+mn-lt"/>
-              <a:ea typeface="Calibri" charset="0"/>
-              <a:cs typeface="Calibri" charset="0"/>
-            </a:endParaRPr>
-          </a:p>
-          <a:p>
-            <a:pPr marL="266700" indent="-177800"/>
-            <a:r>
-              <a:rPr lang="de-DE" dirty="0">
-                <a:solidFill>
-                  <a:schemeClr val="bg1">
-                    <a:lumMod val="65000"/>
-                  </a:schemeClr>
-                </a:solidFill>
-                <a:latin typeface="+mn-lt"/>
-              </a:rPr>
-              <a:t>Etablieren eines fairen Preismodells vs. Bereitstellen als Open Source?</a:t>
-            </a:r>
-          </a:p>
-        </p:txBody>
-      </p:sp>
-      <p:sp>
-        <p:nvSpPr>
           <p:cNvPr id="12" name="Textplatzhalter 12">
             <a:extLst>
               <a:ext uri="{FF2B5EF4-FFF2-40B4-BE49-F238E27FC236}">
@@ -27573,242 +27390,7 @@
               <a:rPr lang="de-DE" dirty="0">
                 <a:latin typeface="+mn-lt"/>
               </a:rPr>
-              <a:t>Etablieren als auch außerhalb des Otto-Kosmos verfügbares Produkt</a:t>
-            </a:r>
-          </a:p>
-        </p:txBody>
-      </p:sp>
-      <p:sp>
-        <p:nvSpPr>
-          <p:cNvPr id="13" name="Textplatzhalter 12">
-            <a:extLst>
-              <a:ext uri="{FF2B5EF4-FFF2-40B4-BE49-F238E27FC236}">
-                <a16:creationId xmlns:a16="http://schemas.microsoft.com/office/drawing/2014/main" id="{487BF164-FB3A-BE42-8E90-43E9C4F18EB9}"/>
-              </a:ext>
-            </a:extLst>
-          </p:cNvPr>
-          <p:cNvSpPr txBox="1">
-            <a:spLocks/>
-          </p:cNvSpPr>
-          <p:nvPr/>
-        </p:nvSpPr>
-        <p:spPr>
-          <a:xfrm>
-            <a:off x="222762" y="3473832"/>
-            <a:ext cx="8623725" cy="418372"/>
-          </a:xfrm>
-          <a:prstGeom prst="rect">
-            <a:avLst/>
-          </a:prstGeom>
-          <a:solidFill>
-            <a:schemeClr val="bg1">
-              <a:lumMod val="95000"/>
-            </a:schemeClr>
-          </a:solidFill>
-        </p:spPr>
-        <p:txBody>
-          <a:bodyPr vert="horz" lIns="0" tIns="0" rIns="0" bIns="0" rtlCol="0">
-            <a:noAutofit/>
-          </a:bodyPr>
-          <a:lstStyle>
-            <a:lvl1pPr marL="222250" indent="-220663" algn="l" defTabSz="457200" rtl="0" eaLnBrk="1" latinLnBrk="0" hangingPunct="1">
-              <a:lnSpc>
-                <a:spcPct val="90000"/>
-              </a:lnSpc>
-              <a:spcBef>
-                <a:spcPts val="0"/>
-              </a:spcBef>
-              <a:spcAft>
-                <a:spcPts val="900"/>
-              </a:spcAft>
-              <a:buClr>
-                <a:srgbClr val="DC2314"/>
-              </a:buClr>
-              <a:buSzPct val="100000"/>
-              <a:buFont typeface="LucidaGrande" charset="0"/>
-              <a:buChar char="•"/>
-              <a:tabLst/>
-              <a:defRPr sz="1600" b="0" i="0" kern="1200" baseline="0">
-                <a:solidFill>
-                  <a:srgbClr val="5F696E"/>
-                </a:solidFill>
-                <a:latin typeface="Calibri Light" charset="0"/>
-                <a:ea typeface="Calibri Light" charset="0"/>
-                <a:cs typeface="Calibri Light" charset="0"/>
-              </a:defRPr>
-            </a:lvl1pPr>
-            <a:lvl2pPr marL="492125" indent="-225425" algn="l" defTabSz="457200" rtl="0" eaLnBrk="1" latinLnBrk="0" hangingPunct="1">
-              <a:lnSpc>
-                <a:spcPct val="90000"/>
-              </a:lnSpc>
-              <a:spcBef>
-                <a:spcPts val="0"/>
-              </a:spcBef>
-              <a:spcAft>
-                <a:spcPts val="900"/>
-              </a:spcAft>
-              <a:buClr>
-                <a:srgbClr val="DC2314"/>
-              </a:buClr>
-              <a:buSzPct val="80000"/>
-              <a:buFont typeface="Symbol" charset="2"/>
-              <a:buChar char="-"/>
-              <a:tabLst/>
-              <a:defRPr sz="1600" b="0" i="0" kern="1200" baseline="0">
-                <a:solidFill>
-                  <a:srgbClr val="5F696E"/>
-                </a:solidFill>
-                <a:latin typeface="Calibri Light" charset="0"/>
-                <a:ea typeface="Calibri Light" charset="0"/>
-                <a:cs typeface="Calibri Light" charset="0"/>
-              </a:defRPr>
-            </a:lvl2pPr>
-            <a:lvl3pPr marL="1157288" indent="-242888" algn="l" defTabSz="457200" rtl="0" eaLnBrk="1" latinLnBrk="0" hangingPunct="1">
-              <a:lnSpc>
-                <a:spcPct val="105000"/>
-              </a:lnSpc>
-              <a:spcBef>
-                <a:spcPts val="0"/>
-              </a:spcBef>
-              <a:buClr>
-                <a:srgbClr val="DC2314"/>
-              </a:buClr>
-              <a:buSzPct val="80000"/>
-              <a:buFont typeface="Symbol" charset="2"/>
-              <a:buChar char="-"/>
-              <a:tabLst/>
-              <a:defRPr sz="1600" kern="1200" baseline="0">
-                <a:solidFill>
-                  <a:schemeClr val="tx1"/>
-                </a:solidFill>
-                <a:latin typeface="Calibri Light"/>
-                <a:ea typeface="+mn-ea"/>
-                <a:cs typeface="+mn-cs"/>
-              </a:defRPr>
-            </a:lvl3pPr>
-            <a:lvl4pPr marL="1657350" indent="-285750" algn="l" defTabSz="457200" rtl="0" eaLnBrk="1" latinLnBrk="0" hangingPunct="1">
-              <a:lnSpc>
-                <a:spcPct val="105000"/>
-              </a:lnSpc>
-              <a:spcBef>
-                <a:spcPts val="0"/>
-              </a:spcBef>
-              <a:buClr>
-                <a:schemeClr val="tx1"/>
-              </a:buClr>
-              <a:buSzPct val="100000"/>
-              <a:buFont typeface="Arial"/>
-              <a:buChar char="•"/>
-              <a:defRPr sz="1600" kern="1200" baseline="0">
-                <a:solidFill>
-                  <a:schemeClr val="tx1"/>
-                </a:solidFill>
-                <a:latin typeface="Calibri Light"/>
-                <a:ea typeface="+mn-ea"/>
-                <a:cs typeface="+mn-cs"/>
-              </a:defRPr>
-            </a:lvl4pPr>
-            <a:lvl5pPr marL="2114550" indent="-285750" algn="l" defTabSz="457200" rtl="0" eaLnBrk="1" latinLnBrk="0" hangingPunct="1">
-              <a:lnSpc>
-                <a:spcPct val="105000"/>
-              </a:lnSpc>
-              <a:spcBef>
-                <a:spcPts val="0"/>
-              </a:spcBef>
-              <a:buClr>
-                <a:schemeClr val="tx1"/>
-              </a:buClr>
-              <a:buSzPct val="100000"/>
-              <a:buFont typeface="Arial"/>
-              <a:buChar char="•"/>
-              <a:defRPr sz="1600" kern="1200" baseline="0">
-                <a:solidFill>
-                  <a:schemeClr val="tx1"/>
-                </a:solidFill>
-                <a:latin typeface="Calibri Light"/>
-                <a:ea typeface="+mn-ea"/>
-                <a:cs typeface="+mn-cs"/>
-              </a:defRPr>
-            </a:lvl5pPr>
-            <a:lvl6pPr marL="2514600" indent="-228600" algn="l" defTabSz="457200" rtl="0" eaLnBrk="1" latinLnBrk="0" hangingPunct="1">
-              <a:spcBef>
-                <a:spcPct val="20000"/>
-              </a:spcBef>
-              <a:buFont typeface="Arial"/>
-              <a:buChar char="•"/>
-              <a:defRPr sz="2000" kern="1200">
-                <a:solidFill>
-                  <a:schemeClr val="tx1"/>
-                </a:solidFill>
-                <a:latin typeface="+mn-lt"/>
-                <a:ea typeface="+mn-ea"/>
-                <a:cs typeface="+mn-cs"/>
-              </a:defRPr>
-            </a:lvl6pPr>
-            <a:lvl7pPr marL="2971800" indent="-228600" algn="l" defTabSz="457200" rtl="0" eaLnBrk="1" latinLnBrk="0" hangingPunct="1">
-              <a:spcBef>
-                <a:spcPct val="20000"/>
-              </a:spcBef>
-              <a:buFont typeface="Arial"/>
-              <a:buChar char="•"/>
-              <a:defRPr sz="2000" kern="1200">
-                <a:solidFill>
-                  <a:schemeClr val="tx1"/>
-                </a:solidFill>
-                <a:latin typeface="+mn-lt"/>
-                <a:ea typeface="+mn-ea"/>
-                <a:cs typeface="+mn-cs"/>
-              </a:defRPr>
-            </a:lvl7pPr>
-            <a:lvl8pPr marL="3429000" indent="-228600" algn="l" defTabSz="457200" rtl="0" eaLnBrk="1" latinLnBrk="0" hangingPunct="1">
-              <a:spcBef>
-                <a:spcPct val="20000"/>
-              </a:spcBef>
-              <a:buFont typeface="Arial"/>
-              <a:buChar char="•"/>
-              <a:defRPr sz="2000" kern="1200">
-                <a:solidFill>
-                  <a:schemeClr val="tx1"/>
-                </a:solidFill>
-                <a:latin typeface="+mn-lt"/>
-                <a:ea typeface="+mn-ea"/>
-                <a:cs typeface="+mn-cs"/>
-              </a:defRPr>
-            </a:lvl8pPr>
-            <a:lvl9pPr marL="3886200" indent="-228600" algn="l" defTabSz="457200" rtl="0" eaLnBrk="1" latinLnBrk="0" hangingPunct="1">
-              <a:spcBef>
-                <a:spcPct val="20000"/>
-              </a:spcBef>
-              <a:buFont typeface="Arial"/>
-              <a:buChar char="•"/>
-              <a:defRPr sz="2000" kern="1200">
-                <a:solidFill>
-                  <a:schemeClr val="tx1"/>
-                </a:solidFill>
-                <a:latin typeface="+mn-lt"/>
-                <a:ea typeface="+mn-ea"/>
-                <a:cs typeface="+mn-cs"/>
-              </a:defRPr>
-            </a:lvl9pPr>
-          </a:lstStyle>
-          <a:p>
-            <a:pPr marL="266700" indent="-177800">
-              <a:buFont typeface="LucidaGrande" charset="0"/>
-              <a:buNone/>
-            </a:pPr>
-            <a:endParaRPr lang="de-DE" sz="100" b="1" dirty="0">
-              <a:latin typeface="+mn-lt"/>
-              <a:ea typeface="Calibri" charset="0"/>
-              <a:cs typeface="Calibri" charset="0"/>
-            </a:endParaRPr>
-          </a:p>
-          <a:p>
-            <a:pPr marL="266700" indent="-177800"/>
-            <a:r>
-              <a:rPr lang="de-DE" dirty="0">
-                <a:latin typeface="+mn-lt"/>
-              </a:rPr>
-              <a:t>Sichern langfristiger Finanzierung des Projektaufwandes (Wartungs-/Supportverträge, Lizenzen)</a:t>
+              <a:t>Bereitstellen als Open Source</a:t>
             </a:r>
           </a:p>
         </p:txBody>
@@ -27966,96 +27548,6 @@
                       </p:childTnLst>
                     </p:cTn>
                   </p:par>
-                  <p:par>
-                    <p:cTn id="15" fill="hold">
-                      <p:stCondLst>
-                        <p:cond delay="indefinite"/>
-                      </p:stCondLst>
-                      <p:childTnLst>
-                        <p:par>
-                          <p:cTn id="16" fill="hold">
-                            <p:stCondLst>
-                              <p:cond delay="0"/>
-                            </p:stCondLst>
-                            <p:childTnLst>
-                              <p:par>
-                                <p:cTn id="17" presetID="1" presetClass="entr" presetSubtype="0" fill="hold" grpId="0" nodeType="clickEffect">
-                                  <p:stCondLst>
-                                    <p:cond delay="0"/>
-                                  </p:stCondLst>
-                                  <p:childTnLst>
-                                    <p:set>
-                                      <p:cBhvr>
-                                        <p:cTn id="18" dur="1" fill="hold">
-                                          <p:stCondLst>
-                                            <p:cond delay="0"/>
-                                          </p:stCondLst>
-                                        </p:cTn>
-                                        <p:tgtEl>
-                                          <p:spTgt spid="13"/>
-                                        </p:tgtEl>
-                                        <p:attrNameLst>
-                                          <p:attrName>style.visibility</p:attrName>
-                                        </p:attrNameLst>
-                                      </p:cBhvr>
-                                      <p:to>
-                                        <p:strVal val="visible"/>
-                                      </p:to>
-                                    </p:set>
-                                  </p:childTnLst>
-                                </p:cTn>
-                              </p:par>
-                            </p:childTnLst>
-                          </p:cTn>
-                        </p:par>
-                      </p:childTnLst>
-                    </p:cTn>
-                  </p:par>
-                  <p:par>
-                    <p:cTn id="19" fill="hold">
-                      <p:stCondLst>
-                        <p:cond delay="indefinite"/>
-                      </p:stCondLst>
-                      <p:childTnLst>
-                        <p:par>
-                          <p:cTn id="20" fill="hold">
-                            <p:stCondLst>
-                              <p:cond delay="0"/>
-                            </p:stCondLst>
-                            <p:childTnLst>
-                              <p:par>
-                                <p:cTn id="21" presetID="1" presetClass="entr" presetSubtype="0" fill="hold" grpId="0" nodeType="clickEffect">
-                                  <p:stCondLst>
-                                    <p:cond delay="0"/>
-                                  </p:stCondLst>
-                                  <p:childTnLst>
-                                    <p:set>
-                                      <p:cBhvr>
-                                        <p:cTn id="22" dur="1" fill="hold">
-                                          <p:stCondLst>
-                                            <p:cond delay="0"/>
-                                          </p:stCondLst>
-                                        </p:cTn>
-                                        <p:tgtEl>
-                                          <p:spTgt spid="11"/>
-                                        </p:tgtEl>
-                                        <p:attrNameLst>
-                                          <p:attrName>style.visibility</p:attrName>
-                                        </p:attrNameLst>
-                                      </p:cBhvr>
-                                      <p:to>
-                                        <p:strVal val="visible"/>
-                                      </p:to>
-                                    </p:set>
-                                  </p:childTnLst>
-                                </p:cTn>
-                              </p:par>
-                            </p:childTnLst>
-                          </p:cTn>
-                        </p:par>
-                      </p:childTnLst>
-                    </p:cTn>
-                  </p:par>
                 </p:childTnLst>
               </p:cTn>
               <p:prevCondLst>
@@ -28080,15 +27572,477 @@
     <p:bldLst>
       <p:bldP spid="9" grpId="0" animBg="1"/>
       <p:bldP spid="10" grpId="0" animBg="1"/>
-      <p:bldP spid="11" grpId="0" animBg="1"/>
       <p:bldP spid="12" grpId="0" animBg="1"/>
-      <p:bldP spid="13" grpId="0" animBg="1"/>
     </p:bldLst>
   </p:timing>
 </p:sld>
 </file>
 
 <file path=ppt/slides/slide24.xml><?xml version="1.0" encoding="utf-8"?>
+<p:sld xmlns:a="http://schemas.openxmlformats.org/drawingml/2006/main" xmlns:r="http://schemas.openxmlformats.org/officeDocument/2006/relationships" xmlns:p="http://schemas.openxmlformats.org/presentationml/2006/main">
+  <p:cSld>
+    <p:spTree>
+      <p:nvGrpSpPr>
+        <p:cNvPr id="1" name=""/>
+        <p:cNvGrpSpPr/>
+        <p:nvPr/>
+      </p:nvGrpSpPr>
+      <p:grpSpPr>
+        <a:xfrm>
+          <a:off x="0" y="0"/>
+          <a:ext cx="0" cy="0"/>
+          <a:chOff x="0" y="0"/>
+          <a:chExt cx="0" cy="0"/>
+        </a:xfrm>
+      </p:grpSpPr>
+      <p:sp>
+        <p:nvSpPr>
+          <p:cNvPr id="4" name="Fußzeilenplatzhalter 3"/>
+          <p:cNvSpPr>
+            <a:spLocks noGrp="1"/>
+          </p:cNvSpPr>
+          <p:nvPr>
+            <p:ph type="ftr" sz="quarter" idx="3"/>
+          </p:nvPr>
+        </p:nvSpPr>
+        <p:spPr>
+          <a:xfrm>
+            <a:off x="6412999" y="4918182"/>
+            <a:ext cx="2173184" cy="273844"/>
+          </a:xfrm>
+        </p:spPr>
+        <p:txBody>
+          <a:bodyPr/>
+          <a:lstStyle/>
+          <a:p>
+            <a:r>
+              <a:rPr lang="de-DE" dirty="0"/>
+              <a:t>Seite</a:t>
+            </a:r>
+          </a:p>
+        </p:txBody>
+      </p:sp>
+      <p:sp>
+        <p:nvSpPr>
+          <p:cNvPr id="5" name="Foliennummernplatzhalter 4"/>
+          <p:cNvSpPr>
+            <a:spLocks noGrp="1"/>
+          </p:cNvSpPr>
+          <p:nvPr>
+            <p:ph type="sldNum" sz="quarter" idx="4"/>
+          </p:nvPr>
+        </p:nvSpPr>
+        <p:spPr>
+          <a:xfrm>
+            <a:off x="8418658" y="4920586"/>
+            <a:ext cx="335050" cy="273844"/>
+          </a:xfrm>
+        </p:spPr>
+        <p:txBody>
+          <a:bodyPr/>
+          <a:lstStyle/>
+          <a:p>
+            <a:fld id="{2DD045F0-8B2A-FA4B-969F-A1574B4A39C0}" type="slidenum">
+              <a:rPr lang="de-DE" smtClean="0"/>
+              <a:pPr/>
+              <a:t>24</a:t>
+            </a:fld>
+            <a:endParaRPr lang="de-DE" dirty="0"/>
+          </a:p>
+        </p:txBody>
+      </p:sp>
+      <p:sp>
+        <p:nvSpPr>
+          <p:cNvPr id="6" name="Textfeld 5">
+            <a:extLst>
+              <a:ext uri="{FF2B5EF4-FFF2-40B4-BE49-F238E27FC236}">
+                <a16:creationId xmlns:a16="http://schemas.microsoft.com/office/drawing/2014/main" id="{D251F692-1371-1548-BA3A-DB8C18A74215}"/>
+              </a:ext>
+            </a:extLst>
+          </p:cNvPr>
+          <p:cNvSpPr txBox="1"/>
+          <p:nvPr/>
+        </p:nvSpPr>
+        <p:spPr>
+          <a:xfrm>
+            <a:off x="1140903" y="3821628"/>
+            <a:ext cx="7113864" cy="914400"/>
+          </a:xfrm>
+          <a:prstGeom prst="rect">
+            <a:avLst/>
+          </a:prstGeom>
+        </p:spPr>
+        <p:txBody>
+          <a:bodyPr vert="horz" wrap="none" lIns="0" tIns="0" rIns="0" bIns="0" rtlCol="0">
+            <a:noAutofit/>
+          </a:bodyPr>
+          <a:lstStyle/>
+          <a:p>
+            <a:endParaRPr lang="de-DE" dirty="0"/>
+          </a:p>
+          <a:p>
+            <a:endParaRPr lang="de-DE" dirty="0"/>
+          </a:p>
+        </p:txBody>
+      </p:sp>
+      <p:sp>
+        <p:nvSpPr>
+          <p:cNvPr id="7" name="Titel 1">
+            <a:extLst>
+              <a:ext uri="{FF2B5EF4-FFF2-40B4-BE49-F238E27FC236}">
+                <a16:creationId xmlns:a16="http://schemas.microsoft.com/office/drawing/2014/main" id="{2D5F59E6-BBCB-3441-BDD3-FC9E3EA38DDD}"/>
+              </a:ext>
+            </a:extLst>
+          </p:cNvPr>
+          <p:cNvSpPr txBox="1">
+            <a:spLocks/>
+          </p:cNvSpPr>
+          <p:nvPr/>
+        </p:nvSpPr>
+        <p:spPr>
+          <a:xfrm>
+            <a:off x="222767" y="334116"/>
+            <a:ext cx="8363416" cy="508925"/>
+          </a:xfrm>
+          <a:prstGeom prst="rect">
+            <a:avLst/>
+          </a:prstGeom>
+        </p:spPr>
+        <p:txBody>
+          <a:bodyPr vert="horz" wrap="square" lIns="0" tIns="0" rIns="0" bIns="0" rtlCol="0" anchor="t" anchorCtr="0">
+            <a:noAutofit/>
+          </a:bodyPr>
+          <a:lstStyle>
+            <a:lvl1pPr algn="l" defTabSz="457200" rtl="0" eaLnBrk="1" latinLnBrk="0" hangingPunct="1">
+              <a:lnSpc>
+                <a:spcPct val="90000"/>
+              </a:lnSpc>
+              <a:spcBef>
+                <a:spcPct val="0"/>
+              </a:spcBef>
+              <a:buNone/>
+              <a:defRPr sz="3300" b="0" i="0" kern="1200" baseline="0">
+                <a:solidFill>
+                  <a:srgbClr val="DC2314"/>
+                </a:solidFill>
+                <a:latin typeface="Calibri Light" charset="0"/>
+                <a:ea typeface="Calibri Light" charset="0"/>
+                <a:cs typeface="Calibri Light" charset="0"/>
+              </a:defRPr>
+            </a:lvl1pPr>
+          </a:lstStyle>
+          <a:p>
+            <a:r>
+              <a:rPr lang="de-DE" sz="2800" b="1" dirty="0"/>
+              <a:t>Verfügbarkeit des Tools als Open Source</a:t>
+            </a:r>
+          </a:p>
+        </p:txBody>
+      </p:sp>
+      <p:sp>
+        <p:nvSpPr>
+          <p:cNvPr id="8" name="Textplatzhalter 12">
+            <a:extLst>
+              <a:ext uri="{FF2B5EF4-FFF2-40B4-BE49-F238E27FC236}">
+                <a16:creationId xmlns:a16="http://schemas.microsoft.com/office/drawing/2014/main" id="{B5972140-158E-8B4A-AEF3-B1651BAB5054}"/>
+              </a:ext>
+            </a:extLst>
+          </p:cNvPr>
+          <p:cNvSpPr txBox="1">
+            <a:spLocks/>
+          </p:cNvSpPr>
+          <p:nvPr/>
+        </p:nvSpPr>
+        <p:spPr>
+          <a:xfrm>
+            <a:off x="222767" y="1370322"/>
+            <a:ext cx="8623725" cy="2775651"/>
+          </a:xfrm>
+          <a:prstGeom prst="rect">
+            <a:avLst/>
+          </a:prstGeom>
+          <a:solidFill>
+            <a:schemeClr val="bg1">
+              <a:lumMod val="95000"/>
+            </a:schemeClr>
+          </a:solidFill>
+        </p:spPr>
+        <p:txBody>
+          <a:bodyPr vert="horz" lIns="0" tIns="0" rIns="0" bIns="0" rtlCol="0">
+            <a:noAutofit/>
+          </a:bodyPr>
+          <a:lstStyle>
+            <a:lvl1pPr marL="222250" indent="-220663" algn="l" defTabSz="457200" rtl="0" eaLnBrk="1" latinLnBrk="0" hangingPunct="1">
+              <a:lnSpc>
+                <a:spcPct val="90000"/>
+              </a:lnSpc>
+              <a:spcBef>
+                <a:spcPts val="0"/>
+              </a:spcBef>
+              <a:spcAft>
+                <a:spcPts val="900"/>
+              </a:spcAft>
+              <a:buClr>
+                <a:srgbClr val="DC2314"/>
+              </a:buClr>
+              <a:buSzPct val="100000"/>
+              <a:buFont typeface="LucidaGrande" charset="0"/>
+              <a:buChar char="•"/>
+              <a:tabLst/>
+              <a:defRPr sz="1600" b="0" i="0" kern="1200" baseline="0">
+                <a:solidFill>
+                  <a:srgbClr val="5F696E"/>
+                </a:solidFill>
+                <a:latin typeface="Calibri Light" charset="0"/>
+                <a:ea typeface="Calibri Light" charset="0"/>
+                <a:cs typeface="Calibri Light" charset="0"/>
+              </a:defRPr>
+            </a:lvl1pPr>
+            <a:lvl2pPr marL="492125" indent="-225425" algn="l" defTabSz="457200" rtl="0" eaLnBrk="1" latinLnBrk="0" hangingPunct="1">
+              <a:lnSpc>
+                <a:spcPct val="90000"/>
+              </a:lnSpc>
+              <a:spcBef>
+                <a:spcPts val="0"/>
+              </a:spcBef>
+              <a:spcAft>
+                <a:spcPts val="900"/>
+              </a:spcAft>
+              <a:buClr>
+                <a:srgbClr val="DC2314"/>
+              </a:buClr>
+              <a:buSzPct val="80000"/>
+              <a:buFont typeface="Symbol" charset="2"/>
+              <a:buChar char="-"/>
+              <a:tabLst/>
+              <a:defRPr sz="1600" b="0" i="0" kern="1200" baseline="0">
+                <a:solidFill>
+                  <a:srgbClr val="5F696E"/>
+                </a:solidFill>
+                <a:latin typeface="Calibri Light" charset="0"/>
+                <a:ea typeface="Calibri Light" charset="0"/>
+                <a:cs typeface="Calibri Light" charset="0"/>
+              </a:defRPr>
+            </a:lvl2pPr>
+            <a:lvl3pPr marL="1157288" indent="-242888" algn="l" defTabSz="457200" rtl="0" eaLnBrk="1" latinLnBrk="0" hangingPunct="1">
+              <a:lnSpc>
+                <a:spcPct val="105000"/>
+              </a:lnSpc>
+              <a:spcBef>
+                <a:spcPts val="0"/>
+              </a:spcBef>
+              <a:buClr>
+                <a:srgbClr val="DC2314"/>
+              </a:buClr>
+              <a:buSzPct val="80000"/>
+              <a:buFont typeface="Symbol" charset="2"/>
+              <a:buChar char="-"/>
+              <a:tabLst/>
+              <a:defRPr sz="1600" kern="1200" baseline="0">
+                <a:solidFill>
+                  <a:schemeClr val="tx1"/>
+                </a:solidFill>
+                <a:latin typeface="Calibri Light"/>
+                <a:ea typeface="+mn-ea"/>
+                <a:cs typeface="+mn-cs"/>
+              </a:defRPr>
+            </a:lvl3pPr>
+            <a:lvl4pPr marL="1657350" indent="-285750" algn="l" defTabSz="457200" rtl="0" eaLnBrk="1" latinLnBrk="0" hangingPunct="1">
+              <a:lnSpc>
+                <a:spcPct val="105000"/>
+              </a:lnSpc>
+              <a:spcBef>
+                <a:spcPts val="0"/>
+              </a:spcBef>
+              <a:buClr>
+                <a:schemeClr val="tx1"/>
+              </a:buClr>
+              <a:buSzPct val="100000"/>
+              <a:buFont typeface="Arial"/>
+              <a:buChar char="•"/>
+              <a:defRPr sz="1600" kern="1200" baseline="0">
+                <a:solidFill>
+                  <a:schemeClr val="tx1"/>
+                </a:solidFill>
+                <a:latin typeface="Calibri Light"/>
+                <a:ea typeface="+mn-ea"/>
+                <a:cs typeface="+mn-cs"/>
+              </a:defRPr>
+            </a:lvl4pPr>
+            <a:lvl5pPr marL="2114550" indent="-285750" algn="l" defTabSz="457200" rtl="0" eaLnBrk="1" latinLnBrk="0" hangingPunct="1">
+              <a:lnSpc>
+                <a:spcPct val="105000"/>
+              </a:lnSpc>
+              <a:spcBef>
+                <a:spcPts val="0"/>
+              </a:spcBef>
+              <a:buClr>
+                <a:schemeClr val="tx1"/>
+              </a:buClr>
+              <a:buSzPct val="100000"/>
+              <a:buFont typeface="Arial"/>
+              <a:buChar char="•"/>
+              <a:defRPr sz="1600" kern="1200" baseline="0">
+                <a:solidFill>
+                  <a:schemeClr val="tx1"/>
+                </a:solidFill>
+                <a:latin typeface="Calibri Light"/>
+                <a:ea typeface="+mn-ea"/>
+                <a:cs typeface="+mn-cs"/>
+              </a:defRPr>
+            </a:lvl5pPr>
+            <a:lvl6pPr marL="2514600" indent="-228600" algn="l" defTabSz="457200" rtl="0" eaLnBrk="1" latinLnBrk="0" hangingPunct="1">
+              <a:spcBef>
+                <a:spcPct val="20000"/>
+              </a:spcBef>
+              <a:buFont typeface="Arial"/>
+              <a:buChar char="•"/>
+              <a:defRPr sz="2000" kern="1200">
+                <a:solidFill>
+                  <a:schemeClr val="tx1"/>
+                </a:solidFill>
+                <a:latin typeface="+mn-lt"/>
+                <a:ea typeface="+mn-ea"/>
+                <a:cs typeface="+mn-cs"/>
+              </a:defRPr>
+            </a:lvl6pPr>
+            <a:lvl7pPr marL="2971800" indent="-228600" algn="l" defTabSz="457200" rtl="0" eaLnBrk="1" latinLnBrk="0" hangingPunct="1">
+              <a:spcBef>
+                <a:spcPct val="20000"/>
+              </a:spcBef>
+              <a:buFont typeface="Arial"/>
+              <a:buChar char="•"/>
+              <a:defRPr sz="2000" kern="1200">
+                <a:solidFill>
+                  <a:schemeClr val="tx1"/>
+                </a:solidFill>
+                <a:latin typeface="+mn-lt"/>
+                <a:ea typeface="+mn-ea"/>
+                <a:cs typeface="+mn-cs"/>
+              </a:defRPr>
+            </a:lvl7pPr>
+            <a:lvl8pPr marL="3429000" indent="-228600" algn="l" defTabSz="457200" rtl="0" eaLnBrk="1" latinLnBrk="0" hangingPunct="1">
+              <a:spcBef>
+                <a:spcPct val="20000"/>
+              </a:spcBef>
+              <a:buFont typeface="Arial"/>
+              <a:buChar char="•"/>
+              <a:defRPr sz="2000" kern="1200">
+                <a:solidFill>
+                  <a:schemeClr val="tx1"/>
+                </a:solidFill>
+                <a:latin typeface="+mn-lt"/>
+                <a:ea typeface="+mn-ea"/>
+                <a:cs typeface="+mn-cs"/>
+              </a:defRPr>
+            </a:lvl8pPr>
+            <a:lvl9pPr marL="3886200" indent="-228600" algn="l" defTabSz="457200" rtl="0" eaLnBrk="1" latinLnBrk="0" hangingPunct="1">
+              <a:spcBef>
+                <a:spcPct val="20000"/>
+              </a:spcBef>
+              <a:buFont typeface="Arial"/>
+              <a:buChar char="•"/>
+              <a:defRPr sz="2000" kern="1200">
+                <a:solidFill>
+                  <a:schemeClr val="tx1"/>
+                </a:solidFill>
+                <a:latin typeface="+mn-lt"/>
+                <a:ea typeface="+mn-ea"/>
+                <a:cs typeface="+mn-cs"/>
+              </a:defRPr>
+            </a:lvl9pPr>
+          </a:lstStyle>
+          <a:p>
+            <a:endParaRPr lang="de-DE" dirty="0"/>
+          </a:p>
+          <a:p>
+            <a:r>
+              <a:rPr lang="de-DE" dirty="0"/>
+              <a:t>Die Bereitstellung von TriXX durch OSP als </a:t>
+            </a:r>
+            <a:r>
+              <a:rPr lang="de-DE" dirty="0" err="1"/>
+              <a:t>OpenSource</a:t>
+            </a:r>
+            <a:r>
+              <a:rPr lang="de-DE" dirty="0"/>
+              <a:t> ist beabsichtigt, aber noch nicht vollzogen.</a:t>
+            </a:r>
+          </a:p>
+          <a:p>
+            <a:r>
+              <a:rPr lang="de-DE" dirty="0"/>
+              <a:t>Die Entscheidung ist getroffen, es müssen aktuell aber noch einige Details geklärt werden. </a:t>
+            </a:r>
+            <a:br>
+              <a:rPr lang="de-DE" dirty="0"/>
+            </a:br>
+            <a:r>
+              <a:rPr lang="de-DE" dirty="0"/>
+              <a:t>Wir erwarten dass dies zum Januar 2022 geklärt ist.</a:t>
+            </a:r>
+          </a:p>
+          <a:p>
+            <a:r>
+              <a:rPr lang="de-DE" dirty="0"/>
+              <a:t>Eventuell muss dabei der Name des Tools noch geändert werden.</a:t>
+            </a:r>
+          </a:p>
+          <a:p>
+            <a:r>
+              <a:rPr lang="de-DE" dirty="0"/>
+              <a:t>Wenn Sie nach der Veröffentlichung von TriXX informiert werden möchten, </a:t>
+            </a:r>
+            <a:br>
+              <a:rPr lang="de-DE" dirty="0"/>
+            </a:br>
+            <a:r>
+              <a:rPr lang="de-DE" dirty="0"/>
+              <a:t>senden Sie bitte ein Mail an </a:t>
+            </a:r>
+            <a:r>
+              <a:rPr lang="de-DE" dirty="0">
+                <a:hlinkClick r:id="rId2"/>
+              </a:rPr>
+              <a:t>Peter.Ramm@ottogroup.com</a:t>
+            </a:r>
+            <a:r>
+              <a:rPr lang="de-DE" dirty="0"/>
+              <a:t>.</a:t>
+            </a:r>
+          </a:p>
+          <a:p>
+            <a:r>
+              <a:rPr lang="de-DE" dirty="0"/>
+              <a:t>Detaillierte Informationen zu TriXX finden Sie bereits jetzt hier:</a:t>
+            </a:r>
+            <a:br>
+              <a:rPr lang="de-DE" dirty="0"/>
+            </a:br>
+            <a:r>
+              <a:rPr lang="de-DE" dirty="0">
+                <a:hlinkClick r:id="rId3"/>
+              </a:rPr>
+              <a:t>https://otto-group-solution-provider.gitlab.io/trixx/trixx.html</a:t>
+            </a:r>
+            <a:endParaRPr lang="de-DE" dirty="0"/>
+          </a:p>
+        </p:txBody>
+      </p:sp>
+    </p:spTree>
+    <p:extLst>
+      <p:ext uri="{BB962C8B-B14F-4D97-AF65-F5344CB8AC3E}">
+        <p14:creationId xmlns:p14="http://schemas.microsoft.com/office/powerpoint/2010/main" val="648921302"/>
+      </p:ext>
+    </p:extLst>
+  </p:cSld>
+  <p:clrMapOvr>
+    <a:masterClrMapping/>
+  </p:clrMapOvr>
+</p:sld>
+</file>
+
+<file path=ppt/slides/slide25.xml><?xml version="1.0" encoding="utf-8"?>
 <p:sld xmlns:a="http://schemas.openxmlformats.org/drawingml/2006/main" xmlns:r="http://schemas.openxmlformats.org/officeDocument/2006/relationships" xmlns:p="http://schemas.openxmlformats.org/presentationml/2006/main">
   <p:cSld>
     <p:spTree>
@@ -28182,7 +28136,7 @@
             <a:fld id="{2DD045F0-8B2A-FA4B-969F-A1574B4A39C0}" type="slidenum">
               <a:rPr lang="de-DE" smtClean="0"/>
               <a:pPr/>
-              <a:t>24</a:t>
+              <a:t>25</a:t>
             </a:fld>
             <a:endParaRPr lang="de-DE" dirty="0"/>
           </a:p>
@@ -28227,12 +28181,17 @@
               <a:rPr lang="de-DE" dirty="0"/>
               <a:t> der Demo:	 </a:t>
             </a:r>
+          </a:p>
+          <a:p>
             <a:r>
               <a:rPr lang="de-DE" dirty="0">
                 <a:hlinkClick r:id="rId2"/>
               </a:rPr>
-              <a:t>https://bit.ly/3isjpJO</a:t>
-            </a:r>
+              <a:t>https://otto-group-solution-provider.gitlab.io/trixx/trixx_demo.html</a:t>
+            </a:r>
+            <a:endParaRPr lang="de-DE" dirty="0"/>
+          </a:p>
+          <a:p>
             <a:endParaRPr lang="de-DE" dirty="0"/>
           </a:p>
           <a:p>
@@ -28243,7 +28202,7 @@
     </p:spTree>
     <p:extLst>
       <p:ext uri="{BB962C8B-B14F-4D97-AF65-F5344CB8AC3E}">
-        <p14:creationId xmlns:p14="http://schemas.microsoft.com/office/powerpoint/2010/main" val="648921302"/>
+        <p14:creationId xmlns:p14="http://schemas.microsoft.com/office/powerpoint/2010/main" val="791981556"/>
       </p:ext>
     </p:extLst>
   </p:cSld>
@@ -28253,7 +28212,7 @@
 </p:sld>
 </file>
 
-<file path=ppt/slides/slide25.xml><?xml version="1.0" encoding="utf-8"?>
+<file path=ppt/slides/slide26.xml><?xml version="1.0" encoding="utf-8"?>
 <p:sld xmlns:a="http://schemas.openxmlformats.org/drawingml/2006/main" xmlns:r="http://schemas.openxmlformats.org/officeDocument/2006/relationships" xmlns:p="http://schemas.openxmlformats.org/presentationml/2006/main">
   <p:cSld>
     <p:spTree>
@@ -40028,10 +39987,10 @@
       </p:sp>
       <p:pic>
         <p:nvPicPr>
-          <p:cNvPr id="11" name="Grafik 10">
+          <p:cNvPr id="6" name="Grafik 5">
             <a:extLst>
               <a:ext uri="{FF2B5EF4-FFF2-40B4-BE49-F238E27FC236}">
-                <a16:creationId xmlns:a16="http://schemas.microsoft.com/office/drawing/2014/main" id="{0345DA03-9463-2744-BB95-02B75EDC3F08}"/>
+                <a16:creationId xmlns:a16="http://schemas.microsoft.com/office/drawing/2014/main" id="{38B7B886-E611-FE41-AFE0-B1197260AC78}"/>
               </a:ext>
             </a:extLst>
           </p:cNvPr>
@@ -40041,15 +40000,15 @@
           <p:nvPr/>
         </p:nvPicPr>
         <p:blipFill>
-          <a:blip r:embed="rId2"/>
+          <a:blip r:embed="rId3"/>
           <a:stretch>
             <a:fillRect/>
           </a:stretch>
         </p:blipFill>
         <p:spPr>
           <a:xfrm>
-            <a:off x="1004746" y="0"/>
-            <a:ext cx="6132635" cy="5143500"/>
+            <a:off x="557817" y="-31173"/>
+            <a:ext cx="6042104" cy="5143500"/>
           </a:xfrm>
           <a:prstGeom prst="rect">
             <a:avLst/>
